--- a/Báo cáo.pptx
+++ b/Báo cáo.pptx
@@ -5,7 +5,7 @@
     <p:sldMasterId id="2147483648" r:id="rId1"/>
   </p:sldMasterIdLst>
   <p:notesMasterIdLst>
-    <p:notesMasterId r:id="rId14"/>
+    <p:notesMasterId r:id="rId23"/>
   </p:notesMasterIdLst>
   <p:sldIdLst>
     <p:sldId id="256" r:id="rId2"/>
@@ -15,11 +15,20 @@
     <p:sldId id="295" r:id="rId6"/>
     <p:sldId id="270" r:id="rId7"/>
     <p:sldId id="296" r:id="rId8"/>
-    <p:sldId id="284" r:id="rId9"/>
-    <p:sldId id="279" r:id="rId10"/>
-    <p:sldId id="286" r:id="rId11"/>
-    <p:sldId id="282" r:id="rId12"/>
-    <p:sldId id="294" r:id="rId13"/>
+    <p:sldId id="297" r:id="rId9"/>
+    <p:sldId id="298" r:id="rId10"/>
+    <p:sldId id="299" r:id="rId11"/>
+    <p:sldId id="300" r:id="rId12"/>
+    <p:sldId id="301" r:id="rId13"/>
+    <p:sldId id="302" r:id="rId14"/>
+    <p:sldId id="304" r:id="rId15"/>
+    <p:sldId id="303" r:id="rId16"/>
+    <p:sldId id="305" r:id="rId17"/>
+    <p:sldId id="284" r:id="rId18"/>
+    <p:sldId id="279" r:id="rId19"/>
+    <p:sldId id="286" r:id="rId20"/>
+    <p:sldId id="282" r:id="rId21"/>
+    <p:sldId id="294" r:id="rId22"/>
   </p:sldIdLst>
   <p:sldSz cx="9144000" cy="5143500" type="screen16x9"/>
   <p:notesSz cx="5143500" cy="9144000"/>
@@ -219,7 +228,7 @@
           <a:p>
             <a:fld id="{D720503E-7F5E-4ABE-B869-34FDF8855786}" type="datetimeFigureOut">
               <a:rPr lang="en-US" smtClean="0"/>
-              <a:t>6/18/2020</a:t>
+              <a:t>6/19/2020</a:t>
             </a:fld>
             <a:endParaRPr lang="en-US"/>
           </a:p>
@@ -680,7 +689,7 @@
             </a:pPr>
             <a:fld id="{C6A69C64-0A0C-4D60-B614-E96069CBCE63}" type="datetimeFigureOut">
               <a:rPr lang="en-US"/>
-              <a:t>6/18/2020</a:t>
+              <a:t>6/19/2020</a:t>
             </a:fld>
             <a:endParaRPr lang="en-US"/>
           </a:p>
@@ -872,7 +881,7 @@
             </a:pPr>
             <a:fld id="{C6A69C64-0A0C-4D60-B614-E96069CBCE63}" type="datetimeFigureOut">
               <a:rPr lang="en-US"/>
-              <a:t>6/18/2020</a:t>
+              <a:t>6/19/2020</a:t>
             </a:fld>
             <a:endParaRPr lang="en-US"/>
           </a:p>
@@ -1074,7 +1083,7 @@
             </a:pPr>
             <a:fld id="{C6A69C64-0A0C-4D60-B614-E96069CBCE63}" type="datetimeFigureOut">
               <a:rPr lang="en-US"/>
-              <a:t>6/18/2020</a:t>
+              <a:t>6/19/2020</a:t>
             </a:fld>
             <a:endParaRPr lang="en-US"/>
           </a:p>
@@ -2652,7 +2661,7 @@
             </a:pPr>
             <a:fld id="{C6A69C64-0A0C-4D60-B614-E96069CBCE63}" type="datetimeFigureOut">
               <a:rPr lang="en-US"/>
-              <a:t>6/18/2020</a:t>
+              <a:t>6/19/2020</a:t>
             </a:fld>
             <a:endParaRPr lang="en-US"/>
           </a:p>
@@ -2910,7 +2919,7 @@
             </a:pPr>
             <a:fld id="{C6A69C64-0A0C-4D60-B614-E96069CBCE63}" type="datetimeFigureOut">
               <a:rPr lang="en-US"/>
-              <a:t>6/18/2020</a:t>
+              <a:t>6/19/2020</a:t>
             </a:fld>
             <a:endParaRPr lang="en-US"/>
           </a:p>
@@ -3233,7 +3242,7 @@
             </a:pPr>
             <a:fld id="{C6A69C64-0A0C-4D60-B614-E96069CBCE63}" type="datetimeFigureOut">
               <a:rPr lang="en-US"/>
-              <a:t>6/18/2020</a:t>
+              <a:t>6/19/2020</a:t>
             </a:fld>
             <a:endParaRPr lang="en-US"/>
           </a:p>
@@ -3701,7 +3710,7 @@
             </a:pPr>
             <a:fld id="{C6A69C64-0A0C-4D60-B614-E96069CBCE63}" type="datetimeFigureOut">
               <a:rPr lang="en-US"/>
-              <a:t>6/18/2020</a:t>
+              <a:t>6/19/2020</a:t>
             </a:fld>
             <a:endParaRPr lang="en-US"/>
           </a:p>
@@ -3828,7 +3837,7 @@
             </a:pPr>
             <a:fld id="{C6A69C64-0A0C-4D60-B614-E96069CBCE63}" type="datetimeFigureOut">
               <a:rPr lang="en-US"/>
-              <a:t>6/18/2020</a:t>
+              <a:t>6/19/2020</a:t>
             </a:fld>
             <a:endParaRPr lang="en-US"/>
           </a:p>
@@ -3930,7 +3939,7 @@
             </a:pPr>
             <a:fld id="{C6A69C64-0A0C-4D60-B614-E96069CBCE63}" type="datetimeFigureOut">
               <a:rPr lang="en-US"/>
-              <a:t>6/18/2020</a:t>
+              <a:t>6/19/2020</a:t>
             </a:fld>
             <a:endParaRPr lang="en-US"/>
           </a:p>
@@ -4232,7 +4241,7 @@
             </a:pPr>
             <a:fld id="{C6A69C64-0A0C-4D60-B614-E96069CBCE63}" type="datetimeFigureOut">
               <a:rPr lang="en-US"/>
-              <a:t>6/18/2020</a:t>
+              <a:t>6/19/2020</a:t>
             </a:fld>
             <a:endParaRPr lang="en-US"/>
           </a:p>
@@ -4500,7 +4509,7 @@
             </a:pPr>
             <a:fld id="{C6A69C64-0A0C-4D60-B614-E96069CBCE63}" type="datetimeFigureOut">
               <a:rPr lang="en-US"/>
-              <a:t>6/18/2020</a:t>
+              <a:t>6/19/2020</a:t>
             </a:fld>
             <a:endParaRPr lang="en-US"/>
           </a:p>
@@ -4741,7 +4750,7 @@
             </a:pPr>
             <a:fld id="{C6A69C64-0A0C-4D60-B614-E96069CBCE63}" type="datetimeFigureOut">
               <a:rPr lang="en-US"/>
-              <a:t>6/18/2020</a:t>
+              <a:t>6/19/2020</a:t>
             </a:fld>
             <a:endParaRPr lang="en-US"/>
           </a:p>
@@ -5474,6 +5483,663 @@
 <file path=ppt/slides/slide10.xml><?xml version="1.0" encoding="utf-8"?>
 <p:sld xmlns:a="http://schemas.openxmlformats.org/drawingml/2006/main" xmlns:r="http://schemas.openxmlformats.org/officeDocument/2006/relationships" xmlns:p="http://schemas.openxmlformats.org/presentationml/2006/main">
   <p:cSld>
+    <p:spTree>
+      <p:nvGrpSpPr>
+        <p:cNvPr id="1" name=""/>
+        <p:cNvGrpSpPr/>
+        <p:nvPr/>
+      </p:nvGrpSpPr>
+      <p:grpSpPr>
+        <a:xfrm>
+          <a:off x="0" y="0"/>
+          <a:ext cx="0" cy="0"/>
+          <a:chOff x="0" y="0"/>
+          <a:chExt cx="0" cy="0"/>
+        </a:xfrm>
+      </p:grpSpPr>
+      <p:pic>
+        <p:nvPicPr>
+          <p:cNvPr id="2" name="Hình ảnh 1">
+            <a:extLst>
+              <a:ext uri="{FF2B5EF4-FFF2-40B4-BE49-F238E27FC236}">
+                <a16:creationId xmlns:a16="http://schemas.microsoft.com/office/drawing/2014/main" id="{F739E8BA-9096-40B0-B740-F4396F79E803}"/>
+              </a:ext>
+            </a:extLst>
+          </p:cNvPr>
+          <p:cNvPicPr>
+            <a:picLocks noChangeAspect="1"/>
+          </p:cNvPicPr>
+          <p:nvPr/>
+        </p:nvPicPr>
+        <p:blipFill>
+          <a:blip r:embed="rId2"/>
+          <a:stretch>
+            <a:fillRect/>
+          </a:stretch>
+        </p:blipFill>
+        <p:spPr>
+          <a:xfrm>
+            <a:off x="0" y="693964"/>
+            <a:ext cx="9144000" cy="3755571"/>
+          </a:xfrm>
+          <a:prstGeom prst="rect">
+            <a:avLst/>
+          </a:prstGeom>
+          <a:ln>
+            <a:noFill/>
+          </a:ln>
+          <a:effectLst>
+            <a:outerShdw blurRad="292100" dist="139700" dir="2700000" algn="tl" rotWithShape="0">
+              <a:srgbClr val="333333">
+                <a:alpha val="65000"/>
+              </a:srgbClr>
+            </a:outerShdw>
+          </a:effectLst>
+        </p:spPr>
+      </p:pic>
+    </p:spTree>
+    <p:extLst>
+      <p:ext uri="{BB962C8B-B14F-4D97-AF65-F5344CB8AC3E}">
+        <p14:creationId xmlns:p14="http://schemas.microsoft.com/office/powerpoint/2010/main" val="1982186735"/>
+      </p:ext>
+    </p:extLst>
+  </p:cSld>
+  <p:clrMapOvr>
+    <a:masterClrMapping/>
+  </p:clrMapOvr>
+  <p:transition spd="slow">
+    <p:push dir="u"/>
+  </p:transition>
+</p:sld>
+</file>
+
+<file path=ppt/slides/slide11.xml><?xml version="1.0" encoding="utf-8"?>
+<p:sld xmlns:a="http://schemas.openxmlformats.org/drawingml/2006/main" xmlns:r="http://schemas.openxmlformats.org/officeDocument/2006/relationships" xmlns:p="http://schemas.openxmlformats.org/presentationml/2006/main">
+  <p:cSld>
+    <p:spTree>
+      <p:nvGrpSpPr>
+        <p:cNvPr id="1" name=""/>
+        <p:cNvGrpSpPr/>
+        <p:nvPr/>
+      </p:nvGrpSpPr>
+      <p:grpSpPr>
+        <a:xfrm>
+          <a:off x="0" y="0"/>
+          <a:ext cx="0" cy="0"/>
+          <a:chOff x="0" y="0"/>
+          <a:chExt cx="0" cy="0"/>
+        </a:xfrm>
+      </p:grpSpPr>
+      <p:pic>
+        <p:nvPicPr>
+          <p:cNvPr id="2" name="Hình ảnh 1">
+            <a:extLst>
+              <a:ext uri="{FF2B5EF4-FFF2-40B4-BE49-F238E27FC236}">
+                <a16:creationId xmlns:a16="http://schemas.microsoft.com/office/drawing/2014/main" id="{2D27E98C-C01A-40A8-994B-A7867C7FB2D0}"/>
+              </a:ext>
+            </a:extLst>
+          </p:cNvPr>
+          <p:cNvPicPr>
+            <a:picLocks noChangeAspect="1"/>
+          </p:cNvPicPr>
+          <p:nvPr/>
+        </p:nvPicPr>
+        <p:blipFill>
+          <a:blip r:embed="rId2"/>
+          <a:stretch>
+            <a:fillRect/>
+          </a:stretch>
+        </p:blipFill>
+        <p:spPr>
+          <a:xfrm>
+            <a:off x="0" y="350288"/>
+            <a:ext cx="9144000" cy="4442924"/>
+          </a:xfrm>
+          <a:prstGeom prst="rect">
+            <a:avLst/>
+          </a:prstGeom>
+          <a:ln>
+            <a:noFill/>
+          </a:ln>
+          <a:effectLst>
+            <a:outerShdw blurRad="292100" dist="139700" dir="2700000" algn="tl" rotWithShape="0">
+              <a:srgbClr val="333333">
+                <a:alpha val="65000"/>
+              </a:srgbClr>
+            </a:outerShdw>
+          </a:effectLst>
+        </p:spPr>
+      </p:pic>
+    </p:spTree>
+    <p:extLst>
+      <p:ext uri="{BB962C8B-B14F-4D97-AF65-F5344CB8AC3E}">
+        <p14:creationId xmlns:p14="http://schemas.microsoft.com/office/powerpoint/2010/main" val="1666917256"/>
+      </p:ext>
+    </p:extLst>
+  </p:cSld>
+  <p:clrMapOvr>
+    <a:masterClrMapping/>
+  </p:clrMapOvr>
+  <p:transition spd="slow">
+    <p:push dir="u"/>
+  </p:transition>
+</p:sld>
+</file>
+
+<file path=ppt/slides/slide12.xml><?xml version="1.0" encoding="utf-8"?>
+<p:sld xmlns:a="http://schemas.openxmlformats.org/drawingml/2006/main" xmlns:r="http://schemas.openxmlformats.org/officeDocument/2006/relationships" xmlns:p="http://schemas.openxmlformats.org/presentationml/2006/main">
+  <p:cSld>
+    <p:spTree>
+      <p:nvGrpSpPr>
+        <p:cNvPr id="1" name=""/>
+        <p:cNvGrpSpPr/>
+        <p:nvPr/>
+      </p:nvGrpSpPr>
+      <p:grpSpPr>
+        <a:xfrm>
+          <a:off x="0" y="0"/>
+          <a:ext cx="0" cy="0"/>
+          <a:chOff x="0" y="0"/>
+          <a:chExt cx="0" cy="0"/>
+        </a:xfrm>
+      </p:grpSpPr>
+      <p:pic>
+        <p:nvPicPr>
+          <p:cNvPr id="2" name="Hình ảnh 1">
+            <a:extLst>
+              <a:ext uri="{FF2B5EF4-FFF2-40B4-BE49-F238E27FC236}">
+                <a16:creationId xmlns:a16="http://schemas.microsoft.com/office/drawing/2014/main" id="{12474AE9-1099-4CC4-87D2-352EC01EF964}"/>
+              </a:ext>
+            </a:extLst>
+          </p:cNvPr>
+          <p:cNvPicPr>
+            <a:picLocks noChangeAspect="1"/>
+          </p:cNvPicPr>
+          <p:nvPr/>
+        </p:nvPicPr>
+        <p:blipFill>
+          <a:blip r:embed="rId2"/>
+          <a:stretch>
+            <a:fillRect/>
+          </a:stretch>
+        </p:blipFill>
+        <p:spPr>
+          <a:xfrm>
+            <a:off x="0" y="764770"/>
+            <a:ext cx="9144000" cy="3613960"/>
+          </a:xfrm>
+          <a:prstGeom prst="rect">
+            <a:avLst/>
+          </a:prstGeom>
+          <a:ln>
+            <a:noFill/>
+          </a:ln>
+          <a:effectLst>
+            <a:outerShdw blurRad="292100" dist="139700" dir="2700000" algn="tl" rotWithShape="0">
+              <a:srgbClr val="333333">
+                <a:alpha val="65000"/>
+              </a:srgbClr>
+            </a:outerShdw>
+          </a:effectLst>
+        </p:spPr>
+      </p:pic>
+    </p:spTree>
+    <p:extLst>
+      <p:ext uri="{BB962C8B-B14F-4D97-AF65-F5344CB8AC3E}">
+        <p14:creationId xmlns:p14="http://schemas.microsoft.com/office/powerpoint/2010/main" val="1593968468"/>
+      </p:ext>
+    </p:extLst>
+  </p:cSld>
+  <p:clrMapOvr>
+    <a:masterClrMapping/>
+  </p:clrMapOvr>
+  <p:transition spd="slow">
+    <p:push dir="u"/>
+  </p:transition>
+</p:sld>
+</file>
+
+<file path=ppt/slides/slide13.xml><?xml version="1.0" encoding="utf-8"?>
+<p:sld xmlns:a="http://schemas.openxmlformats.org/drawingml/2006/main" xmlns:r="http://schemas.openxmlformats.org/officeDocument/2006/relationships" xmlns:p="http://schemas.openxmlformats.org/presentationml/2006/main">
+  <p:cSld>
+    <p:spTree>
+      <p:nvGrpSpPr>
+        <p:cNvPr id="1" name=""/>
+        <p:cNvGrpSpPr/>
+        <p:nvPr/>
+      </p:nvGrpSpPr>
+      <p:grpSpPr>
+        <a:xfrm>
+          <a:off x="0" y="0"/>
+          <a:ext cx="0" cy="0"/>
+          <a:chOff x="0" y="0"/>
+          <a:chExt cx="0" cy="0"/>
+        </a:xfrm>
+      </p:grpSpPr>
+      <p:pic>
+        <p:nvPicPr>
+          <p:cNvPr id="2" name="Hình ảnh 1">
+            <a:extLst>
+              <a:ext uri="{FF2B5EF4-FFF2-40B4-BE49-F238E27FC236}">
+                <a16:creationId xmlns:a16="http://schemas.microsoft.com/office/drawing/2014/main" id="{8CACB49B-A9AC-43A6-B3A1-98DD7DB0C497}"/>
+              </a:ext>
+            </a:extLst>
+          </p:cNvPr>
+          <p:cNvPicPr>
+            <a:picLocks noChangeAspect="1"/>
+          </p:cNvPicPr>
+          <p:nvPr/>
+        </p:nvPicPr>
+        <p:blipFill>
+          <a:blip r:embed="rId2"/>
+          <a:stretch>
+            <a:fillRect/>
+          </a:stretch>
+        </p:blipFill>
+        <p:spPr>
+          <a:xfrm>
+            <a:off x="0" y="505656"/>
+            <a:ext cx="9144000" cy="4132188"/>
+          </a:xfrm>
+          <a:prstGeom prst="rect">
+            <a:avLst/>
+          </a:prstGeom>
+          <a:ln>
+            <a:noFill/>
+          </a:ln>
+          <a:effectLst>
+            <a:outerShdw blurRad="292100" dist="139700" dir="2700000" algn="tl" rotWithShape="0">
+              <a:srgbClr val="333333">
+                <a:alpha val="65000"/>
+              </a:srgbClr>
+            </a:outerShdw>
+          </a:effectLst>
+        </p:spPr>
+      </p:pic>
+    </p:spTree>
+    <p:extLst>
+      <p:ext uri="{BB962C8B-B14F-4D97-AF65-F5344CB8AC3E}">
+        <p14:creationId xmlns:p14="http://schemas.microsoft.com/office/powerpoint/2010/main" val="1545337821"/>
+      </p:ext>
+    </p:extLst>
+  </p:cSld>
+  <p:clrMapOvr>
+    <a:masterClrMapping/>
+  </p:clrMapOvr>
+  <p:transition spd="slow">
+    <p:push dir="u"/>
+  </p:transition>
+</p:sld>
+</file>
+
+<file path=ppt/slides/slide14.xml><?xml version="1.0" encoding="utf-8"?>
+<p:sld xmlns:a="http://schemas.openxmlformats.org/drawingml/2006/main" xmlns:r="http://schemas.openxmlformats.org/officeDocument/2006/relationships" xmlns:p="http://schemas.openxmlformats.org/presentationml/2006/main">
+  <p:cSld>
+    <p:spTree>
+      <p:nvGrpSpPr>
+        <p:cNvPr id="1" name=""/>
+        <p:cNvGrpSpPr/>
+        <p:nvPr/>
+      </p:nvGrpSpPr>
+      <p:grpSpPr>
+        <a:xfrm>
+          <a:off x="0" y="0"/>
+          <a:ext cx="0" cy="0"/>
+          <a:chOff x="0" y="0"/>
+          <a:chExt cx="0" cy="0"/>
+        </a:xfrm>
+      </p:grpSpPr>
+      <p:pic>
+        <p:nvPicPr>
+          <p:cNvPr id="4" name="Hình ảnh 3">
+            <a:extLst>
+              <a:ext uri="{FF2B5EF4-FFF2-40B4-BE49-F238E27FC236}">
+                <a16:creationId xmlns:a16="http://schemas.microsoft.com/office/drawing/2014/main" id="{6C72130C-CEF0-425E-ABF6-23744BC7B685}"/>
+              </a:ext>
+            </a:extLst>
+          </p:cNvPr>
+          <p:cNvPicPr>
+            <a:picLocks noChangeAspect="1"/>
+          </p:cNvPicPr>
+          <p:nvPr/>
+        </p:nvPicPr>
+        <p:blipFill>
+          <a:blip r:embed="rId2"/>
+          <a:stretch>
+            <a:fillRect/>
+          </a:stretch>
+        </p:blipFill>
+        <p:spPr>
+          <a:xfrm>
+            <a:off x="0" y="106456"/>
+            <a:ext cx="9144000" cy="4930588"/>
+          </a:xfrm>
+          <a:prstGeom prst="rect">
+            <a:avLst/>
+          </a:prstGeom>
+          <a:ln>
+            <a:noFill/>
+          </a:ln>
+          <a:effectLst>
+            <a:outerShdw blurRad="292100" dist="139700" dir="2700000" algn="tl" rotWithShape="0">
+              <a:srgbClr val="333333">
+                <a:alpha val="65000"/>
+              </a:srgbClr>
+            </a:outerShdw>
+          </a:effectLst>
+        </p:spPr>
+      </p:pic>
+    </p:spTree>
+    <p:extLst>
+      <p:ext uri="{BB962C8B-B14F-4D97-AF65-F5344CB8AC3E}">
+        <p14:creationId xmlns:p14="http://schemas.microsoft.com/office/powerpoint/2010/main" val="1422696805"/>
+      </p:ext>
+    </p:extLst>
+  </p:cSld>
+  <p:clrMapOvr>
+    <a:masterClrMapping/>
+  </p:clrMapOvr>
+  <p:transition spd="slow">
+    <p:push dir="u"/>
+  </p:transition>
+</p:sld>
+</file>
+
+<file path=ppt/slides/slide15.xml><?xml version="1.0" encoding="utf-8"?>
+<p:sld xmlns:a="http://schemas.openxmlformats.org/drawingml/2006/main" xmlns:r="http://schemas.openxmlformats.org/officeDocument/2006/relationships" xmlns:p="http://schemas.openxmlformats.org/presentationml/2006/main">
+  <p:cSld>
+    <p:spTree>
+      <p:nvGrpSpPr>
+        <p:cNvPr id="1" name=""/>
+        <p:cNvGrpSpPr/>
+        <p:nvPr/>
+      </p:nvGrpSpPr>
+      <p:grpSpPr>
+        <a:xfrm>
+          <a:off x="0" y="0"/>
+          <a:ext cx="0" cy="0"/>
+          <a:chOff x="0" y="0"/>
+          <a:chExt cx="0" cy="0"/>
+        </a:xfrm>
+      </p:grpSpPr>
+      <p:pic>
+        <p:nvPicPr>
+          <p:cNvPr id="4" name="Hình ảnh 3">
+            <a:extLst>
+              <a:ext uri="{FF2B5EF4-FFF2-40B4-BE49-F238E27FC236}">
+                <a16:creationId xmlns:a16="http://schemas.microsoft.com/office/drawing/2014/main" id="{0D40F8AF-91FC-4540-B545-64D9690FD3A2}"/>
+              </a:ext>
+            </a:extLst>
+          </p:cNvPr>
+          <p:cNvPicPr>
+            <a:picLocks noChangeAspect="1"/>
+          </p:cNvPicPr>
+          <p:nvPr/>
+        </p:nvPicPr>
+        <p:blipFill>
+          <a:blip r:embed="rId2"/>
+          <a:stretch>
+            <a:fillRect/>
+          </a:stretch>
+        </p:blipFill>
+        <p:spPr>
+          <a:xfrm>
+            <a:off x="0" y="583628"/>
+            <a:ext cx="9144000" cy="3976244"/>
+          </a:xfrm>
+          <a:prstGeom prst="rect">
+            <a:avLst/>
+          </a:prstGeom>
+          <a:ln>
+            <a:noFill/>
+          </a:ln>
+          <a:effectLst>
+            <a:outerShdw blurRad="292100" dist="139700" dir="2700000" algn="tl" rotWithShape="0">
+              <a:srgbClr val="333333">
+                <a:alpha val="65000"/>
+              </a:srgbClr>
+            </a:outerShdw>
+          </a:effectLst>
+        </p:spPr>
+      </p:pic>
+    </p:spTree>
+    <p:extLst>
+      <p:ext uri="{BB962C8B-B14F-4D97-AF65-F5344CB8AC3E}">
+        <p14:creationId xmlns:p14="http://schemas.microsoft.com/office/powerpoint/2010/main" val="2569811771"/>
+      </p:ext>
+    </p:extLst>
+  </p:cSld>
+  <p:clrMapOvr>
+    <a:masterClrMapping/>
+  </p:clrMapOvr>
+  <p:transition spd="slow">
+    <p:push dir="u"/>
+  </p:transition>
+</p:sld>
+</file>
+
+<file path=ppt/slides/slide16.xml><?xml version="1.0" encoding="utf-8"?>
+<p:sld xmlns:a="http://schemas.openxmlformats.org/drawingml/2006/main" xmlns:r="http://schemas.openxmlformats.org/officeDocument/2006/relationships" xmlns:p="http://schemas.openxmlformats.org/presentationml/2006/main">
+  <p:cSld>
+    <p:spTree>
+      <p:nvGrpSpPr>
+        <p:cNvPr id="1" name=""/>
+        <p:cNvGrpSpPr/>
+        <p:nvPr/>
+      </p:nvGrpSpPr>
+      <p:grpSpPr>
+        <a:xfrm>
+          <a:off x="0" y="0"/>
+          <a:ext cx="0" cy="0"/>
+          <a:chOff x="0" y="0"/>
+          <a:chExt cx="0" cy="0"/>
+        </a:xfrm>
+      </p:grpSpPr>
+      <p:pic>
+        <p:nvPicPr>
+          <p:cNvPr id="4" name="Hình ảnh 3">
+            <a:extLst>
+              <a:ext uri="{FF2B5EF4-FFF2-40B4-BE49-F238E27FC236}">
+                <a16:creationId xmlns:a16="http://schemas.microsoft.com/office/drawing/2014/main" id="{9381F745-0CA4-4F8E-82D1-35F790879CD0}"/>
+              </a:ext>
+            </a:extLst>
+          </p:cNvPr>
+          <p:cNvPicPr>
+            <a:picLocks noChangeAspect="1"/>
+          </p:cNvPicPr>
+          <p:nvPr/>
+        </p:nvPicPr>
+        <p:blipFill>
+          <a:blip r:embed="rId2"/>
+          <a:stretch>
+            <a:fillRect/>
+          </a:stretch>
+        </p:blipFill>
+        <p:spPr>
+          <a:xfrm>
+            <a:off x="0" y="580121"/>
+            <a:ext cx="9144000" cy="3983258"/>
+          </a:xfrm>
+          <a:prstGeom prst="rect">
+            <a:avLst/>
+          </a:prstGeom>
+          <a:ln>
+            <a:noFill/>
+          </a:ln>
+          <a:effectLst>
+            <a:outerShdw blurRad="292100" dist="139700" dir="2700000" algn="tl" rotWithShape="0">
+              <a:srgbClr val="333333">
+                <a:alpha val="65000"/>
+              </a:srgbClr>
+            </a:outerShdw>
+          </a:effectLst>
+        </p:spPr>
+      </p:pic>
+    </p:spTree>
+    <p:extLst>
+      <p:ext uri="{BB962C8B-B14F-4D97-AF65-F5344CB8AC3E}">
+        <p14:creationId xmlns:p14="http://schemas.microsoft.com/office/powerpoint/2010/main" val="850553425"/>
+      </p:ext>
+    </p:extLst>
+  </p:cSld>
+  <p:clrMapOvr>
+    <a:masterClrMapping/>
+  </p:clrMapOvr>
+  <p:transition spd="slow">
+    <p:push dir="u"/>
+  </p:transition>
+</p:sld>
+</file>
+
+<file path=ppt/slides/slide17.xml><?xml version="1.0" encoding="utf-8"?>
+<p:sld xmlns:a="http://schemas.openxmlformats.org/drawingml/2006/main" xmlns:r="http://schemas.openxmlformats.org/officeDocument/2006/relationships" xmlns:p="http://schemas.openxmlformats.org/presentationml/2006/main">
+  <p:cSld>
+    <p:spTree>
+      <p:nvGrpSpPr>
+        <p:cNvPr id="1" name=""/>
+        <p:cNvGrpSpPr/>
+        <p:nvPr/>
+      </p:nvGrpSpPr>
+      <p:grpSpPr>
+        <a:xfrm>
+          <a:off x="0" y="0"/>
+          <a:ext cx="0" cy="0"/>
+          <a:chOff x="0" y="0"/>
+          <a:chExt cx="0" cy="0"/>
+        </a:xfrm>
+      </p:grpSpPr>
+      <p:sp>
+        <p:nvSpPr>
+          <p:cNvPr id="4" name="Title 1"/>
+          <p:cNvSpPr txBox="1">
+            <a:spLocks/>
+          </p:cNvSpPr>
+          <p:nvPr/>
+        </p:nvSpPr>
+        <p:spPr bwMode="auto">
+          <a:xfrm>
+            <a:off x="611560" y="1707654"/>
+            <a:ext cx="7772400" cy="1125457"/>
+          </a:xfrm>
+          <a:prstGeom prst="rect">
+            <a:avLst/>
+          </a:prstGeom>
+        </p:spPr>
+        <p:txBody>
+          <a:bodyPr vert="horz" lIns="91440" tIns="45720" rIns="91440" bIns="45720" rtlCol="0" anchor="ctr">
+            <a:normAutofit/>
+          </a:bodyPr>
+          <a:lstStyle>
+            <a:lvl1pPr marL="0" indent="0" algn="just" defTabSz="914400">
+              <a:lnSpc>
+                <a:spcPct val="150000"/>
+              </a:lnSpc>
+              <a:spcBef>
+                <a:spcPts val="0"/>
+              </a:spcBef>
+              <a:buFont typeface="Arial"/>
+              <a:buNone/>
+              <a:defRPr sz="1200">
+                <a:solidFill>
+                  <a:schemeClr val="accent4">
+                    <a:lumMod val="75000"/>
+                  </a:schemeClr>
+                </a:solidFill>
+                <a:latin typeface="Myriad Pro"/>
+                <a:ea typeface="+mj-ea"/>
+                <a:cs typeface="+mj-cs"/>
+              </a:defRPr>
+            </a:lvl1pPr>
+          </a:lstStyle>
+          <a:p>
+            <a:pPr algn="ctr"/>
+            <a:r>
+              <a:rPr lang="en-US" sz="3200" spc="300" dirty="0"/>
+              <a:t>THIẾT KẾ DATABASE</a:t>
+            </a:r>
+          </a:p>
+        </p:txBody>
+      </p:sp>
+    </p:spTree>
+    <p:extLst>
+      <p:ext uri="{BB962C8B-B14F-4D97-AF65-F5344CB8AC3E}">
+        <p14:creationId xmlns:p14="http://schemas.microsoft.com/office/powerpoint/2010/main" val="2650034168"/>
+      </p:ext>
+    </p:extLst>
+  </p:cSld>
+  <p:clrMapOvr>
+    <a:masterClrMapping/>
+  </p:clrMapOvr>
+  <p:transition spd="slow">
+    <p:push dir="u"/>
+  </p:transition>
+</p:sld>
+</file>
+
+<file path=ppt/slides/slide18.xml><?xml version="1.0" encoding="utf-8"?>
+<p:sld xmlns:a="http://schemas.openxmlformats.org/drawingml/2006/main" xmlns:r="http://schemas.openxmlformats.org/officeDocument/2006/relationships" xmlns:p="http://schemas.openxmlformats.org/presentationml/2006/main">
+  <p:cSld>
+    <p:spTree>
+      <p:nvGrpSpPr>
+        <p:cNvPr id="1" name=""/>
+        <p:cNvGrpSpPr/>
+        <p:nvPr/>
+      </p:nvGrpSpPr>
+      <p:grpSpPr>
+        <a:xfrm>
+          <a:off x="0" y="0"/>
+          <a:ext cx="0" cy="0"/>
+          <a:chOff x="0" y="0"/>
+          <a:chExt cx="0" cy="0"/>
+        </a:xfrm>
+      </p:grpSpPr>
+      <p:sp>
+        <p:nvSpPr>
+          <p:cNvPr id="2" name="Title 1"/>
+          <p:cNvSpPr>
+            <a:spLocks noGrp="1"/>
+          </p:cNvSpPr>
+          <p:nvPr>
+            <p:ph type="ctrTitle"/>
+          </p:nvPr>
+        </p:nvSpPr>
+        <p:spPr>
+          <a:xfrm>
+            <a:off x="685800" y="1597819"/>
+            <a:ext cx="7772400" cy="1102519"/>
+          </a:xfrm>
+        </p:spPr>
+        <p:txBody>
+          <a:bodyPr/>
+          <a:lstStyle/>
+          <a:p>
+            <a:pPr algn="ctr"/>
+            <a:r>
+              <a:rPr lang="en-US" spc="300" dirty="0"/>
+              <a:t>CHỨC NĂNG</a:t>
+            </a:r>
+          </a:p>
+        </p:txBody>
+      </p:sp>
+    </p:spTree>
+    <p:extLst>
+      <p:ext uri="{BB962C8B-B14F-4D97-AF65-F5344CB8AC3E}">
+        <p14:creationId xmlns:p14="http://schemas.microsoft.com/office/powerpoint/2010/main" val="234392180"/>
+      </p:ext>
+    </p:extLst>
+  </p:cSld>
+  <p:clrMapOvr>
+    <a:masterClrMapping/>
+  </p:clrMapOvr>
+  <p:transition spd="slow">
+    <p:push dir="u"/>
+  </p:transition>
+</p:sld>
+</file>
+
+<file path=ppt/slides/slide19.xml><?xml version="1.0" encoding="utf-8"?>
+<p:sld xmlns:a="http://schemas.openxmlformats.org/drawingml/2006/main" xmlns:r="http://schemas.openxmlformats.org/officeDocument/2006/relationships" xmlns:p="http://schemas.openxmlformats.org/presentationml/2006/main">
+  <p:cSld>
     <p:bg>
       <p:bgPr>
         <a:solidFill>
@@ -5694,7 +6360,3352 @@
 </p:sld>
 </file>
 
-<file path=ppt/slides/slide11.xml><?xml version="1.0" encoding="utf-8"?>
+<file path=ppt/slides/slide2.xml><?xml version="1.0" encoding="utf-8"?>
+<p:sld xmlns:a="http://schemas.openxmlformats.org/drawingml/2006/main" xmlns:r="http://schemas.openxmlformats.org/officeDocument/2006/relationships" xmlns:p="http://schemas.openxmlformats.org/presentationml/2006/main">
+  <p:cSld>
+    <p:spTree>
+      <p:nvGrpSpPr>
+        <p:cNvPr id="1" name=""/>
+        <p:cNvGrpSpPr/>
+        <p:nvPr/>
+      </p:nvGrpSpPr>
+      <p:grpSpPr>
+        <a:xfrm>
+          <a:off x="0" y="0"/>
+          <a:ext cx="0" cy="0"/>
+          <a:chOff x="0" y="0"/>
+          <a:chExt cx="0" cy="0"/>
+        </a:xfrm>
+      </p:grpSpPr>
+      <p:sp>
+        <p:nvSpPr>
+          <p:cNvPr id="4" name="Rectangle 3"/>
+          <p:cNvSpPr/>
+          <p:nvPr/>
+        </p:nvSpPr>
+        <p:spPr>
+          <a:xfrm>
+            <a:off x="2712635" y="1105645"/>
+            <a:ext cx="581569" cy="572669"/>
+          </a:xfrm>
+          <a:prstGeom prst="rect">
+            <a:avLst/>
+          </a:prstGeom>
+          <a:solidFill>
+            <a:schemeClr val="accent2"/>
+          </a:solidFill>
+          <a:ln>
+            <a:noFill/>
+          </a:ln>
+        </p:spPr>
+        <p:style>
+          <a:lnRef idx="2">
+            <a:schemeClr val="accent1">
+              <a:shade val="50000"/>
+            </a:schemeClr>
+          </a:lnRef>
+          <a:fillRef idx="1">
+            <a:schemeClr val="accent1"/>
+          </a:fillRef>
+          <a:effectRef idx="0">
+            <a:schemeClr val="accent1"/>
+          </a:effectRef>
+          <a:fontRef idx="minor">
+            <a:schemeClr val="lt1"/>
+          </a:fontRef>
+        </p:style>
+        <p:txBody>
+          <a:bodyPr rtlCol="0" anchor="ctr"/>
+          <a:lstStyle/>
+          <a:p>
+            <a:pPr algn="ctr"/>
+            <a:endParaRPr lang="ko-KR" altLang="en-US">
+              <a:solidFill>
+                <a:schemeClr val="tx1"/>
+              </a:solidFill>
+            </a:endParaRPr>
+          </a:p>
+        </p:txBody>
+      </p:sp>
+      <p:grpSp>
+        <p:nvGrpSpPr>
+          <p:cNvPr id="5" name="Group 4"/>
+          <p:cNvGrpSpPr/>
+          <p:nvPr/>
+        </p:nvGrpSpPr>
+        <p:grpSpPr>
+          <a:xfrm>
+            <a:off x="3490364" y="1105645"/>
+            <a:ext cx="5138704" cy="601968"/>
+            <a:chOff x="1795588" y="1688594"/>
+            <a:chExt cx="6408712" cy="707911"/>
+          </a:xfrm>
+          <a:solidFill>
+            <a:schemeClr val="bg1"/>
+          </a:solidFill>
+        </p:grpSpPr>
+        <p:sp>
+          <p:nvSpPr>
+            <p:cNvPr id="6" name="Rounded Rectangle 5"/>
+            <p:cNvSpPr/>
+            <p:nvPr/>
+          </p:nvSpPr>
+          <p:spPr>
+            <a:xfrm>
+              <a:off x="1795588" y="1688594"/>
+              <a:ext cx="6408712" cy="707911"/>
+            </a:xfrm>
+            <a:prstGeom prst="roundRect">
+              <a:avLst>
+                <a:gd name="adj" fmla="val 10715"/>
+              </a:avLst>
+            </a:prstGeom>
+            <a:grpFill/>
+            <a:ln w="63500">
+              <a:solidFill>
+                <a:schemeClr val="accent2"/>
+              </a:solidFill>
+            </a:ln>
+          </p:spPr>
+          <p:style>
+            <a:lnRef idx="2">
+              <a:schemeClr val="accent1">
+                <a:shade val="50000"/>
+              </a:schemeClr>
+            </a:lnRef>
+            <a:fillRef idx="1">
+              <a:schemeClr val="accent1"/>
+            </a:fillRef>
+            <a:effectRef idx="0">
+              <a:schemeClr val="accent1"/>
+            </a:effectRef>
+            <a:fontRef idx="minor">
+              <a:schemeClr val="lt1"/>
+            </a:fontRef>
+          </p:style>
+          <p:txBody>
+            <a:bodyPr rtlCol="0" anchor="ctr"/>
+            <a:lstStyle/>
+            <a:p>
+              <a:pPr algn="ctr"/>
+              <a:endParaRPr lang="ko-KR" altLang="en-US" dirty="0"/>
+            </a:p>
+          </p:txBody>
+        </p:sp>
+        <p:sp>
+          <p:nvSpPr>
+            <p:cNvPr id="7" name="Rounded Rectangle 16"/>
+            <p:cNvSpPr/>
+            <p:nvPr/>
+          </p:nvSpPr>
+          <p:spPr>
+            <a:xfrm>
+              <a:off x="7719981" y="1688594"/>
+              <a:ext cx="484317" cy="600916"/>
+            </a:xfrm>
+            <a:custGeom>
+              <a:avLst/>
+              <a:gdLst/>
+              <a:ahLst/>
+              <a:cxnLst/>
+              <a:rect l="l" t="t" r="r" b="b"/>
+              <a:pathLst>
+                <a:path w="484317" h="697391">
+                  <a:moveTo>
+                    <a:pt x="0" y="0"/>
+                  </a:moveTo>
+                  <a:lnTo>
+                    <a:pt x="396286" y="0"/>
+                  </a:lnTo>
+                  <a:cubicBezTo>
+                    <a:pt x="444904" y="0"/>
+                    <a:pt x="484317" y="39413"/>
+                    <a:pt x="484317" y="88031"/>
+                  </a:cubicBezTo>
+                  <a:lnTo>
+                    <a:pt x="484317" y="697391"/>
+                  </a:lnTo>
+                  <a:close/>
+                </a:path>
+              </a:pathLst>
+            </a:custGeom>
+            <a:solidFill>
+              <a:schemeClr val="accent2"/>
+            </a:solidFill>
+            <a:ln w="63500">
+              <a:noFill/>
+            </a:ln>
+          </p:spPr>
+          <p:style>
+            <a:lnRef idx="2">
+              <a:schemeClr val="accent1">
+                <a:shade val="50000"/>
+              </a:schemeClr>
+            </a:lnRef>
+            <a:fillRef idx="1">
+              <a:schemeClr val="accent1"/>
+            </a:fillRef>
+            <a:effectRef idx="0">
+              <a:schemeClr val="accent1"/>
+            </a:effectRef>
+            <a:fontRef idx="minor">
+              <a:schemeClr val="lt1"/>
+            </a:fontRef>
+          </p:style>
+          <p:txBody>
+            <a:bodyPr rtlCol="0" anchor="ctr"/>
+            <a:lstStyle/>
+            <a:p>
+              <a:pPr algn="ctr"/>
+              <a:endParaRPr lang="ko-KR" altLang="en-US"/>
+            </a:p>
+          </p:txBody>
+        </p:sp>
+      </p:grpSp>
+      <p:sp>
+        <p:nvSpPr>
+          <p:cNvPr id="8" name="TextBox 7"/>
+          <p:cNvSpPr txBox="1"/>
+          <p:nvPr/>
+        </p:nvSpPr>
+        <p:spPr>
+          <a:xfrm>
+            <a:off x="2706362" y="1161147"/>
+            <a:ext cx="594114" cy="461665"/>
+          </a:xfrm>
+          <a:prstGeom prst="rect">
+            <a:avLst/>
+          </a:prstGeom>
+          <a:noFill/>
+        </p:spPr>
+        <p:txBody>
+          <a:bodyPr wrap="square" rtlCol="0" anchor="ctr">
+            <a:spAutoFit/>
+          </a:bodyPr>
+          <a:lstStyle/>
+          <a:p>
+            <a:pPr algn="ctr"/>
+            <a:r>
+              <a:rPr lang="en-US" altLang="ko-KR" sz="2400" b="1" dirty="0">
+                <a:solidFill>
+                  <a:schemeClr val="bg1"/>
+                </a:solidFill>
+                <a:cs typeface="Arial" pitchFamily="34" charset="0"/>
+              </a:rPr>
+              <a:t>01</a:t>
+            </a:r>
+            <a:endParaRPr lang="ko-KR" altLang="en-US" sz="2400" b="1" dirty="0">
+              <a:solidFill>
+                <a:schemeClr val="bg1"/>
+              </a:solidFill>
+              <a:cs typeface="Arial" pitchFamily="34" charset="0"/>
+            </a:endParaRPr>
+          </a:p>
+        </p:txBody>
+      </p:sp>
+      <p:grpSp>
+        <p:nvGrpSpPr>
+          <p:cNvPr id="9" name="Group 8"/>
+          <p:cNvGrpSpPr/>
+          <p:nvPr/>
+        </p:nvGrpSpPr>
+        <p:grpSpPr>
+          <a:xfrm>
+            <a:off x="3587577" y="1158810"/>
+            <a:ext cx="4752528" cy="509023"/>
+            <a:chOff x="2175371" y="1762964"/>
+            <a:chExt cx="5040560" cy="590745"/>
+          </a:xfrm>
+        </p:grpSpPr>
+        <p:sp>
+          <p:nvSpPr>
+            <p:cNvPr id="10" name="TextBox 10"/>
+            <p:cNvSpPr txBox="1"/>
+            <p:nvPr/>
+          </p:nvSpPr>
+          <p:spPr bwMode="auto">
+            <a:xfrm>
+              <a:off x="2175371" y="1762964"/>
+              <a:ext cx="5040560" cy="357190"/>
+            </a:xfrm>
+            <a:prstGeom prst="rect">
+              <a:avLst/>
+            </a:prstGeom>
+            <a:noFill/>
+            <a:effectLst/>
+          </p:spPr>
+          <p:txBody>
+            <a:bodyPr wrap="square" anchor="ctr">
+              <a:spAutoFit/>
+            </a:bodyPr>
+            <a:lstStyle>
+              <a:defPPr>
+                <a:defRPr lang="ko-KR"/>
+              </a:defPPr>
+              <a:lvl1pPr marL="0" algn="l" defTabSz="914400" rtl="0" eaLnBrk="1" latinLnBrk="1" hangingPunct="1">
+                <a:defRPr sz="1800" kern="1200">
+                  <a:solidFill>
+                    <a:schemeClr val="tx1"/>
+                  </a:solidFill>
+                  <a:latin typeface="+mn-lt"/>
+                  <a:ea typeface="+mn-ea"/>
+                  <a:cs typeface="+mn-cs"/>
+                </a:defRPr>
+              </a:lvl1pPr>
+              <a:lvl2pPr marL="457200" algn="l" defTabSz="914400" rtl="0" eaLnBrk="1" latinLnBrk="1" hangingPunct="1">
+                <a:defRPr sz="1800" kern="1200">
+                  <a:solidFill>
+                    <a:schemeClr val="tx1"/>
+                  </a:solidFill>
+                  <a:latin typeface="+mn-lt"/>
+                  <a:ea typeface="+mn-ea"/>
+                  <a:cs typeface="+mn-cs"/>
+                </a:defRPr>
+              </a:lvl2pPr>
+              <a:lvl3pPr marL="914400" algn="l" defTabSz="914400" rtl="0" eaLnBrk="1" latinLnBrk="1" hangingPunct="1">
+                <a:defRPr sz="1800" kern="1200">
+                  <a:solidFill>
+                    <a:schemeClr val="tx1"/>
+                  </a:solidFill>
+                  <a:latin typeface="+mn-lt"/>
+                  <a:ea typeface="+mn-ea"/>
+                  <a:cs typeface="+mn-cs"/>
+                </a:defRPr>
+              </a:lvl3pPr>
+              <a:lvl4pPr marL="1371600" algn="l" defTabSz="914400" rtl="0" eaLnBrk="1" latinLnBrk="1" hangingPunct="1">
+                <a:defRPr sz="1800" kern="1200">
+                  <a:solidFill>
+                    <a:schemeClr val="tx1"/>
+                  </a:solidFill>
+                  <a:latin typeface="+mn-lt"/>
+                  <a:ea typeface="+mn-ea"/>
+                  <a:cs typeface="+mn-cs"/>
+                </a:defRPr>
+              </a:lvl4pPr>
+              <a:lvl5pPr marL="1828800" algn="l" defTabSz="914400" rtl="0" eaLnBrk="1" latinLnBrk="1" hangingPunct="1">
+                <a:defRPr sz="1800" kern="1200">
+                  <a:solidFill>
+                    <a:schemeClr val="tx1"/>
+                  </a:solidFill>
+                  <a:latin typeface="+mn-lt"/>
+                  <a:ea typeface="+mn-ea"/>
+                  <a:cs typeface="+mn-cs"/>
+                </a:defRPr>
+              </a:lvl5pPr>
+              <a:lvl6pPr marL="2286000" algn="l" defTabSz="914400" rtl="0" eaLnBrk="1" latinLnBrk="1" hangingPunct="1">
+                <a:defRPr sz="1800" kern="1200">
+                  <a:solidFill>
+                    <a:schemeClr val="tx1"/>
+                  </a:solidFill>
+                  <a:latin typeface="+mn-lt"/>
+                  <a:ea typeface="+mn-ea"/>
+                  <a:cs typeface="+mn-cs"/>
+                </a:defRPr>
+              </a:lvl6pPr>
+              <a:lvl7pPr marL="2743200" algn="l" defTabSz="914400" rtl="0" eaLnBrk="1" latinLnBrk="1" hangingPunct="1">
+                <a:defRPr sz="1800" kern="1200">
+                  <a:solidFill>
+                    <a:schemeClr val="tx1"/>
+                  </a:solidFill>
+                  <a:latin typeface="+mn-lt"/>
+                  <a:ea typeface="+mn-ea"/>
+                  <a:cs typeface="+mn-cs"/>
+                </a:defRPr>
+              </a:lvl7pPr>
+              <a:lvl8pPr marL="3200400" algn="l" defTabSz="914400" rtl="0" eaLnBrk="1" latinLnBrk="1" hangingPunct="1">
+                <a:defRPr sz="1800" kern="1200">
+                  <a:solidFill>
+                    <a:schemeClr val="tx1"/>
+                  </a:solidFill>
+                  <a:latin typeface="+mn-lt"/>
+                  <a:ea typeface="+mn-ea"/>
+                  <a:cs typeface="+mn-cs"/>
+                </a:defRPr>
+              </a:lvl8pPr>
+              <a:lvl9pPr marL="3657600" algn="l" defTabSz="914400" rtl="0" eaLnBrk="1" latinLnBrk="1" hangingPunct="1">
+                <a:defRPr sz="1800" kern="1200">
+                  <a:solidFill>
+                    <a:schemeClr val="tx1"/>
+                  </a:solidFill>
+                  <a:latin typeface="+mn-lt"/>
+                  <a:ea typeface="+mn-ea"/>
+                  <a:cs typeface="+mn-cs"/>
+                </a:defRPr>
+              </a:lvl9pPr>
+            </a:lstStyle>
+            <a:p>
+              <a:pPr>
+                <a:defRPr/>
+              </a:pPr>
+              <a:r>
+                <a:rPr lang="en-US" altLang="ko-KR" sz="1400" b="1" dirty="0">
+                  <a:solidFill>
+                    <a:schemeClr val="tx1">
+                      <a:lumMod val="65000"/>
+                      <a:lumOff val="35000"/>
+                    </a:schemeClr>
+                  </a:solidFill>
+                  <a:cs typeface="Arial" pitchFamily="34" charset="0"/>
+                </a:rPr>
+                <a:t>MÔN HỌC LẬP TRÌNH JAVA</a:t>
+              </a:r>
+            </a:p>
+          </p:txBody>
+        </p:sp>
+        <p:sp>
+          <p:nvSpPr>
+            <p:cNvPr id="11" name="TextBox 12"/>
+            <p:cNvSpPr txBox="1"/>
+            <p:nvPr/>
+          </p:nvSpPr>
+          <p:spPr bwMode="auto">
+            <a:xfrm>
+              <a:off x="2175371" y="2032239"/>
+              <a:ext cx="5040560" cy="321470"/>
+            </a:xfrm>
+            <a:prstGeom prst="rect">
+              <a:avLst/>
+            </a:prstGeom>
+            <a:noFill/>
+            <a:effectLst/>
+          </p:spPr>
+          <p:txBody>
+            <a:bodyPr wrap="square" anchor="ctr">
+              <a:spAutoFit/>
+            </a:bodyPr>
+            <a:lstStyle>
+              <a:defPPr>
+                <a:defRPr lang="ko-KR"/>
+              </a:defPPr>
+              <a:lvl1pPr marL="0" algn="l" defTabSz="914400" rtl="0" eaLnBrk="1" latinLnBrk="1" hangingPunct="1">
+                <a:defRPr sz="1800" kern="1200">
+                  <a:solidFill>
+                    <a:schemeClr val="tx1"/>
+                  </a:solidFill>
+                  <a:latin typeface="+mn-lt"/>
+                  <a:ea typeface="+mn-ea"/>
+                  <a:cs typeface="+mn-cs"/>
+                </a:defRPr>
+              </a:lvl1pPr>
+              <a:lvl2pPr marL="457200" algn="l" defTabSz="914400" rtl="0" eaLnBrk="1" latinLnBrk="1" hangingPunct="1">
+                <a:defRPr sz="1800" kern="1200">
+                  <a:solidFill>
+                    <a:schemeClr val="tx1"/>
+                  </a:solidFill>
+                  <a:latin typeface="+mn-lt"/>
+                  <a:ea typeface="+mn-ea"/>
+                  <a:cs typeface="+mn-cs"/>
+                </a:defRPr>
+              </a:lvl2pPr>
+              <a:lvl3pPr marL="914400" algn="l" defTabSz="914400" rtl="0" eaLnBrk="1" latinLnBrk="1" hangingPunct="1">
+                <a:defRPr sz="1800" kern="1200">
+                  <a:solidFill>
+                    <a:schemeClr val="tx1"/>
+                  </a:solidFill>
+                  <a:latin typeface="+mn-lt"/>
+                  <a:ea typeface="+mn-ea"/>
+                  <a:cs typeface="+mn-cs"/>
+                </a:defRPr>
+              </a:lvl3pPr>
+              <a:lvl4pPr marL="1371600" algn="l" defTabSz="914400" rtl="0" eaLnBrk="1" latinLnBrk="1" hangingPunct="1">
+                <a:defRPr sz="1800" kern="1200">
+                  <a:solidFill>
+                    <a:schemeClr val="tx1"/>
+                  </a:solidFill>
+                  <a:latin typeface="+mn-lt"/>
+                  <a:ea typeface="+mn-ea"/>
+                  <a:cs typeface="+mn-cs"/>
+                </a:defRPr>
+              </a:lvl4pPr>
+              <a:lvl5pPr marL="1828800" algn="l" defTabSz="914400" rtl="0" eaLnBrk="1" latinLnBrk="1" hangingPunct="1">
+                <a:defRPr sz="1800" kern="1200">
+                  <a:solidFill>
+                    <a:schemeClr val="tx1"/>
+                  </a:solidFill>
+                  <a:latin typeface="+mn-lt"/>
+                  <a:ea typeface="+mn-ea"/>
+                  <a:cs typeface="+mn-cs"/>
+                </a:defRPr>
+              </a:lvl5pPr>
+              <a:lvl6pPr marL="2286000" algn="l" defTabSz="914400" rtl="0" eaLnBrk="1" latinLnBrk="1" hangingPunct="1">
+                <a:defRPr sz="1800" kern="1200">
+                  <a:solidFill>
+                    <a:schemeClr val="tx1"/>
+                  </a:solidFill>
+                  <a:latin typeface="+mn-lt"/>
+                  <a:ea typeface="+mn-ea"/>
+                  <a:cs typeface="+mn-cs"/>
+                </a:defRPr>
+              </a:lvl6pPr>
+              <a:lvl7pPr marL="2743200" algn="l" defTabSz="914400" rtl="0" eaLnBrk="1" latinLnBrk="1" hangingPunct="1">
+                <a:defRPr sz="1800" kern="1200">
+                  <a:solidFill>
+                    <a:schemeClr val="tx1"/>
+                  </a:solidFill>
+                  <a:latin typeface="+mn-lt"/>
+                  <a:ea typeface="+mn-ea"/>
+                  <a:cs typeface="+mn-cs"/>
+                </a:defRPr>
+              </a:lvl7pPr>
+              <a:lvl8pPr marL="3200400" algn="l" defTabSz="914400" rtl="0" eaLnBrk="1" latinLnBrk="1" hangingPunct="1">
+                <a:defRPr sz="1800" kern="1200">
+                  <a:solidFill>
+                    <a:schemeClr val="tx1"/>
+                  </a:solidFill>
+                  <a:latin typeface="+mn-lt"/>
+                  <a:ea typeface="+mn-ea"/>
+                  <a:cs typeface="+mn-cs"/>
+                </a:defRPr>
+              </a:lvl8pPr>
+              <a:lvl9pPr marL="3657600" algn="l" defTabSz="914400" rtl="0" eaLnBrk="1" latinLnBrk="1" hangingPunct="1">
+                <a:defRPr sz="1800" kern="1200">
+                  <a:solidFill>
+                    <a:schemeClr val="tx1"/>
+                  </a:solidFill>
+                  <a:latin typeface="+mn-lt"/>
+                  <a:ea typeface="+mn-ea"/>
+                  <a:cs typeface="+mn-cs"/>
+                </a:defRPr>
+              </a:lvl9pPr>
+            </a:lstStyle>
+            <a:p>
+              <a:pPr>
+                <a:defRPr/>
+              </a:pPr>
+              <a:r>
+                <a:rPr lang="en-US" altLang="ko-KR" sz="1200" dirty="0" err="1">
+                  <a:solidFill>
+                    <a:schemeClr val="tx1">
+                      <a:lumMod val="65000"/>
+                      <a:lumOff val="35000"/>
+                    </a:schemeClr>
+                  </a:solidFill>
+                  <a:cs typeface="Arial" pitchFamily="34" charset="0"/>
+                </a:rPr>
+                <a:t>Nhóm</a:t>
+              </a:r>
+              <a:r>
+                <a:rPr lang="en-US" altLang="ko-KR" sz="1200" dirty="0">
+                  <a:solidFill>
+                    <a:schemeClr val="tx1">
+                      <a:lumMod val="65000"/>
+                      <a:lumOff val="35000"/>
+                    </a:schemeClr>
+                  </a:solidFill>
+                  <a:cs typeface="Arial" pitchFamily="34" charset="0"/>
+                </a:rPr>
+                <a:t> 02 </a:t>
+              </a:r>
+              <a:r>
+                <a:rPr lang="en-US" altLang="ko-KR" sz="1200" dirty="0" err="1">
+                  <a:solidFill>
+                    <a:schemeClr val="tx1">
+                      <a:lumMod val="65000"/>
+                      <a:lumOff val="35000"/>
+                    </a:schemeClr>
+                  </a:solidFill>
+                  <a:cs typeface="Arial" pitchFamily="34" charset="0"/>
+                </a:rPr>
+                <a:t>lý</a:t>
+              </a:r>
+              <a:r>
+                <a:rPr lang="en-US" altLang="ko-KR" sz="1200" dirty="0">
+                  <a:solidFill>
+                    <a:schemeClr val="tx1">
+                      <a:lumMod val="65000"/>
+                      <a:lumOff val="35000"/>
+                    </a:schemeClr>
+                  </a:solidFill>
+                  <a:cs typeface="Arial" pitchFamily="34" charset="0"/>
+                </a:rPr>
+                <a:t> </a:t>
+              </a:r>
+              <a:r>
+                <a:rPr lang="en-US" altLang="ko-KR" sz="1200" dirty="0" err="1">
+                  <a:solidFill>
+                    <a:schemeClr val="tx1">
+                      <a:lumMod val="65000"/>
+                      <a:lumOff val="35000"/>
+                    </a:schemeClr>
+                  </a:solidFill>
+                  <a:cs typeface="Arial" pitchFamily="34" charset="0"/>
+                </a:rPr>
+                <a:t>thuyết</a:t>
+              </a:r>
+              <a:r>
+                <a:rPr lang="en-US" altLang="ko-KR" sz="1200" dirty="0">
+                  <a:solidFill>
+                    <a:schemeClr val="tx1">
+                      <a:lumMod val="65000"/>
+                      <a:lumOff val="35000"/>
+                    </a:schemeClr>
+                  </a:solidFill>
+                  <a:cs typeface="Arial" pitchFamily="34" charset="0"/>
+                </a:rPr>
+                <a:t> </a:t>
+              </a:r>
+              <a:r>
+                <a:rPr lang="en-US" altLang="ko-KR" sz="1200" dirty="0" err="1">
+                  <a:solidFill>
+                    <a:schemeClr val="tx1">
+                      <a:lumMod val="65000"/>
+                      <a:lumOff val="35000"/>
+                    </a:schemeClr>
+                  </a:solidFill>
+                  <a:cs typeface="Arial" pitchFamily="34" charset="0"/>
+                </a:rPr>
+                <a:t>thứ</a:t>
+              </a:r>
+              <a:r>
+                <a:rPr lang="en-US" altLang="ko-KR" sz="1200" dirty="0">
+                  <a:solidFill>
+                    <a:schemeClr val="tx1">
+                      <a:lumMod val="65000"/>
+                      <a:lumOff val="35000"/>
+                    </a:schemeClr>
+                  </a:solidFill>
+                  <a:cs typeface="Arial" pitchFamily="34" charset="0"/>
+                </a:rPr>
+                <a:t> 2 </a:t>
+              </a:r>
+              <a:r>
+                <a:rPr lang="en-US" altLang="ko-KR" sz="1200" dirty="0" err="1">
+                  <a:solidFill>
+                    <a:schemeClr val="tx1">
+                      <a:lumMod val="65000"/>
+                      <a:lumOff val="35000"/>
+                    </a:schemeClr>
+                  </a:solidFill>
+                  <a:cs typeface="Arial" pitchFamily="34" charset="0"/>
+                </a:rPr>
+                <a:t>và</a:t>
+              </a:r>
+              <a:r>
+                <a:rPr lang="en-US" altLang="ko-KR" sz="1200" dirty="0">
+                  <a:solidFill>
+                    <a:schemeClr val="tx1">
+                      <a:lumMod val="65000"/>
+                      <a:lumOff val="35000"/>
+                    </a:schemeClr>
+                  </a:solidFill>
+                  <a:cs typeface="Arial" pitchFamily="34" charset="0"/>
+                </a:rPr>
+                <a:t> </a:t>
+              </a:r>
+              <a:r>
+                <a:rPr lang="en-US" altLang="ko-KR" sz="1200" dirty="0" err="1">
+                  <a:solidFill>
+                    <a:schemeClr val="tx1">
+                      <a:lumMod val="65000"/>
+                      <a:lumOff val="35000"/>
+                    </a:schemeClr>
+                  </a:solidFill>
+                  <a:cs typeface="Arial" pitchFamily="34" charset="0"/>
+                </a:rPr>
+                <a:t>thực</a:t>
+              </a:r>
+              <a:r>
+                <a:rPr lang="en-US" altLang="ko-KR" sz="1200" dirty="0">
+                  <a:solidFill>
+                    <a:schemeClr val="tx1">
+                      <a:lumMod val="65000"/>
+                      <a:lumOff val="35000"/>
+                    </a:schemeClr>
+                  </a:solidFill>
+                  <a:cs typeface="Arial" pitchFamily="34" charset="0"/>
+                </a:rPr>
+                <a:t> </a:t>
+              </a:r>
+              <a:r>
+                <a:rPr lang="en-US" altLang="ko-KR" sz="1200" dirty="0" err="1">
+                  <a:solidFill>
+                    <a:schemeClr val="tx1">
+                      <a:lumMod val="65000"/>
+                      <a:lumOff val="35000"/>
+                    </a:schemeClr>
+                  </a:solidFill>
+                  <a:cs typeface="Arial" pitchFamily="34" charset="0"/>
+                </a:rPr>
+                <a:t>hành</a:t>
+              </a:r>
+              <a:r>
+                <a:rPr lang="en-US" altLang="ko-KR" sz="1200" dirty="0">
+                  <a:solidFill>
+                    <a:schemeClr val="tx1">
+                      <a:lumMod val="65000"/>
+                      <a:lumOff val="35000"/>
+                    </a:schemeClr>
+                  </a:solidFill>
+                  <a:cs typeface="Arial" pitchFamily="34" charset="0"/>
+                </a:rPr>
+                <a:t> </a:t>
+              </a:r>
+              <a:r>
+                <a:rPr lang="en-US" altLang="ko-KR" sz="1200" dirty="0" err="1">
+                  <a:solidFill>
+                    <a:schemeClr val="tx1">
+                      <a:lumMod val="65000"/>
+                      <a:lumOff val="35000"/>
+                    </a:schemeClr>
+                  </a:solidFill>
+                  <a:cs typeface="Arial" pitchFamily="34" charset="0"/>
+                </a:rPr>
+                <a:t>thứ</a:t>
+              </a:r>
+              <a:r>
+                <a:rPr lang="en-US" altLang="ko-KR" sz="1200" dirty="0">
+                  <a:solidFill>
+                    <a:schemeClr val="tx1">
+                      <a:lumMod val="65000"/>
+                      <a:lumOff val="35000"/>
+                    </a:schemeClr>
+                  </a:solidFill>
+                  <a:cs typeface="Arial" pitchFamily="34" charset="0"/>
+                </a:rPr>
+                <a:t> 4</a:t>
+              </a:r>
+              <a:endParaRPr lang="ko-KR" altLang="en-US" sz="1200" dirty="0">
+                <a:solidFill>
+                  <a:schemeClr val="tx1">
+                    <a:lumMod val="65000"/>
+                    <a:lumOff val="35000"/>
+                  </a:schemeClr>
+                </a:solidFill>
+                <a:cs typeface="Arial" pitchFamily="34" charset="0"/>
+              </a:endParaRPr>
+            </a:p>
+          </p:txBody>
+        </p:sp>
+      </p:grpSp>
+      <p:sp>
+        <p:nvSpPr>
+          <p:cNvPr id="2" name="Text Placeholder 1"/>
+          <p:cNvSpPr>
+            <a:spLocks noGrp="1"/>
+          </p:cNvSpPr>
+          <p:nvPr>
+            <p:ph type="body" sz="quarter" idx="10"/>
+          </p:nvPr>
+        </p:nvSpPr>
+        <p:spPr>
+          <a:prstGeom prst="rect">
+            <a:avLst/>
+          </a:prstGeom>
+        </p:spPr>
+        <p:txBody>
+          <a:bodyPr>
+            <a:normAutofit fontScale="85000" lnSpcReduction="20000"/>
+          </a:bodyPr>
+          <a:lstStyle/>
+          <a:p>
+            <a:r>
+              <a:rPr lang="en-US" altLang="ko-KR" dirty="0">
+                <a:solidFill>
+                  <a:srgbClr val="E46C0A"/>
+                </a:solidFill>
+                <a:latin typeface="Arial" pitchFamily="34" charset="0"/>
+                <a:cs typeface="Arial" pitchFamily="34" charset="0"/>
+              </a:rPr>
+              <a:t>CÁC THÀNH VIÊN BAO GỒM</a:t>
+            </a:r>
+          </a:p>
+        </p:txBody>
+      </p:sp>
+      <p:sp>
+        <p:nvSpPr>
+          <p:cNvPr id="20" name="Rectangle 19"/>
+          <p:cNvSpPr/>
+          <p:nvPr/>
+        </p:nvSpPr>
+        <p:spPr>
+          <a:xfrm>
+            <a:off x="2712635" y="1878848"/>
+            <a:ext cx="581569" cy="572669"/>
+          </a:xfrm>
+          <a:prstGeom prst="rect">
+            <a:avLst/>
+          </a:prstGeom>
+          <a:solidFill>
+            <a:schemeClr val="accent3"/>
+          </a:solidFill>
+          <a:ln>
+            <a:noFill/>
+          </a:ln>
+        </p:spPr>
+        <p:style>
+          <a:lnRef idx="2">
+            <a:schemeClr val="accent1">
+              <a:shade val="50000"/>
+            </a:schemeClr>
+          </a:lnRef>
+          <a:fillRef idx="1">
+            <a:schemeClr val="accent1"/>
+          </a:fillRef>
+          <a:effectRef idx="0">
+            <a:schemeClr val="accent1"/>
+          </a:effectRef>
+          <a:fontRef idx="minor">
+            <a:schemeClr val="lt1"/>
+          </a:fontRef>
+        </p:style>
+        <p:txBody>
+          <a:bodyPr rtlCol="0" anchor="ctr"/>
+          <a:lstStyle/>
+          <a:p>
+            <a:pPr algn="ctr"/>
+            <a:endParaRPr lang="ko-KR" altLang="en-US">
+              <a:solidFill>
+                <a:schemeClr val="tx1"/>
+              </a:solidFill>
+            </a:endParaRPr>
+          </a:p>
+        </p:txBody>
+      </p:sp>
+      <p:grpSp>
+        <p:nvGrpSpPr>
+          <p:cNvPr id="21" name="Group 20"/>
+          <p:cNvGrpSpPr/>
+          <p:nvPr/>
+        </p:nvGrpSpPr>
+        <p:grpSpPr>
+          <a:xfrm>
+            <a:off x="3490364" y="1878848"/>
+            <a:ext cx="5138704" cy="601968"/>
+            <a:chOff x="1795588" y="1688594"/>
+            <a:chExt cx="6408712" cy="707911"/>
+          </a:xfrm>
+          <a:solidFill>
+            <a:schemeClr val="bg1"/>
+          </a:solidFill>
+        </p:grpSpPr>
+        <p:sp>
+          <p:nvSpPr>
+            <p:cNvPr id="22" name="Rounded Rectangle 21"/>
+            <p:cNvSpPr/>
+            <p:nvPr/>
+          </p:nvSpPr>
+          <p:spPr>
+            <a:xfrm>
+              <a:off x="1795588" y="1688594"/>
+              <a:ext cx="6408712" cy="707911"/>
+            </a:xfrm>
+            <a:prstGeom prst="roundRect">
+              <a:avLst>
+                <a:gd name="adj" fmla="val 10715"/>
+              </a:avLst>
+            </a:prstGeom>
+            <a:grpFill/>
+            <a:ln w="63500">
+              <a:solidFill>
+                <a:schemeClr val="accent3"/>
+              </a:solidFill>
+            </a:ln>
+          </p:spPr>
+          <p:style>
+            <a:lnRef idx="2">
+              <a:schemeClr val="accent1">
+                <a:shade val="50000"/>
+              </a:schemeClr>
+            </a:lnRef>
+            <a:fillRef idx="1">
+              <a:schemeClr val="accent1"/>
+            </a:fillRef>
+            <a:effectRef idx="0">
+              <a:schemeClr val="accent1"/>
+            </a:effectRef>
+            <a:fontRef idx="minor">
+              <a:schemeClr val="lt1"/>
+            </a:fontRef>
+          </p:style>
+          <p:txBody>
+            <a:bodyPr rtlCol="0" anchor="ctr"/>
+            <a:lstStyle/>
+            <a:p>
+              <a:pPr algn="ctr"/>
+              <a:endParaRPr lang="ko-KR" altLang="en-US" dirty="0"/>
+            </a:p>
+          </p:txBody>
+        </p:sp>
+        <p:sp>
+          <p:nvSpPr>
+            <p:cNvPr id="23" name="Rounded Rectangle 16"/>
+            <p:cNvSpPr/>
+            <p:nvPr/>
+          </p:nvSpPr>
+          <p:spPr>
+            <a:xfrm>
+              <a:off x="7719981" y="1688594"/>
+              <a:ext cx="484317" cy="600916"/>
+            </a:xfrm>
+            <a:custGeom>
+              <a:avLst/>
+              <a:gdLst/>
+              <a:ahLst/>
+              <a:cxnLst/>
+              <a:rect l="l" t="t" r="r" b="b"/>
+              <a:pathLst>
+                <a:path w="484317" h="697391">
+                  <a:moveTo>
+                    <a:pt x="0" y="0"/>
+                  </a:moveTo>
+                  <a:lnTo>
+                    <a:pt x="396286" y="0"/>
+                  </a:lnTo>
+                  <a:cubicBezTo>
+                    <a:pt x="444904" y="0"/>
+                    <a:pt x="484317" y="39413"/>
+                    <a:pt x="484317" y="88031"/>
+                  </a:cubicBezTo>
+                  <a:lnTo>
+                    <a:pt x="484317" y="697391"/>
+                  </a:lnTo>
+                  <a:close/>
+                </a:path>
+              </a:pathLst>
+            </a:custGeom>
+            <a:solidFill>
+              <a:schemeClr val="accent3"/>
+            </a:solidFill>
+            <a:ln w="63500">
+              <a:noFill/>
+            </a:ln>
+          </p:spPr>
+          <p:style>
+            <a:lnRef idx="2">
+              <a:schemeClr val="accent1">
+                <a:shade val="50000"/>
+              </a:schemeClr>
+            </a:lnRef>
+            <a:fillRef idx="1">
+              <a:schemeClr val="accent1"/>
+            </a:fillRef>
+            <a:effectRef idx="0">
+              <a:schemeClr val="accent1"/>
+            </a:effectRef>
+            <a:fontRef idx="minor">
+              <a:schemeClr val="lt1"/>
+            </a:fontRef>
+          </p:style>
+          <p:txBody>
+            <a:bodyPr rtlCol="0" anchor="ctr"/>
+            <a:lstStyle/>
+            <a:p>
+              <a:pPr algn="ctr"/>
+              <a:endParaRPr lang="ko-KR" altLang="en-US"/>
+            </a:p>
+          </p:txBody>
+        </p:sp>
+      </p:grpSp>
+      <p:sp>
+        <p:nvSpPr>
+          <p:cNvPr id="24" name="TextBox 23"/>
+          <p:cNvSpPr txBox="1"/>
+          <p:nvPr/>
+        </p:nvSpPr>
+        <p:spPr>
+          <a:xfrm>
+            <a:off x="2706362" y="1934350"/>
+            <a:ext cx="594114" cy="461665"/>
+          </a:xfrm>
+          <a:prstGeom prst="rect">
+            <a:avLst/>
+          </a:prstGeom>
+          <a:noFill/>
+        </p:spPr>
+        <p:txBody>
+          <a:bodyPr wrap="square" rtlCol="0" anchor="ctr">
+            <a:spAutoFit/>
+          </a:bodyPr>
+          <a:lstStyle/>
+          <a:p>
+            <a:pPr algn="ctr"/>
+            <a:r>
+              <a:rPr lang="en-US" altLang="ko-KR" sz="2400" b="1" dirty="0">
+                <a:solidFill>
+                  <a:schemeClr val="bg1"/>
+                </a:solidFill>
+                <a:cs typeface="Arial" pitchFamily="34" charset="0"/>
+              </a:rPr>
+              <a:t>02</a:t>
+            </a:r>
+            <a:endParaRPr lang="ko-KR" altLang="en-US" sz="2400" b="1" dirty="0">
+              <a:solidFill>
+                <a:schemeClr val="bg1"/>
+              </a:solidFill>
+              <a:cs typeface="Arial" pitchFamily="34" charset="0"/>
+            </a:endParaRPr>
+          </a:p>
+        </p:txBody>
+      </p:sp>
+      <p:grpSp>
+        <p:nvGrpSpPr>
+          <p:cNvPr id="25" name="Group 24"/>
+          <p:cNvGrpSpPr/>
+          <p:nvPr/>
+        </p:nvGrpSpPr>
+        <p:grpSpPr>
+          <a:xfrm>
+            <a:off x="3587577" y="1932013"/>
+            <a:ext cx="4752528" cy="509023"/>
+            <a:chOff x="2175371" y="1762964"/>
+            <a:chExt cx="5040560" cy="590745"/>
+          </a:xfrm>
+        </p:grpSpPr>
+        <p:sp>
+          <p:nvSpPr>
+            <p:cNvPr id="26" name="TextBox 10"/>
+            <p:cNvSpPr txBox="1"/>
+            <p:nvPr/>
+          </p:nvSpPr>
+          <p:spPr bwMode="auto">
+            <a:xfrm>
+              <a:off x="2175371" y="1762964"/>
+              <a:ext cx="5040560" cy="357190"/>
+            </a:xfrm>
+            <a:prstGeom prst="rect">
+              <a:avLst/>
+            </a:prstGeom>
+            <a:noFill/>
+            <a:effectLst/>
+          </p:spPr>
+          <p:txBody>
+            <a:bodyPr wrap="square" anchor="ctr">
+              <a:spAutoFit/>
+            </a:bodyPr>
+            <a:lstStyle>
+              <a:defPPr>
+                <a:defRPr lang="ko-KR"/>
+              </a:defPPr>
+              <a:lvl1pPr marL="0" algn="l" defTabSz="914400" rtl="0" eaLnBrk="1" latinLnBrk="1" hangingPunct="1">
+                <a:defRPr sz="1800" kern="1200">
+                  <a:solidFill>
+                    <a:schemeClr val="tx1"/>
+                  </a:solidFill>
+                  <a:latin typeface="+mn-lt"/>
+                  <a:ea typeface="+mn-ea"/>
+                  <a:cs typeface="+mn-cs"/>
+                </a:defRPr>
+              </a:lvl1pPr>
+              <a:lvl2pPr marL="457200" algn="l" defTabSz="914400" rtl="0" eaLnBrk="1" latinLnBrk="1" hangingPunct="1">
+                <a:defRPr sz="1800" kern="1200">
+                  <a:solidFill>
+                    <a:schemeClr val="tx1"/>
+                  </a:solidFill>
+                  <a:latin typeface="+mn-lt"/>
+                  <a:ea typeface="+mn-ea"/>
+                  <a:cs typeface="+mn-cs"/>
+                </a:defRPr>
+              </a:lvl2pPr>
+              <a:lvl3pPr marL="914400" algn="l" defTabSz="914400" rtl="0" eaLnBrk="1" latinLnBrk="1" hangingPunct="1">
+                <a:defRPr sz="1800" kern="1200">
+                  <a:solidFill>
+                    <a:schemeClr val="tx1"/>
+                  </a:solidFill>
+                  <a:latin typeface="+mn-lt"/>
+                  <a:ea typeface="+mn-ea"/>
+                  <a:cs typeface="+mn-cs"/>
+                </a:defRPr>
+              </a:lvl3pPr>
+              <a:lvl4pPr marL="1371600" algn="l" defTabSz="914400" rtl="0" eaLnBrk="1" latinLnBrk="1" hangingPunct="1">
+                <a:defRPr sz="1800" kern="1200">
+                  <a:solidFill>
+                    <a:schemeClr val="tx1"/>
+                  </a:solidFill>
+                  <a:latin typeface="+mn-lt"/>
+                  <a:ea typeface="+mn-ea"/>
+                  <a:cs typeface="+mn-cs"/>
+                </a:defRPr>
+              </a:lvl4pPr>
+              <a:lvl5pPr marL="1828800" algn="l" defTabSz="914400" rtl="0" eaLnBrk="1" latinLnBrk="1" hangingPunct="1">
+                <a:defRPr sz="1800" kern="1200">
+                  <a:solidFill>
+                    <a:schemeClr val="tx1"/>
+                  </a:solidFill>
+                  <a:latin typeface="+mn-lt"/>
+                  <a:ea typeface="+mn-ea"/>
+                  <a:cs typeface="+mn-cs"/>
+                </a:defRPr>
+              </a:lvl5pPr>
+              <a:lvl6pPr marL="2286000" algn="l" defTabSz="914400" rtl="0" eaLnBrk="1" latinLnBrk="1" hangingPunct="1">
+                <a:defRPr sz="1800" kern="1200">
+                  <a:solidFill>
+                    <a:schemeClr val="tx1"/>
+                  </a:solidFill>
+                  <a:latin typeface="+mn-lt"/>
+                  <a:ea typeface="+mn-ea"/>
+                  <a:cs typeface="+mn-cs"/>
+                </a:defRPr>
+              </a:lvl6pPr>
+              <a:lvl7pPr marL="2743200" algn="l" defTabSz="914400" rtl="0" eaLnBrk="1" latinLnBrk="1" hangingPunct="1">
+                <a:defRPr sz="1800" kern="1200">
+                  <a:solidFill>
+                    <a:schemeClr val="tx1"/>
+                  </a:solidFill>
+                  <a:latin typeface="+mn-lt"/>
+                  <a:ea typeface="+mn-ea"/>
+                  <a:cs typeface="+mn-cs"/>
+                </a:defRPr>
+              </a:lvl7pPr>
+              <a:lvl8pPr marL="3200400" algn="l" defTabSz="914400" rtl="0" eaLnBrk="1" latinLnBrk="1" hangingPunct="1">
+                <a:defRPr sz="1800" kern="1200">
+                  <a:solidFill>
+                    <a:schemeClr val="tx1"/>
+                  </a:solidFill>
+                  <a:latin typeface="+mn-lt"/>
+                  <a:ea typeface="+mn-ea"/>
+                  <a:cs typeface="+mn-cs"/>
+                </a:defRPr>
+              </a:lvl8pPr>
+              <a:lvl9pPr marL="3657600" algn="l" defTabSz="914400" rtl="0" eaLnBrk="1" latinLnBrk="1" hangingPunct="1">
+                <a:defRPr sz="1800" kern="1200">
+                  <a:solidFill>
+                    <a:schemeClr val="tx1"/>
+                  </a:solidFill>
+                  <a:latin typeface="+mn-lt"/>
+                  <a:ea typeface="+mn-ea"/>
+                  <a:cs typeface="+mn-cs"/>
+                </a:defRPr>
+              </a:lvl9pPr>
+            </a:lstStyle>
+            <a:p>
+              <a:pPr>
+                <a:defRPr/>
+              </a:pPr>
+              <a:r>
+                <a:rPr lang="en-US" altLang="ko-KR" sz="1400" b="1" dirty="0" err="1">
+                  <a:solidFill>
+                    <a:schemeClr val="tx1">
+                      <a:lumMod val="65000"/>
+                      <a:lumOff val="35000"/>
+                    </a:schemeClr>
+                  </a:solidFill>
+                  <a:cs typeface="Arial" pitchFamily="34" charset="0"/>
+                </a:rPr>
+                <a:t>Nguyễn</a:t>
+              </a:r>
+              <a:r>
+                <a:rPr lang="en-US" altLang="ko-KR" sz="1400" b="1" dirty="0">
+                  <a:solidFill>
+                    <a:schemeClr val="tx1">
+                      <a:lumMod val="65000"/>
+                      <a:lumOff val="35000"/>
+                    </a:schemeClr>
+                  </a:solidFill>
+                  <a:cs typeface="Arial" pitchFamily="34" charset="0"/>
+                </a:rPr>
+                <a:t> </a:t>
+              </a:r>
+              <a:r>
+                <a:rPr lang="en-US" altLang="ko-KR" sz="1400" b="1" dirty="0" err="1">
+                  <a:solidFill>
+                    <a:schemeClr val="tx1">
+                      <a:lumMod val="65000"/>
+                      <a:lumOff val="35000"/>
+                    </a:schemeClr>
+                  </a:solidFill>
+                  <a:cs typeface="Arial" pitchFamily="34" charset="0"/>
+                </a:rPr>
+                <a:t>Thành</a:t>
+              </a:r>
+              <a:r>
+                <a:rPr lang="en-US" altLang="ko-KR" sz="1400" b="1" dirty="0">
+                  <a:solidFill>
+                    <a:schemeClr val="tx1">
+                      <a:lumMod val="65000"/>
+                      <a:lumOff val="35000"/>
+                    </a:schemeClr>
+                  </a:solidFill>
+                  <a:cs typeface="Arial" pitchFamily="34" charset="0"/>
+                </a:rPr>
+                <a:t> </a:t>
+              </a:r>
+              <a:r>
+                <a:rPr lang="en-US" altLang="ko-KR" sz="1400" b="1" dirty="0" err="1">
+                  <a:solidFill>
+                    <a:schemeClr val="tx1">
+                      <a:lumMod val="65000"/>
+                      <a:lumOff val="35000"/>
+                    </a:schemeClr>
+                  </a:solidFill>
+                  <a:cs typeface="Arial" pitchFamily="34" charset="0"/>
+                </a:rPr>
+                <a:t>Huy</a:t>
+              </a:r>
+              <a:endParaRPr lang="en-US" altLang="ko-KR" sz="1400" b="1" dirty="0">
+                <a:solidFill>
+                  <a:schemeClr val="tx1">
+                    <a:lumMod val="65000"/>
+                    <a:lumOff val="35000"/>
+                  </a:schemeClr>
+                </a:solidFill>
+                <a:cs typeface="Arial" pitchFamily="34" charset="0"/>
+              </a:endParaRPr>
+            </a:p>
+          </p:txBody>
+        </p:sp>
+        <p:sp>
+          <p:nvSpPr>
+            <p:cNvPr id="27" name="TextBox 12"/>
+            <p:cNvSpPr txBox="1"/>
+            <p:nvPr/>
+          </p:nvSpPr>
+          <p:spPr bwMode="auto">
+            <a:xfrm>
+              <a:off x="2175371" y="2032239"/>
+              <a:ext cx="5040560" cy="321470"/>
+            </a:xfrm>
+            <a:prstGeom prst="rect">
+              <a:avLst/>
+            </a:prstGeom>
+            <a:noFill/>
+            <a:effectLst/>
+          </p:spPr>
+          <p:txBody>
+            <a:bodyPr wrap="square" anchor="ctr">
+              <a:spAutoFit/>
+            </a:bodyPr>
+            <a:lstStyle>
+              <a:defPPr>
+                <a:defRPr lang="ko-KR"/>
+              </a:defPPr>
+              <a:lvl1pPr marL="0" algn="l" defTabSz="914400" rtl="0" eaLnBrk="1" latinLnBrk="1" hangingPunct="1">
+                <a:defRPr sz="1800" kern="1200">
+                  <a:solidFill>
+                    <a:schemeClr val="tx1"/>
+                  </a:solidFill>
+                  <a:latin typeface="+mn-lt"/>
+                  <a:ea typeface="+mn-ea"/>
+                  <a:cs typeface="+mn-cs"/>
+                </a:defRPr>
+              </a:lvl1pPr>
+              <a:lvl2pPr marL="457200" algn="l" defTabSz="914400" rtl="0" eaLnBrk="1" latinLnBrk="1" hangingPunct="1">
+                <a:defRPr sz="1800" kern="1200">
+                  <a:solidFill>
+                    <a:schemeClr val="tx1"/>
+                  </a:solidFill>
+                  <a:latin typeface="+mn-lt"/>
+                  <a:ea typeface="+mn-ea"/>
+                  <a:cs typeface="+mn-cs"/>
+                </a:defRPr>
+              </a:lvl2pPr>
+              <a:lvl3pPr marL="914400" algn="l" defTabSz="914400" rtl="0" eaLnBrk="1" latinLnBrk="1" hangingPunct="1">
+                <a:defRPr sz="1800" kern="1200">
+                  <a:solidFill>
+                    <a:schemeClr val="tx1"/>
+                  </a:solidFill>
+                  <a:latin typeface="+mn-lt"/>
+                  <a:ea typeface="+mn-ea"/>
+                  <a:cs typeface="+mn-cs"/>
+                </a:defRPr>
+              </a:lvl3pPr>
+              <a:lvl4pPr marL="1371600" algn="l" defTabSz="914400" rtl="0" eaLnBrk="1" latinLnBrk="1" hangingPunct="1">
+                <a:defRPr sz="1800" kern="1200">
+                  <a:solidFill>
+                    <a:schemeClr val="tx1"/>
+                  </a:solidFill>
+                  <a:latin typeface="+mn-lt"/>
+                  <a:ea typeface="+mn-ea"/>
+                  <a:cs typeface="+mn-cs"/>
+                </a:defRPr>
+              </a:lvl4pPr>
+              <a:lvl5pPr marL="1828800" algn="l" defTabSz="914400" rtl="0" eaLnBrk="1" latinLnBrk="1" hangingPunct="1">
+                <a:defRPr sz="1800" kern="1200">
+                  <a:solidFill>
+                    <a:schemeClr val="tx1"/>
+                  </a:solidFill>
+                  <a:latin typeface="+mn-lt"/>
+                  <a:ea typeface="+mn-ea"/>
+                  <a:cs typeface="+mn-cs"/>
+                </a:defRPr>
+              </a:lvl5pPr>
+              <a:lvl6pPr marL="2286000" algn="l" defTabSz="914400" rtl="0" eaLnBrk="1" latinLnBrk="1" hangingPunct="1">
+                <a:defRPr sz="1800" kern="1200">
+                  <a:solidFill>
+                    <a:schemeClr val="tx1"/>
+                  </a:solidFill>
+                  <a:latin typeface="+mn-lt"/>
+                  <a:ea typeface="+mn-ea"/>
+                  <a:cs typeface="+mn-cs"/>
+                </a:defRPr>
+              </a:lvl6pPr>
+              <a:lvl7pPr marL="2743200" algn="l" defTabSz="914400" rtl="0" eaLnBrk="1" latinLnBrk="1" hangingPunct="1">
+                <a:defRPr sz="1800" kern="1200">
+                  <a:solidFill>
+                    <a:schemeClr val="tx1"/>
+                  </a:solidFill>
+                  <a:latin typeface="+mn-lt"/>
+                  <a:ea typeface="+mn-ea"/>
+                  <a:cs typeface="+mn-cs"/>
+                </a:defRPr>
+              </a:lvl7pPr>
+              <a:lvl8pPr marL="3200400" algn="l" defTabSz="914400" rtl="0" eaLnBrk="1" latinLnBrk="1" hangingPunct="1">
+                <a:defRPr sz="1800" kern="1200">
+                  <a:solidFill>
+                    <a:schemeClr val="tx1"/>
+                  </a:solidFill>
+                  <a:latin typeface="+mn-lt"/>
+                  <a:ea typeface="+mn-ea"/>
+                  <a:cs typeface="+mn-cs"/>
+                </a:defRPr>
+              </a:lvl8pPr>
+              <a:lvl9pPr marL="3657600" algn="l" defTabSz="914400" rtl="0" eaLnBrk="1" latinLnBrk="1" hangingPunct="1">
+                <a:defRPr sz="1800" kern="1200">
+                  <a:solidFill>
+                    <a:schemeClr val="tx1"/>
+                  </a:solidFill>
+                  <a:latin typeface="+mn-lt"/>
+                  <a:ea typeface="+mn-ea"/>
+                  <a:cs typeface="+mn-cs"/>
+                </a:defRPr>
+              </a:lvl9pPr>
+            </a:lstStyle>
+            <a:p>
+              <a:pPr>
+                <a:defRPr/>
+              </a:pPr>
+              <a:r>
+                <a:rPr lang="en-US" altLang="ko-KR" sz="1200" dirty="0" err="1">
+                  <a:solidFill>
+                    <a:schemeClr val="tx1">
+                      <a:lumMod val="65000"/>
+                      <a:lumOff val="35000"/>
+                    </a:schemeClr>
+                  </a:solidFill>
+                  <a:cs typeface="Arial" pitchFamily="34" charset="0"/>
+                </a:rPr>
+                <a:t>Cố</a:t>
+              </a:r>
+              <a:r>
+                <a:rPr lang="en-US" altLang="ko-KR" sz="1200" dirty="0">
+                  <a:solidFill>
+                    <a:schemeClr val="tx1">
+                      <a:lumMod val="65000"/>
+                      <a:lumOff val="35000"/>
+                    </a:schemeClr>
+                  </a:solidFill>
+                  <a:cs typeface="Arial" pitchFamily="34" charset="0"/>
+                </a:rPr>
+                <a:t> </a:t>
+              </a:r>
+              <a:r>
+                <a:rPr lang="en-US" altLang="ko-KR" sz="1200" dirty="0" err="1">
+                  <a:solidFill>
+                    <a:schemeClr val="tx1">
+                      <a:lumMod val="65000"/>
+                      <a:lumOff val="35000"/>
+                    </a:schemeClr>
+                  </a:solidFill>
+                  <a:cs typeface="Arial" pitchFamily="34" charset="0"/>
+                </a:rPr>
+                <a:t>vấn</a:t>
+              </a:r>
+              <a:r>
+                <a:rPr lang="en-US" altLang="ko-KR" sz="1200" dirty="0">
+                  <a:solidFill>
+                    <a:schemeClr val="tx1">
+                      <a:lumMod val="65000"/>
+                      <a:lumOff val="35000"/>
+                    </a:schemeClr>
+                  </a:solidFill>
+                  <a:cs typeface="Arial" pitchFamily="34" charset="0"/>
+                </a:rPr>
+                <a:t> </a:t>
+              </a:r>
+              <a:r>
+                <a:rPr lang="en-US" altLang="ko-KR" sz="1200" dirty="0" err="1">
+                  <a:solidFill>
+                    <a:schemeClr val="tx1">
+                      <a:lumMod val="65000"/>
+                      <a:lumOff val="35000"/>
+                    </a:schemeClr>
+                  </a:solidFill>
+                  <a:cs typeface="Arial" pitchFamily="34" charset="0"/>
+                </a:rPr>
+                <a:t>môn</a:t>
+              </a:r>
+              <a:r>
+                <a:rPr lang="en-US" altLang="ko-KR" sz="1200" dirty="0">
+                  <a:solidFill>
+                    <a:schemeClr val="tx1">
+                      <a:lumMod val="65000"/>
+                      <a:lumOff val="35000"/>
+                    </a:schemeClr>
+                  </a:solidFill>
+                  <a:cs typeface="Arial" pitchFamily="34" charset="0"/>
+                </a:rPr>
+                <a:t> </a:t>
+              </a:r>
+              <a:r>
+                <a:rPr lang="en-US" altLang="ko-KR" sz="1200" dirty="0" err="1">
+                  <a:solidFill>
+                    <a:schemeClr val="tx1">
+                      <a:lumMod val="65000"/>
+                      <a:lumOff val="35000"/>
+                    </a:schemeClr>
+                  </a:solidFill>
+                  <a:cs typeface="Arial" pitchFamily="34" charset="0"/>
+                </a:rPr>
+                <a:t>học</a:t>
+              </a:r>
+              <a:r>
+                <a:rPr lang="en-US" altLang="ko-KR" sz="1200" dirty="0">
+                  <a:solidFill>
+                    <a:schemeClr val="tx1">
+                      <a:lumMod val="65000"/>
+                      <a:lumOff val="35000"/>
+                    </a:schemeClr>
+                  </a:solidFill>
+                  <a:cs typeface="Arial" pitchFamily="34" charset="0"/>
+                </a:rPr>
+                <a:t> </a:t>
+              </a:r>
+              <a:endParaRPr lang="ko-KR" altLang="en-US" sz="1200" dirty="0">
+                <a:solidFill>
+                  <a:schemeClr val="tx1">
+                    <a:lumMod val="65000"/>
+                    <a:lumOff val="35000"/>
+                  </a:schemeClr>
+                </a:solidFill>
+                <a:cs typeface="Arial" pitchFamily="34" charset="0"/>
+              </a:endParaRPr>
+            </a:p>
+          </p:txBody>
+        </p:sp>
+      </p:grpSp>
+      <p:sp>
+        <p:nvSpPr>
+          <p:cNvPr id="28" name="Rectangle 27"/>
+          <p:cNvSpPr/>
+          <p:nvPr/>
+        </p:nvSpPr>
+        <p:spPr>
+          <a:xfrm>
+            <a:off x="2712635" y="2652051"/>
+            <a:ext cx="581569" cy="572669"/>
+          </a:xfrm>
+          <a:prstGeom prst="rect">
+            <a:avLst/>
+          </a:prstGeom>
+          <a:solidFill>
+            <a:schemeClr val="bg1"/>
+          </a:solidFill>
+          <a:ln>
+            <a:noFill/>
+          </a:ln>
+        </p:spPr>
+        <p:style>
+          <a:lnRef idx="2">
+            <a:schemeClr val="accent1">
+              <a:shade val="50000"/>
+            </a:schemeClr>
+          </a:lnRef>
+          <a:fillRef idx="1">
+            <a:schemeClr val="accent1"/>
+          </a:fillRef>
+          <a:effectRef idx="0">
+            <a:schemeClr val="accent1"/>
+          </a:effectRef>
+          <a:fontRef idx="minor">
+            <a:schemeClr val="lt1"/>
+          </a:fontRef>
+        </p:style>
+        <p:txBody>
+          <a:bodyPr rtlCol="0" anchor="ctr"/>
+          <a:lstStyle/>
+          <a:p>
+            <a:pPr algn="ctr"/>
+            <a:endParaRPr lang="ko-KR" altLang="en-US">
+              <a:solidFill>
+                <a:schemeClr val="tx1"/>
+              </a:solidFill>
+            </a:endParaRPr>
+          </a:p>
+        </p:txBody>
+      </p:sp>
+      <p:grpSp>
+        <p:nvGrpSpPr>
+          <p:cNvPr id="29" name="Group 28"/>
+          <p:cNvGrpSpPr/>
+          <p:nvPr/>
+        </p:nvGrpSpPr>
+        <p:grpSpPr>
+          <a:xfrm>
+            <a:off x="3490364" y="2652051"/>
+            <a:ext cx="5138704" cy="601968"/>
+            <a:chOff x="1795588" y="1688594"/>
+            <a:chExt cx="6408712" cy="707911"/>
+          </a:xfrm>
+          <a:solidFill>
+            <a:schemeClr val="bg1"/>
+          </a:solidFill>
+        </p:grpSpPr>
+        <p:sp>
+          <p:nvSpPr>
+            <p:cNvPr id="30" name="Rounded Rectangle 29"/>
+            <p:cNvSpPr/>
+            <p:nvPr/>
+          </p:nvSpPr>
+          <p:spPr>
+            <a:xfrm>
+              <a:off x="1795588" y="1688594"/>
+              <a:ext cx="6408712" cy="707911"/>
+            </a:xfrm>
+            <a:prstGeom prst="roundRect">
+              <a:avLst>
+                <a:gd name="adj" fmla="val 10715"/>
+              </a:avLst>
+            </a:prstGeom>
+            <a:solidFill>
+              <a:schemeClr val="accent4"/>
+            </a:solidFill>
+            <a:ln w="63500">
+              <a:solidFill>
+                <a:schemeClr val="bg1"/>
+              </a:solidFill>
+            </a:ln>
+          </p:spPr>
+          <p:style>
+            <a:lnRef idx="2">
+              <a:schemeClr val="accent1">
+                <a:shade val="50000"/>
+              </a:schemeClr>
+            </a:lnRef>
+            <a:fillRef idx="1">
+              <a:schemeClr val="accent1"/>
+            </a:fillRef>
+            <a:effectRef idx="0">
+              <a:schemeClr val="accent1"/>
+            </a:effectRef>
+            <a:fontRef idx="minor">
+              <a:schemeClr val="lt1"/>
+            </a:fontRef>
+          </p:style>
+          <p:txBody>
+            <a:bodyPr rtlCol="0" anchor="ctr"/>
+            <a:lstStyle/>
+            <a:p>
+              <a:pPr algn="ctr"/>
+              <a:endParaRPr lang="ko-KR" altLang="en-US" dirty="0"/>
+            </a:p>
+          </p:txBody>
+        </p:sp>
+        <p:sp>
+          <p:nvSpPr>
+            <p:cNvPr id="31" name="Rounded Rectangle 16"/>
+            <p:cNvSpPr/>
+            <p:nvPr/>
+          </p:nvSpPr>
+          <p:spPr>
+            <a:xfrm>
+              <a:off x="7719981" y="1688594"/>
+              <a:ext cx="484317" cy="600916"/>
+            </a:xfrm>
+            <a:custGeom>
+              <a:avLst/>
+              <a:gdLst/>
+              <a:ahLst/>
+              <a:cxnLst/>
+              <a:rect l="l" t="t" r="r" b="b"/>
+              <a:pathLst>
+                <a:path w="484317" h="697391">
+                  <a:moveTo>
+                    <a:pt x="0" y="0"/>
+                  </a:moveTo>
+                  <a:lnTo>
+                    <a:pt x="396286" y="0"/>
+                  </a:lnTo>
+                  <a:cubicBezTo>
+                    <a:pt x="444904" y="0"/>
+                    <a:pt x="484317" y="39413"/>
+                    <a:pt x="484317" y="88031"/>
+                  </a:cubicBezTo>
+                  <a:lnTo>
+                    <a:pt x="484317" y="697391"/>
+                  </a:lnTo>
+                  <a:close/>
+                </a:path>
+              </a:pathLst>
+            </a:custGeom>
+            <a:solidFill>
+              <a:schemeClr val="bg1"/>
+            </a:solidFill>
+            <a:ln w="63500">
+              <a:noFill/>
+            </a:ln>
+          </p:spPr>
+          <p:style>
+            <a:lnRef idx="2">
+              <a:schemeClr val="accent1">
+                <a:shade val="50000"/>
+              </a:schemeClr>
+            </a:lnRef>
+            <a:fillRef idx="1">
+              <a:schemeClr val="accent1"/>
+            </a:fillRef>
+            <a:effectRef idx="0">
+              <a:schemeClr val="accent1"/>
+            </a:effectRef>
+            <a:fontRef idx="minor">
+              <a:schemeClr val="lt1"/>
+            </a:fontRef>
+          </p:style>
+          <p:txBody>
+            <a:bodyPr rtlCol="0" anchor="ctr"/>
+            <a:lstStyle/>
+            <a:p>
+              <a:pPr algn="ctr"/>
+              <a:endParaRPr lang="ko-KR" altLang="en-US"/>
+            </a:p>
+          </p:txBody>
+        </p:sp>
+      </p:grpSp>
+      <p:sp>
+        <p:nvSpPr>
+          <p:cNvPr id="32" name="TextBox 31"/>
+          <p:cNvSpPr txBox="1"/>
+          <p:nvPr/>
+        </p:nvSpPr>
+        <p:spPr>
+          <a:xfrm>
+            <a:off x="2706362" y="2707553"/>
+            <a:ext cx="594114" cy="461665"/>
+          </a:xfrm>
+          <a:prstGeom prst="rect">
+            <a:avLst/>
+          </a:prstGeom>
+          <a:noFill/>
+        </p:spPr>
+        <p:txBody>
+          <a:bodyPr wrap="square" rtlCol="0" anchor="ctr">
+            <a:spAutoFit/>
+          </a:bodyPr>
+          <a:lstStyle/>
+          <a:p>
+            <a:pPr algn="ctr"/>
+            <a:r>
+              <a:rPr lang="en-US" altLang="ko-KR" sz="2400" b="1" dirty="0">
+                <a:solidFill>
+                  <a:schemeClr val="accent4"/>
+                </a:solidFill>
+                <a:cs typeface="Arial" pitchFamily="34" charset="0"/>
+              </a:rPr>
+              <a:t>03</a:t>
+            </a:r>
+            <a:endParaRPr lang="ko-KR" altLang="en-US" sz="2400" b="1" dirty="0">
+              <a:solidFill>
+                <a:schemeClr val="accent4"/>
+              </a:solidFill>
+              <a:cs typeface="Arial" pitchFamily="34" charset="0"/>
+            </a:endParaRPr>
+          </a:p>
+        </p:txBody>
+      </p:sp>
+      <p:grpSp>
+        <p:nvGrpSpPr>
+          <p:cNvPr id="33" name="Group 32"/>
+          <p:cNvGrpSpPr/>
+          <p:nvPr/>
+        </p:nvGrpSpPr>
+        <p:grpSpPr>
+          <a:xfrm>
+            <a:off x="3587577" y="2705216"/>
+            <a:ext cx="4752528" cy="509024"/>
+            <a:chOff x="2175371" y="1762963"/>
+            <a:chExt cx="5040560" cy="590746"/>
+          </a:xfrm>
+        </p:grpSpPr>
+        <p:sp>
+          <p:nvSpPr>
+            <p:cNvPr id="34" name="TextBox 10"/>
+            <p:cNvSpPr txBox="1"/>
+            <p:nvPr/>
+          </p:nvSpPr>
+          <p:spPr bwMode="auto">
+            <a:xfrm>
+              <a:off x="2175371" y="1762963"/>
+              <a:ext cx="5040560" cy="357189"/>
+            </a:xfrm>
+            <a:prstGeom prst="rect">
+              <a:avLst/>
+            </a:prstGeom>
+            <a:noFill/>
+            <a:effectLst/>
+          </p:spPr>
+          <p:txBody>
+            <a:bodyPr wrap="square" anchor="ctr">
+              <a:spAutoFit/>
+            </a:bodyPr>
+            <a:lstStyle>
+              <a:defPPr>
+                <a:defRPr lang="ko-KR"/>
+              </a:defPPr>
+              <a:lvl1pPr marL="0" algn="l" defTabSz="914400" rtl="0" eaLnBrk="1" latinLnBrk="1" hangingPunct="1">
+                <a:defRPr sz="1800" kern="1200">
+                  <a:solidFill>
+                    <a:schemeClr val="tx1"/>
+                  </a:solidFill>
+                  <a:latin typeface="+mn-lt"/>
+                  <a:ea typeface="+mn-ea"/>
+                  <a:cs typeface="+mn-cs"/>
+                </a:defRPr>
+              </a:lvl1pPr>
+              <a:lvl2pPr marL="457200" algn="l" defTabSz="914400" rtl="0" eaLnBrk="1" latinLnBrk="1" hangingPunct="1">
+                <a:defRPr sz="1800" kern="1200">
+                  <a:solidFill>
+                    <a:schemeClr val="tx1"/>
+                  </a:solidFill>
+                  <a:latin typeface="+mn-lt"/>
+                  <a:ea typeface="+mn-ea"/>
+                  <a:cs typeface="+mn-cs"/>
+                </a:defRPr>
+              </a:lvl2pPr>
+              <a:lvl3pPr marL="914400" algn="l" defTabSz="914400" rtl="0" eaLnBrk="1" latinLnBrk="1" hangingPunct="1">
+                <a:defRPr sz="1800" kern="1200">
+                  <a:solidFill>
+                    <a:schemeClr val="tx1"/>
+                  </a:solidFill>
+                  <a:latin typeface="+mn-lt"/>
+                  <a:ea typeface="+mn-ea"/>
+                  <a:cs typeface="+mn-cs"/>
+                </a:defRPr>
+              </a:lvl3pPr>
+              <a:lvl4pPr marL="1371600" algn="l" defTabSz="914400" rtl="0" eaLnBrk="1" latinLnBrk="1" hangingPunct="1">
+                <a:defRPr sz="1800" kern="1200">
+                  <a:solidFill>
+                    <a:schemeClr val="tx1"/>
+                  </a:solidFill>
+                  <a:latin typeface="+mn-lt"/>
+                  <a:ea typeface="+mn-ea"/>
+                  <a:cs typeface="+mn-cs"/>
+                </a:defRPr>
+              </a:lvl4pPr>
+              <a:lvl5pPr marL="1828800" algn="l" defTabSz="914400" rtl="0" eaLnBrk="1" latinLnBrk="1" hangingPunct="1">
+                <a:defRPr sz="1800" kern="1200">
+                  <a:solidFill>
+                    <a:schemeClr val="tx1"/>
+                  </a:solidFill>
+                  <a:latin typeface="+mn-lt"/>
+                  <a:ea typeface="+mn-ea"/>
+                  <a:cs typeface="+mn-cs"/>
+                </a:defRPr>
+              </a:lvl5pPr>
+              <a:lvl6pPr marL="2286000" algn="l" defTabSz="914400" rtl="0" eaLnBrk="1" latinLnBrk="1" hangingPunct="1">
+                <a:defRPr sz="1800" kern="1200">
+                  <a:solidFill>
+                    <a:schemeClr val="tx1"/>
+                  </a:solidFill>
+                  <a:latin typeface="+mn-lt"/>
+                  <a:ea typeface="+mn-ea"/>
+                  <a:cs typeface="+mn-cs"/>
+                </a:defRPr>
+              </a:lvl6pPr>
+              <a:lvl7pPr marL="2743200" algn="l" defTabSz="914400" rtl="0" eaLnBrk="1" latinLnBrk="1" hangingPunct="1">
+                <a:defRPr sz="1800" kern="1200">
+                  <a:solidFill>
+                    <a:schemeClr val="tx1"/>
+                  </a:solidFill>
+                  <a:latin typeface="+mn-lt"/>
+                  <a:ea typeface="+mn-ea"/>
+                  <a:cs typeface="+mn-cs"/>
+                </a:defRPr>
+              </a:lvl7pPr>
+              <a:lvl8pPr marL="3200400" algn="l" defTabSz="914400" rtl="0" eaLnBrk="1" latinLnBrk="1" hangingPunct="1">
+                <a:defRPr sz="1800" kern="1200">
+                  <a:solidFill>
+                    <a:schemeClr val="tx1"/>
+                  </a:solidFill>
+                  <a:latin typeface="+mn-lt"/>
+                  <a:ea typeface="+mn-ea"/>
+                  <a:cs typeface="+mn-cs"/>
+                </a:defRPr>
+              </a:lvl8pPr>
+              <a:lvl9pPr marL="3657600" algn="l" defTabSz="914400" rtl="0" eaLnBrk="1" latinLnBrk="1" hangingPunct="1">
+                <a:defRPr sz="1800" kern="1200">
+                  <a:solidFill>
+                    <a:schemeClr val="tx1"/>
+                  </a:solidFill>
+                  <a:latin typeface="+mn-lt"/>
+                  <a:ea typeface="+mn-ea"/>
+                  <a:cs typeface="+mn-cs"/>
+                </a:defRPr>
+              </a:lvl9pPr>
+            </a:lstStyle>
+            <a:p>
+              <a:pPr>
+                <a:defRPr/>
+              </a:pPr>
+              <a:r>
+                <a:rPr lang="en-US" altLang="ko-KR" sz="1400" b="1" dirty="0" err="1">
+                  <a:solidFill>
+                    <a:schemeClr val="bg1"/>
+                  </a:solidFill>
+                  <a:cs typeface="Arial" pitchFamily="34" charset="0"/>
+                </a:rPr>
+                <a:t>Nguyễn</a:t>
+              </a:r>
+              <a:r>
+                <a:rPr lang="en-US" altLang="ko-KR" sz="1400" b="1" dirty="0">
+                  <a:solidFill>
+                    <a:schemeClr val="bg1"/>
+                  </a:solidFill>
+                  <a:cs typeface="Arial" pitchFamily="34" charset="0"/>
+                </a:rPr>
+                <a:t> Anh </a:t>
+              </a:r>
+              <a:r>
+                <a:rPr lang="en-US" altLang="ko-KR" sz="1400" b="1" dirty="0" err="1">
+                  <a:solidFill>
+                    <a:schemeClr val="bg1"/>
+                  </a:solidFill>
+                  <a:cs typeface="Arial" pitchFamily="34" charset="0"/>
+                </a:rPr>
+                <a:t>Quân</a:t>
+              </a:r>
+              <a:endParaRPr lang="en-US" altLang="ko-KR" sz="1400" b="1" dirty="0">
+                <a:solidFill>
+                  <a:schemeClr val="bg1"/>
+                </a:solidFill>
+                <a:cs typeface="Arial" pitchFamily="34" charset="0"/>
+              </a:endParaRPr>
+            </a:p>
+          </p:txBody>
+        </p:sp>
+        <p:sp>
+          <p:nvSpPr>
+            <p:cNvPr id="35" name="TextBox 12"/>
+            <p:cNvSpPr txBox="1"/>
+            <p:nvPr/>
+          </p:nvSpPr>
+          <p:spPr bwMode="auto">
+            <a:xfrm>
+              <a:off x="2175371" y="2032239"/>
+              <a:ext cx="5040560" cy="321470"/>
+            </a:xfrm>
+            <a:prstGeom prst="rect">
+              <a:avLst/>
+            </a:prstGeom>
+            <a:noFill/>
+            <a:effectLst/>
+          </p:spPr>
+          <p:txBody>
+            <a:bodyPr wrap="square" anchor="ctr">
+              <a:spAutoFit/>
+            </a:bodyPr>
+            <a:lstStyle>
+              <a:defPPr>
+                <a:defRPr lang="ko-KR"/>
+              </a:defPPr>
+              <a:lvl1pPr marL="0" algn="l" defTabSz="914400" rtl="0" eaLnBrk="1" latinLnBrk="1" hangingPunct="1">
+                <a:defRPr sz="1800" kern="1200">
+                  <a:solidFill>
+                    <a:schemeClr val="tx1"/>
+                  </a:solidFill>
+                  <a:latin typeface="+mn-lt"/>
+                  <a:ea typeface="+mn-ea"/>
+                  <a:cs typeface="+mn-cs"/>
+                </a:defRPr>
+              </a:lvl1pPr>
+              <a:lvl2pPr marL="457200" algn="l" defTabSz="914400" rtl="0" eaLnBrk="1" latinLnBrk="1" hangingPunct="1">
+                <a:defRPr sz="1800" kern="1200">
+                  <a:solidFill>
+                    <a:schemeClr val="tx1"/>
+                  </a:solidFill>
+                  <a:latin typeface="+mn-lt"/>
+                  <a:ea typeface="+mn-ea"/>
+                  <a:cs typeface="+mn-cs"/>
+                </a:defRPr>
+              </a:lvl2pPr>
+              <a:lvl3pPr marL="914400" algn="l" defTabSz="914400" rtl="0" eaLnBrk="1" latinLnBrk="1" hangingPunct="1">
+                <a:defRPr sz="1800" kern="1200">
+                  <a:solidFill>
+                    <a:schemeClr val="tx1"/>
+                  </a:solidFill>
+                  <a:latin typeface="+mn-lt"/>
+                  <a:ea typeface="+mn-ea"/>
+                  <a:cs typeface="+mn-cs"/>
+                </a:defRPr>
+              </a:lvl3pPr>
+              <a:lvl4pPr marL="1371600" algn="l" defTabSz="914400" rtl="0" eaLnBrk="1" latinLnBrk="1" hangingPunct="1">
+                <a:defRPr sz="1800" kern="1200">
+                  <a:solidFill>
+                    <a:schemeClr val="tx1"/>
+                  </a:solidFill>
+                  <a:latin typeface="+mn-lt"/>
+                  <a:ea typeface="+mn-ea"/>
+                  <a:cs typeface="+mn-cs"/>
+                </a:defRPr>
+              </a:lvl4pPr>
+              <a:lvl5pPr marL="1828800" algn="l" defTabSz="914400" rtl="0" eaLnBrk="1" latinLnBrk="1" hangingPunct="1">
+                <a:defRPr sz="1800" kern="1200">
+                  <a:solidFill>
+                    <a:schemeClr val="tx1"/>
+                  </a:solidFill>
+                  <a:latin typeface="+mn-lt"/>
+                  <a:ea typeface="+mn-ea"/>
+                  <a:cs typeface="+mn-cs"/>
+                </a:defRPr>
+              </a:lvl5pPr>
+              <a:lvl6pPr marL="2286000" algn="l" defTabSz="914400" rtl="0" eaLnBrk="1" latinLnBrk="1" hangingPunct="1">
+                <a:defRPr sz="1800" kern="1200">
+                  <a:solidFill>
+                    <a:schemeClr val="tx1"/>
+                  </a:solidFill>
+                  <a:latin typeface="+mn-lt"/>
+                  <a:ea typeface="+mn-ea"/>
+                  <a:cs typeface="+mn-cs"/>
+                </a:defRPr>
+              </a:lvl6pPr>
+              <a:lvl7pPr marL="2743200" algn="l" defTabSz="914400" rtl="0" eaLnBrk="1" latinLnBrk="1" hangingPunct="1">
+                <a:defRPr sz="1800" kern="1200">
+                  <a:solidFill>
+                    <a:schemeClr val="tx1"/>
+                  </a:solidFill>
+                  <a:latin typeface="+mn-lt"/>
+                  <a:ea typeface="+mn-ea"/>
+                  <a:cs typeface="+mn-cs"/>
+                </a:defRPr>
+              </a:lvl7pPr>
+              <a:lvl8pPr marL="3200400" algn="l" defTabSz="914400" rtl="0" eaLnBrk="1" latinLnBrk="1" hangingPunct="1">
+                <a:defRPr sz="1800" kern="1200">
+                  <a:solidFill>
+                    <a:schemeClr val="tx1"/>
+                  </a:solidFill>
+                  <a:latin typeface="+mn-lt"/>
+                  <a:ea typeface="+mn-ea"/>
+                  <a:cs typeface="+mn-cs"/>
+                </a:defRPr>
+              </a:lvl8pPr>
+              <a:lvl9pPr marL="3657600" algn="l" defTabSz="914400" rtl="0" eaLnBrk="1" latinLnBrk="1" hangingPunct="1">
+                <a:defRPr sz="1800" kern="1200">
+                  <a:solidFill>
+                    <a:schemeClr val="tx1"/>
+                  </a:solidFill>
+                  <a:latin typeface="+mn-lt"/>
+                  <a:ea typeface="+mn-ea"/>
+                  <a:cs typeface="+mn-cs"/>
+                </a:defRPr>
+              </a:lvl9pPr>
+            </a:lstStyle>
+            <a:p>
+              <a:pPr>
+                <a:defRPr/>
+              </a:pPr>
+              <a:r>
+                <a:rPr lang="en-US" altLang="ko-KR" sz="1200" dirty="0">
+                  <a:solidFill>
+                    <a:schemeClr val="bg1"/>
+                  </a:solidFill>
+                  <a:cs typeface="Arial" pitchFamily="34" charset="0"/>
+                </a:rPr>
+                <a:t>3118410353 – </a:t>
+              </a:r>
+              <a:r>
+                <a:rPr lang="en-US" altLang="ko-KR" sz="1200" dirty="0" err="1">
+                  <a:solidFill>
+                    <a:schemeClr val="bg1"/>
+                  </a:solidFill>
+                  <a:cs typeface="Arial" pitchFamily="34" charset="0"/>
+                </a:rPr>
+                <a:t>nhóm</a:t>
+              </a:r>
+              <a:r>
+                <a:rPr lang="en-US" altLang="ko-KR" sz="1200" dirty="0">
+                  <a:solidFill>
+                    <a:schemeClr val="bg1"/>
+                  </a:solidFill>
+                  <a:cs typeface="Arial" pitchFamily="34" charset="0"/>
+                </a:rPr>
+                <a:t> tr</a:t>
+              </a:r>
+              <a:r>
+                <a:rPr lang="vi-VN" altLang="ko-KR" sz="1200" dirty="0" err="1">
+                  <a:solidFill>
+                    <a:schemeClr val="bg1"/>
+                  </a:solidFill>
+                  <a:cs typeface="Arial" pitchFamily="34" charset="0"/>
+                </a:rPr>
+                <a:t>ưởng</a:t>
+              </a:r>
+              <a:r>
+                <a:rPr lang="vi-VN" altLang="ko-KR" sz="1200" dirty="0">
+                  <a:solidFill>
+                    <a:schemeClr val="bg1"/>
+                  </a:solidFill>
+                  <a:cs typeface="Arial" pitchFamily="34" charset="0"/>
+                </a:rPr>
+                <a:t>, </a:t>
+              </a:r>
+              <a:r>
+                <a:rPr lang="vi-VN" altLang="ko-KR" sz="1200" dirty="0" err="1">
+                  <a:solidFill>
+                    <a:schemeClr val="bg1"/>
+                  </a:solidFill>
+                  <a:cs typeface="Arial" pitchFamily="34" charset="0"/>
+                </a:rPr>
+                <a:t>dẫn</a:t>
+              </a:r>
+              <a:r>
+                <a:rPr lang="vi-VN" altLang="ko-KR" sz="1200" dirty="0">
+                  <a:solidFill>
+                    <a:schemeClr val="bg1"/>
+                  </a:solidFill>
+                  <a:cs typeface="Arial" pitchFamily="34" charset="0"/>
+                </a:rPr>
+                <a:t> </a:t>
+              </a:r>
+              <a:r>
+                <a:rPr lang="vi-VN" altLang="ko-KR" sz="1200" dirty="0" err="1">
+                  <a:solidFill>
+                    <a:schemeClr val="bg1"/>
+                  </a:solidFill>
+                  <a:cs typeface="Arial" pitchFamily="34" charset="0"/>
+                </a:rPr>
+                <a:t>dắt</a:t>
+              </a:r>
+              <a:r>
+                <a:rPr lang="vi-VN" altLang="ko-KR" sz="1200" dirty="0">
+                  <a:solidFill>
+                    <a:schemeClr val="bg1"/>
+                  </a:solidFill>
+                  <a:cs typeface="Arial" pitchFamily="34" charset="0"/>
+                </a:rPr>
+                <a:t> </a:t>
+              </a:r>
+              <a:r>
+                <a:rPr lang="vi-VN" altLang="ko-KR" sz="1200" dirty="0" err="1">
+                  <a:solidFill>
+                    <a:schemeClr val="bg1"/>
+                  </a:solidFill>
+                  <a:cs typeface="Arial" pitchFamily="34" charset="0"/>
+                </a:rPr>
+                <a:t>nhóm</a:t>
+              </a:r>
+              <a:endParaRPr lang="ko-KR" altLang="en-US" sz="1200" dirty="0">
+                <a:solidFill>
+                  <a:schemeClr val="bg1"/>
+                </a:solidFill>
+                <a:cs typeface="Arial" pitchFamily="34" charset="0"/>
+              </a:endParaRPr>
+            </a:p>
+          </p:txBody>
+        </p:sp>
+      </p:grpSp>
+      <p:sp>
+        <p:nvSpPr>
+          <p:cNvPr id="36" name="Rectangle 35"/>
+          <p:cNvSpPr/>
+          <p:nvPr/>
+        </p:nvSpPr>
+        <p:spPr>
+          <a:xfrm>
+            <a:off x="2712635" y="3425254"/>
+            <a:ext cx="581569" cy="572669"/>
+          </a:xfrm>
+          <a:prstGeom prst="rect">
+            <a:avLst/>
+          </a:prstGeom>
+          <a:solidFill>
+            <a:schemeClr val="bg1"/>
+          </a:solidFill>
+          <a:ln>
+            <a:noFill/>
+          </a:ln>
+        </p:spPr>
+        <p:style>
+          <a:lnRef idx="2">
+            <a:schemeClr val="accent1">
+              <a:shade val="50000"/>
+            </a:schemeClr>
+          </a:lnRef>
+          <a:fillRef idx="1">
+            <a:schemeClr val="accent1"/>
+          </a:fillRef>
+          <a:effectRef idx="0">
+            <a:schemeClr val="accent1"/>
+          </a:effectRef>
+          <a:fontRef idx="minor">
+            <a:schemeClr val="lt1"/>
+          </a:fontRef>
+        </p:style>
+        <p:txBody>
+          <a:bodyPr rtlCol="0" anchor="ctr"/>
+          <a:lstStyle/>
+          <a:p>
+            <a:pPr algn="ctr"/>
+            <a:endParaRPr lang="ko-KR" altLang="en-US">
+              <a:solidFill>
+                <a:schemeClr val="tx1"/>
+              </a:solidFill>
+            </a:endParaRPr>
+          </a:p>
+        </p:txBody>
+      </p:sp>
+      <p:grpSp>
+        <p:nvGrpSpPr>
+          <p:cNvPr id="37" name="Group 36"/>
+          <p:cNvGrpSpPr/>
+          <p:nvPr/>
+        </p:nvGrpSpPr>
+        <p:grpSpPr>
+          <a:xfrm>
+            <a:off x="3490364" y="3425254"/>
+            <a:ext cx="5138704" cy="601968"/>
+            <a:chOff x="1795588" y="1688594"/>
+            <a:chExt cx="6408712" cy="707911"/>
+          </a:xfrm>
+          <a:solidFill>
+            <a:schemeClr val="bg1"/>
+          </a:solidFill>
+        </p:grpSpPr>
+        <p:sp>
+          <p:nvSpPr>
+            <p:cNvPr id="38" name="Rounded Rectangle 37"/>
+            <p:cNvSpPr/>
+            <p:nvPr/>
+          </p:nvSpPr>
+          <p:spPr>
+            <a:xfrm>
+              <a:off x="1795588" y="1688594"/>
+              <a:ext cx="6408712" cy="707911"/>
+            </a:xfrm>
+            <a:prstGeom prst="roundRect">
+              <a:avLst>
+                <a:gd name="adj" fmla="val 10715"/>
+              </a:avLst>
+            </a:prstGeom>
+            <a:solidFill>
+              <a:schemeClr val="accent5"/>
+            </a:solidFill>
+            <a:ln w="63500">
+              <a:solidFill>
+                <a:schemeClr val="bg1"/>
+              </a:solidFill>
+            </a:ln>
+          </p:spPr>
+          <p:style>
+            <a:lnRef idx="2">
+              <a:schemeClr val="accent1">
+                <a:shade val="50000"/>
+              </a:schemeClr>
+            </a:lnRef>
+            <a:fillRef idx="1">
+              <a:schemeClr val="accent1"/>
+            </a:fillRef>
+            <a:effectRef idx="0">
+              <a:schemeClr val="accent1"/>
+            </a:effectRef>
+            <a:fontRef idx="minor">
+              <a:schemeClr val="lt1"/>
+            </a:fontRef>
+          </p:style>
+          <p:txBody>
+            <a:bodyPr rtlCol="0" anchor="ctr"/>
+            <a:lstStyle/>
+            <a:p>
+              <a:pPr algn="ctr"/>
+              <a:endParaRPr lang="ko-KR" altLang="en-US" dirty="0"/>
+            </a:p>
+          </p:txBody>
+        </p:sp>
+        <p:sp>
+          <p:nvSpPr>
+            <p:cNvPr id="39" name="Rounded Rectangle 16"/>
+            <p:cNvSpPr/>
+            <p:nvPr/>
+          </p:nvSpPr>
+          <p:spPr>
+            <a:xfrm>
+              <a:off x="7719981" y="1688594"/>
+              <a:ext cx="484317" cy="600916"/>
+            </a:xfrm>
+            <a:custGeom>
+              <a:avLst/>
+              <a:gdLst/>
+              <a:ahLst/>
+              <a:cxnLst/>
+              <a:rect l="l" t="t" r="r" b="b"/>
+              <a:pathLst>
+                <a:path w="484317" h="697391">
+                  <a:moveTo>
+                    <a:pt x="0" y="0"/>
+                  </a:moveTo>
+                  <a:lnTo>
+                    <a:pt x="396286" y="0"/>
+                  </a:lnTo>
+                  <a:cubicBezTo>
+                    <a:pt x="444904" y="0"/>
+                    <a:pt x="484317" y="39413"/>
+                    <a:pt x="484317" y="88031"/>
+                  </a:cubicBezTo>
+                  <a:lnTo>
+                    <a:pt x="484317" y="697391"/>
+                  </a:lnTo>
+                  <a:close/>
+                </a:path>
+              </a:pathLst>
+            </a:custGeom>
+            <a:solidFill>
+              <a:schemeClr val="bg1"/>
+            </a:solidFill>
+            <a:ln w="63500">
+              <a:noFill/>
+            </a:ln>
+          </p:spPr>
+          <p:style>
+            <a:lnRef idx="2">
+              <a:schemeClr val="accent1">
+                <a:shade val="50000"/>
+              </a:schemeClr>
+            </a:lnRef>
+            <a:fillRef idx="1">
+              <a:schemeClr val="accent1"/>
+            </a:fillRef>
+            <a:effectRef idx="0">
+              <a:schemeClr val="accent1"/>
+            </a:effectRef>
+            <a:fontRef idx="minor">
+              <a:schemeClr val="lt1"/>
+            </a:fontRef>
+          </p:style>
+          <p:txBody>
+            <a:bodyPr rtlCol="0" anchor="ctr"/>
+            <a:lstStyle/>
+            <a:p>
+              <a:pPr algn="ctr"/>
+              <a:endParaRPr lang="ko-KR" altLang="en-US"/>
+            </a:p>
+          </p:txBody>
+        </p:sp>
+      </p:grpSp>
+      <p:sp>
+        <p:nvSpPr>
+          <p:cNvPr id="40" name="TextBox 39"/>
+          <p:cNvSpPr txBox="1"/>
+          <p:nvPr/>
+        </p:nvSpPr>
+        <p:spPr>
+          <a:xfrm>
+            <a:off x="2706362" y="3480756"/>
+            <a:ext cx="594114" cy="461665"/>
+          </a:xfrm>
+          <a:prstGeom prst="rect">
+            <a:avLst/>
+          </a:prstGeom>
+          <a:noFill/>
+        </p:spPr>
+        <p:txBody>
+          <a:bodyPr wrap="square" rtlCol="0" anchor="ctr">
+            <a:spAutoFit/>
+          </a:bodyPr>
+          <a:lstStyle/>
+          <a:p>
+            <a:pPr algn="ctr"/>
+            <a:r>
+              <a:rPr lang="en-US" altLang="ko-KR" sz="2400" b="1" dirty="0">
+                <a:solidFill>
+                  <a:schemeClr val="accent5"/>
+                </a:solidFill>
+                <a:cs typeface="Arial" pitchFamily="34" charset="0"/>
+              </a:rPr>
+              <a:t>04</a:t>
+            </a:r>
+            <a:endParaRPr lang="ko-KR" altLang="en-US" sz="2400" b="1" dirty="0">
+              <a:solidFill>
+                <a:schemeClr val="accent5"/>
+              </a:solidFill>
+              <a:cs typeface="Arial" pitchFamily="34" charset="0"/>
+            </a:endParaRPr>
+          </a:p>
+        </p:txBody>
+      </p:sp>
+      <p:grpSp>
+        <p:nvGrpSpPr>
+          <p:cNvPr id="41" name="Group 40"/>
+          <p:cNvGrpSpPr/>
+          <p:nvPr/>
+        </p:nvGrpSpPr>
+        <p:grpSpPr>
+          <a:xfrm>
+            <a:off x="3587577" y="3478419"/>
+            <a:ext cx="4752528" cy="509023"/>
+            <a:chOff x="2175371" y="1762964"/>
+            <a:chExt cx="5040560" cy="590745"/>
+          </a:xfrm>
+        </p:grpSpPr>
+        <p:sp>
+          <p:nvSpPr>
+            <p:cNvPr id="42" name="TextBox 10"/>
+            <p:cNvSpPr txBox="1"/>
+            <p:nvPr/>
+          </p:nvSpPr>
+          <p:spPr bwMode="auto">
+            <a:xfrm>
+              <a:off x="2175371" y="1762964"/>
+              <a:ext cx="5040560" cy="357190"/>
+            </a:xfrm>
+            <a:prstGeom prst="rect">
+              <a:avLst/>
+            </a:prstGeom>
+            <a:noFill/>
+            <a:effectLst/>
+          </p:spPr>
+          <p:txBody>
+            <a:bodyPr wrap="square" anchor="ctr">
+              <a:spAutoFit/>
+            </a:bodyPr>
+            <a:lstStyle>
+              <a:defPPr>
+                <a:defRPr lang="ko-KR"/>
+              </a:defPPr>
+              <a:lvl1pPr marL="0" algn="l" defTabSz="914400" rtl="0" eaLnBrk="1" latinLnBrk="1" hangingPunct="1">
+                <a:defRPr sz="1800" kern="1200">
+                  <a:solidFill>
+                    <a:schemeClr val="tx1"/>
+                  </a:solidFill>
+                  <a:latin typeface="+mn-lt"/>
+                  <a:ea typeface="+mn-ea"/>
+                  <a:cs typeface="+mn-cs"/>
+                </a:defRPr>
+              </a:lvl1pPr>
+              <a:lvl2pPr marL="457200" algn="l" defTabSz="914400" rtl="0" eaLnBrk="1" latinLnBrk="1" hangingPunct="1">
+                <a:defRPr sz="1800" kern="1200">
+                  <a:solidFill>
+                    <a:schemeClr val="tx1"/>
+                  </a:solidFill>
+                  <a:latin typeface="+mn-lt"/>
+                  <a:ea typeface="+mn-ea"/>
+                  <a:cs typeface="+mn-cs"/>
+                </a:defRPr>
+              </a:lvl2pPr>
+              <a:lvl3pPr marL="914400" algn="l" defTabSz="914400" rtl="0" eaLnBrk="1" latinLnBrk="1" hangingPunct="1">
+                <a:defRPr sz="1800" kern="1200">
+                  <a:solidFill>
+                    <a:schemeClr val="tx1"/>
+                  </a:solidFill>
+                  <a:latin typeface="+mn-lt"/>
+                  <a:ea typeface="+mn-ea"/>
+                  <a:cs typeface="+mn-cs"/>
+                </a:defRPr>
+              </a:lvl3pPr>
+              <a:lvl4pPr marL="1371600" algn="l" defTabSz="914400" rtl="0" eaLnBrk="1" latinLnBrk="1" hangingPunct="1">
+                <a:defRPr sz="1800" kern="1200">
+                  <a:solidFill>
+                    <a:schemeClr val="tx1"/>
+                  </a:solidFill>
+                  <a:latin typeface="+mn-lt"/>
+                  <a:ea typeface="+mn-ea"/>
+                  <a:cs typeface="+mn-cs"/>
+                </a:defRPr>
+              </a:lvl4pPr>
+              <a:lvl5pPr marL="1828800" algn="l" defTabSz="914400" rtl="0" eaLnBrk="1" latinLnBrk="1" hangingPunct="1">
+                <a:defRPr sz="1800" kern="1200">
+                  <a:solidFill>
+                    <a:schemeClr val="tx1"/>
+                  </a:solidFill>
+                  <a:latin typeface="+mn-lt"/>
+                  <a:ea typeface="+mn-ea"/>
+                  <a:cs typeface="+mn-cs"/>
+                </a:defRPr>
+              </a:lvl5pPr>
+              <a:lvl6pPr marL="2286000" algn="l" defTabSz="914400" rtl="0" eaLnBrk="1" latinLnBrk="1" hangingPunct="1">
+                <a:defRPr sz="1800" kern="1200">
+                  <a:solidFill>
+                    <a:schemeClr val="tx1"/>
+                  </a:solidFill>
+                  <a:latin typeface="+mn-lt"/>
+                  <a:ea typeface="+mn-ea"/>
+                  <a:cs typeface="+mn-cs"/>
+                </a:defRPr>
+              </a:lvl6pPr>
+              <a:lvl7pPr marL="2743200" algn="l" defTabSz="914400" rtl="0" eaLnBrk="1" latinLnBrk="1" hangingPunct="1">
+                <a:defRPr sz="1800" kern="1200">
+                  <a:solidFill>
+                    <a:schemeClr val="tx1"/>
+                  </a:solidFill>
+                  <a:latin typeface="+mn-lt"/>
+                  <a:ea typeface="+mn-ea"/>
+                  <a:cs typeface="+mn-cs"/>
+                </a:defRPr>
+              </a:lvl7pPr>
+              <a:lvl8pPr marL="3200400" algn="l" defTabSz="914400" rtl="0" eaLnBrk="1" latinLnBrk="1" hangingPunct="1">
+                <a:defRPr sz="1800" kern="1200">
+                  <a:solidFill>
+                    <a:schemeClr val="tx1"/>
+                  </a:solidFill>
+                  <a:latin typeface="+mn-lt"/>
+                  <a:ea typeface="+mn-ea"/>
+                  <a:cs typeface="+mn-cs"/>
+                </a:defRPr>
+              </a:lvl8pPr>
+              <a:lvl9pPr marL="3657600" algn="l" defTabSz="914400" rtl="0" eaLnBrk="1" latinLnBrk="1" hangingPunct="1">
+                <a:defRPr sz="1800" kern="1200">
+                  <a:solidFill>
+                    <a:schemeClr val="tx1"/>
+                  </a:solidFill>
+                  <a:latin typeface="+mn-lt"/>
+                  <a:ea typeface="+mn-ea"/>
+                  <a:cs typeface="+mn-cs"/>
+                </a:defRPr>
+              </a:lvl9pPr>
+            </a:lstStyle>
+            <a:p>
+              <a:pPr>
+                <a:defRPr/>
+              </a:pPr>
+              <a:r>
+                <a:rPr lang="en-US" altLang="ko-KR" sz="1400" b="1" dirty="0">
+                  <a:solidFill>
+                    <a:schemeClr val="bg1"/>
+                  </a:solidFill>
+                  <a:cs typeface="Arial" pitchFamily="34" charset="0"/>
+                </a:rPr>
+                <a:t>Phạm </a:t>
+              </a:r>
+              <a:r>
+                <a:rPr lang="en-US" altLang="ko-KR" sz="1400" b="1" dirty="0" err="1">
+                  <a:solidFill>
+                    <a:schemeClr val="bg1"/>
+                  </a:solidFill>
+                  <a:cs typeface="Arial" pitchFamily="34" charset="0"/>
+                </a:rPr>
+                <a:t>Văn</a:t>
+              </a:r>
+              <a:r>
+                <a:rPr lang="en-US" altLang="ko-KR" sz="1400" b="1" dirty="0">
+                  <a:solidFill>
+                    <a:schemeClr val="bg1"/>
+                  </a:solidFill>
+                  <a:cs typeface="Arial" pitchFamily="34" charset="0"/>
+                </a:rPr>
+                <a:t> </a:t>
+              </a:r>
+              <a:r>
+                <a:rPr lang="en-US" altLang="ko-KR" sz="1400" b="1" dirty="0" err="1">
+                  <a:solidFill>
+                    <a:schemeClr val="bg1"/>
+                  </a:solidFill>
+                  <a:cs typeface="Arial" pitchFamily="34" charset="0"/>
+                </a:rPr>
+                <a:t>Lợi</a:t>
+              </a:r>
+              <a:endParaRPr lang="en-US" altLang="ko-KR" sz="1400" b="1" dirty="0">
+                <a:solidFill>
+                  <a:schemeClr val="bg1"/>
+                </a:solidFill>
+                <a:cs typeface="Arial" pitchFamily="34" charset="0"/>
+              </a:endParaRPr>
+            </a:p>
+          </p:txBody>
+        </p:sp>
+        <p:sp>
+          <p:nvSpPr>
+            <p:cNvPr id="43" name="TextBox 12"/>
+            <p:cNvSpPr txBox="1"/>
+            <p:nvPr/>
+          </p:nvSpPr>
+          <p:spPr bwMode="auto">
+            <a:xfrm>
+              <a:off x="2175371" y="2032239"/>
+              <a:ext cx="5040560" cy="321470"/>
+            </a:xfrm>
+            <a:prstGeom prst="rect">
+              <a:avLst/>
+            </a:prstGeom>
+            <a:noFill/>
+            <a:effectLst/>
+          </p:spPr>
+          <p:txBody>
+            <a:bodyPr wrap="square" anchor="ctr">
+              <a:spAutoFit/>
+            </a:bodyPr>
+            <a:lstStyle>
+              <a:defPPr>
+                <a:defRPr lang="ko-KR"/>
+              </a:defPPr>
+              <a:lvl1pPr marL="0" algn="l" defTabSz="914400" rtl="0" eaLnBrk="1" latinLnBrk="1" hangingPunct="1">
+                <a:defRPr sz="1800" kern="1200">
+                  <a:solidFill>
+                    <a:schemeClr val="tx1"/>
+                  </a:solidFill>
+                  <a:latin typeface="+mn-lt"/>
+                  <a:ea typeface="+mn-ea"/>
+                  <a:cs typeface="+mn-cs"/>
+                </a:defRPr>
+              </a:lvl1pPr>
+              <a:lvl2pPr marL="457200" algn="l" defTabSz="914400" rtl="0" eaLnBrk="1" latinLnBrk="1" hangingPunct="1">
+                <a:defRPr sz="1800" kern="1200">
+                  <a:solidFill>
+                    <a:schemeClr val="tx1"/>
+                  </a:solidFill>
+                  <a:latin typeface="+mn-lt"/>
+                  <a:ea typeface="+mn-ea"/>
+                  <a:cs typeface="+mn-cs"/>
+                </a:defRPr>
+              </a:lvl2pPr>
+              <a:lvl3pPr marL="914400" algn="l" defTabSz="914400" rtl="0" eaLnBrk="1" latinLnBrk="1" hangingPunct="1">
+                <a:defRPr sz="1800" kern="1200">
+                  <a:solidFill>
+                    <a:schemeClr val="tx1"/>
+                  </a:solidFill>
+                  <a:latin typeface="+mn-lt"/>
+                  <a:ea typeface="+mn-ea"/>
+                  <a:cs typeface="+mn-cs"/>
+                </a:defRPr>
+              </a:lvl3pPr>
+              <a:lvl4pPr marL="1371600" algn="l" defTabSz="914400" rtl="0" eaLnBrk="1" latinLnBrk="1" hangingPunct="1">
+                <a:defRPr sz="1800" kern="1200">
+                  <a:solidFill>
+                    <a:schemeClr val="tx1"/>
+                  </a:solidFill>
+                  <a:latin typeface="+mn-lt"/>
+                  <a:ea typeface="+mn-ea"/>
+                  <a:cs typeface="+mn-cs"/>
+                </a:defRPr>
+              </a:lvl4pPr>
+              <a:lvl5pPr marL="1828800" algn="l" defTabSz="914400" rtl="0" eaLnBrk="1" latinLnBrk="1" hangingPunct="1">
+                <a:defRPr sz="1800" kern="1200">
+                  <a:solidFill>
+                    <a:schemeClr val="tx1"/>
+                  </a:solidFill>
+                  <a:latin typeface="+mn-lt"/>
+                  <a:ea typeface="+mn-ea"/>
+                  <a:cs typeface="+mn-cs"/>
+                </a:defRPr>
+              </a:lvl5pPr>
+              <a:lvl6pPr marL="2286000" algn="l" defTabSz="914400" rtl="0" eaLnBrk="1" latinLnBrk="1" hangingPunct="1">
+                <a:defRPr sz="1800" kern="1200">
+                  <a:solidFill>
+                    <a:schemeClr val="tx1"/>
+                  </a:solidFill>
+                  <a:latin typeface="+mn-lt"/>
+                  <a:ea typeface="+mn-ea"/>
+                  <a:cs typeface="+mn-cs"/>
+                </a:defRPr>
+              </a:lvl6pPr>
+              <a:lvl7pPr marL="2743200" algn="l" defTabSz="914400" rtl="0" eaLnBrk="1" latinLnBrk="1" hangingPunct="1">
+                <a:defRPr sz="1800" kern="1200">
+                  <a:solidFill>
+                    <a:schemeClr val="tx1"/>
+                  </a:solidFill>
+                  <a:latin typeface="+mn-lt"/>
+                  <a:ea typeface="+mn-ea"/>
+                  <a:cs typeface="+mn-cs"/>
+                </a:defRPr>
+              </a:lvl7pPr>
+              <a:lvl8pPr marL="3200400" algn="l" defTabSz="914400" rtl="0" eaLnBrk="1" latinLnBrk="1" hangingPunct="1">
+                <a:defRPr sz="1800" kern="1200">
+                  <a:solidFill>
+                    <a:schemeClr val="tx1"/>
+                  </a:solidFill>
+                  <a:latin typeface="+mn-lt"/>
+                  <a:ea typeface="+mn-ea"/>
+                  <a:cs typeface="+mn-cs"/>
+                </a:defRPr>
+              </a:lvl8pPr>
+              <a:lvl9pPr marL="3657600" algn="l" defTabSz="914400" rtl="0" eaLnBrk="1" latinLnBrk="1" hangingPunct="1">
+                <a:defRPr sz="1800" kern="1200">
+                  <a:solidFill>
+                    <a:schemeClr val="tx1"/>
+                  </a:solidFill>
+                  <a:latin typeface="+mn-lt"/>
+                  <a:ea typeface="+mn-ea"/>
+                  <a:cs typeface="+mn-cs"/>
+                </a:defRPr>
+              </a:lvl9pPr>
+            </a:lstStyle>
+            <a:p>
+              <a:pPr>
+                <a:defRPr/>
+              </a:pPr>
+              <a:r>
+                <a:rPr lang="en-US" altLang="ko-KR" sz="1200" dirty="0">
+                  <a:solidFill>
+                    <a:schemeClr val="bg1"/>
+                  </a:solidFill>
+                  <a:cs typeface="Arial" pitchFamily="34" charset="0"/>
+                </a:rPr>
+                <a:t>3118410256 – ng</a:t>
+              </a:r>
+              <a:r>
+                <a:rPr lang="vi-VN" altLang="ko-KR" sz="1200" dirty="0">
+                  <a:solidFill>
+                    <a:schemeClr val="bg1"/>
+                  </a:solidFill>
+                  <a:cs typeface="Arial" pitchFamily="34" charset="0"/>
+                </a:rPr>
+                <a:t>ư</a:t>
+              </a:r>
+              <a:r>
+                <a:rPr lang="en-US" altLang="ko-KR" sz="1200" dirty="0" err="1">
+                  <a:solidFill>
+                    <a:schemeClr val="bg1"/>
+                  </a:solidFill>
+                  <a:cs typeface="Arial" pitchFamily="34" charset="0"/>
+                </a:rPr>
+                <a:t>ời</a:t>
+              </a:r>
+              <a:r>
+                <a:rPr lang="en-US" altLang="ko-KR" sz="1200" dirty="0">
+                  <a:solidFill>
+                    <a:schemeClr val="bg1"/>
+                  </a:solidFill>
+                  <a:cs typeface="Arial" pitchFamily="34" charset="0"/>
+                </a:rPr>
+                <a:t> </a:t>
+              </a:r>
+              <a:r>
+                <a:rPr lang="en-US" altLang="ko-KR" sz="1200" dirty="0" err="1">
+                  <a:solidFill>
+                    <a:schemeClr val="bg1"/>
+                  </a:solidFill>
+                  <a:cs typeface="Arial" pitchFamily="34" charset="0"/>
+                </a:rPr>
+                <a:t>kiêm</a:t>
+              </a:r>
+              <a:r>
+                <a:rPr lang="en-US" altLang="ko-KR" sz="1200" dirty="0">
+                  <a:solidFill>
+                    <a:schemeClr val="bg1"/>
+                  </a:solidFill>
+                  <a:cs typeface="Arial" pitchFamily="34" charset="0"/>
+                </a:rPr>
+                <a:t> </a:t>
+              </a:r>
+              <a:r>
+                <a:rPr lang="en-US" altLang="ko-KR" sz="1200" dirty="0" err="1">
+                  <a:solidFill>
+                    <a:schemeClr val="bg1"/>
+                  </a:solidFill>
+                  <a:cs typeface="Arial" pitchFamily="34" charset="0"/>
+                </a:rPr>
+                <a:t>phát</a:t>
+              </a:r>
+              <a:r>
+                <a:rPr lang="en-US" altLang="ko-KR" sz="1200" dirty="0">
+                  <a:solidFill>
+                    <a:schemeClr val="bg1"/>
+                  </a:solidFill>
+                  <a:cs typeface="Arial" pitchFamily="34" charset="0"/>
+                </a:rPr>
+                <a:t> </a:t>
+              </a:r>
+              <a:r>
+                <a:rPr lang="en-US" altLang="ko-KR" sz="1200" dirty="0" err="1">
+                  <a:solidFill>
+                    <a:schemeClr val="bg1"/>
+                  </a:solidFill>
+                  <a:cs typeface="Arial" pitchFamily="34" charset="0"/>
+                </a:rPr>
+                <a:t>triển</a:t>
+              </a:r>
+              <a:r>
+                <a:rPr lang="en-US" altLang="ko-KR" sz="1200" dirty="0">
+                  <a:solidFill>
+                    <a:schemeClr val="bg1"/>
+                  </a:solidFill>
+                  <a:cs typeface="Arial" pitchFamily="34" charset="0"/>
+                </a:rPr>
+                <a:t> </a:t>
+              </a:r>
+              <a:r>
+                <a:rPr lang="en-US" altLang="ko-KR" sz="1200" dirty="0" err="1">
+                  <a:solidFill>
+                    <a:schemeClr val="bg1"/>
+                  </a:solidFill>
+                  <a:cs typeface="Arial" pitchFamily="34" charset="0"/>
+                </a:rPr>
+                <a:t>phần</a:t>
+              </a:r>
+              <a:r>
+                <a:rPr lang="en-US" altLang="ko-KR" sz="1200" dirty="0">
+                  <a:solidFill>
+                    <a:schemeClr val="bg1"/>
+                  </a:solidFill>
+                  <a:cs typeface="Arial" pitchFamily="34" charset="0"/>
+                </a:rPr>
+                <a:t> </a:t>
+              </a:r>
+              <a:r>
+                <a:rPr lang="en-US" altLang="ko-KR" sz="1200" dirty="0" err="1">
+                  <a:solidFill>
+                    <a:schemeClr val="bg1"/>
+                  </a:solidFill>
+                  <a:cs typeface="Arial" pitchFamily="34" charset="0"/>
+                </a:rPr>
+                <a:t>mềm</a:t>
+              </a:r>
+              <a:endParaRPr lang="ko-KR" altLang="en-US" sz="1200" dirty="0">
+                <a:solidFill>
+                  <a:schemeClr val="bg1"/>
+                </a:solidFill>
+                <a:cs typeface="Arial" pitchFamily="34" charset="0"/>
+              </a:endParaRPr>
+            </a:p>
+          </p:txBody>
+        </p:sp>
+      </p:grpSp>
+      <p:sp>
+        <p:nvSpPr>
+          <p:cNvPr id="44" name="Rectangle 43"/>
+          <p:cNvSpPr/>
+          <p:nvPr/>
+        </p:nvSpPr>
+        <p:spPr>
+          <a:xfrm>
+            <a:off x="2712635" y="4198458"/>
+            <a:ext cx="581569" cy="572669"/>
+          </a:xfrm>
+          <a:prstGeom prst="rect">
+            <a:avLst/>
+          </a:prstGeom>
+          <a:solidFill>
+            <a:schemeClr val="bg1"/>
+          </a:solidFill>
+          <a:ln>
+            <a:noFill/>
+          </a:ln>
+        </p:spPr>
+        <p:style>
+          <a:lnRef idx="2">
+            <a:schemeClr val="accent1">
+              <a:shade val="50000"/>
+            </a:schemeClr>
+          </a:lnRef>
+          <a:fillRef idx="1">
+            <a:schemeClr val="accent1"/>
+          </a:fillRef>
+          <a:effectRef idx="0">
+            <a:schemeClr val="accent1"/>
+          </a:effectRef>
+          <a:fontRef idx="minor">
+            <a:schemeClr val="lt1"/>
+          </a:fontRef>
+        </p:style>
+        <p:txBody>
+          <a:bodyPr rtlCol="0" anchor="ctr"/>
+          <a:lstStyle/>
+          <a:p>
+            <a:pPr algn="ctr"/>
+            <a:endParaRPr lang="ko-KR" altLang="en-US">
+              <a:solidFill>
+                <a:schemeClr val="tx1"/>
+              </a:solidFill>
+            </a:endParaRPr>
+          </a:p>
+        </p:txBody>
+      </p:sp>
+      <p:grpSp>
+        <p:nvGrpSpPr>
+          <p:cNvPr id="45" name="Group 44"/>
+          <p:cNvGrpSpPr/>
+          <p:nvPr/>
+        </p:nvGrpSpPr>
+        <p:grpSpPr>
+          <a:xfrm>
+            <a:off x="3490364" y="4198458"/>
+            <a:ext cx="5138704" cy="601968"/>
+            <a:chOff x="1795588" y="1688594"/>
+            <a:chExt cx="6408712" cy="707911"/>
+          </a:xfrm>
+          <a:solidFill>
+            <a:schemeClr val="bg1"/>
+          </a:solidFill>
+        </p:grpSpPr>
+        <p:sp>
+          <p:nvSpPr>
+            <p:cNvPr id="46" name="Rounded Rectangle 45"/>
+            <p:cNvSpPr/>
+            <p:nvPr/>
+          </p:nvSpPr>
+          <p:spPr>
+            <a:xfrm>
+              <a:off x="1795588" y="1688594"/>
+              <a:ext cx="6408712" cy="707911"/>
+            </a:xfrm>
+            <a:prstGeom prst="roundRect">
+              <a:avLst>
+                <a:gd name="adj" fmla="val 10715"/>
+              </a:avLst>
+            </a:prstGeom>
+            <a:solidFill>
+              <a:schemeClr val="accent6"/>
+            </a:solidFill>
+            <a:ln w="63500">
+              <a:solidFill>
+                <a:schemeClr val="bg1"/>
+              </a:solidFill>
+            </a:ln>
+          </p:spPr>
+          <p:style>
+            <a:lnRef idx="2">
+              <a:schemeClr val="accent1">
+                <a:shade val="50000"/>
+              </a:schemeClr>
+            </a:lnRef>
+            <a:fillRef idx="1">
+              <a:schemeClr val="accent1"/>
+            </a:fillRef>
+            <a:effectRef idx="0">
+              <a:schemeClr val="accent1"/>
+            </a:effectRef>
+            <a:fontRef idx="minor">
+              <a:schemeClr val="lt1"/>
+            </a:fontRef>
+          </p:style>
+          <p:txBody>
+            <a:bodyPr rtlCol="0" anchor="ctr"/>
+            <a:lstStyle/>
+            <a:p>
+              <a:pPr algn="ctr"/>
+              <a:endParaRPr lang="ko-KR" altLang="en-US"/>
+            </a:p>
+          </p:txBody>
+        </p:sp>
+        <p:sp>
+          <p:nvSpPr>
+            <p:cNvPr id="47" name="Rounded Rectangle 16"/>
+            <p:cNvSpPr/>
+            <p:nvPr/>
+          </p:nvSpPr>
+          <p:spPr>
+            <a:xfrm>
+              <a:off x="7719981" y="1688594"/>
+              <a:ext cx="484317" cy="600916"/>
+            </a:xfrm>
+            <a:custGeom>
+              <a:avLst/>
+              <a:gdLst/>
+              <a:ahLst/>
+              <a:cxnLst/>
+              <a:rect l="l" t="t" r="r" b="b"/>
+              <a:pathLst>
+                <a:path w="484317" h="697391">
+                  <a:moveTo>
+                    <a:pt x="0" y="0"/>
+                  </a:moveTo>
+                  <a:lnTo>
+                    <a:pt x="396286" y="0"/>
+                  </a:lnTo>
+                  <a:cubicBezTo>
+                    <a:pt x="444904" y="0"/>
+                    <a:pt x="484317" y="39413"/>
+                    <a:pt x="484317" y="88031"/>
+                  </a:cubicBezTo>
+                  <a:lnTo>
+                    <a:pt x="484317" y="697391"/>
+                  </a:lnTo>
+                  <a:close/>
+                </a:path>
+              </a:pathLst>
+            </a:custGeom>
+            <a:solidFill>
+              <a:schemeClr val="bg1"/>
+            </a:solidFill>
+            <a:ln w="63500">
+              <a:noFill/>
+            </a:ln>
+          </p:spPr>
+          <p:style>
+            <a:lnRef idx="2">
+              <a:schemeClr val="accent1">
+                <a:shade val="50000"/>
+              </a:schemeClr>
+            </a:lnRef>
+            <a:fillRef idx="1">
+              <a:schemeClr val="accent1"/>
+            </a:fillRef>
+            <a:effectRef idx="0">
+              <a:schemeClr val="accent1"/>
+            </a:effectRef>
+            <a:fontRef idx="minor">
+              <a:schemeClr val="lt1"/>
+            </a:fontRef>
+          </p:style>
+          <p:txBody>
+            <a:bodyPr rtlCol="0" anchor="ctr"/>
+            <a:lstStyle/>
+            <a:p>
+              <a:pPr algn="ctr"/>
+              <a:endParaRPr lang="ko-KR" altLang="en-US"/>
+            </a:p>
+          </p:txBody>
+        </p:sp>
+      </p:grpSp>
+      <p:sp>
+        <p:nvSpPr>
+          <p:cNvPr id="48" name="TextBox 47"/>
+          <p:cNvSpPr txBox="1"/>
+          <p:nvPr/>
+        </p:nvSpPr>
+        <p:spPr>
+          <a:xfrm>
+            <a:off x="2706362" y="4253960"/>
+            <a:ext cx="594114" cy="461665"/>
+          </a:xfrm>
+          <a:prstGeom prst="rect">
+            <a:avLst/>
+          </a:prstGeom>
+          <a:noFill/>
+        </p:spPr>
+        <p:txBody>
+          <a:bodyPr wrap="square" rtlCol="0" anchor="ctr">
+            <a:spAutoFit/>
+          </a:bodyPr>
+          <a:lstStyle/>
+          <a:p>
+            <a:pPr algn="ctr"/>
+            <a:r>
+              <a:rPr lang="en-US" altLang="ko-KR" sz="2400" b="1" dirty="0">
+                <a:solidFill>
+                  <a:schemeClr val="accent6"/>
+                </a:solidFill>
+                <a:cs typeface="Arial" pitchFamily="34" charset="0"/>
+              </a:rPr>
+              <a:t>05</a:t>
+            </a:r>
+            <a:endParaRPr lang="ko-KR" altLang="en-US" sz="2400" b="1" dirty="0">
+              <a:solidFill>
+                <a:schemeClr val="accent6"/>
+              </a:solidFill>
+              <a:cs typeface="Arial" pitchFamily="34" charset="0"/>
+            </a:endParaRPr>
+          </a:p>
+        </p:txBody>
+      </p:sp>
+      <p:grpSp>
+        <p:nvGrpSpPr>
+          <p:cNvPr id="49" name="Group 48"/>
+          <p:cNvGrpSpPr/>
+          <p:nvPr/>
+        </p:nvGrpSpPr>
+        <p:grpSpPr>
+          <a:xfrm>
+            <a:off x="3587577" y="4251623"/>
+            <a:ext cx="4752528" cy="509023"/>
+            <a:chOff x="2175371" y="1762964"/>
+            <a:chExt cx="5040560" cy="590745"/>
+          </a:xfrm>
+        </p:grpSpPr>
+        <p:sp>
+          <p:nvSpPr>
+            <p:cNvPr id="50" name="TextBox 10"/>
+            <p:cNvSpPr txBox="1"/>
+            <p:nvPr/>
+          </p:nvSpPr>
+          <p:spPr bwMode="auto">
+            <a:xfrm>
+              <a:off x="2175371" y="1762964"/>
+              <a:ext cx="5040560" cy="357190"/>
+            </a:xfrm>
+            <a:prstGeom prst="rect">
+              <a:avLst/>
+            </a:prstGeom>
+            <a:noFill/>
+            <a:effectLst/>
+          </p:spPr>
+          <p:txBody>
+            <a:bodyPr wrap="square" anchor="ctr">
+              <a:spAutoFit/>
+            </a:bodyPr>
+            <a:lstStyle>
+              <a:defPPr>
+                <a:defRPr lang="ko-KR"/>
+              </a:defPPr>
+              <a:lvl1pPr marL="0" algn="l" defTabSz="914400" rtl="0" eaLnBrk="1" latinLnBrk="1" hangingPunct="1">
+                <a:defRPr sz="1800" kern="1200">
+                  <a:solidFill>
+                    <a:schemeClr val="tx1"/>
+                  </a:solidFill>
+                  <a:latin typeface="+mn-lt"/>
+                  <a:ea typeface="+mn-ea"/>
+                  <a:cs typeface="+mn-cs"/>
+                </a:defRPr>
+              </a:lvl1pPr>
+              <a:lvl2pPr marL="457200" algn="l" defTabSz="914400" rtl="0" eaLnBrk="1" latinLnBrk="1" hangingPunct="1">
+                <a:defRPr sz="1800" kern="1200">
+                  <a:solidFill>
+                    <a:schemeClr val="tx1"/>
+                  </a:solidFill>
+                  <a:latin typeface="+mn-lt"/>
+                  <a:ea typeface="+mn-ea"/>
+                  <a:cs typeface="+mn-cs"/>
+                </a:defRPr>
+              </a:lvl2pPr>
+              <a:lvl3pPr marL="914400" algn="l" defTabSz="914400" rtl="0" eaLnBrk="1" latinLnBrk="1" hangingPunct="1">
+                <a:defRPr sz="1800" kern="1200">
+                  <a:solidFill>
+                    <a:schemeClr val="tx1"/>
+                  </a:solidFill>
+                  <a:latin typeface="+mn-lt"/>
+                  <a:ea typeface="+mn-ea"/>
+                  <a:cs typeface="+mn-cs"/>
+                </a:defRPr>
+              </a:lvl3pPr>
+              <a:lvl4pPr marL="1371600" algn="l" defTabSz="914400" rtl="0" eaLnBrk="1" latinLnBrk="1" hangingPunct="1">
+                <a:defRPr sz="1800" kern="1200">
+                  <a:solidFill>
+                    <a:schemeClr val="tx1"/>
+                  </a:solidFill>
+                  <a:latin typeface="+mn-lt"/>
+                  <a:ea typeface="+mn-ea"/>
+                  <a:cs typeface="+mn-cs"/>
+                </a:defRPr>
+              </a:lvl4pPr>
+              <a:lvl5pPr marL="1828800" algn="l" defTabSz="914400" rtl="0" eaLnBrk="1" latinLnBrk="1" hangingPunct="1">
+                <a:defRPr sz="1800" kern="1200">
+                  <a:solidFill>
+                    <a:schemeClr val="tx1"/>
+                  </a:solidFill>
+                  <a:latin typeface="+mn-lt"/>
+                  <a:ea typeface="+mn-ea"/>
+                  <a:cs typeface="+mn-cs"/>
+                </a:defRPr>
+              </a:lvl5pPr>
+              <a:lvl6pPr marL="2286000" algn="l" defTabSz="914400" rtl="0" eaLnBrk="1" latinLnBrk="1" hangingPunct="1">
+                <a:defRPr sz="1800" kern="1200">
+                  <a:solidFill>
+                    <a:schemeClr val="tx1"/>
+                  </a:solidFill>
+                  <a:latin typeface="+mn-lt"/>
+                  <a:ea typeface="+mn-ea"/>
+                  <a:cs typeface="+mn-cs"/>
+                </a:defRPr>
+              </a:lvl6pPr>
+              <a:lvl7pPr marL="2743200" algn="l" defTabSz="914400" rtl="0" eaLnBrk="1" latinLnBrk="1" hangingPunct="1">
+                <a:defRPr sz="1800" kern="1200">
+                  <a:solidFill>
+                    <a:schemeClr val="tx1"/>
+                  </a:solidFill>
+                  <a:latin typeface="+mn-lt"/>
+                  <a:ea typeface="+mn-ea"/>
+                  <a:cs typeface="+mn-cs"/>
+                </a:defRPr>
+              </a:lvl7pPr>
+              <a:lvl8pPr marL="3200400" algn="l" defTabSz="914400" rtl="0" eaLnBrk="1" latinLnBrk="1" hangingPunct="1">
+                <a:defRPr sz="1800" kern="1200">
+                  <a:solidFill>
+                    <a:schemeClr val="tx1"/>
+                  </a:solidFill>
+                  <a:latin typeface="+mn-lt"/>
+                  <a:ea typeface="+mn-ea"/>
+                  <a:cs typeface="+mn-cs"/>
+                </a:defRPr>
+              </a:lvl8pPr>
+              <a:lvl9pPr marL="3657600" algn="l" defTabSz="914400" rtl="0" eaLnBrk="1" latinLnBrk="1" hangingPunct="1">
+                <a:defRPr sz="1800" kern="1200">
+                  <a:solidFill>
+                    <a:schemeClr val="tx1"/>
+                  </a:solidFill>
+                  <a:latin typeface="+mn-lt"/>
+                  <a:ea typeface="+mn-ea"/>
+                  <a:cs typeface="+mn-cs"/>
+                </a:defRPr>
+              </a:lvl9pPr>
+            </a:lstStyle>
+            <a:p>
+              <a:pPr>
+                <a:defRPr/>
+              </a:pPr>
+              <a:r>
+                <a:rPr lang="en-US" altLang="ko-KR" sz="1400" b="1" dirty="0">
+                  <a:solidFill>
+                    <a:schemeClr val="bg1"/>
+                  </a:solidFill>
+                  <a:cs typeface="Arial" pitchFamily="34" charset="0"/>
+                </a:rPr>
+                <a:t>Phạm </a:t>
+              </a:r>
+              <a:r>
+                <a:rPr lang="en-US" altLang="ko-KR" sz="1400" b="1" dirty="0" err="1">
+                  <a:solidFill>
+                    <a:schemeClr val="bg1"/>
+                  </a:solidFill>
+                  <a:cs typeface="Arial" pitchFamily="34" charset="0"/>
+                </a:rPr>
+                <a:t>Công</a:t>
+              </a:r>
+              <a:r>
+                <a:rPr lang="en-US" altLang="ko-KR" sz="1400" b="1" dirty="0">
+                  <a:solidFill>
+                    <a:schemeClr val="bg1"/>
+                  </a:solidFill>
+                  <a:cs typeface="Arial" pitchFamily="34" charset="0"/>
+                </a:rPr>
+                <a:t> </a:t>
+              </a:r>
+              <a:r>
+                <a:rPr lang="en-US" altLang="ko-KR" sz="1400" b="1" dirty="0" err="1">
+                  <a:solidFill>
+                    <a:schemeClr val="bg1"/>
+                  </a:solidFill>
+                  <a:cs typeface="Arial" pitchFamily="34" charset="0"/>
+                </a:rPr>
+                <a:t>Lập</a:t>
+              </a:r>
+              <a:endParaRPr lang="en-US" altLang="ko-KR" sz="1400" b="1" dirty="0">
+                <a:solidFill>
+                  <a:schemeClr val="bg1"/>
+                </a:solidFill>
+                <a:cs typeface="Arial" pitchFamily="34" charset="0"/>
+              </a:endParaRPr>
+            </a:p>
+          </p:txBody>
+        </p:sp>
+        <p:sp>
+          <p:nvSpPr>
+            <p:cNvPr id="51" name="TextBox 12"/>
+            <p:cNvSpPr txBox="1"/>
+            <p:nvPr/>
+          </p:nvSpPr>
+          <p:spPr bwMode="auto">
+            <a:xfrm>
+              <a:off x="2175371" y="2032239"/>
+              <a:ext cx="5040560" cy="321470"/>
+            </a:xfrm>
+            <a:prstGeom prst="rect">
+              <a:avLst/>
+            </a:prstGeom>
+            <a:noFill/>
+            <a:effectLst/>
+          </p:spPr>
+          <p:txBody>
+            <a:bodyPr wrap="square" anchor="ctr">
+              <a:spAutoFit/>
+            </a:bodyPr>
+            <a:lstStyle>
+              <a:defPPr>
+                <a:defRPr lang="ko-KR"/>
+              </a:defPPr>
+              <a:lvl1pPr marL="0" algn="l" defTabSz="914400" rtl="0" eaLnBrk="1" latinLnBrk="1" hangingPunct="1">
+                <a:defRPr sz="1800" kern="1200">
+                  <a:solidFill>
+                    <a:schemeClr val="tx1"/>
+                  </a:solidFill>
+                  <a:latin typeface="+mn-lt"/>
+                  <a:ea typeface="+mn-ea"/>
+                  <a:cs typeface="+mn-cs"/>
+                </a:defRPr>
+              </a:lvl1pPr>
+              <a:lvl2pPr marL="457200" algn="l" defTabSz="914400" rtl="0" eaLnBrk="1" latinLnBrk="1" hangingPunct="1">
+                <a:defRPr sz="1800" kern="1200">
+                  <a:solidFill>
+                    <a:schemeClr val="tx1"/>
+                  </a:solidFill>
+                  <a:latin typeface="+mn-lt"/>
+                  <a:ea typeface="+mn-ea"/>
+                  <a:cs typeface="+mn-cs"/>
+                </a:defRPr>
+              </a:lvl2pPr>
+              <a:lvl3pPr marL="914400" algn="l" defTabSz="914400" rtl="0" eaLnBrk="1" latinLnBrk="1" hangingPunct="1">
+                <a:defRPr sz="1800" kern="1200">
+                  <a:solidFill>
+                    <a:schemeClr val="tx1"/>
+                  </a:solidFill>
+                  <a:latin typeface="+mn-lt"/>
+                  <a:ea typeface="+mn-ea"/>
+                  <a:cs typeface="+mn-cs"/>
+                </a:defRPr>
+              </a:lvl3pPr>
+              <a:lvl4pPr marL="1371600" algn="l" defTabSz="914400" rtl="0" eaLnBrk="1" latinLnBrk="1" hangingPunct="1">
+                <a:defRPr sz="1800" kern="1200">
+                  <a:solidFill>
+                    <a:schemeClr val="tx1"/>
+                  </a:solidFill>
+                  <a:latin typeface="+mn-lt"/>
+                  <a:ea typeface="+mn-ea"/>
+                  <a:cs typeface="+mn-cs"/>
+                </a:defRPr>
+              </a:lvl4pPr>
+              <a:lvl5pPr marL="1828800" algn="l" defTabSz="914400" rtl="0" eaLnBrk="1" latinLnBrk="1" hangingPunct="1">
+                <a:defRPr sz="1800" kern="1200">
+                  <a:solidFill>
+                    <a:schemeClr val="tx1"/>
+                  </a:solidFill>
+                  <a:latin typeface="+mn-lt"/>
+                  <a:ea typeface="+mn-ea"/>
+                  <a:cs typeface="+mn-cs"/>
+                </a:defRPr>
+              </a:lvl5pPr>
+              <a:lvl6pPr marL="2286000" algn="l" defTabSz="914400" rtl="0" eaLnBrk="1" latinLnBrk="1" hangingPunct="1">
+                <a:defRPr sz="1800" kern="1200">
+                  <a:solidFill>
+                    <a:schemeClr val="tx1"/>
+                  </a:solidFill>
+                  <a:latin typeface="+mn-lt"/>
+                  <a:ea typeface="+mn-ea"/>
+                  <a:cs typeface="+mn-cs"/>
+                </a:defRPr>
+              </a:lvl6pPr>
+              <a:lvl7pPr marL="2743200" algn="l" defTabSz="914400" rtl="0" eaLnBrk="1" latinLnBrk="1" hangingPunct="1">
+                <a:defRPr sz="1800" kern="1200">
+                  <a:solidFill>
+                    <a:schemeClr val="tx1"/>
+                  </a:solidFill>
+                  <a:latin typeface="+mn-lt"/>
+                  <a:ea typeface="+mn-ea"/>
+                  <a:cs typeface="+mn-cs"/>
+                </a:defRPr>
+              </a:lvl7pPr>
+              <a:lvl8pPr marL="3200400" algn="l" defTabSz="914400" rtl="0" eaLnBrk="1" latinLnBrk="1" hangingPunct="1">
+                <a:defRPr sz="1800" kern="1200">
+                  <a:solidFill>
+                    <a:schemeClr val="tx1"/>
+                  </a:solidFill>
+                  <a:latin typeface="+mn-lt"/>
+                  <a:ea typeface="+mn-ea"/>
+                  <a:cs typeface="+mn-cs"/>
+                </a:defRPr>
+              </a:lvl8pPr>
+              <a:lvl9pPr marL="3657600" algn="l" defTabSz="914400" rtl="0" eaLnBrk="1" latinLnBrk="1" hangingPunct="1">
+                <a:defRPr sz="1800" kern="1200">
+                  <a:solidFill>
+                    <a:schemeClr val="tx1"/>
+                  </a:solidFill>
+                  <a:latin typeface="+mn-lt"/>
+                  <a:ea typeface="+mn-ea"/>
+                  <a:cs typeface="+mn-cs"/>
+                </a:defRPr>
+              </a:lvl9pPr>
+            </a:lstStyle>
+            <a:p>
+              <a:pPr>
+                <a:defRPr/>
+              </a:pPr>
+              <a:r>
+                <a:rPr lang="en-US" altLang="ko-KR" sz="1200" dirty="0">
+                  <a:solidFill>
+                    <a:schemeClr val="bg1"/>
+                  </a:solidFill>
+                  <a:cs typeface="Arial" pitchFamily="34" charset="0"/>
+                </a:rPr>
+                <a:t>3118410222 – </a:t>
+              </a:r>
+              <a:r>
+                <a:rPr lang="en-US" altLang="ko-KR" sz="1200" dirty="0" err="1">
+                  <a:solidFill>
+                    <a:schemeClr val="bg1"/>
+                  </a:solidFill>
+                  <a:cs typeface="Arial" pitchFamily="34" charset="0"/>
+                </a:rPr>
+                <a:t>thiết</a:t>
+              </a:r>
+              <a:r>
+                <a:rPr lang="en-US" altLang="ko-KR" sz="1200" dirty="0">
+                  <a:solidFill>
+                    <a:schemeClr val="bg1"/>
+                  </a:solidFill>
+                  <a:cs typeface="Arial" pitchFamily="34" charset="0"/>
+                </a:rPr>
+                <a:t> </a:t>
+              </a:r>
+              <a:r>
+                <a:rPr lang="en-US" altLang="ko-KR" sz="1200" dirty="0" err="1">
+                  <a:solidFill>
+                    <a:schemeClr val="bg1"/>
+                  </a:solidFill>
+                  <a:cs typeface="Arial" pitchFamily="34" charset="0"/>
+                </a:rPr>
+                <a:t>kế</a:t>
+              </a:r>
+              <a:r>
+                <a:rPr lang="en-US" altLang="ko-KR" sz="1200" dirty="0">
+                  <a:solidFill>
+                    <a:schemeClr val="bg1"/>
+                  </a:solidFill>
+                  <a:cs typeface="Arial" pitchFamily="34" charset="0"/>
+                </a:rPr>
+                <a:t> </a:t>
+              </a:r>
+              <a:r>
+                <a:rPr lang="en-US" altLang="ko-KR" sz="1200" dirty="0" err="1">
+                  <a:solidFill>
+                    <a:schemeClr val="bg1"/>
+                  </a:solidFill>
+                  <a:cs typeface="Arial" pitchFamily="34" charset="0"/>
+                </a:rPr>
+                <a:t>giao</a:t>
+              </a:r>
+              <a:r>
+                <a:rPr lang="en-US" altLang="ko-KR" sz="1200" dirty="0">
+                  <a:solidFill>
+                    <a:schemeClr val="bg1"/>
+                  </a:solidFill>
+                  <a:cs typeface="Arial" pitchFamily="34" charset="0"/>
+                </a:rPr>
+                <a:t> </a:t>
+              </a:r>
+              <a:r>
+                <a:rPr lang="en-US" altLang="ko-KR" sz="1200" dirty="0" err="1">
+                  <a:solidFill>
+                    <a:schemeClr val="bg1"/>
+                  </a:solidFill>
+                  <a:cs typeface="Arial" pitchFamily="34" charset="0"/>
+                </a:rPr>
+                <a:t>diện</a:t>
+              </a:r>
+              <a:r>
+                <a:rPr lang="en-US" altLang="ko-KR" sz="1200" dirty="0">
+                  <a:solidFill>
+                    <a:schemeClr val="bg1"/>
+                  </a:solidFill>
+                  <a:cs typeface="Arial" pitchFamily="34" charset="0"/>
+                </a:rPr>
+                <a:t> </a:t>
+              </a:r>
+              <a:r>
+                <a:rPr lang="en-US" altLang="ko-KR" sz="1200" dirty="0" err="1">
+                  <a:solidFill>
+                    <a:schemeClr val="bg1"/>
+                  </a:solidFill>
+                  <a:cs typeface="Arial" pitchFamily="34" charset="0"/>
+                </a:rPr>
+                <a:t>phần</a:t>
+              </a:r>
+              <a:r>
+                <a:rPr lang="en-US" altLang="ko-KR" sz="1200" dirty="0">
+                  <a:solidFill>
+                    <a:schemeClr val="bg1"/>
+                  </a:solidFill>
+                  <a:cs typeface="Arial" pitchFamily="34" charset="0"/>
+                </a:rPr>
+                <a:t> </a:t>
+              </a:r>
+              <a:r>
+                <a:rPr lang="en-US" altLang="ko-KR" sz="1200" dirty="0" err="1">
+                  <a:solidFill>
+                    <a:schemeClr val="bg1"/>
+                  </a:solidFill>
+                  <a:cs typeface="Arial" pitchFamily="34" charset="0"/>
+                </a:rPr>
+                <a:t>mềm</a:t>
+              </a:r>
+              <a:endParaRPr lang="ko-KR" altLang="en-US" sz="1200" dirty="0">
+                <a:solidFill>
+                  <a:schemeClr val="bg1"/>
+                </a:solidFill>
+                <a:cs typeface="Arial" pitchFamily="34" charset="0"/>
+              </a:endParaRPr>
+            </a:p>
+          </p:txBody>
+        </p:sp>
+      </p:grpSp>
+    </p:spTree>
+    <p:extLst>
+      <p:ext uri="{BB962C8B-B14F-4D97-AF65-F5344CB8AC3E}">
+        <p14:creationId xmlns:p14="http://schemas.microsoft.com/office/powerpoint/2010/main" val="1095055991"/>
+      </p:ext>
+    </p:extLst>
+  </p:cSld>
+  <p:clrMapOvr>
+    <a:masterClrMapping/>
+  </p:clrMapOvr>
+  <p:transition spd="slow">
+    <p:push dir="u"/>
+  </p:transition>
+</p:sld>
+</file>
+
+<file path=ppt/slides/slide20.xml><?xml version="1.0" encoding="utf-8"?>
 <p:sld xmlns:a="http://schemas.openxmlformats.org/drawingml/2006/main" xmlns:r="http://schemas.openxmlformats.org/officeDocument/2006/relationships" xmlns:p="http://schemas.openxmlformats.org/presentationml/2006/main">
   <p:cSld>
     <p:spTree>
@@ -6288,7 +10299,7 @@
 </p:sld>
 </file>
 
-<file path=ppt/slides/slide12.xml><?xml version="1.0" encoding="utf-8"?>
+<file path=ppt/slides/slide21.xml><?xml version="1.0" encoding="utf-8"?>
 <p:sld xmlns:a="http://schemas.openxmlformats.org/drawingml/2006/main" xmlns:r="http://schemas.openxmlformats.org/officeDocument/2006/relationships" xmlns:p="http://schemas.openxmlformats.org/presentationml/2006/main">
   <p:cSld>
     <p:bg>
@@ -7870,3351 +11881,6 @@
     <p:extLst>
       <p:ext uri="{BB962C8B-B14F-4D97-AF65-F5344CB8AC3E}">
         <p14:creationId xmlns:p14="http://schemas.microsoft.com/office/powerpoint/2010/main" val="3381122174"/>
-      </p:ext>
-    </p:extLst>
-  </p:cSld>
-  <p:clrMapOvr>
-    <a:masterClrMapping/>
-  </p:clrMapOvr>
-  <p:transition spd="slow">
-    <p:push dir="u"/>
-  </p:transition>
-</p:sld>
-</file>
-
-<file path=ppt/slides/slide2.xml><?xml version="1.0" encoding="utf-8"?>
-<p:sld xmlns:a="http://schemas.openxmlformats.org/drawingml/2006/main" xmlns:r="http://schemas.openxmlformats.org/officeDocument/2006/relationships" xmlns:p="http://schemas.openxmlformats.org/presentationml/2006/main">
-  <p:cSld>
-    <p:spTree>
-      <p:nvGrpSpPr>
-        <p:cNvPr id="1" name=""/>
-        <p:cNvGrpSpPr/>
-        <p:nvPr/>
-      </p:nvGrpSpPr>
-      <p:grpSpPr>
-        <a:xfrm>
-          <a:off x="0" y="0"/>
-          <a:ext cx="0" cy="0"/>
-          <a:chOff x="0" y="0"/>
-          <a:chExt cx="0" cy="0"/>
-        </a:xfrm>
-      </p:grpSpPr>
-      <p:sp>
-        <p:nvSpPr>
-          <p:cNvPr id="4" name="Rectangle 3"/>
-          <p:cNvSpPr/>
-          <p:nvPr/>
-        </p:nvSpPr>
-        <p:spPr>
-          <a:xfrm>
-            <a:off x="2712635" y="1105645"/>
-            <a:ext cx="581569" cy="572669"/>
-          </a:xfrm>
-          <a:prstGeom prst="rect">
-            <a:avLst/>
-          </a:prstGeom>
-          <a:solidFill>
-            <a:schemeClr val="accent2"/>
-          </a:solidFill>
-          <a:ln>
-            <a:noFill/>
-          </a:ln>
-        </p:spPr>
-        <p:style>
-          <a:lnRef idx="2">
-            <a:schemeClr val="accent1">
-              <a:shade val="50000"/>
-            </a:schemeClr>
-          </a:lnRef>
-          <a:fillRef idx="1">
-            <a:schemeClr val="accent1"/>
-          </a:fillRef>
-          <a:effectRef idx="0">
-            <a:schemeClr val="accent1"/>
-          </a:effectRef>
-          <a:fontRef idx="minor">
-            <a:schemeClr val="lt1"/>
-          </a:fontRef>
-        </p:style>
-        <p:txBody>
-          <a:bodyPr rtlCol="0" anchor="ctr"/>
-          <a:lstStyle/>
-          <a:p>
-            <a:pPr algn="ctr"/>
-            <a:endParaRPr lang="ko-KR" altLang="en-US">
-              <a:solidFill>
-                <a:schemeClr val="tx1"/>
-              </a:solidFill>
-            </a:endParaRPr>
-          </a:p>
-        </p:txBody>
-      </p:sp>
-      <p:grpSp>
-        <p:nvGrpSpPr>
-          <p:cNvPr id="5" name="Group 4"/>
-          <p:cNvGrpSpPr/>
-          <p:nvPr/>
-        </p:nvGrpSpPr>
-        <p:grpSpPr>
-          <a:xfrm>
-            <a:off x="3490364" y="1105645"/>
-            <a:ext cx="5138704" cy="601968"/>
-            <a:chOff x="1795588" y="1688594"/>
-            <a:chExt cx="6408712" cy="707911"/>
-          </a:xfrm>
-          <a:solidFill>
-            <a:schemeClr val="bg1"/>
-          </a:solidFill>
-        </p:grpSpPr>
-        <p:sp>
-          <p:nvSpPr>
-            <p:cNvPr id="6" name="Rounded Rectangle 5"/>
-            <p:cNvSpPr/>
-            <p:nvPr/>
-          </p:nvSpPr>
-          <p:spPr>
-            <a:xfrm>
-              <a:off x="1795588" y="1688594"/>
-              <a:ext cx="6408712" cy="707911"/>
-            </a:xfrm>
-            <a:prstGeom prst="roundRect">
-              <a:avLst>
-                <a:gd name="adj" fmla="val 10715"/>
-              </a:avLst>
-            </a:prstGeom>
-            <a:grpFill/>
-            <a:ln w="63500">
-              <a:solidFill>
-                <a:schemeClr val="accent2"/>
-              </a:solidFill>
-            </a:ln>
-          </p:spPr>
-          <p:style>
-            <a:lnRef idx="2">
-              <a:schemeClr val="accent1">
-                <a:shade val="50000"/>
-              </a:schemeClr>
-            </a:lnRef>
-            <a:fillRef idx="1">
-              <a:schemeClr val="accent1"/>
-            </a:fillRef>
-            <a:effectRef idx="0">
-              <a:schemeClr val="accent1"/>
-            </a:effectRef>
-            <a:fontRef idx="minor">
-              <a:schemeClr val="lt1"/>
-            </a:fontRef>
-          </p:style>
-          <p:txBody>
-            <a:bodyPr rtlCol="0" anchor="ctr"/>
-            <a:lstStyle/>
-            <a:p>
-              <a:pPr algn="ctr"/>
-              <a:endParaRPr lang="ko-KR" altLang="en-US" dirty="0"/>
-            </a:p>
-          </p:txBody>
-        </p:sp>
-        <p:sp>
-          <p:nvSpPr>
-            <p:cNvPr id="7" name="Rounded Rectangle 16"/>
-            <p:cNvSpPr/>
-            <p:nvPr/>
-          </p:nvSpPr>
-          <p:spPr>
-            <a:xfrm>
-              <a:off x="7719981" y="1688594"/>
-              <a:ext cx="484317" cy="600916"/>
-            </a:xfrm>
-            <a:custGeom>
-              <a:avLst/>
-              <a:gdLst/>
-              <a:ahLst/>
-              <a:cxnLst/>
-              <a:rect l="l" t="t" r="r" b="b"/>
-              <a:pathLst>
-                <a:path w="484317" h="697391">
-                  <a:moveTo>
-                    <a:pt x="0" y="0"/>
-                  </a:moveTo>
-                  <a:lnTo>
-                    <a:pt x="396286" y="0"/>
-                  </a:lnTo>
-                  <a:cubicBezTo>
-                    <a:pt x="444904" y="0"/>
-                    <a:pt x="484317" y="39413"/>
-                    <a:pt x="484317" y="88031"/>
-                  </a:cubicBezTo>
-                  <a:lnTo>
-                    <a:pt x="484317" y="697391"/>
-                  </a:lnTo>
-                  <a:close/>
-                </a:path>
-              </a:pathLst>
-            </a:custGeom>
-            <a:solidFill>
-              <a:schemeClr val="accent2"/>
-            </a:solidFill>
-            <a:ln w="63500">
-              <a:noFill/>
-            </a:ln>
-          </p:spPr>
-          <p:style>
-            <a:lnRef idx="2">
-              <a:schemeClr val="accent1">
-                <a:shade val="50000"/>
-              </a:schemeClr>
-            </a:lnRef>
-            <a:fillRef idx="1">
-              <a:schemeClr val="accent1"/>
-            </a:fillRef>
-            <a:effectRef idx="0">
-              <a:schemeClr val="accent1"/>
-            </a:effectRef>
-            <a:fontRef idx="minor">
-              <a:schemeClr val="lt1"/>
-            </a:fontRef>
-          </p:style>
-          <p:txBody>
-            <a:bodyPr rtlCol="0" anchor="ctr"/>
-            <a:lstStyle/>
-            <a:p>
-              <a:pPr algn="ctr"/>
-              <a:endParaRPr lang="ko-KR" altLang="en-US"/>
-            </a:p>
-          </p:txBody>
-        </p:sp>
-      </p:grpSp>
-      <p:sp>
-        <p:nvSpPr>
-          <p:cNvPr id="8" name="TextBox 7"/>
-          <p:cNvSpPr txBox="1"/>
-          <p:nvPr/>
-        </p:nvSpPr>
-        <p:spPr>
-          <a:xfrm>
-            <a:off x="2706362" y="1161147"/>
-            <a:ext cx="594114" cy="461665"/>
-          </a:xfrm>
-          <a:prstGeom prst="rect">
-            <a:avLst/>
-          </a:prstGeom>
-          <a:noFill/>
-        </p:spPr>
-        <p:txBody>
-          <a:bodyPr wrap="square" rtlCol="0" anchor="ctr">
-            <a:spAutoFit/>
-          </a:bodyPr>
-          <a:lstStyle/>
-          <a:p>
-            <a:pPr algn="ctr"/>
-            <a:r>
-              <a:rPr lang="en-US" altLang="ko-KR" sz="2400" b="1" dirty="0">
-                <a:solidFill>
-                  <a:schemeClr val="bg1"/>
-                </a:solidFill>
-                <a:cs typeface="Arial" pitchFamily="34" charset="0"/>
-              </a:rPr>
-              <a:t>01</a:t>
-            </a:r>
-            <a:endParaRPr lang="ko-KR" altLang="en-US" sz="2400" b="1" dirty="0">
-              <a:solidFill>
-                <a:schemeClr val="bg1"/>
-              </a:solidFill>
-              <a:cs typeface="Arial" pitchFamily="34" charset="0"/>
-            </a:endParaRPr>
-          </a:p>
-        </p:txBody>
-      </p:sp>
-      <p:grpSp>
-        <p:nvGrpSpPr>
-          <p:cNvPr id="9" name="Group 8"/>
-          <p:cNvGrpSpPr/>
-          <p:nvPr/>
-        </p:nvGrpSpPr>
-        <p:grpSpPr>
-          <a:xfrm>
-            <a:off x="3587577" y="1158810"/>
-            <a:ext cx="4752528" cy="509023"/>
-            <a:chOff x="2175371" y="1762964"/>
-            <a:chExt cx="5040560" cy="590745"/>
-          </a:xfrm>
-        </p:grpSpPr>
-        <p:sp>
-          <p:nvSpPr>
-            <p:cNvPr id="10" name="TextBox 10"/>
-            <p:cNvSpPr txBox="1"/>
-            <p:nvPr/>
-          </p:nvSpPr>
-          <p:spPr bwMode="auto">
-            <a:xfrm>
-              <a:off x="2175371" y="1762964"/>
-              <a:ext cx="5040560" cy="357190"/>
-            </a:xfrm>
-            <a:prstGeom prst="rect">
-              <a:avLst/>
-            </a:prstGeom>
-            <a:noFill/>
-            <a:effectLst/>
-          </p:spPr>
-          <p:txBody>
-            <a:bodyPr wrap="square" anchor="ctr">
-              <a:spAutoFit/>
-            </a:bodyPr>
-            <a:lstStyle>
-              <a:defPPr>
-                <a:defRPr lang="ko-KR"/>
-              </a:defPPr>
-              <a:lvl1pPr marL="0" algn="l" defTabSz="914400" rtl="0" eaLnBrk="1" latinLnBrk="1" hangingPunct="1">
-                <a:defRPr sz="1800" kern="1200">
-                  <a:solidFill>
-                    <a:schemeClr val="tx1"/>
-                  </a:solidFill>
-                  <a:latin typeface="+mn-lt"/>
-                  <a:ea typeface="+mn-ea"/>
-                  <a:cs typeface="+mn-cs"/>
-                </a:defRPr>
-              </a:lvl1pPr>
-              <a:lvl2pPr marL="457200" algn="l" defTabSz="914400" rtl="0" eaLnBrk="1" latinLnBrk="1" hangingPunct="1">
-                <a:defRPr sz="1800" kern="1200">
-                  <a:solidFill>
-                    <a:schemeClr val="tx1"/>
-                  </a:solidFill>
-                  <a:latin typeface="+mn-lt"/>
-                  <a:ea typeface="+mn-ea"/>
-                  <a:cs typeface="+mn-cs"/>
-                </a:defRPr>
-              </a:lvl2pPr>
-              <a:lvl3pPr marL="914400" algn="l" defTabSz="914400" rtl="0" eaLnBrk="1" latinLnBrk="1" hangingPunct="1">
-                <a:defRPr sz="1800" kern="1200">
-                  <a:solidFill>
-                    <a:schemeClr val="tx1"/>
-                  </a:solidFill>
-                  <a:latin typeface="+mn-lt"/>
-                  <a:ea typeface="+mn-ea"/>
-                  <a:cs typeface="+mn-cs"/>
-                </a:defRPr>
-              </a:lvl3pPr>
-              <a:lvl4pPr marL="1371600" algn="l" defTabSz="914400" rtl="0" eaLnBrk="1" latinLnBrk="1" hangingPunct="1">
-                <a:defRPr sz="1800" kern="1200">
-                  <a:solidFill>
-                    <a:schemeClr val="tx1"/>
-                  </a:solidFill>
-                  <a:latin typeface="+mn-lt"/>
-                  <a:ea typeface="+mn-ea"/>
-                  <a:cs typeface="+mn-cs"/>
-                </a:defRPr>
-              </a:lvl4pPr>
-              <a:lvl5pPr marL="1828800" algn="l" defTabSz="914400" rtl="0" eaLnBrk="1" latinLnBrk="1" hangingPunct="1">
-                <a:defRPr sz="1800" kern="1200">
-                  <a:solidFill>
-                    <a:schemeClr val="tx1"/>
-                  </a:solidFill>
-                  <a:latin typeface="+mn-lt"/>
-                  <a:ea typeface="+mn-ea"/>
-                  <a:cs typeface="+mn-cs"/>
-                </a:defRPr>
-              </a:lvl5pPr>
-              <a:lvl6pPr marL="2286000" algn="l" defTabSz="914400" rtl="0" eaLnBrk="1" latinLnBrk="1" hangingPunct="1">
-                <a:defRPr sz="1800" kern="1200">
-                  <a:solidFill>
-                    <a:schemeClr val="tx1"/>
-                  </a:solidFill>
-                  <a:latin typeface="+mn-lt"/>
-                  <a:ea typeface="+mn-ea"/>
-                  <a:cs typeface="+mn-cs"/>
-                </a:defRPr>
-              </a:lvl6pPr>
-              <a:lvl7pPr marL="2743200" algn="l" defTabSz="914400" rtl="0" eaLnBrk="1" latinLnBrk="1" hangingPunct="1">
-                <a:defRPr sz="1800" kern="1200">
-                  <a:solidFill>
-                    <a:schemeClr val="tx1"/>
-                  </a:solidFill>
-                  <a:latin typeface="+mn-lt"/>
-                  <a:ea typeface="+mn-ea"/>
-                  <a:cs typeface="+mn-cs"/>
-                </a:defRPr>
-              </a:lvl7pPr>
-              <a:lvl8pPr marL="3200400" algn="l" defTabSz="914400" rtl="0" eaLnBrk="1" latinLnBrk="1" hangingPunct="1">
-                <a:defRPr sz="1800" kern="1200">
-                  <a:solidFill>
-                    <a:schemeClr val="tx1"/>
-                  </a:solidFill>
-                  <a:latin typeface="+mn-lt"/>
-                  <a:ea typeface="+mn-ea"/>
-                  <a:cs typeface="+mn-cs"/>
-                </a:defRPr>
-              </a:lvl8pPr>
-              <a:lvl9pPr marL="3657600" algn="l" defTabSz="914400" rtl="0" eaLnBrk="1" latinLnBrk="1" hangingPunct="1">
-                <a:defRPr sz="1800" kern="1200">
-                  <a:solidFill>
-                    <a:schemeClr val="tx1"/>
-                  </a:solidFill>
-                  <a:latin typeface="+mn-lt"/>
-                  <a:ea typeface="+mn-ea"/>
-                  <a:cs typeface="+mn-cs"/>
-                </a:defRPr>
-              </a:lvl9pPr>
-            </a:lstStyle>
-            <a:p>
-              <a:pPr>
-                <a:defRPr/>
-              </a:pPr>
-              <a:r>
-                <a:rPr lang="en-US" altLang="ko-KR" sz="1400" b="1" dirty="0">
-                  <a:solidFill>
-                    <a:schemeClr val="tx1">
-                      <a:lumMod val="65000"/>
-                      <a:lumOff val="35000"/>
-                    </a:schemeClr>
-                  </a:solidFill>
-                  <a:cs typeface="Arial" pitchFamily="34" charset="0"/>
-                </a:rPr>
-                <a:t>MÔN HỌC LẬP TRÌNH JAVA</a:t>
-              </a:r>
-            </a:p>
-          </p:txBody>
-        </p:sp>
-        <p:sp>
-          <p:nvSpPr>
-            <p:cNvPr id="11" name="TextBox 12"/>
-            <p:cNvSpPr txBox="1"/>
-            <p:nvPr/>
-          </p:nvSpPr>
-          <p:spPr bwMode="auto">
-            <a:xfrm>
-              <a:off x="2175371" y="2032239"/>
-              <a:ext cx="5040560" cy="321470"/>
-            </a:xfrm>
-            <a:prstGeom prst="rect">
-              <a:avLst/>
-            </a:prstGeom>
-            <a:noFill/>
-            <a:effectLst/>
-          </p:spPr>
-          <p:txBody>
-            <a:bodyPr wrap="square" anchor="ctr">
-              <a:spAutoFit/>
-            </a:bodyPr>
-            <a:lstStyle>
-              <a:defPPr>
-                <a:defRPr lang="ko-KR"/>
-              </a:defPPr>
-              <a:lvl1pPr marL="0" algn="l" defTabSz="914400" rtl="0" eaLnBrk="1" latinLnBrk="1" hangingPunct="1">
-                <a:defRPr sz="1800" kern="1200">
-                  <a:solidFill>
-                    <a:schemeClr val="tx1"/>
-                  </a:solidFill>
-                  <a:latin typeface="+mn-lt"/>
-                  <a:ea typeface="+mn-ea"/>
-                  <a:cs typeface="+mn-cs"/>
-                </a:defRPr>
-              </a:lvl1pPr>
-              <a:lvl2pPr marL="457200" algn="l" defTabSz="914400" rtl="0" eaLnBrk="1" latinLnBrk="1" hangingPunct="1">
-                <a:defRPr sz="1800" kern="1200">
-                  <a:solidFill>
-                    <a:schemeClr val="tx1"/>
-                  </a:solidFill>
-                  <a:latin typeface="+mn-lt"/>
-                  <a:ea typeface="+mn-ea"/>
-                  <a:cs typeface="+mn-cs"/>
-                </a:defRPr>
-              </a:lvl2pPr>
-              <a:lvl3pPr marL="914400" algn="l" defTabSz="914400" rtl="0" eaLnBrk="1" latinLnBrk="1" hangingPunct="1">
-                <a:defRPr sz="1800" kern="1200">
-                  <a:solidFill>
-                    <a:schemeClr val="tx1"/>
-                  </a:solidFill>
-                  <a:latin typeface="+mn-lt"/>
-                  <a:ea typeface="+mn-ea"/>
-                  <a:cs typeface="+mn-cs"/>
-                </a:defRPr>
-              </a:lvl3pPr>
-              <a:lvl4pPr marL="1371600" algn="l" defTabSz="914400" rtl="0" eaLnBrk="1" latinLnBrk="1" hangingPunct="1">
-                <a:defRPr sz="1800" kern="1200">
-                  <a:solidFill>
-                    <a:schemeClr val="tx1"/>
-                  </a:solidFill>
-                  <a:latin typeface="+mn-lt"/>
-                  <a:ea typeface="+mn-ea"/>
-                  <a:cs typeface="+mn-cs"/>
-                </a:defRPr>
-              </a:lvl4pPr>
-              <a:lvl5pPr marL="1828800" algn="l" defTabSz="914400" rtl="0" eaLnBrk="1" latinLnBrk="1" hangingPunct="1">
-                <a:defRPr sz="1800" kern="1200">
-                  <a:solidFill>
-                    <a:schemeClr val="tx1"/>
-                  </a:solidFill>
-                  <a:latin typeface="+mn-lt"/>
-                  <a:ea typeface="+mn-ea"/>
-                  <a:cs typeface="+mn-cs"/>
-                </a:defRPr>
-              </a:lvl5pPr>
-              <a:lvl6pPr marL="2286000" algn="l" defTabSz="914400" rtl="0" eaLnBrk="1" latinLnBrk="1" hangingPunct="1">
-                <a:defRPr sz="1800" kern="1200">
-                  <a:solidFill>
-                    <a:schemeClr val="tx1"/>
-                  </a:solidFill>
-                  <a:latin typeface="+mn-lt"/>
-                  <a:ea typeface="+mn-ea"/>
-                  <a:cs typeface="+mn-cs"/>
-                </a:defRPr>
-              </a:lvl6pPr>
-              <a:lvl7pPr marL="2743200" algn="l" defTabSz="914400" rtl="0" eaLnBrk="1" latinLnBrk="1" hangingPunct="1">
-                <a:defRPr sz="1800" kern="1200">
-                  <a:solidFill>
-                    <a:schemeClr val="tx1"/>
-                  </a:solidFill>
-                  <a:latin typeface="+mn-lt"/>
-                  <a:ea typeface="+mn-ea"/>
-                  <a:cs typeface="+mn-cs"/>
-                </a:defRPr>
-              </a:lvl7pPr>
-              <a:lvl8pPr marL="3200400" algn="l" defTabSz="914400" rtl="0" eaLnBrk="1" latinLnBrk="1" hangingPunct="1">
-                <a:defRPr sz="1800" kern="1200">
-                  <a:solidFill>
-                    <a:schemeClr val="tx1"/>
-                  </a:solidFill>
-                  <a:latin typeface="+mn-lt"/>
-                  <a:ea typeface="+mn-ea"/>
-                  <a:cs typeface="+mn-cs"/>
-                </a:defRPr>
-              </a:lvl8pPr>
-              <a:lvl9pPr marL="3657600" algn="l" defTabSz="914400" rtl="0" eaLnBrk="1" latinLnBrk="1" hangingPunct="1">
-                <a:defRPr sz="1800" kern="1200">
-                  <a:solidFill>
-                    <a:schemeClr val="tx1"/>
-                  </a:solidFill>
-                  <a:latin typeface="+mn-lt"/>
-                  <a:ea typeface="+mn-ea"/>
-                  <a:cs typeface="+mn-cs"/>
-                </a:defRPr>
-              </a:lvl9pPr>
-            </a:lstStyle>
-            <a:p>
-              <a:pPr>
-                <a:defRPr/>
-              </a:pPr>
-              <a:r>
-                <a:rPr lang="en-US" altLang="ko-KR" sz="1200" dirty="0" err="1">
-                  <a:solidFill>
-                    <a:schemeClr val="tx1">
-                      <a:lumMod val="65000"/>
-                      <a:lumOff val="35000"/>
-                    </a:schemeClr>
-                  </a:solidFill>
-                  <a:cs typeface="Arial" pitchFamily="34" charset="0"/>
-                </a:rPr>
-                <a:t>Nhóm</a:t>
-              </a:r>
-              <a:r>
-                <a:rPr lang="en-US" altLang="ko-KR" sz="1200" dirty="0">
-                  <a:solidFill>
-                    <a:schemeClr val="tx1">
-                      <a:lumMod val="65000"/>
-                      <a:lumOff val="35000"/>
-                    </a:schemeClr>
-                  </a:solidFill>
-                  <a:cs typeface="Arial" pitchFamily="34" charset="0"/>
-                </a:rPr>
-                <a:t> 02 </a:t>
-              </a:r>
-              <a:r>
-                <a:rPr lang="en-US" altLang="ko-KR" sz="1200" dirty="0" err="1">
-                  <a:solidFill>
-                    <a:schemeClr val="tx1">
-                      <a:lumMod val="65000"/>
-                      <a:lumOff val="35000"/>
-                    </a:schemeClr>
-                  </a:solidFill>
-                  <a:cs typeface="Arial" pitchFamily="34" charset="0"/>
-                </a:rPr>
-                <a:t>lý</a:t>
-              </a:r>
-              <a:r>
-                <a:rPr lang="en-US" altLang="ko-KR" sz="1200" dirty="0">
-                  <a:solidFill>
-                    <a:schemeClr val="tx1">
-                      <a:lumMod val="65000"/>
-                      <a:lumOff val="35000"/>
-                    </a:schemeClr>
-                  </a:solidFill>
-                  <a:cs typeface="Arial" pitchFamily="34" charset="0"/>
-                </a:rPr>
-                <a:t> </a:t>
-              </a:r>
-              <a:r>
-                <a:rPr lang="en-US" altLang="ko-KR" sz="1200" dirty="0" err="1">
-                  <a:solidFill>
-                    <a:schemeClr val="tx1">
-                      <a:lumMod val="65000"/>
-                      <a:lumOff val="35000"/>
-                    </a:schemeClr>
-                  </a:solidFill>
-                  <a:cs typeface="Arial" pitchFamily="34" charset="0"/>
-                </a:rPr>
-                <a:t>thuyết</a:t>
-              </a:r>
-              <a:r>
-                <a:rPr lang="en-US" altLang="ko-KR" sz="1200" dirty="0">
-                  <a:solidFill>
-                    <a:schemeClr val="tx1">
-                      <a:lumMod val="65000"/>
-                      <a:lumOff val="35000"/>
-                    </a:schemeClr>
-                  </a:solidFill>
-                  <a:cs typeface="Arial" pitchFamily="34" charset="0"/>
-                </a:rPr>
-                <a:t> </a:t>
-              </a:r>
-              <a:r>
-                <a:rPr lang="en-US" altLang="ko-KR" sz="1200" dirty="0" err="1">
-                  <a:solidFill>
-                    <a:schemeClr val="tx1">
-                      <a:lumMod val="65000"/>
-                      <a:lumOff val="35000"/>
-                    </a:schemeClr>
-                  </a:solidFill>
-                  <a:cs typeface="Arial" pitchFamily="34" charset="0"/>
-                </a:rPr>
-                <a:t>thứ</a:t>
-              </a:r>
-              <a:r>
-                <a:rPr lang="en-US" altLang="ko-KR" sz="1200" dirty="0">
-                  <a:solidFill>
-                    <a:schemeClr val="tx1">
-                      <a:lumMod val="65000"/>
-                      <a:lumOff val="35000"/>
-                    </a:schemeClr>
-                  </a:solidFill>
-                  <a:cs typeface="Arial" pitchFamily="34" charset="0"/>
-                </a:rPr>
-                <a:t> 2 </a:t>
-              </a:r>
-              <a:r>
-                <a:rPr lang="en-US" altLang="ko-KR" sz="1200" dirty="0" err="1">
-                  <a:solidFill>
-                    <a:schemeClr val="tx1">
-                      <a:lumMod val="65000"/>
-                      <a:lumOff val="35000"/>
-                    </a:schemeClr>
-                  </a:solidFill>
-                  <a:cs typeface="Arial" pitchFamily="34" charset="0"/>
-                </a:rPr>
-                <a:t>và</a:t>
-              </a:r>
-              <a:r>
-                <a:rPr lang="en-US" altLang="ko-KR" sz="1200" dirty="0">
-                  <a:solidFill>
-                    <a:schemeClr val="tx1">
-                      <a:lumMod val="65000"/>
-                      <a:lumOff val="35000"/>
-                    </a:schemeClr>
-                  </a:solidFill>
-                  <a:cs typeface="Arial" pitchFamily="34" charset="0"/>
-                </a:rPr>
-                <a:t> </a:t>
-              </a:r>
-              <a:r>
-                <a:rPr lang="en-US" altLang="ko-KR" sz="1200" dirty="0" err="1">
-                  <a:solidFill>
-                    <a:schemeClr val="tx1">
-                      <a:lumMod val="65000"/>
-                      <a:lumOff val="35000"/>
-                    </a:schemeClr>
-                  </a:solidFill>
-                  <a:cs typeface="Arial" pitchFamily="34" charset="0"/>
-                </a:rPr>
-                <a:t>thực</a:t>
-              </a:r>
-              <a:r>
-                <a:rPr lang="en-US" altLang="ko-KR" sz="1200" dirty="0">
-                  <a:solidFill>
-                    <a:schemeClr val="tx1">
-                      <a:lumMod val="65000"/>
-                      <a:lumOff val="35000"/>
-                    </a:schemeClr>
-                  </a:solidFill>
-                  <a:cs typeface="Arial" pitchFamily="34" charset="0"/>
-                </a:rPr>
-                <a:t> </a:t>
-              </a:r>
-              <a:r>
-                <a:rPr lang="en-US" altLang="ko-KR" sz="1200" dirty="0" err="1">
-                  <a:solidFill>
-                    <a:schemeClr val="tx1">
-                      <a:lumMod val="65000"/>
-                      <a:lumOff val="35000"/>
-                    </a:schemeClr>
-                  </a:solidFill>
-                  <a:cs typeface="Arial" pitchFamily="34" charset="0"/>
-                </a:rPr>
-                <a:t>hành</a:t>
-              </a:r>
-              <a:r>
-                <a:rPr lang="en-US" altLang="ko-KR" sz="1200" dirty="0">
-                  <a:solidFill>
-                    <a:schemeClr val="tx1">
-                      <a:lumMod val="65000"/>
-                      <a:lumOff val="35000"/>
-                    </a:schemeClr>
-                  </a:solidFill>
-                  <a:cs typeface="Arial" pitchFamily="34" charset="0"/>
-                </a:rPr>
-                <a:t> </a:t>
-              </a:r>
-              <a:r>
-                <a:rPr lang="en-US" altLang="ko-KR" sz="1200" dirty="0" err="1">
-                  <a:solidFill>
-                    <a:schemeClr val="tx1">
-                      <a:lumMod val="65000"/>
-                      <a:lumOff val="35000"/>
-                    </a:schemeClr>
-                  </a:solidFill>
-                  <a:cs typeface="Arial" pitchFamily="34" charset="0"/>
-                </a:rPr>
-                <a:t>thứ</a:t>
-              </a:r>
-              <a:r>
-                <a:rPr lang="en-US" altLang="ko-KR" sz="1200" dirty="0">
-                  <a:solidFill>
-                    <a:schemeClr val="tx1">
-                      <a:lumMod val="65000"/>
-                      <a:lumOff val="35000"/>
-                    </a:schemeClr>
-                  </a:solidFill>
-                  <a:cs typeface="Arial" pitchFamily="34" charset="0"/>
-                </a:rPr>
-                <a:t> 4</a:t>
-              </a:r>
-              <a:endParaRPr lang="ko-KR" altLang="en-US" sz="1200" dirty="0">
-                <a:solidFill>
-                  <a:schemeClr val="tx1">
-                    <a:lumMod val="65000"/>
-                    <a:lumOff val="35000"/>
-                  </a:schemeClr>
-                </a:solidFill>
-                <a:cs typeface="Arial" pitchFamily="34" charset="0"/>
-              </a:endParaRPr>
-            </a:p>
-          </p:txBody>
-        </p:sp>
-      </p:grpSp>
-      <p:sp>
-        <p:nvSpPr>
-          <p:cNvPr id="2" name="Text Placeholder 1"/>
-          <p:cNvSpPr>
-            <a:spLocks noGrp="1"/>
-          </p:cNvSpPr>
-          <p:nvPr>
-            <p:ph type="body" sz="quarter" idx="10"/>
-          </p:nvPr>
-        </p:nvSpPr>
-        <p:spPr>
-          <a:prstGeom prst="rect">
-            <a:avLst/>
-          </a:prstGeom>
-        </p:spPr>
-        <p:txBody>
-          <a:bodyPr>
-            <a:normAutofit fontScale="85000" lnSpcReduction="20000"/>
-          </a:bodyPr>
-          <a:lstStyle/>
-          <a:p>
-            <a:r>
-              <a:rPr lang="en-US" altLang="ko-KR" dirty="0">
-                <a:solidFill>
-                  <a:srgbClr val="E46C0A"/>
-                </a:solidFill>
-                <a:latin typeface="Arial" pitchFamily="34" charset="0"/>
-                <a:cs typeface="Arial" pitchFamily="34" charset="0"/>
-              </a:rPr>
-              <a:t>CÁC THÀNH VIÊN BAO GỒM</a:t>
-            </a:r>
-          </a:p>
-        </p:txBody>
-      </p:sp>
-      <p:sp>
-        <p:nvSpPr>
-          <p:cNvPr id="20" name="Rectangle 19"/>
-          <p:cNvSpPr/>
-          <p:nvPr/>
-        </p:nvSpPr>
-        <p:spPr>
-          <a:xfrm>
-            <a:off x="2712635" y="1878848"/>
-            <a:ext cx="581569" cy="572669"/>
-          </a:xfrm>
-          <a:prstGeom prst="rect">
-            <a:avLst/>
-          </a:prstGeom>
-          <a:solidFill>
-            <a:schemeClr val="accent3"/>
-          </a:solidFill>
-          <a:ln>
-            <a:noFill/>
-          </a:ln>
-        </p:spPr>
-        <p:style>
-          <a:lnRef idx="2">
-            <a:schemeClr val="accent1">
-              <a:shade val="50000"/>
-            </a:schemeClr>
-          </a:lnRef>
-          <a:fillRef idx="1">
-            <a:schemeClr val="accent1"/>
-          </a:fillRef>
-          <a:effectRef idx="0">
-            <a:schemeClr val="accent1"/>
-          </a:effectRef>
-          <a:fontRef idx="minor">
-            <a:schemeClr val="lt1"/>
-          </a:fontRef>
-        </p:style>
-        <p:txBody>
-          <a:bodyPr rtlCol="0" anchor="ctr"/>
-          <a:lstStyle/>
-          <a:p>
-            <a:pPr algn="ctr"/>
-            <a:endParaRPr lang="ko-KR" altLang="en-US">
-              <a:solidFill>
-                <a:schemeClr val="tx1"/>
-              </a:solidFill>
-            </a:endParaRPr>
-          </a:p>
-        </p:txBody>
-      </p:sp>
-      <p:grpSp>
-        <p:nvGrpSpPr>
-          <p:cNvPr id="21" name="Group 20"/>
-          <p:cNvGrpSpPr/>
-          <p:nvPr/>
-        </p:nvGrpSpPr>
-        <p:grpSpPr>
-          <a:xfrm>
-            <a:off x="3490364" y="1878848"/>
-            <a:ext cx="5138704" cy="601968"/>
-            <a:chOff x="1795588" y="1688594"/>
-            <a:chExt cx="6408712" cy="707911"/>
-          </a:xfrm>
-          <a:solidFill>
-            <a:schemeClr val="bg1"/>
-          </a:solidFill>
-        </p:grpSpPr>
-        <p:sp>
-          <p:nvSpPr>
-            <p:cNvPr id="22" name="Rounded Rectangle 21"/>
-            <p:cNvSpPr/>
-            <p:nvPr/>
-          </p:nvSpPr>
-          <p:spPr>
-            <a:xfrm>
-              <a:off x="1795588" y="1688594"/>
-              <a:ext cx="6408712" cy="707911"/>
-            </a:xfrm>
-            <a:prstGeom prst="roundRect">
-              <a:avLst>
-                <a:gd name="adj" fmla="val 10715"/>
-              </a:avLst>
-            </a:prstGeom>
-            <a:grpFill/>
-            <a:ln w="63500">
-              <a:solidFill>
-                <a:schemeClr val="accent3"/>
-              </a:solidFill>
-            </a:ln>
-          </p:spPr>
-          <p:style>
-            <a:lnRef idx="2">
-              <a:schemeClr val="accent1">
-                <a:shade val="50000"/>
-              </a:schemeClr>
-            </a:lnRef>
-            <a:fillRef idx="1">
-              <a:schemeClr val="accent1"/>
-            </a:fillRef>
-            <a:effectRef idx="0">
-              <a:schemeClr val="accent1"/>
-            </a:effectRef>
-            <a:fontRef idx="minor">
-              <a:schemeClr val="lt1"/>
-            </a:fontRef>
-          </p:style>
-          <p:txBody>
-            <a:bodyPr rtlCol="0" anchor="ctr"/>
-            <a:lstStyle/>
-            <a:p>
-              <a:pPr algn="ctr"/>
-              <a:endParaRPr lang="ko-KR" altLang="en-US" dirty="0"/>
-            </a:p>
-          </p:txBody>
-        </p:sp>
-        <p:sp>
-          <p:nvSpPr>
-            <p:cNvPr id="23" name="Rounded Rectangle 16"/>
-            <p:cNvSpPr/>
-            <p:nvPr/>
-          </p:nvSpPr>
-          <p:spPr>
-            <a:xfrm>
-              <a:off x="7719981" y="1688594"/>
-              <a:ext cx="484317" cy="600916"/>
-            </a:xfrm>
-            <a:custGeom>
-              <a:avLst/>
-              <a:gdLst/>
-              <a:ahLst/>
-              <a:cxnLst/>
-              <a:rect l="l" t="t" r="r" b="b"/>
-              <a:pathLst>
-                <a:path w="484317" h="697391">
-                  <a:moveTo>
-                    <a:pt x="0" y="0"/>
-                  </a:moveTo>
-                  <a:lnTo>
-                    <a:pt x="396286" y="0"/>
-                  </a:lnTo>
-                  <a:cubicBezTo>
-                    <a:pt x="444904" y="0"/>
-                    <a:pt x="484317" y="39413"/>
-                    <a:pt x="484317" y="88031"/>
-                  </a:cubicBezTo>
-                  <a:lnTo>
-                    <a:pt x="484317" y="697391"/>
-                  </a:lnTo>
-                  <a:close/>
-                </a:path>
-              </a:pathLst>
-            </a:custGeom>
-            <a:solidFill>
-              <a:schemeClr val="accent3"/>
-            </a:solidFill>
-            <a:ln w="63500">
-              <a:noFill/>
-            </a:ln>
-          </p:spPr>
-          <p:style>
-            <a:lnRef idx="2">
-              <a:schemeClr val="accent1">
-                <a:shade val="50000"/>
-              </a:schemeClr>
-            </a:lnRef>
-            <a:fillRef idx="1">
-              <a:schemeClr val="accent1"/>
-            </a:fillRef>
-            <a:effectRef idx="0">
-              <a:schemeClr val="accent1"/>
-            </a:effectRef>
-            <a:fontRef idx="minor">
-              <a:schemeClr val="lt1"/>
-            </a:fontRef>
-          </p:style>
-          <p:txBody>
-            <a:bodyPr rtlCol="0" anchor="ctr"/>
-            <a:lstStyle/>
-            <a:p>
-              <a:pPr algn="ctr"/>
-              <a:endParaRPr lang="ko-KR" altLang="en-US"/>
-            </a:p>
-          </p:txBody>
-        </p:sp>
-      </p:grpSp>
-      <p:sp>
-        <p:nvSpPr>
-          <p:cNvPr id="24" name="TextBox 23"/>
-          <p:cNvSpPr txBox="1"/>
-          <p:nvPr/>
-        </p:nvSpPr>
-        <p:spPr>
-          <a:xfrm>
-            <a:off x="2706362" y="1934350"/>
-            <a:ext cx="594114" cy="461665"/>
-          </a:xfrm>
-          <a:prstGeom prst="rect">
-            <a:avLst/>
-          </a:prstGeom>
-          <a:noFill/>
-        </p:spPr>
-        <p:txBody>
-          <a:bodyPr wrap="square" rtlCol="0" anchor="ctr">
-            <a:spAutoFit/>
-          </a:bodyPr>
-          <a:lstStyle/>
-          <a:p>
-            <a:pPr algn="ctr"/>
-            <a:r>
-              <a:rPr lang="en-US" altLang="ko-KR" sz="2400" b="1" dirty="0">
-                <a:solidFill>
-                  <a:schemeClr val="bg1"/>
-                </a:solidFill>
-                <a:cs typeface="Arial" pitchFamily="34" charset="0"/>
-              </a:rPr>
-              <a:t>02</a:t>
-            </a:r>
-            <a:endParaRPr lang="ko-KR" altLang="en-US" sz="2400" b="1" dirty="0">
-              <a:solidFill>
-                <a:schemeClr val="bg1"/>
-              </a:solidFill>
-              <a:cs typeface="Arial" pitchFamily="34" charset="0"/>
-            </a:endParaRPr>
-          </a:p>
-        </p:txBody>
-      </p:sp>
-      <p:grpSp>
-        <p:nvGrpSpPr>
-          <p:cNvPr id="25" name="Group 24"/>
-          <p:cNvGrpSpPr/>
-          <p:nvPr/>
-        </p:nvGrpSpPr>
-        <p:grpSpPr>
-          <a:xfrm>
-            <a:off x="3587577" y="1932013"/>
-            <a:ext cx="4752528" cy="509023"/>
-            <a:chOff x="2175371" y="1762964"/>
-            <a:chExt cx="5040560" cy="590745"/>
-          </a:xfrm>
-        </p:grpSpPr>
-        <p:sp>
-          <p:nvSpPr>
-            <p:cNvPr id="26" name="TextBox 10"/>
-            <p:cNvSpPr txBox="1"/>
-            <p:nvPr/>
-          </p:nvSpPr>
-          <p:spPr bwMode="auto">
-            <a:xfrm>
-              <a:off x="2175371" y="1762964"/>
-              <a:ext cx="5040560" cy="357190"/>
-            </a:xfrm>
-            <a:prstGeom prst="rect">
-              <a:avLst/>
-            </a:prstGeom>
-            <a:noFill/>
-            <a:effectLst/>
-          </p:spPr>
-          <p:txBody>
-            <a:bodyPr wrap="square" anchor="ctr">
-              <a:spAutoFit/>
-            </a:bodyPr>
-            <a:lstStyle>
-              <a:defPPr>
-                <a:defRPr lang="ko-KR"/>
-              </a:defPPr>
-              <a:lvl1pPr marL="0" algn="l" defTabSz="914400" rtl="0" eaLnBrk="1" latinLnBrk="1" hangingPunct="1">
-                <a:defRPr sz="1800" kern="1200">
-                  <a:solidFill>
-                    <a:schemeClr val="tx1"/>
-                  </a:solidFill>
-                  <a:latin typeface="+mn-lt"/>
-                  <a:ea typeface="+mn-ea"/>
-                  <a:cs typeface="+mn-cs"/>
-                </a:defRPr>
-              </a:lvl1pPr>
-              <a:lvl2pPr marL="457200" algn="l" defTabSz="914400" rtl="0" eaLnBrk="1" latinLnBrk="1" hangingPunct="1">
-                <a:defRPr sz="1800" kern="1200">
-                  <a:solidFill>
-                    <a:schemeClr val="tx1"/>
-                  </a:solidFill>
-                  <a:latin typeface="+mn-lt"/>
-                  <a:ea typeface="+mn-ea"/>
-                  <a:cs typeface="+mn-cs"/>
-                </a:defRPr>
-              </a:lvl2pPr>
-              <a:lvl3pPr marL="914400" algn="l" defTabSz="914400" rtl="0" eaLnBrk="1" latinLnBrk="1" hangingPunct="1">
-                <a:defRPr sz="1800" kern="1200">
-                  <a:solidFill>
-                    <a:schemeClr val="tx1"/>
-                  </a:solidFill>
-                  <a:latin typeface="+mn-lt"/>
-                  <a:ea typeface="+mn-ea"/>
-                  <a:cs typeface="+mn-cs"/>
-                </a:defRPr>
-              </a:lvl3pPr>
-              <a:lvl4pPr marL="1371600" algn="l" defTabSz="914400" rtl="0" eaLnBrk="1" latinLnBrk="1" hangingPunct="1">
-                <a:defRPr sz="1800" kern="1200">
-                  <a:solidFill>
-                    <a:schemeClr val="tx1"/>
-                  </a:solidFill>
-                  <a:latin typeface="+mn-lt"/>
-                  <a:ea typeface="+mn-ea"/>
-                  <a:cs typeface="+mn-cs"/>
-                </a:defRPr>
-              </a:lvl4pPr>
-              <a:lvl5pPr marL="1828800" algn="l" defTabSz="914400" rtl="0" eaLnBrk="1" latinLnBrk="1" hangingPunct="1">
-                <a:defRPr sz="1800" kern="1200">
-                  <a:solidFill>
-                    <a:schemeClr val="tx1"/>
-                  </a:solidFill>
-                  <a:latin typeface="+mn-lt"/>
-                  <a:ea typeface="+mn-ea"/>
-                  <a:cs typeface="+mn-cs"/>
-                </a:defRPr>
-              </a:lvl5pPr>
-              <a:lvl6pPr marL="2286000" algn="l" defTabSz="914400" rtl="0" eaLnBrk="1" latinLnBrk="1" hangingPunct="1">
-                <a:defRPr sz="1800" kern="1200">
-                  <a:solidFill>
-                    <a:schemeClr val="tx1"/>
-                  </a:solidFill>
-                  <a:latin typeface="+mn-lt"/>
-                  <a:ea typeface="+mn-ea"/>
-                  <a:cs typeface="+mn-cs"/>
-                </a:defRPr>
-              </a:lvl6pPr>
-              <a:lvl7pPr marL="2743200" algn="l" defTabSz="914400" rtl="0" eaLnBrk="1" latinLnBrk="1" hangingPunct="1">
-                <a:defRPr sz="1800" kern="1200">
-                  <a:solidFill>
-                    <a:schemeClr val="tx1"/>
-                  </a:solidFill>
-                  <a:latin typeface="+mn-lt"/>
-                  <a:ea typeface="+mn-ea"/>
-                  <a:cs typeface="+mn-cs"/>
-                </a:defRPr>
-              </a:lvl7pPr>
-              <a:lvl8pPr marL="3200400" algn="l" defTabSz="914400" rtl="0" eaLnBrk="1" latinLnBrk="1" hangingPunct="1">
-                <a:defRPr sz="1800" kern="1200">
-                  <a:solidFill>
-                    <a:schemeClr val="tx1"/>
-                  </a:solidFill>
-                  <a:latin typeface="+mn-lt"/>
-                  <a:ea typeface="+mn-ea"/>
-                  <a:cs typeface="+mn-cs"/>
-                </a:defRPr>
-              </a:lvl8pPr>
-              <a:lvl9pPr marL="3657600" algn="l" defTabSz="914400" rtl="0" eaLnBrk="1" latinLnBrk="1" hangingPunct="1">
-                <a:defRPr sz="1800" kern="1200">
-                  <a:solidFill>
-                    <a:schemeClr val="tx1"/>
-                  </a:solidFill>
-                  <a:latin typeface="+mn-lt"/>
-                  <a:ea typeface="+mn-ea"/>
-                  <a:cs typeface="+mn-cs"/>
-                </a:defRPr>
-              </a:lvl9pPr>
-            </a:lstStyle>
-            <a:p>
-              <a:pPr>
-                <a:defRPr/>
-              </a:pPr>
-              <a:r>
-                <a:rPr lang="en-US" altLang="ko-KR" sz="1400" b="1" dirty="0" err="1">
-                  <a:solidFill>
-                    <a:schemeClr val="tx1">
-                      <a:lumMod val="65000"/>
-                      <a:lumOff val="35000"/>
-                    </a:schemeClr>
-                  </a:solidFill>
-                  <a:cs typeface="Arial" pitchFamily="34" charset="0"/>
-                </a:rPr>
-                <a:t>Nguyễn</a:t>
-              </a:r>
-              <a:r>
-                <a:rPr lang="en-US" altLang="ko-KR" sz="1400" b="1" dirty="0">
-                  <a:solidFill>
-                    <a:schemeClr val="tx1">
-                      <a:lumMod val="65000"/>
-                      <a:lumOff val="35000"/>
-                    </a:schemeClr>
-                  </a:solidFill>
-                  <a:cs typeface="Arial" pitchFamily="34" charset="0"/>
-                </a:rPr>
-                <a:t> </a:t>
-              </a:r>
-              <a:r>
-                <a:rPr lang="en-US" altLang="ko-KR" sz="1400" b="1" dirty="0" err="1">
-                  <a:solidFill>
-                    <a:schemeClr val="tx1">
-                      <a:lumMod val="65000"/>
-                      <a:lumOff val="35000"/>
-                    </a:schemeClr>
-                  </a:solidFill>
-                  <a:cs typeface="Arial" pitchFamily="34" charset="0"/>
-                </a:rPr>
-                <a:t>Thành</a:t>
-              </a:r>
-              <a:r>
-                <a:rPr lang="en-US" altLang="ko-KR" sz="1400" b="1" dirty="0">
-                  <a:solidFill>
-                    <a:schemeClr val="tx1">
-                      <a:lumMod val="65000"/>
-                      <a:lumOff val="35000"/>
-                    </a:schemeClr>
-                  </a:solidFill>
-                  <a:cs typeface="Arial" pitchFamily="34" charset="0"/>
-                </a:rPr>
-                <a:t> </a:t>
-              </a:r>
-              <a:r>
-                <a:rPr lang="en-US" altLang="ko-KR" sz="1400" b="1" dirty="0" err="1">
-                  <a:solidFill>
-                    <a:schemeClr val="tx1">
-                      <a:lumMod val="65000"/>
-                      <a:lumOff val="35000"/>
-                    </a:schemeClr>
-                  </a:solidFill>
-                  <a:cs typeface="Arial" pitchFamily="34" charset="0"/>
-                </a:rPr>
-                <a:t>Huy</a:t>
-              </a:r>
-              <a:endParaRPr lang="en-US" altLang="ko-KR" sz="1400" b="1" dirty="0">
-                <a:solidFill>
-                  <a:schemeClr val="tx1">
-                    <a:lumMod val="65000"/>
-                    <a:lumOff val="35000"/>
-                  </a:schemeClr>
-                </a:solidFill>
-                <a:cs typeface="Arial" pitchFamily="34" charset="0"/>
-              </a:endParaRPr>
-            </a:p>
-          </p:txBody>
-        </p:sp>
-        <p:sp>
-          <p:nvSpPr>
-            <p:cNvPr id="27" name="TextBox 12"/>
-            <p:cNvSpPr txBox="1"/>
-            <p:nvPr/>
-          </p:nvSpPr>
-          <p:spPr bwMode="auto">
-            <a:xfrm>
-              <a:off x="2175371" y="2032239"/>
-              <a:ext cx="5040560" cy="321470"/>
-            </a:xfrm>
-            <a:prstGeom prst="rect">
-              <a:avLst/>
-            </a:prstGeom>
-            <a:noFill/>
-            <a:effectLst/>
-          </p:spPr>
-          <p:txBody>
-            <a:bodyPr wrap="square" anchor="ctr">
-              <a:spAutoFit/>
-            </a:bodyPr>
-            <a:lstStyle>
-              <a:defPPr>
-                <a:defRPr lang="ko-KR"/>
-              </a:defPPr>
-              <a:lvl1pPr marL="0" algn="l" defTabSz="914400" rtl="0" eaLnBrk="1" latinLnBrk="1" hangingPunct="1">
-                <a:defRPr sz="1800" kern="1200">
-                  <a:solidFill>
-                    <a:schemeClr val="tx1"/>
-                  </a:solidFill>
-                  <a:latin typeface="+mn-lt"/>
-                  <a:ea typeface="+mn-ea"/>
-                  <a:cs typeface="+mn-cs"/>
-                </a:defRPr>
-              </a:lvl1pPr>
-              <a:lvl2pPr marL="457200" algn="l" defTabSz="914400" rtl="0" eaLnBrk="1" latinLnBrk="1" hangingPunct="1">
-                <a:defRPr sz="1800" kern="1200">
-                  <a:solidFill>
-                    <a:schemeClr val="tx1"/>
-                  </a:solidFill>
-                  <a:latin typeface="+mn-lt"/>
-                  <a:ea typeface="+mn-ea"/>
-                  <a:cs typeface="+mn-cs"/>
-                </a:defRPr>
-              </a:lvl2pPr>
-              <a:lvl3pPr marL="914400" algn="l" defTabSz="914400" rtl="0" eaLnBrk="1" latinLnBrk="1" hangingPunct="1">
-                <a:defRPr sz="1800" kern="1200">
-                  <a:solidFill>
-                    <a:schemeClr val="tx1"/>
-                  </a:solidFill>
-                  <a:latin typeface="+mn-lt"/>
-                  <a:ea typeface="+mn-ea"/>
-                  <a:cs typeface="+mn-cs"/>
-                </a:defRPr>
-              </a:lvl3pPr>
-              <a:lvl4pPr marL="1371600" algn="l" defTabSz="914400" rtl="0" eaLnBrk="1" latinLnBrk="1" hangingPunct="1">
-                <a:defRPr sz="1800" kern="1200">
-                  <a:solidFill>
-                    <a:schemeClr val="tx1"/>
-                  </a:solidFill>
-                  <a:latin typeface="+mn-lt"/>
-                  <a:ea typeface="+mn-ea"/>
-                  <a:cs typeface="+mn-cs"/>
-                </a:defRPr>
-              </a:lvl4pPr>
-              <a:lvl5pPr marL="1828800" algn="l" defTabSz="914400" rtl="0" eaLnBrk="1" latinLnBrk="1" hangingPunct="1">
-                <a:defRPr sz="1800" kern="1200">
-                  <a:solidFill>
-                    <a:schemeClr val="tx1"/>
-                  </a:solidFill>
-                  <a:latin typeface="+mn-lt"/>
-                  <a:ea typeface="+mn-ea"/>
-                  <a:cs typeface="+mn-cs"/>
-                </a:defRPr>
-              </a:lvl5pPr>
-              <a:lvl6pPr marL="2286000" algn="l" defTabSz="914400" rtl="0" eaLnBrk="1" latinLnBrk="1" hangingPunct="1">
-                <a:defRPr sz="1800" kern="1200">
-                  <a:solidFill>
-                    <a:schemeClr val="tx1"/>
-                  </a:solidFill>
-                  <a:latin typeface="+mn-lt"/>
-                  <a:ea typeface="+mn-ea"/>
-                  <a:cs typeface="+mn-cs"/>
-                </a:defRPr>
-              </a:lvl6pPr>
-              <a:lvl7pPr marL="2743200" algn="l" defTabSz="914400" rtl="0" eaLnBrk="1" latinLnBrk="1" hangingPunct="1">
-                <a:defRPr sz="1800" kern="1200">
-                  <a:solidFill>
-                    <a:schemeClr val="tx1"/>
-                  </a:solidFill>
-                  <a:latin typeface="+mn-lt"/>
-                  <a:ea typeface="+mn-ea"/>
-                  <a:cs typeface="+mn-cs"/>
-                </a:defRPr>
-              </a:lvl7pPr>
-              <a:lvl8pPr marL="3200400" algn="l" defTabSz="914400" rtl="0" eaLnBrk="1" latinLnBrk="1" hangingPunct="1">
-                <a:defRPr sz="1800" kern="1200">
-                  <a:solidFill>
-                    <a:schemeClr val="tx1"/>
-                  </a:solidFill>
-                  <a:latin typeface="+mn-lt"/>
-                  <a:ea typeface="+mn-ea"/>
-                  <a:cs typeface="+mn-cs"/>
-                </a:defRPr>
-              </a:lvl8pPr>
-              <a:lvl9pPr marL="3657600" algn="l" defTabSz="914400" rtl="0" eaLnBrk="1" latinLnBrk="1" hangingPunct="1">
-                <a:defRPr sz="1800" kern="1200">
-                  <a:solidFill>
-                    <a:schemeClr val="tx1"/>
-                  </a:solidFill>
-                  <a:latin typeface="+mn-lt"/>
-                  <a:ea typeface="+mn-ea"/>
-                  <a:cs typeface="+mn-cs"/>
-                </a:defRPr>
-              </a:lvl9pPr>
-            </a:lstStyle>
-            <a:p>
-              <a:pPr>
-                <a:defRPr/>
-              </a:pPr>
-              <a:r>
-                <a:rPr lang="en-US" altLang="ko-KR" sz="1200" dirty="0" err="1">
-                  <a:solidFill>
-                    <a:schemeClr val="tx1">
-                      <a:lumMod val="65000"/>
-                      <a:lumOff val="35000"/>
-                    </a:schemeClr>
-                  </a:solidFill>
-                  <a:cs typeface="Arial" pitchFamily="34" charset="0"/>
-                </a:rPr>
-                <a:t>Cố</a:t>
-              </a:r>
-              <a:r>
-                <a:rPr lang="en-US" altLang="ko-KR" sz="1200" dirty="0">
-                  <a:solidFill>
-                    <a:schemeClr val="tx1">
-                      <a:lumMod val="65000"/>
-                      <a:lumOff val="35000"/>
-                    </a:schemeClr>
-                  </a:solidFill>
-                  <a:cs typeface="Arial" pitchFamily="34" charset="0"/>
-                </a:rPr>
-                <a:t> </a:t>
-              </a:r>
-              <a:r>
-                <a:rPr lang="en-US" altLang="ko-KR" sz="1200" dirty="0" err="1">
-                  <a:solidFill>
-                    <a:schemeClr val="tx1">
-                      <a:lumMod val="65000"/>
-                      <a:lumOff val="35000"/>
-                    </a:schemeClr>
-                  </a:solidFill>
-                  <a:cs typeface="Arial" pitchFamily="34" charset="0"/>
-                </a:rPr>
-                <a:t>vấn</a:t>
-              </a:r>
-              <a:r>
-                <a:rPr lang="en-US" altLang="ko-KR" sz="1200" dirty="0">
-                  <a:solidFill>
-                    <a:schemeClr val="tx1">
-                      <a:lumMod val="65000"/>
-                      <a:lumOff val="35000"/>
-                    </a:schemeClr>
-                  </a:solidFill>
-                  <a:cs typeface="Arial" pitchFamily="34" charset="0"/>
-                </a:rPr>
-                <a:t> </a:t>
-              </a:r>
-              <a:r>
-                <a:rPr lang="en-US" altLang="ko-KR" sz="1200" dirty="0" err="1">
-                  <a:solidFill>
-                    <a:schemeClr val="tx1">
-                      <a:lumMod val="65000"/>
-                      <a:lumOff val="35000"/>
-                    </a:schemeClr>
-                  </a:solidFill>
-                  <a:cs typeface="Arial" pitchFamily="34" charset="0"/>
-                </a:rPr>
-                <a:t>môn</a:t>
-              </a:r>
-              <a:r>
-                <a:rPr lang="en-US" altLang="ko-KR" sz="1200" dirty="0">
-                  <a:solidFill>
-                    <a:schemeClr val="tx1">
-                      <a:lumMod val="65000"/>
-                      <a:lumOff val="35000"/>
-                    </a:schemeClr>
-                  </a:solidFill>
-                  <a:cs typeface="Arial" pitchFamily="34" charset="0"/>
-                </a:rPr>
-                <a:t> </a:t>
-              </a:r>
-              <a:r>
-                <a:rPr lang="en-US" altLang="ko-KR" sz="1200" dirty="0" err="1">
-                  <a:solidFill>
-                    <a:schemeClr val="tx1">
-                      <a:lumMod val="65000"/>
-                      <a:lumOff val="35000"/>
-                    </a:schemeClr>
-                  </a:solidFill>
-                  <a:cs typeface="Arial" pitchFamily="34" charset="0"/>
-                </a:rPr>
-                <a:t>học</a:t>
-              </a:r>
-              <a:r>
-                <a:rPr lang="en-US" altLang="ko-KR" sz="1200" dirty="0">
-                  <a:solidFill>
-                    <a:schemeClr val="tx1">
-                      <a:lumMod val="65000"/>
-                      <a:lumOff val="35000"/>
-                    </a:schemeClr>
-                  </a:solidFill>
-                  <a:cs typeface="Arial" pitchFamily="34" charset="0"/>
-                </a:rPr>
-                <a:t> </a:t>
-              </a:r>
-              <a:endParaRPr lang="ko-KR" altLang="en-US" sz="1200" dirty="0">
-                <a:solidFill>
-                  <a:schemeClr val="tx1">
-                    <a:lumMod val="65000"/>
-                    <a:lumOff val="35000"/>
-                  </a:schemeClr>
-                </a:solidFill>
-                <a:cs typeface="Arial" pitchFamily="34" charset="0"/>
-              </a:endParaRPr>
-            </a:p>
-          </p:txBody>
-        </p:sp>
-      </p:grpSp>
-      <p:sp>
-        <p:nvSpPr>
-          <p:cNvPr id="28" name="Rectangle 27"/>
-          <p:cNvSpPr/>
-          <p:nvPr/>
-        </p:nvSpPr>
-        <p:spPr>
-          <a:xfrm>
-            <a:off x="2712635" y="2652051"/>
-            <a:ext cx="581569" cy="572669"/>
-          </a:xfrm>
-          <a:prstGeom prst="rect">
-            <a:avLst/>
-          </a:prstGeom>
-          <a:solidFill>
-            <a:schemeClr val="bg1"/>
-          </a:solidFill>
-          <a:ln>
-            <a:noFill/>
-          </a:ln>
-        </p:spPr>
-        <p:style>
-          <a:lnRef idx="2">
-            <a:schemeClr val="accent1">
-              <a:shade val="50000"/>
-            </a:schemeClr>
-          </a:lnRef>
-          <a:fillRef idx="1">
-            <a:schemeClr val="accent1"/>
-          </a:fillRef>
-          <a:effectRef idx="0">
-            <a:schemeClr val="accent1"/>
-          </a:effectRef>
-          <a:fontRef idx="minor">
-            <a:schemeClr val="lt1"/>
-          </a:fontRef>
-        </p:style>
-        <p:txBody>
-          <a:bodyPr rtlCol="0" anchor="ctr"/>
-          <a:lstStyle/>
-          <a:p>
-            <a:pPr algn="ctr"/>
-            <a:endParaRPr lang="ko-KR" altLang="en-US">
-              <a:solidFill>
-                <a:schemeClr val="tx1"/>
-              </a:solidFill>
-            </a:endParaRPr>
-          </a:p>
-        </p:txBody>
-      </p:sp>
-      <p:grpSp>
-        <p:nvGrpSpPr>
-          <p:cNvPr id="29" name="Group 28"/>
-          <p:cNvGrpSpPr/>
-          <p:nvPr/>
-        </p:nvGrpSpPr>
-        <p:grpSpPr>
-          <a:xfrm>
-            <a:off x="3490364" y="2652051"/>
-            <a:ext cx="5138704" cy="601968"/>
-            <a:chOff x="1795588" y="1688594"/>
-            <a:chExt cx="6408712" cy="707911"/>
-          </a:xfrm>
-          <a:solidFill>
-            <a:schemeClr val="bg1"/>
-          </a:solidFill>
-        </p:grpSpPr>
-        <p:sp>
-          <p:nvSpPr>
-            <p:cNvPr id="30" name="Rounded Rectangle 29"/>
-            <p:cNvSpPr/>
-            <p:nvPr/>
-          </p:nvSpPr>
-          <p:spPr>
-            <a:xfrm>
-              <a:off x="1795588" y="1688594"/>
-              <a:ext cx="6408712" cy="707911"/>
-            </a:xfrm>
-            <a:prstGeom prst="roundRect">
-              <a:avLst>
-                <a:gd name="adj" fmla="val 10715"/>
-              </a:avLst>
-            </a:prstGeom>
-            <a:solidFill>
-              <a:schemeClr val="accent4"/>
-            </a:solidFill>
-            <a:ln w="63500">
-              <a:solidFill>
-                <a:schemeClr val="bg1"/>
-              </a:solidFill>
-            </a:ln>
-          </p:spPr>
-          <p:style>
-            <a:lnRef idx="2">
-              <a:schemeClr val="accent1">
-                <a:shade val="50000"/>
-              </a:schemeClr>
-            </a:lnRef>
-            <a:fillRef idx="1">
-              <a:schemeClr val="accent1"/>
-            </a:fillRef>
-            <a:effectRef idx="0">
-              <a:schemeClr val="accent1"/>
-            </a:effectRef>
-            <a:fontRef idx="minor">
-              <a:schemeClr val="lt1"/>
-            </a:fontRef>
-          </p:style>
-          <p:txBody>
-            <a:bodyPr rtlCol="0" anchor="ctr"/>
-            <a:lstStyle/>
-            <a:p>
-              <a:pPr algn="ctr"/>
-              <a:endParaRPr lang="ko-KR" altLang="en-US" dirty="0"/>
-            </a:p>
-          </p:txBody>
-        </p:sp>
-        <p:sp>
-          <p:nvSpPr>
-            <p:cNvPr id="31" name="Rounded Rectangle 16"/>
-            <p:cNvSpPr/>
-            <p:nvPr/>
-          </p:nvSpPr>
-          <p:spPr>
-            <a:xfrm>
-              <a:off x="7719981" y="1688594"/>
-              <a:ext cx="484317" cy="600916"/>
-            </a:xfrm>
-            <a:custGeom>
-              <a:avLst/>
-              <a:gdLst/>
-              <a:ahLst/>
-              <a:cxnLst/>
-              <a:rect l="l" t="t" r="r" b="b"/>
-              <a:pathLst>
-                <a:path w="484317" h="697391">
-                  <a:moveTo>
-                    <a:pt x="0" y="0"/>
-                  </a:moveTo>
-                  <a:lnTo>
-                    <a:pt x="396286" y="0"/>
-                  </a:lnTo>
-                  <a:cubicBezTo>
-                    <a:pt x="444904" y="0"/>
-                    <a:pt x="484317" y="39413"/>
-                    <a:pt x="484317" y="88031"/>
-                  </a:cubicBezTo>
-                  <a:lnTo>
-                    <a:pt x="484317" y="697391"/>
-                  </a:lnTo>
-                  <a:close/>
-                </a:path>
-              </a:pathLst>
-            </a:custGeom>
-            <a:solidFill>
-              <a:schemeClr val="bg1"/>
-            </a:solidFill>
-            <a:ln w="63500">
-              <a:noFill/>
-            </a:ln>
-          </p:spPr>
-          <p:style>
-            <a:lnRef idx="2">
-              <a:schemeClr val="accent1">
-                <a:shade val="50000"/>
-              </a:schemeClr>
-            </a:lnRef>
-            <a:fillRef idx="1">
-              <a:schemeClr val="accent1"/>
-            </a:fillRef>
-            <a:effectRef idx="0">
-              <a:schemeClr val="accent1"/>
-            </a:effectRef>
-            <a:fontRef idx="minor">
-              <a:schemeClr val="lt1"/>
-            </a:fontRef>
-          </p:style>
-          <p:txBody>
-            <a:bodyPr rtlCol="0" anchor="ctr"/>
-            <a:lstStyle/>
-            <a:p>
-              <a:pPr algn="ctr"/>
-              <a:endParaRPr lang="ko-KR" altLang="en-US"/>
-            </a:p>
-          </p:txBody>
-        </p:sp>
-      </p:grpSp>
-      <p:sp>
-        <p:nvSpPr>
-          <p:cNvPr id="32" name="TextBox 31"/>
-          <p:cNvSpPr txBox="1"/>
-          <p:nvPr/>
-        </p:nvSpPr>
-        <p:spPr>
-          <a:xfrm>
-            <a:off x="2706362" y="2707553"/>
-            <a:ext cx="594114" cy="461665"/>
-          </a:xfrm>
-          <a:prstGeom prst="rect">
-            <a:avLst/>
-          </a:prstGeom>
-          <a:noFill/>
-        </p:spPr>
-        <p:txBody>
-          <a:bodyPr wrap="square" rtlCol="0" anchor="ctr">
-            <a:spAutoFit/>
-          </a:bodyPr>
-          <a:lstStyle/>
-          <a:p>
-            <a:pPr algn="ctr"/>
-            <a:r>
-              <a:rPr lang="en-US" altLang="ko-KR" sz="2400" b="1" dirty="0">
-                <a:solidFill>
-                  <a:schemeClr val="accent4"/>
-                </a:solidFill>
-                <a:cs typeface="Arial" pitchFamily="34" charset="0"/>
-              </a:rPr>
-              <a:t>03</a:t>
-            </a:r>
-            <a:endParaRPr lang="ko-KR" altLang="en-US" sz="2400" b="1" dirty="0">
-              <a:solidFill>
-                <a:schemeClr val="accent4"/>
-              </a:solidFill>
-              <a:cs typeface="Arial" pitchFamily="34" charset="0"/>
-            </a:endParaRPr>
-          </a:p>
-        </p:txBody>
-      </p:sp>
-      <p:grpSp>
-        <p:nvGrpSpPr>
-          <p:cNvPr id="33" name="Group 32"/>
-          <p:cNvGrpSpPr/>
-          <p:nvPr/>
-        </p:nvGrpSpPr>
-        <p:grpSpPr>
-          <a:xfrm>
-            <a:off x="3587577" y="2705216"/>
-            <a:ext cx="4752528" cy="509024"/>
-            <a:chOff x="2175371" y="1762963"/>
-            <a:chExt cx="5040560" cy="590746"/>
-          </a:xfrm>
-        </p:grpSpPr>
-        <p:sp>
-          <p:nvSpPr>
-            <p:cNvPr id="34" name="TextBox 10"/>
-            <p:cNvSpPr txBox="1"/>
-            <p:nvPr/>
-          </p:nvSpPr>
-          <p:spPr bwMode="auto">
-            <a:xfrm>
-              <a:off x="2175371" y="1762963"/>
-              <a:ext cx="5040560" cy="357189"/>
-            </a:xfrm>
-            <a:prstGeom prst="rect">
-              <a:avLst/>
-            </a:prstGeom>
-            <a:noFill/>
-            <a:effectLst/>
-          </p:spPr>
-          <p:txBody>
-            <a:bodyPr wrap="square" anchor="ctr">
-              <a:spAutoFit/>
-            </a:bodyPr>
-            <a:lstStyle>
-              <a:defPPr>
-                <a:defRPr lang="ko-KR"/>
-              </a:defPPr>
-              <a:lvl1pPr marL="0" algn="l" defTabSz="914400" rtl="0" eaLnBrk="1" latinLnBrk="1" hangingPunct="1">
-                <a:defRPr sz="1800" kern="1200">
-                  <a:solidFill>
-                    <a:schemeClr val="tx1"/>
-                  </a:solidFill>
-                  <a:latin typeface="+mn-lt"/>
-                  <a:ea typeface="+mn-ea"/>
-                  <a:cs typeface="+mn-cs"/>
-                </a:defRPr>
-              </a:lvl1pPr>
-              <a:lvl2pPr marL="457200" algn="l" defTabSz="914400" rtl="0" eaLnBrk="1" latinLnBrk="1" hangingPunct="1">
-                <a:defRPr sz="1800" kern="1200">
-                  <a:solidFill>
-                    <a:schemeClr val="tx1"/>
-                  </a:solidFill>
-                  <a:latin typeface="+mn-lt"/>
-                  <a:ea typeface="+mn-ea"/>
-                  <a:cs typeface="+mn-cs"/>
-                </a:defRPr>
-              </a:lvl2pPr>
-              <a:lvl3pPr marL="914400" algn="l" defTabSz="914400" rtl="0" eaLnBrk="1" latinLnBrk="1" hangingPunct="1">
-                <a:defRPr sz="1800" kern="1200">
-                  <a:solidFill>
-                    <a:schemeClr val="tx1"/>
-                  </a:solidFill>
-                  <a:latin typeface="+mn-lt"/>
-                  <a:ea typeface="+mn-ea"/>
-                  <a:cs typeface="+mn-cs"/>
-                </a:defRPr>
-              </a:lvl3pPr>
-              <a:lvl4pPr marL="1371600" algn="l" defTabSz="914400" rtl="0" eaLnBrk="1" latinLnBrk="1" hangingPunct="1">
-                <a:defRPr sz="1800" kern="1200">
-                  <a:solidFill>
-                    <a:schemeClr val="tx1"/>
-                  </a:solidFill>
-                  <a:latin typeface="+mn-lt"/>
-                  <a:ea typeface="+mn-ea"/>
-                  <a:cs typeface="+mn-cs"/>
-                </a:defRPr>
-              </a:lvl4pPr>
-              <a:lvl5pPr marL="1828800" algn="l" defTabSz="914400" rtl="0" eaLnBrk="1" latinLnBrk="1" hangingPunct="1">
-                <a:defRPr sz="1800" kern="1200">
-                  <a:solidFill>
-                    <a:schemeClr val="tx1"/>
-                  </a:solidFill>
-                  <a:latin typeface="+mn-lt"/>
-                  <a:ea typeface="+mn-ea"/>
-                  <a:cs typeface="+mn-cs"/>
-                </a:defRPr>
-              </a:lvl5pPr>
-              <a:lvl6pPr marL="2286000" algn="l" defTabSz="914400" rtl="0" eaLnBrk="1" latinLnBrk="1" hangingPunct="1">
-                <a:defRPr sz="1800" kern="1200">
-                  <a:solidFill>
-                    <a:schemeClr val="tx1"/>
-                  </a:solidFill>
-                  <a:latin typeface="+mn-lt"/>
-                  <a:ea typeface="+mn-ea"/>
-                  <a:cs typeface="+mn-cs"/>
-                </a:defRPr>
-              </a:lvl6pPr>
-              <a:lvl7pPr marL="2743200" algn="l" defTabSz="914400" rtl="0" eaLnBrk="1" latinLnBrk="1" hangingPunct="1">
-                <a:defRPr sz="1800" kern="1200">
-                  <a:solidFill>
-                    <a:schemeClr val="tx1"/>
-                  </a:solidFill>
-                  <a:latin typeface="+mn-lt"/>
-                  <a:ea typeface="+mn-ea"/>
-                  <a:cs typeface="+mn-cs"/>
-                </a:defRPr>
-              </a:lvl7pPr>
-              <a:lvl8pPr marL="3200400" algn="l" defTabSz="914400" rtl="0" eaLnBrk="1" latinLnBrk="1" hangingPunct="1">
-                <a:defRPr sz="1800" kern="1200">
-                  <a:solidFill>
-                    <a:schemeClr val="tx1"/>
-                  </a:solidFill>
-                  <a:latin typeface="+mn-lt"/>
-                  <a:ea typeface="+mn-ea"/>
-                  <a:cs typeface="+mn-cs"/>
-                </a:defRPr>
-              </a:lvl8pPr>
-              <a:lvl9pPr marL="3657600" algn="l" defTabSz="914400" rtl="0" eaLnBrk="1" latinLnBrk="1" hangingPunct="1">
-                <a:defRPr sz="1800" kern="1200">
-                  <a:solidFill>
-                    <a:schemeClr val="tx1"/>
-                  </a:solidFill>
-                  <a:latin typeface="+mn-lt"/>
-                  <a:ea typeface="+mn-ea"/>
-                  <a:cs typeface="+mn-cs"/>
-                </a:defRPr>
-              </a:lvl9pPr>
-            </a:lstStyle>
-            <a:p>
-              <a:pPr>
-                <a:defRPr/>
-              </a:pPr>
-              <a:r>
-                <a:rPr lang="en-US" altLang="ko-KR" sz="1400" b="1" dirty="0" err="1">
-                  <a:solidFill>
-                    <a:schemeClr val="bg1"/>
-                  </a:solidFill>
-                  <a:cs typeface="Arial" pitchFamily="34" charset="0"/>
-                </a:rPr>
-                <a:t>Nguyễn</a:t>
-              </a:r>
-              <a:r>
-                <a:rPr lang="en-US" altLang="ko-KR" sz="1400" b="1" dirty="0">
-                  <a:solidFill>
-                    <a:schemeClr val="bg1"/>
-                  </a:solidFill>
-                  <a:cs typeface="Arial" pitchFamily="34" charset="0"/>
-                </a:rPr>
-                <a:t> Anh </a:t>
-              </a:r>
-              <a:r>
-                <a:rPr lang="en-US" altLang="ko-KR" sz="1400" b="1" dirty="0" err="1">
-                  <a:solidFill>
-                    <a:schemeClr val="bg1"/>
-                  </a:solidFill>
-                  <a:cs typeface="Arial" pitchFamily="34" charset="0"/>
-                </a:rPr>
-                <a:t>Quân</a:t>
-              </a:r>
-              <a:endParaRPr lang="en-US" altLang="ko-KR" sz="1400" b="1" dirty="0">
-                <a:solidFill>
-                  <a:schemeClr val="bg1"/>
-                </a:solidFill>
-                <a:cs typeface="Arial" pitchFamily="34" charset="0"/>
-              </a:endParaRPr>
-            </a:p>
-          </p:txBody>
-        </p:sp>
-        <p:sp>
-          <p:nvSpPr>
-            <p:cNvPr id="35" name="TextBox 12"/>
-            <p:cNvSpPr txBox="1"/>
-            <p:nvPr/>
-          </p:nvSpPr>
-          <p:spPr bwMode="auto">
-            <a:xfrm>
-              <a:off x="2175371" y="2032239"/>
-              <a:ext cx="5040560" cy="321470"/>
-            </a:xfrm>
-            <a:prstGeom prst="rect">
-              <a:avLst/>
-            </a:prstGeom>
-            <a:noFill/>
-            <a:effectLst/>
-          </p:spPr>
-          <p:txBody>
-            <a:bodyPr wrap="square" anchor="ctr">
-              <a:spAutoFit/>
-            </a:bodyPr>
-            <a:lstStyle>
-              <a:defPPr>
-                <a:defRPr lang="ko-KR"/>
-              </a:defPPr>
-              <a:lvl1pPr marL="0" algn="l" defTabSz="914400" rtl="0" eaLnBrk="1" latinLnBrk="1" hangingPunct="1">
-                <a:defRPr sz="1800" kern="1200">
-                  <a:solidFill>
-                    <a:schemeClr val="tx1"/>
-                  </a:solidFill>
-                  <a:latin typeface="+mn-lt"/>
-                  <a:ea typeface="+mn-ea"/>
-                  <a:cs typeface="+mn-cs"/>
-                </a:defRPr>
-              </a:lvl1pPr>
-              <a:lvl2pPr marL="457200" algn="l" defTabSz="914400" rtl="0" eaLnBrk="1" latinLnBrk="1" hangingPunct="1">
-                <a:defRPr sz="1800" kern="1200">
-                  <a:solidFill>
-                    <a:schemeClr val="tx1"/>
-                  </a:solidFill>
-                  <a:latin typeface="+mn-lt"/>
-                  <a:ea typeface="+mn-ea"/>
-                  <a:cs typeface="+mn-cs"/>
-                </a:defRPr>
-              </a:lvl2pPr>
-              <a:lvl3pPr marL="914400" algn="l" defTabSz="914400" rtl="0" eaLnBrk="1" latinLnBrk="1" hangingPunct="1">
-                <a:defRPr sz="1800" kern="1200">
-                  <a:solidFill>
-                    <a:schemeClr val="tx1"/>
-                  </a:solidFill>
-                  <a:latin typeface="+mn-lt"/>
-                  <a:ea typeface="+mn-ea"/>
-                  <a:cs typeface="+mn-cs"/>
-                </a:defRPr>
-              </a:lvl3pPr>
-              <a:lvl4pPr marL="1371600" algn="l" defTabSz="914400" rtl="0" eaLnBrk="1" latinLnBrk="1" hangingPunct="1">
-                <a:defRPr sz="1800" kern="1200">
-                  <a:solidFill>
-                    <a:schemeClr val="tx1"/>
-                  </a:solidFill>
-                  <a:latin typeface="+mn-lt"/>
-                  <a:ea typeface="+mn-ea"/>
-                  <a:cs typeface="+mn-cs"/>
-                </a:defRPr>
-              </a:lvl4pPr>
-              <a:lvl5pPr marL="1828800" algn="l" defTabSz="914400" rtl="0" eaLnBrk="1" latinLnBrk="1" hangingPunct="1">
-                <a:defRPr sz="1800" kern="1200">
-                  <a:solidFill>
-                    <a:schemeClr val="tx1"/>
-                  </a:solidFill>
-                  <a:latin typeface="+mn-lt"/>
-                  <a:ea typeface="+mn-ea"/>
-                  <a:cs typeface="+mn-cs"/>
-                </a:defRPr>
-              </a:lvl5pPr>
-              <a:lvl6pPr marL="2286000" algn="l" defTabSz="914400" rtl="0" eaLnBrk="1" latinLnBrk="1" hangingPunct="1">
-                <a:defRPr sz="1800" kern="1200">
-                  <a:solidFill>
-                    <a:schemeClr val="tx1"/>
-                  </a:solidFill>
-                  <a:latin typeface="+mn-lt"/>
-                  <a:ea typeface="+mn-ea"/>
-                  <a:cs typeface="+mn-cs"/>
-                </a:defRPr>
-              </a:lvl6pPr>
-              <a:lvl7pPr marL="2743200" algn="l" defTabSz="914400" rtl="0" eaLnBrk="1" latinLnBrk="1" hangingPunct="1">
-                <a:defRPr sz="1800" kern="1200">
-                  <a:solidFill>
-                    <a:schemeClr val="tx1"/>
-                  </a:solidFill>
-                  <a:latin typeface="+mn-lt"/>
-                  <a:ea typeface="+mn-ea"/>
-                  <a:cs typeface="+mn-cs"/>
-                </a:defRPr>
-              </a:lvl7pPr>
-              <a:lvl8pPr marL="3200400" algn="l" defTabSz="914400" rtl="0" eaLnBrk="1" latinLnBrk="1" hangingPunct="1">
-                <a:defRPr sz="1800" kern="1200">
-                  <a:solidFill>
-                    <a:schemeClr val="tx1"/>
-                  </a:solidFill>
-                  <a:latin typeface="+mn-lt"/>
-                  <a:ea typeface="+mn-ea"/>
-                  <a:cs typeface="+mn-cs"/>
-                </a:defRPr>
-              </a:lvl8pPr>
-              <a:lvl9pPr marL="3657600" algn="l" defTabSz="914400" rtl="0" eaLnBrk="1" latinLnBrk="1" hangingPunct="1">
-                <a:defRPr sz="1800" kern="1200">
-                  <a:solidFill>
-                    <a:schemeClr val="tx1"/>
-                  </a:solidFill>
-                  <a:latin typeface="+mn-lt"/>
-                  <a:ea typeface="+mn-ea"/>
-                  <a:cs typeface="+mn-cs"/>
-                </a:defRPr>
-              </a:lvl9pPr>
-            </a:lstStyle>
-            <a:p>
-              <a:pPr>
-                <a:defRPr/>
-              </a:pPr>
-              <a:r>
-                <a:rPr lang="en-US" altLang="ko-KR" sz="1200" dirty="0">
-                  <a:solidFill>
-                    <a:schemeClr val="bg1"/>
-                  </a:solidFill>
-                  <a:cs typeface="Arial" pitchFamily="34" charset="0"/>
-                </a:rPr>
-                <a:t>3118410353 – </a:t>
-              </a:r>
-              <a:r>
-                <a:rPr lang="en-US" altLang="ko-KR" sz="1200" dirty="0" err="1">
-                  <a:solidFill>
-                    <a:schemeClr val="bg1"/>
-                  </a:solidFill>
-                  <a:cs typeface="Arial" pitchFamily="34" charset="0"/>
-                </a:rPr>
-                <a:t>nhóm</a:t>
-              </a:r>
-              <a:r>
-                <a:rPr lang="en-US" altLang="ko-KR" sz="1200" dirty="0">
-                  <a:solidFill>
-                    <a:schemeClr val="bg1"/>
-                  </a:solidFill>
-                  <a:cs typeface="Arial" pitchFamily="34" charset="0"/>
-                </a:rPr>
-                <a:t> tr</a:t>
-              </a:r>
-              <a:r>
-                <a:rPr lang="vi-VN" altLang="ko-KR" sz="1200" dirty="0" err="1">
-                  <a:solidFill>
-                    <a:schemeClr val="bg1"/>
-                  </a:solidFill>
-                  <a:cs typeface="Arial" pitchFamily="34" charset="0"/>
-                </a:rPr>
-                <a:t>ưởng</a:t>
-              </a:r>
-              <a:r>
-                <a:rPr lang="vi-VN" altLang="ko-KR" sz="1200" dirty="0">
-                  <a:solidFill>
-                    <a:schemeClr val="bg1"/>
-                  </a:solidFill>
-                  <a:cs typeface="Arial" pitchFamily="34" charset="0"/>
-                </a:rPr>
-                <a:t>, </a:t>
-              </a:r>
-              <a:r>
-                <a:rPr lang="vi-VN" altLang="ko-KR" sz="1200" dirty="0" err="1">
-                  <a:solidFill>
-                    <a:schemeClr val="bg1"/>
-                  </a:solidFill>
-                  <a:cs typeface="Arial" pitchFamily="34" charset="0"/>
-                </a:rPr>
-                <a:t>dẫn</a:t>
-              </a:r>
-              <a:r>
-                <a:rPr lang="vi-VN" altLang="ko-KR" sz="1200" dirty="0">
-                  <a:solidFill>
-                    <a:schemeClr val="bg1"/>
-                  </a:solidFill>
-                  <a:cs typeface="Arial" pitchFamily="34" charset="0"/>
-                </a:rPr>
-                <a:t> </a:t>
-              </a:r>
-              <a:r>
-                <a:rPr lang="vi-VN" altLang="ko-KR" sz="1200" dirty="0" err="1">
-                  <a:solidFill>
-                    <a:schemeClr val="bg1"/>
-                  </a:solidFill>
-                  <a:cs typeface="Arial" pitchFamily="34" charset="0"/>
-                </a:rPr>
-                <a:t>dắt</a:t>
-              </a:r>
-              <a:r>
-                <a:rPr lang="vi-VN" altLang="ko-KR" sz="1200" dirty="0">
-                  <a:solidFill>
-                    <a:schemeClr val="bg1"/>
-                  </a:solidFill>
-                  <a:cs typeface="Arial" pitchFamily="34" charset="0"/>
-                </a:rPr>
-                <a:t> </a:t>
-              </a:r>
-              <a:r>
-                <a:rPr lang="vi-VN" altLang="ko-KR" sz="1200" dirty="0" err="1">
-                  <a:solidFill>
-                    <a:schemeClr val="bg1"/>
-                  </a:solidFill>
-                  <a:cs typeface="Arial" pitchFamily="34" charset="0"/>
-                </a:rPr>
-                <a:t>nhóm</a:t>
-              </a:r>
-              <a:endParaRPr lang="ko-KR" altLang="en-US" sz="1200" dirty="0">
-                <a:solidFill>
-                  <a:schemeClr val="bg1"/>
-                </a:solidFill>
-                <a:cs typeface="Arial" pitchFamily="34" charset="0"/>
-              </a:endParaRPr>
-            </a:p>
-          </p:txBody>
-        </p:sp>
-      </p:grpSp>
-      <p:sp>
-        <p:nvSpPr>
-          <p:cNvPr id="36" name="Rectangle 35"/>
-          <p:cNvSpPr/>
-          <p:nvPr/>
-        </p:nvSpPr>
-        <p:spPr>
-          <a:xfrm>
-            <a:off x="2712635" y="3425254"/>
-            <a:ext cx="581569" cy="572669"/>
-          </a:xfrm>
-          <a:prstGeom prst="rect">
-            <a:avLst/>
-          </a:prstGeom>
-          <a:solidFill>
-            <a:schemeClr val="bg1"/>
-          </a:solidFill>
-          <a:ln>
-            <a:noFill/>
-          </a:ln>
-        </p:spPr>
-        <p:style>
-          <a:lnRef idx="2">
-            <a:schemeClr val="accent1">
-              <a:shade val="50000"/>
-            </a:schemeClr>
-          </a:lnRef>
-          <a:fillRef idx="1">
-            <a:schemeClr val="accent1"/>
-          </a:fillRef>
-          <a:effectRef idx="0">
-            <a:schemeClr val="accent1"/>
-          </a:effectRef>
-          <a:fontRef idx="minor">
-            <a:schemeClr val="lt1"/>
-          </a:fontRef>
-        </p:style>
-        <p:txBody>
-          <a:bodyPr rtlCol="0" anchor="ctr"/>
-          <a:lstStyle/>
-          <a:p>
-            <a:pPr algn="ctr"/>
-            <a:endParaRPr lang="ko-KR" altLang="en-US">
-              <a:solidFill>
-                <a:schemeClr val="tx1"/>
-              </a:solidFill>
-            </a:endParaRPr>
-          </a:p>
-        </p:txBody>
-      </p:sp>
-      <p:grpSp>
-        <p:nvGrpSpPr>
-          <p:cNvPr id="37" name="Group 36"/>
-          <p:cNvGrpSpPr/>
-          <p:nvPr/>
-        </p:nvGrpSpPr>
-        <p:grpSpPr>
-          <a:xfrm>
-            <a:off x="3490364" y="3425254"/>
-            <a:ext cx="5138704" cy="601968"/>
-            <a:chOff x="1795588" y="1688594"/>
-            <a:chExt cx="6408712" cy="707911"/>
-          </a:xfrm>
-          <a:solidFill>
-            <a:schemeClr val="bg1"/>
-          </a:solidFill>
-        </p:grpSpPr>
-        <p:sp>
-          <p:nvSpPr>
-            <p:cNvPr id="38" name="Rounded Rectangle 37"/>
-            <p:cNvSpPr/>
-            <p:nvPr/>
-          </p:nvSpPr>
-          <p:spPr>
-            <a:xfrm>
-              <a:off x="1795588" y="1688594"/>
-              <a:ext cx="6408712" cy="707911"/>
-            </a:xfrm>
-            <a:prstGeom prst="roundRect">
-              <a:avLst>
-                <a:gd name="adj" fmla="val 10715"/>
-              </a:avLst>
-            </a:prstGeom>
-            <a:solidFill>
-              <a:schemeClr val="accent5"/>
-            </a:solidFill>
-            <a:ln w="63500">
-              <a:solidFill>
-                <a:schemeClr val="bg1"/>
-              </a:solidFill>
-            </a:ln>
-          </p:spPr>
-          <p:style>
-            <a:lnRef idx="2">
-              <a:schemeClr val="accent1">
-                <a:shade val="50000"/>
-              </a:schemeClr>
-            </a:lnRef>
-            <a:fillRef idx="1">
-              <a:schemeClr val="accent1"/>
-            </a:fillRef>
-            <a:effectRef idx="0">
-              <a:schemeClr val="accent1"/>
-            </a:effectRef>
-            <a:fontRef idx="minor">
-              <a:schemeClr val="lt1"/>
-            </a:fontRef>
-          </p:style>
-          <p:txBody>
-            <a:bodyPr rtlCol="0" anchor="ctr"/>
-            <a:lstStyle/>
-            <a:p>
-              <a:pPr algn="ctr"/>
-              <a:endParaRPr lang="ko-KR" altLang="en-US" dirty="0"/>
-            </a:p>
-          </p:txBody>
-        </p:sp>
-        <p:sp>
-          <p:nvSpPr>
-            <p:cNvPr id="39" name="Rounded Rectangle 16"/>
-            <p:cNvSpPr/>
-            <p:nvPr/>
-          </p:nvSpPr>
-          <p:spPr>
-            <a:xfrm>
-              <a:off x="7719981" y="1688594"/>
-              <a:ext cx="484317" cy="600916"/>
-            </a:xfrm>
-            <a:custGeom>
-              <a:avLst/>
-              <a:gdLst/>
-              <a:ahLst/>
-              <a:cxnLst/>
-              <a:rect l="l" t="t" r="r" b="b"/>
-              <a:pathLst>
-                <a:path w="484317" h="697391">
-                  <a:moveTo>
-                    <a:pt x="0" y="0"/>
-                  </a:moveTo>
-                  <a:lnTo>
-                    <a:pt x="396286" y="0"/>
-                  </a:lnTo>
-                  <a:cubicBezTo>
-                    <a:pt x="444904" y="0"/>
-                    <a:pt x="484317" y="39413"/>
-                    <a:pt x="484317" y="88031"/>
-                  </a:cubicBezTo>
-                  <a:lnTo>
-                    <a:pt x="484317" y="697391"/>
-                  </a:lnTo>
-                  <a:close/>
-                </a:path>
-              </a:pathLst>
-            </a:custGeom>
-            <a:solidFill>
-              <a:schemeClr val="bg1"/>
-            </a:solidFill>
-            <a:ln w="63500">
-              <a:noFill/>
-            </a:ln>
-          </p:spPr>
-          <p:style>
-            <a:lnRef idx="2">
-              <a:schemeClr val="accent1">
-                <a:shade val="50000"/>
-              </a:schemeClr>
-            </a:lnRef>
-            <a:fillRef idx="1">
-              <a:schemeClr val="accent1"/>
-            </a:fillRef>
-            <a:effectRef idx="0">
-              <a:schemeClr val="accent1"/>
-            </a:effectRef>
-            <a:fontRef idx="minor">
-              <a:schemeClr val="lt1"/>
-            </a:fontRef>
-          </p:style>
-          <p:txBody>
-            <a:bodyPr rtlCol="0" anchor="ctr"/>
-            <a:lstStyle/>
-            <a:p>
-              <a:pPr algn="ctr"/>
-              <a:endParaRPr lang="ko-KR" altLang="en-US"/>
-            </a:p>
-          </p:txBody>
-        </p:sp>
-      </p:grpSp>
-      <p:sp>
-        <p:nvSpPr>
-          <p:cNvPr id="40" name="TextBox 39"/>
-          <p:cNvSpPr txBox="1"/>
-          <p:nvPr/>
-        </p:nvSpPr>
-        <p:spPr>
-          <a:xfrm>
-            <a:off x="2706362" y="3480756"/>
-            <a:ext cx="594114" cy="461665"/>
-          </a:xfrm>
-          <a:prstGeom prst="rect">
-            <a:avLst/>
-          </a:prstGeom>
-          <a:noFill/>
-        </p:spPr>
-        <p:txBody>
-          <a:bodyPr wrap="square" rtlCol="0" anchor="ctr">
-            <a:spAutoFit/>
-          </a:bodyPr>
-          <a:lstStyle/>
-          <a:p>
-            <a:pPr algn="ctr"/>
-            <a:r>
-              <a:rPr lang="en-US" altLang="ko-KR" sz="2400" b="1" dirty="0">
-                <a:solidFill>
-                  <a:schemeClr val="accent5"/>
-                </a:solidFill>
-                <a:cs typeface="Arial" pitchFamily="34" charset="0"/>
-              </a:rPr>
-              <a:t>04</a:t>
-            </a:r>
-            <a:endParaRPr lang="ko-KR" altLang="en-US" sz="2400" b="1" dirty="0">
-              <a:solidFill>
-                <a:schemeClr val="accent5"/>
-              </a:solidFill>
-              <a:cs typeface="Arial" pitchFamily="34" charset="0"/>
-            </a:endParaRPr>
-          </a:p>
-        </p:txBody>
-      </p:sp>
-      <p:grpSp>
-        <p:nvGrpSpPr>
-          <p:cNvPr id="41" name="Group 40"/>
-          <p:cNvGrpSpPr/>
-          <p:nvPr/>
-        </p:nvGrpSpPr>
-        <p:grpSpPr>
-          <a:xfrm>
-            <a:off x="3587577" y="3478419"/>
-            <a:ext cx="4752528" cy="509023"/>
-            <a:chOff x="2175371" y="1762964"/>
-            <a:chExt cx="5040560" cy="590745"/>
-          </a:xfrm>
-        </p:grpSpPr>
-        <p:sp>
-          <p:nvSpPr>
-            <p:cNvPr id="42" name="TextBox 10"/>
-            <p:cNvSpPr txBox="1"/>
-            <p:nvPr/>
-          </p:nvSpPr>
-          <p:spPr bwMode="auto">
-            <a:xfrm>
-              <a:off x="2175371" y="1762964"/>
-              <a:ext cx="5040560" cy="357190"/>
-            </a:xfrm>
-            <a:prstGeom prst="rect">
-              <a:avLst/>
-            </a:prstGeom>
-            <a:noFill/>
-            <a:effectLst/>
-          </p:spPr>
-          <p:txBody>
-            <a:bodyPr wrap="square" anchor="ctr">
-              <a:spAutoFit/>
-            </a:bodyPr>
-            <a:lstStyle>
-              <a:defPPr>
-                <a:defRPr lang="ko-KR"/>
-              </a:defPPr>
-              <a:lvl1pPr marL="0" algn="l" defTabSz="914400" rtl="0" eaLnBrk="1" latinLnBrk="1" hangingPunct="1">
-                <a:defRPr sz="1800" kern="1200">
-                  <a:solidFill>
-                    <a:schemeClr val="tx1"/>
-                  </a:solidFill>
-                  <a:latin typeface="+mn-lt"/>
-                  <a:ea typeface="+mn-ea"/>
-                  <a:cs typeface="+mn-cs"/>
-                </a:defRPr>
-              </a:lvl1pPr>
-              <a:lvl2pPr marL="457200" algn="l" defTabSz="914400" rtl="0" eaLnBrk="1" latinLnBrk="1" hangingPunct="1">
-                <a:defRPr sz="1800" kern="1200">
-                  <a:solidFill>
-                    <a:schemeClr val="tx1"/>
-                  </a:solidFill>
-                  <a:latin typeface="+mn-lt"/>
-                  <a:ea typeface="+mn-ea"/>
-                  <a:cs typeface="+mn-cs"/>
-                </a:defRPr>
-              </a:lvl2pPr>
-              <a:lvl3pPr marL="914400" algn="l" defTabSz="914400" rtl="0" eaLnBrk="1" latinLnBrk="1" hangingPunct="1">
-                <a:defRPr sz="1800" kern="1200">
-                  <a:solidFill>
-                    <a:schemeClr val="tx1"/>
-                  </a:solidFill>
-                  <a:latin typeface="+mn-lt"/>
-                  <a:ea typeface="+mn-ea"/>
-                  <a:cs typeface="+mn-cs"/>
-                </a:defRPr>
-              </a:lvl3pPr>
-              <a:lvl4pPr marL="1371600" algn="l" defTabSz="914400" rtl="0" eaLnBrk="1" latinLnBrk="1" hangingPunct="1">
-                <a:defRPr sz="1800" kern="1200">
-                  <a:solidFill>
-                    <a:schemeClr val="tx1"/>
-                  </a:solidFill>
-                  <a:latin typeface="+mn-lt"/>
-                  <a:ea typeface="+mn-ea"/>
-                  <a:cs typeface="+mn-cs"/>
-                </a:defRPr>
-              </a:lvl4pPr>
-              <a:lvl5pPr marL="1828800" algn="l" defTabSz="914400" rtl="0" eaLnBrk="1" latinLnBrk="1" hangingPunct="1">
-                <a:defRPr sz="1800" kern="1200">
-                  <a:solidFill>
-                    <a:schemeClr val="tx1"/>
-                  </a:solidFill>
-                  <a:latin typeface="+mn-lt"/>
-                  <a:ea typeface="+mn-ea"/>
-                  <a:cs typeface="+mn-cs"/>
-                </a:defRPr>
-              </a:lvl5pPr>
-              <a:lvl6pPr marL="2286000" algn="l" defTabSz="914400" rtl="0" eaLnBrk="1" latinLnBrk="1" hangingPunct="1">
-                <a:defRPr sz="1800" kern="1200">
-                  <a:solidFill>
-                    <a:schemeClr val="tx1"/>
-                  </a:solidFill>
-                  <a:latin typeface="+mn-lt"/>
-                  <a:ea typeface="+mn-ea"/>
-                  <a:cs typeface="+mn-cs"/>
-                </a:defRPr>
-              </a:lvl6pPr>
-              <a:lvl7pPr marL="2743200" algn="l" defTabSz="914400" rtl="0" eaLnBrk="1" latinLnBrk="1" hangingPunct="1">
-                <a:defRPr sz="1800" kern="1200">
-                  <a:solidFill>
-                    <a:schemeClr val="tx1"/>
-                  </a:solidFill>
-                  <a:latin typeface="+mn-lt"/>
-                  <a:ea typeface="+mn-ea"/>
-                  <a:cs typeface="+mn-cs"/>
-                </a:defRPr>
-              </a:lvl7pPr>
-              <a:lvl8pPr marL="3200400" algn="l" defTabSz="914400" rtl="0" eaLnBrk="1" latinLnBrk="1" hangingPunct="1">
-                <a:defRPr sz="1800" kern="1200">
-                  <a:solidFill>
-                    <a:schemeClr val="tx1"/>
-                  </a:solidFill>
-                  <a:latin typeface="+mn-lt"/>
-                  <a:ea typeface="+mn-ea"/>
-                  <a:cs typeface="+mn-cs"/>
-                </a:defRPr>
-              </a:lvl8pPr>
-              <a:lvl9pPr marL="3657600" algn="l" defTabSz="914400" rtl="0" eaLnBrk="1" latinLnBrk="1" hangingPunct="1">
-                <a:defRPr sz="1800" kern="1200">
-                  <a:solidFill>
-                    <a:schemeClr val="tx1"/>
-                  </a:solidFill>
-                  <a:latin typeface="+mn-lt"/>
-                  <a:ea typeface="+mn-ea"/>
-                  <a:cs typeface="+mn-cs"/>
-                </a:defRPr>
-              </a:lvl9pPr>
-            </a:lstStyle>
-            <a:p>
-              <a:pPr>
-                <a:defRPr/>
-              </a:pPr>
-              <a:r>
-                <a:rPr lang="en-US" altLang="ko-KR" sz="1400" b="1" dirty="0">
-                  <a:solidFill>
-                    <a:schemeClr val="bg1"/>
-                  </a:solidFill>
-                  <a:cs typeface="Arial" pitchFamily="34" charset="0"/>
-                </a:rPr>
-                <a:t>Phạm </a:t>
-              </a:r>
-              <a:r>
-                <a:rPr lang="en-US" altLang="ko-KR" sz="1400" b="1" dirty="0" err="1">
-                  <a:solidFill>
-                    <a:schemeClr val="bg1"/>
-                  </a:solidFill>
-                  <a:cs typeface="Arial" pitchFamily="34" charset="0"/>
-                </a:rPr>
-                <a:t>Văn</a:t>
-              </a:r>
-              <a:r>
-                <a:rPr lang="en-US" altLang="ko-KR" sz="1400" b="1" dirty="0">
-                  <a:solidFill>
-                    <a:schemeClr val="bg1"/>
-                  </a:solidFill>
-                  <a:cs typeface="Arial" pitchFamily="34" charset="0"/>
-                </a:rPr>
-                <a:t> </a:t>
-              </a:r>
-              <a:r>
-                <a:rPr lang="en-US" altLang="ko-KR" sz="1400" b="1" dirty="0" err="1">
-                  <a:solidFill>
-                    <a:schemeClr val="bg1"/>
-                  </a:solidFill>
-                  <a:cs typeface="Arial" pitchFamily="34" charset="0"/>
-                </a:rPr>
-                <a:t>Lợi</a:t>
-              </a:r>
-              <a:endParaRPr lang="en-US" altLang="ko-KR" sz="1400" b="1" dirty="0">
-                <a:solidFill>
-                  <a:schemeClr val="bg1"/>
-                </a:solidFill>
-                <a:cs typeface="Arial" pitchFamily="34" charset="0"/>
-              </a:endParaRPr>
-            </a:p>
-          </p:txBody>
-        </p:sp>
-        <p:sp>
-          <p:nvSpPr>
-            <p:cNvPr id="43" name="TextBox 12"/>
-            <p:cNvSpPr txBox="1"/>
-            <p:nvPr/>
-          </p:nvSpPr>
-          <p:spPr bwMode="auto">
-            <a:xfrm>
-              <a:off x="2175371" y="2032239"/>
-              <a:ext cx="5040560" cy="321470"/>
-            </a:xfrm>
-            <a:prstGeom prst="rect">
-              <a:avLst/>
-            </a:prstGeom>
-            <a:noFill/>
-            <a:effectLst/>
-          </p:spPr>
-          <p:txBody>
-            <a:bodyPr wrap="square" anchor="ctr">
-              <a:spAutoFit/>
-            </a:bodyPr>
-            <a:lstStyle>
-              <a:defPPr>
-                <a:defRPr lang="ko-KR"/>
-              </a:defPPr>
-              <a:lvl1pPr marL="0" algn="l" defTabSz="914400" rtl="0" eaLnBrk="1" latinLnBrk="1" hangingPunct="1">
-                <a:defRPr sz="1800" kern="1200">
-                  <a:solidFill>
-                    <a:schemeClr val="tx1"/>
-                  </a:solidFill>
-                  <a:latin typeface="+mn-lt"/>
-                  <a:ea typeface="+mn-ea"/>
-                  <a:cs typeface="+mn-cs"/>
-                </a:defRPr>
-              </a:lvl1pPr>
-              <a:lvl2pPr marL="457200" algn="l" defTabSz="914400" rtl="0" eaLnBrk="1" latinLnBrk="1" hangingPunct="1">
-                <a:defRPr sz="1800" kern="1200">
-                  <a:solidFill>
-                    <a:schemeClr val="tx1"/>
-                  </a:solidFill>
-                  <a:latin typeface="+mn-lt"/>
-                  <a:ea typeface="+mn-ea"/>
-                  <a:cs typeface="+mn-cs"/>
-                </a:defRPr>
-              </a:lvl2pPr>
-              <a:lvl3pPr marL="914400" algn="l" defTabSz="914400" rtl="0" eaLnBrk="1" latinLnBrk="1" hangingPunct="1">
-                <a:defRPr sz="1800" kern="1200">
-                  <a:solidFill>
-                    <a:schemeClr val="tx1"/>
-                  </a:solidFill>
-                  <a:latin typeface="+mn-lt"/>
-                  <a:ea typeface="+mn-ea"/>
-                  <a:cs typeface="+mn-cs"/>
-                </a:defRPr>
-              </a:lvl3pPr>
-              <a:lvl4pPr marL="1371600" algn="l" defTabSz="914400" rtl="0" eaLnBrk="1" latinLnBrk="1" hangingPunct="1">
-                <a:defRPr sz="1800" kern="1200">
-                  <a:solidFill>
-                    <a:schemeClr val="tx1"/>
-                  </a:solidFill>
-                  <a:latin typeface="+mn-lt"/>
-                  <a:ea typeface="+mn-ea"/>
-                  <a:cs typeface="+mn-cs"/>
-                </a:defRPr>
-              </a:lvl4pPr>
-              <a:lvl5pPr marL="1828800" algn="l" defTabSz="914400" rtl="0" eaLnBrk="1" latinLnBrk="1" hangingPunct="1">
-                <a:defRPr sz="1800" kern="1200">
-                  <a:solidFill>
-                    <a:schemeClr val="tx1"/>
-                  </a:solidFill>
-                  <a:latin typeface="+mn-lt"/>
-                  <a:ea typeface="+mn-ea"/>
-                  <a:cs typeface="+mn-cs"/>
-                </a:defRPr>
-              </a:lvl5pPr>
-              <a:lvl6pPr marL="2286000" algn="l" defTabSz="914400" rtl="0" eaLnBrk="1" latinLnBrk="1" hangingPunct="1">
-                <a:defRPr sz="1800" kern="1200">
-                  <a:solidFill>
-                    <a:schemeClr val="tx1"/>
-                  </a:solidFill>
-                  <a:latin typeface="+mn-lt"/>
-                  <a:ea typeface="+mn-ea"/>
-                  <a:cs typeface="+mn-cs"/>
-                </a:defRPr>
-              </a:lvl6pPr>
-              <a:lvl7pPr marL="2743200" algn="l" defTabSz="914400" rtl="0" eaLnBrk="1" latinLnBrk="1" hangingPunct="1">
-                <a:defRPr sz="1800" kern="1200">
-                  <a:solidFill>
-                    <a:schemeClr val="tx1"/>
-                  </a:solidFill>
-                  <a:latin typeface="+mn-lt"/>
-                  <a:ea typeface="+mn-ea"/>
-                  <a:cs typeface="+mn-cs"/>
-                </a:defRPr>
-              </a:lvl7pPr>
-              <a:lvl8pPr marL="3200400" algn="l" defTabSz="914400" rtl="0" eaLnBrk="1" latinLnBrk="1" hangingPunct="1">
-                <a:defRPr sz="1800" kern="1200">
-                  <a:solidFill>
-                    <a:schemeClr val="tx1"/>
-                  </a:solidFill>
-                  <a:latin typeface="+mn-lt"/>
-                  <a:ea typeface="+mn-ea"/>
-                  <a:cs typeface="+mn-cs"/>
-                </a:defRPr>
-              </a:lvl8pPr>
-              <a:lvl9pPr marL="3657600" algn="l" defTabSz="914400" rtl="0" eaLnBrk="1" latinLnBrk="1" hangingPunct="1">
-                <a:defRPr sz="1800" kern="1200">
-                  <a:solidFill>
-                    <a:schemeClr val="tx1"/>
-                  </a:solidFill>
-                  <a:latin typeface="+mn-lt"/>
-                  <a:ea typeface="+mn-ea"/>
-                  <a:cs typeface="+mn-cs"/>
-                </a:defRPr>
-              </a:lvl9pPr>
-            </a:lstStyle>
-            <a:p>
-              <a:pPr>
-                <a:defRPr/>
-              </a:pPr>
-              <a:r>
-                <a:rPr lang="en-US" altLang="ko-KR" sz="1200" dirty="0">
-                  <a:solidFill>
-                    <a:schemeClr val="bg1"/>
-                  </a:solidFill>
-                  <a:cs typeface="Arial" pitchFamily="34" charset="0"/>
-                </a:rPr>
-                <a:t>3118410256 – ng</a:t>
-              </a:r>
-              <a:r>
-                <a:rPr lang="vi-VN" altLang="ko-KR" sz="1200" dirty="0">
-                  <a:solidFill>
-                    <a:schemeClr val="bg1"/>
-                  </a:solidFill>
-                  <a:cs typeface="Arial" pitchFamily="34" charset="0"/>
-                </a:rPr>
-                <a:t>ư</a:t>
-              </a:r>
-              <a:r>
-                <a:rPr lang="en-US" altLang="ko-KR" sz="1200" dirty="0" err="1">
-                  <a:solidFill>
-                    <a:schemeClr val="bg1"/>
-                  </a:solidFill>
-                  <a:cs typeface="Arial" pitchFamily="34" charset="0"/>
-                </a:rPr>
-                <a:t>ời</a:t>
-              </a:r>
-              <a:r>
-                <a:rPr lang="en-US" altLang="ko-KR" sz="1200" dirty="0">
-                  <a:solidFill>
-                    <a:schemeClr val="bg1"/>
-                  </a:solidFill>
-                  <a:cs typeface="Arial" pitchFamily="34" charset="0"/>
-                </a:rPr>
-                <a:t> </a:t>
-              </a:r>
-              <a:r>
-                <a:rPr lang="en-US" altLang="ko-KR" sz="1200" dirty="0" err="1">
-                  <a:solidFill>
-                    <a:schemeClr val="bg1"/>
-                  </a:solidFill>
-                  <a:cs typeface="Arial" pitchFamily="34" charset="0"/>
-                </a:rPr>
-                <a:t>kiêm</a:t>
-              </a:r>
-              <a:r>
-                <a:rPr lang="en-US" altLang="ko-KR" sz="1200" dirty="0">
-                  <a:solidFill>
-                    <a:schemeClr val="bg1"/>
-                  </a:solidFill>
-                  <a:cs typeface="Arial" pitchFamily="34" charset="0"/>
-                </a:rPr>
-                <a:t> </a:t>
-              </a:r>
-              <a:r>
-                <a:rPr lang="en-US" altLang="ko-KR" sz="1200" dirty="0" err="1">
-                  <a:solidFill>
-                    <a:schemeClr val="bg1"/>
-                  </a:solidFill>
-                  <a:cs typeface="Arial" pitchFamily="34" charset="0"/>
-                </a:rPr>
-                <a:t>phát</a:t>
-              </a:r>
-              <a:r>
-                <a:rPr lang="en-US" altLang="ko-KR" sz="1200" dirty="0">
-                  <a:solidFill>
-                    <a:schemeClr val="bg1"/>
-                  </a:solidFill>
-                  <a:cs typeface="Arial" pitchFamily="34" charset="0"/>
-                </a:rPr>
-                <a:t> </a:t>
-              </a:r>
-              <a:r>
-                <a:rPr lang="en-US" altLang="ko-KR" sz="1200" dirty="0" err="1">
-                  <a:solidFill>
-                    <a:schemeClr val="bg1"/>
-                  </a:solidFill>
-                  <a:cs typeface="Arial" pitchFamily="34" charset="0"/>
-                </a:rPr>
-                <a:t>triển</a:t>
-              </a:r>
-              <a:r>
-                <a:rPr lang="en-US" altLang="ko-KR" sz="1200" dirty="0">
-                  <a:solidFill>
-                    <a:schemeClr val="bg1"/>
-                  </a:solidFill>
-                  <a:cs typeface="Arial" pitchFamily="34" charset="0"/>
-                </a:rPr>
-                <a:t> </a:t>
-              </a:r>
-              <a:r>
-                <a:rPr lang="en-US" altLang="ko-KR" sz="1200" dirty="0" err="1">
-                  <a:solidFill>
-                    <a:schemeClr val="bg1"/>
-                  </a:solidFill>
-                  <a:cs typeface="Arial" pitchFamily="34" charset="0"/>
-                </a:rPr>
-                <a:t>phần</a:t>
-              </a:r>
-              <a:r>
-                <a:rPr lang="en-US" altLang="ko-KR" sz="1200" dirty="0">
-                  <a:solidFill>
-                    <a:schemeClr val="bg1"/>
-                  </a:solidFill>
-                  <a:cs typeface="Arial" pitchFamily="34" charset="0"/>
-                </a:rPr>
-                <a:t> </a:t>
-              </a:r>
-              <a:r>
-                <a:rPr lang="en-US" altLang="ko-KR" sz="1200" dirty="0" err="1">
-                  <a:solidFill>
-                    <a:schemeClr val="bg1"/>
-                  </a:solidFill>
-                  <a:cs typeface="Arial" pitchFamily="34" charset="0"/>
-                </a:rPr>
-                <a:t>mềm</a:t>
-              </a:r>
-              <a:endParaRPr lang="ko-KR" altLang="en-US" sz="1200" dirty="0">
-                <a:solidFill>
-                  <a:schemeClr val="bg1"/>
-                </a:solidFill>
-                <a:cs typeface="Arial" pitchFamily="34" charset="0"/>
-              </a:endParaRPr>
-            </a:p>
-          </p:txBody>
-        </p:sp>
-      </p:grpSp>
-      <p:sp>
-        <p:nvSpPr>
-          <p:cNvPr id="44" name="Rectangle 43"/>
-          <p:cNvSpPr/>
-          <p:nvPr/>
-        </p:nvSpPr>
-        <p:spPr>
-          <a:xfrm>
-            <a:off x="2712635" y="4198458"/>
-            <a:ext cx="581569" cy="572669"/>
-          </a:xfrm>
-          <a:prstGeom prst="rect">
-            <a:avLst/>
-          </a:prstGeom>
-          <a:solidFill>
-            <a:schemeClr val="bg1"/>
-          </a:solidFill>
-          <a:ln>
-            <a:noFill/>
-          </a:ln>
-        </p:spPr>
-        <p:style>
-          <a:lnRef idx="2">
-            <a:schemeClr val="accent1">
-              <a:shade val="50000"/>
-            </a:schemeClr>
-          </a:lnRef>
-          <a:fillRef idx="1">
-            <a:schemeClr val="accent1"/>
-          </a:fillRef>
-          <a:effectRef idx="0">
-            <a:schemeClr val="accent1"/>
-          </a:effectRef>
-          <a:fontRef idx="minor">
-            <a:schemeClr val="lt1"/>
-          </a:fontRef>
-        </p:style>
-        <p:txBody>
-          <a:bodyPr rtlCol="0" anchor="ctr"/>
-          <a:lstStyle/>
-          <a:p>
-            <a:pPr algn="ctr"/>
-            <a:endParaRPr lang="ko-KR" altLang="en-US">
-              <a:solidFill>
-                <a:schemeClr val="tx1"/>
-              </a:solidFill>
-            </a:endParaRPr>
-          </a:p>
-        </p:txBody>
-      </p:sp>
-      <p:grpSp>
-        <p:nvGrpSpPr>
-          <p:cNvPr id="45" name="Group 44"/>
-          <p:cNvGrpSpPr/>
-          <p:nvPr/>
-        </p:nvGrpSpPr>
-        <p:grpSpPr>
-          <a:xfrm>
-            <a:off x="3490364" y="4198458"/>
-            <a:ext cx="5138704" cy="601968"/>
-            <a:chOff x="1795588" y="1688594"/>
-            <a:chExt cx="6408712" cy="707911"/>
-          </a:xfrm>
-          <a:solidFill>
-            <a:schemeClr val="bg1"/>
-          </a:solidFill>
-        </p:grpSpPr>
-        <p:sp>
-          <p:nvSpPr>
-            <p:cNvPr id="46" name="Rounded Rectangle 45"/>
-            <p:cNvSpPr/>
-            <p:nvPr/>
-          </p:nvSpPr>
-          <p:spPr>
-            <a:xfrm>
-              <a:off x="1795588" y="1688594"/>
-              <a:ext cx="6408712" cy="707911"/>
-            </a:xfrm>
-            <a:prstGeom prst="roundRect">
-              <a:avLst>
-                <a:gd name="adj" fmla="val 10715"/>
-              </a:avLst>
-            </a:prstGeom>
-            <a:solidFill>
-              <a:schemeClr val="accent6"/>
-            </a:solidFill>
-            <a:ln w="63500">
-              <a:solidFill>
-                <a:schemeClr val="bg1"/>
-              </a:solidFill>
-            </a:ln>
-          </p:spPr>
-          <p:style>
-            <a:lnRef idx="2">
-              <a:schemeClr val="accent1">
-                <a:shade val="50000"/>
-              </a:schemeClr>
-            </a:lnRef>
-            <a:fillRef idx="1">
-              <a:schemeClr val="accent1"/>
-            </a:fillRef>
-            <a:effectRef idx="0">
-              <a:schemeClr val="accent1"/>
-            </a:effectRef>
-            <a:fontRef idx="minor">
-              <a:schemeClr val="lt1"/>
-            </a:fontRef>
-          </p:style>
-          <p:txBody>
-            <a:bodyPr rtlCol="0" anchor="ctr"/>
-            <a:lstStyle/>
-            <a:p>
-              <a:pPr algn="ctr"/>
-              <a:endParaRPr lang="ko-KR" altLang="en-US"/>
-            </a:p>
-          </p:txBody>
-        </p:sp>
-        <p:sp>
-          <p:nvSpPr>
-            <p:cNvPr id="47" name="Rounded Rectangle 16"/>
-            <p:cNvSpPr/>
-            <p:nvPr/>
-          </p:nvSpPr>
-          <p:spPr>
-            <a:xfrm>
-              <a:off x="7719981" y="1688594"/>
-              <a:ext cx="484317" cy="600916"/>
-            </a:xfrm>
-            <a:custGeom>
-              <a:avLst/>
-              <a:gdLst/>
-              <a:ahLst/>
-              <a:cxnLst/>
-              <a:rect l="l" t="t" r="r" b="b"/>
-              <a:pathLst>
-                <a:path w="484317" h="697391">
-                  <a:moveTo>
-                    <a:pt x="0" y="0"/>
-                  </a:moveTo>
-                  <a:lnTo>
-                    <a:pt x="396286" y="0"/>
-                  </a:lnTo>
-                  <a:cubicBezTo>
-                    <a:pt x="444904" y="0"/>
-                    <a:pt x="484317" y="39413"/>
-                    <a:pt x="484317" y="88031"/>
-                  </a:cubicBezTo>
-                  <a:lnTo>
-                    <a:pt x="484317" y="697391"/>
-                  </a:lnTo>
-                  <a:close/>
-                </a:path>
-              </a:pathLst>
-            </a:custGeom>
-            <a:solidFill>
-              <a:schemeClr val="bg1"/>
-            </a:solidFill>
-            <a:ln w="63500">
-              <a:noFill/>
-            </a:ln>
-          </p:spPr>
-          <p:style>
-            <a:lnRef idx="2">
-              <a:schemeClr val="accent1">
-                <a:shade val="50000"/>
-              </a:schemeClr>
-            </a:lnRef>
-            <a:fillRef idx="1">
-              <a:schemeClr val="accent1"/>
-            </a:fillRef>
-            <a:effectRef idx="0">
-              <a:schemeClr val="accent1"/>
-            </a:effectRef>
-            <a:fontRef idx="minor">
-              <a:schemeClr val="lt1"/>
-            </a:fontRef>
-          </p:style>
-          <p:txBody>
-            <a:bodyPr rtlCol="0" anchor="ctr"/>
-            <a:lstStyle/>
-            <a:p>
-              <a:pPr algn="ctr"/>
-              <a:endParaRPr lang="ko-KR" altLang="en-US"/>
-            </a:p>
-          </p:txBody>
-        </p:sp>
-      </p:grpSp>
-      <p:sp>
-        <p:nvSpPr>
-          <p:cNvPr id="48" name="TextBox 47"/>
-          <p:cNvSpPr txBox="1"/>
-          <p:nvPr/>
-        </p:nvSpPr>
-        <p:spPr>
-          <a:xfrm>
-            <a:off x="2706362" y="4253960"/>
-            <a:ext cx="594114" cy="461665"/>
-          </a:xfrm>
-          <a:prstGeom prst="rect">
-            <a:avLst/>
-          </a:prstGeom>
-          <a:noFill/>
-        </p:spPr>
-        <p:txBody>
-          <a:bodyPr wrap="square" rtlCol="0" anchor="ctr">
-            <a:spAutoFit/>
-          </a:bodyPr>
-          <a:lstStyle/>
-          <a:p>
-            <a:pPr algn="ctr"/>
-            <a:r>
-              <a:rPr lang="en-US" altLang="ko-KR" sz="2400" b="1" dirty="0">
-                <a:solidFill>
-                  <a:schemeClr val="accent6"/>
-                </a:solidFill>
-                <a:cs typeface="Arial" pitchFamily="34" charset="0"/>
-              </a:rPr>
-              <a:t>05</a:t>
-            </a:r>
-            <a:endParaRPr lang="ko-KR" altLang="en-US" sz="2400" b="1" dirty="0">
-              <a:solidFill>
-                <a:schemeClr val="accent6"/>
-              </a:solidFill>
-              <a:cs typeface="Arial" pitchFamily="34" charset="0"/>
-            </a:endParaRPr>
-          </a:p>
-        </p:txBody>
-      </p:sp>
-      <p:grpSp>
-        <p:nvGrpSpPr>
-          <p:cNvPr id="49" name="Group 48"/>
-          <p:cNvGrpSpPr/>
-          <p:nvPr/>
-        </p:nvGrpSpPr>
-        <p:grpSpPr>
-          <a:xfrm>
-            <a:off x="3587577" y="4251623"/>
-            <a:ext cx="4752528" cy="509023"/>
-            <a:chOff x="2175371" y="1762964"/>
-            <a:chExt cx="5040560" cy="590745"/>
-          </a:xfrm>
-        </p:grpSpPr>
-        <p:sp>
-          <p:nvSpPr>
-            <p:cNvPr id="50" name="TextBox 10"/>
-            <p:cNvSpPr txBox="1"/>
-            <p:nvPr/>
-          </p:nvSpPr>
-          <p:spPr bwMode="auto">
-            <a:xfrm>
-              <a:off x="2175371" y="1762964"/>
-              <a:ext cx="5040560" cy="357190"/>
-            </a:xfrm>
-            <a:prstGeom prst="rect">
-              <a:avLst/>
-            </a:prstGeom>
-            <a:noFill/>
-            <a:effectLst/>
-          </p:spPr>
-          <p:txBody>
-            <a:bodyPr wrap="square" anchor="ctr">
-              <a:spAutoFit/>
-            </a:bodyPr>
-            <a:lstStyle>
-              <a:defPPr>
-                <a:defRPr lang="ko-KR"/>
-              </a:defPPr>
-              <a:lvl1pPr marL="0" algn="l" defTabSz="914400" rtl="0" eaLnBrk="1" latinLnBrk="1" hangingPunct="1">
-                <a:defRPr sz="1800" kern="1200">
-                  <a:solidFill>
-                    <a:schemeClr val="tx1"/>
-                  </a:solidFill>
-                  <a:latin typeface="+mn-lt"/>
-                  <a:ea typeface="+mn-ea"/>
-                  <a:cs typeface="+mn-cs"/>
-                </a:defRPr>
-              </a:lvl1pPr>
-              <a:lvl2pPr marL="457200" algn="l" defTabSz="914400" rtl="0" eaLnBrk="1" latinLnBrk="1" hangingPunct="1">
-                <a:defRPr sz="1800" kern="1200">
-                  <a:solidFill>
-                    <a:schemeClr val="tx1"/>
-                  </a:solidFill>
-                  <a:latin typeface="+mn-lt"/>
-                  <a:ea typeface="+mn-ea"/>
-                  <a:cs typeface="+mn-cs"/>
-                </a:defRPr>
-              </a:lvl2pPr>
-              <a:lvl3pPr marL="914400" algn="l" defTabSz="914400" rtl="0" eaLnBrk="1" latinLnBrk="1" hangingPunct="1">
-                <a:defRPr sz="1800" kern="1200">
-                  <a:solidFill>
-                    <a:schemeClr val="tx1"/>
-                  </a:solidFill>
-                  <a:latin typeface="+mn-lt"/>
-                  <a:ea typeface="+mn-ea"/>
-                  <a:cs typeface="+mn-cs"/>
-                </a:defRPr>
-              </a:lvl3pPr>
-              <a:lvl4pPr marL="1371600" algn="l" defTabSz="914400" rtl="0" eaLnBrk="1" latinLnBrk="1" hangingPunct="1">
-                <a:defRPr sz="1800" kern="1200">
-                  <a:solidFill>
-                    <a:schemeClr val="tx1"/>
-                  </a:solidFill>
-                  <a:latin typeface="+mn-lt"/>
-                  <a:ea typeface="+mn-ea"/>
-                  <a:cs typeface="+mn-cs"/>
-                </a:defRPr>
-              </a:lvl4pPr>
-              <a:lvl5pPr marL="1828800" algn="l" defTabSz="914400" rtl="0" eaLnBrk="1" latinLnBrk="1" hangingPunct="1">
-                <a:defRPr sz="1800" kern="1200">
-                  <a:solidFill>
-                    <a:schemeClr val="tx1"/>
-                  </a:solidFill>
-                  <a:latin typeface="+mn-lt"/>
-                  <a:ea typeface="+mn-ea"/>
-                  <a:cs typeface="+mn-cs"/>
-                </a:defRPr>
-              </a:lvl5pPr>
-              <a:lvl6pPr marL="2286000" algn="l" defTabSz="914400" rtl="0" eaLnBrk="1" latinLnBrk="1" hangingPunct="1">
-                <a:defRPr sz="1800" kern="1200">
-                  <a:solidFill>
-                    <a:schemeClr val="tx1"/>
-                  </a:solidFill>
-                  <a:latin typeface="+mn-lt"/>
-                  <a:ea typeface="+mn-ea"/>
-                  <a:cs typeface="+mn-cs"/>
-                </a:defRPr>
-              </a:lvl6pPr>
-              <a:lvl7pPr marL="2743200" algn="l" defTabSz="914400" rtl="0" eaLnBrk="1" latinLnBrk="1" hangingPunct="1">
-                <a:defRPr sz="1800" kern="1200">
-                  <a:solidFill>
-                    <a:schemeClr val="tx1"/>
-                  </a:solidFill>
-                  <a:latin typeface="+mn-lt"/>
-                  <a:ea typeface="+mn-ea"/>
-                  <a:cs typeface="+mn-cs"/>
-                </a:defRPr>
-              </a:lvl7pPr>
-              <a:lvl8pPr marL="3200400" algn="l" defTabSz="914400" rtl="0" eaLnBrk="1" latinLnBrk="1" hangingPunct="1">
-                <a:defRPr sz="1800" kern="1200">
-                  <a:solidFill>
-                    <a:schemeClr val="tx1"/>
-                  </a:solidFill>
-                  <a:latin typeface="+mn-lt"/>
-                  <a:ea typeface="+mn-ea"/>
-                  <a:cs typeface="+mn-cs"/>
-                </a:defRPr>
-              </a:lvl8pPr>
-              <a:lvl9pPr marL="3657600" algn="l" defTabSz="914400" rtl="0" eaLnBrk="1" latinLnBrk="1" hangingPunct="1">
-                <a:defRPr sz="1800" kern="1200">
-                  <a:solidFill>
-                    <a:schemeClr val="tx1"/>
-                  </a:solidFill>
-                  <a:latin typeface="+mn-lt"/>
-                  <a:ea typeface="+mn-ea"/>
-                  <a:cs typeface="+mn-cs"/>
-                </a:defRPr>
-              </a:lvl9pPr>
-            </a:lstStyle>
-            <a:p>
-              <a:pPr>
-                <a:defRPr/>
-              </a:pPr>
-              <a:r>
-                <a:rPr lang="en-US" altLang="ko-KR" sz="1400" b="1" dirty="0">
-                  <a:solidFill>
-                    <a:schemeClr val="bg1"/>
-                  </a:solidFill>
-                  <a:cs typeface="Arial" pitchFamily="34" charset="0"/>
-                </a:rPr>
-                <a:t>Phạm </a:t>
-              </a:r>
-              <a:r>
-                <a:rPr lang="en-US" altLang="ko-KR" sz="1400" b="1" dirty="0" err="1">
-                  <a:solidFill>
-                    <a:schemeClr val="bg1"/>
-                  </a:solidFill>
-                  <a:cs typeface="Arial" pitchFamily="34" charset="0"/>
-                </a:rPr>
-                <a:t>Công</a:t>
-              </a:r>
-              <a:r>
-                <a:rPr lang="en-US" altLang="ko-KR" sz="1400" b="1" dirty="0">
-                  <a:solidFill>
-                    <a:schemeClr val="bg1"/>
-                  </a:solidFill>
-                  <a:cs typeface="Arial" pitchFamily="34" charset="0"/>
-                </a:rPr>
-                <a:t> </a:t>
-              </a:r>
-              <a:r>
-                <a:rPr lang="en-US" altLang="ko-KR" sz="1400" b="1" dirty="0" err="1">
-                  <a:solidFill>
-                    <a:schemeClr val="bg1"/>
-                  </a:solidFill>
-                  <a:cs typeface="Arial" pitchFamily="34" charset="0"/>
-                </a:rPr>
-                <a:t>Lập</a:t>
-              </a:r>
-              <a:endParaRPr lang="en-US" altLang="ko-KR" sz="1400" b="1" dirty="0">
-                <a:solidFill>
-                  <a:schemeClr val="bg1"/>
-                </a:solidFill>
-                <a:cs typeface="Arial" pitchFamily="34" charset="0"/>
-              </a:endParaRPr>
-            </a:p>
-          </p:txBody>
-        </p:sp>
-        <p:sp>
-          <p:nvSpPr>
-            <p:cNvPr id="51" name="TextBox 12"/>
-            <p:cNvSpPr txBox="1"/>
-            <p:nvPr/>
-          </p:nvSpPr>
-          <p:spPr bwMode="auto">
-            <a:xfrm>
-              <a:off x="2175371" y="2032239"/>
-              <a:ext cx="5040560" cy="321470"/>
-            </a:xfrm>
-            <a:prstGeom prst="rect">
-              <a:avLst/>
-            </a:prstGeom>
-            <a:noFill/>
-            <a:effectLst/>
-          </p:spPr>
-          <p:txBody>
-            <a:bodyPr wrap="square" anchor="ctr">
-              <a:spAutoFit/>
-            </a:bodyPr>
-            <a:lstStyle>
-              <a:defPPr>
-                <a:defRPr lang="ko-KR"/>
-              </a:defPPr>
-              <a:lvl1pPr marL="0" algn="l" defTabSz="914400" rtl="0" eaLnBrk="1" latinLnBrk="1" hangingPunct="1">
-                <a:defRPr sz="1800" kern="1200">
-                  <a:solidFill>
-                    <a:schemeClr val="tx1"/>
-                  </a:solidFill>
-                  <a:latin typeface="+mn-lt"/>
-                  <a:ea typeface="+mn-ea"/>
-                  <a:cs typeface="+mn-cs"/>
-                </a:defRPr>
-              </a:lvl1pPr>
-              <a:lvl2pPr marL="457200" algn="l" defTabSz="914400" rtl="0" eaLnBrk="1" latinLnBrk="1" hangingPunct="1">
-                <a:defRPr sz="1800" kern="1200">
-                  <a:solidFill>
-                    <a:schemeClr val="tx1"/>
-                  </a:solidFill>
-                  <a:latin typeface="+mn-lt"/>
-                  <a:ea typeface="+mn-ea"/>
-                  <a:cs typeface="+mn-cs"/>
-                </a:defRPr>
-              </a:lvl2pPr>
-              <a:lvl3pPr marL="914400" algn="l" defTabSz="914400" rtl="0" eaLnBrk="1" latinLnBrk="1" hangingPunct="1">
-                <a:defRPr sz="1800" kern="1200">
-                  <a:solidFill>
-                    <a:schemeClr val="tx1"/>
-                  </a:solidFill>
-                  <a:latin typeface="+mn-lt"/>
-                  <a:ea typeface="+mn-ea"/>
-                  <a:cs typeface="+mn-cs"/>
-                </a:defRPr>
-              </a:lvl3pPr>
-              <a:lvl4pPr marL="1371600" algn="l" defTabSz="914400" rtl="0" eaLnBrk="1" latinLnBrk="1" hangingPunct="1">
-                <a:defRPr sz="1800" kern="1200">
-                  <a:solidFill>
-                    <a:schemeClr val="tx1"/>
-                  </a:solidFill>
-                  <a:latin typeface="+mn-lt"/>
-                  <a:ea typeface="+mn-ea"/>
-                  <a:cs typeface="+mn-cs"/>
-                </a:defRPr>
-              </a:lvl4pPr>
-              <a:lvl5pPr marL="1828800" algn="l" defTabSz="914400" rtl="0" eaLnBrk="1" latinLnBrk="1" hangingPunct="1">
-                <a:defRPr sz="1800" kern="1200">
-                  <a:solidFill>
-                    <a:schemeClr val="tx1"/>
-                  </a:solidFill>
-                  <a:latin typeface="+mn-lt"/>
-                  <a:ea typeface="+mn-ea"/>
-                  <a:cs typeface="+mn-cs"/>
-                </a:defRPr>
-              </a:lvl5pPr>
-              <a:lvl6pPr marL="2286000" algn="l" defTabSz="914400" rtl="0" eaLnBrk="1" latinLnBrk="1" hangingPunct="1">
-                <a:defRPr sz="1800" kern="1200">
-                  <a:solidFill>
-                    <a:schemeClr val="tx1"/>
-                  </a:solidFill>
-                  <a:latin typeface="+mn-lt"/>
-                  <a:ea typeface="+mn-ea"/>
-                  <a:cs typeface="+mn-cs"/>
-                </a:defRPr>
-              </a:lvl6pPr>
-              <a:lvl7pPr marL="2743200" algn="l" defTabSz="914400" rtl="0" eaLnBrk="1" latinLnBrk="1" hangingPunct="1">
-                <a:defRPr sz="1800" kern="1200">
-                  <a:solidFill>
-                    <a:schemeClr val="tx1"/>
-                  </a:solidFill>
-                  <a:latin typeface="+mn-lt"/>
-                  <a:ea typeface="+mn-ea"/>
-                  <a:cs typeface="+mn-cs"/>
-                </a:defRPr>
-              </a:lvl7pPr>
-              <a:lvl8pPr marL="3200400" algn="l" defTabSz="914400" rtl="0" eaLnBrk="1" latinLnBrk="1" hangingPunct="1">
-                <a:defRPr sz="1800" kern="1200">
-                  <a:solidFill>
-                    <a:schemeClr val="tx1"/>
-                  </a:solidFill>
-                  <a:latin typeface="+mn-lt"/>
-                  <a:ea typeface="+mn-ea"/>
-                  <a:cs typeface="+mn-cs"/>
-                </a:defRPr>
-              </a:lvl8pPr>
-              <a:lvl9pPr marL="3657600" algn="l" defTabSz="914400" rtl="0" eaLnBrk="1" latinLnBrk="1" hangingPunct="1">
-                <a:defRPr sz="1800" kern="1200">
-                  <a:solidFill>
-                    <a:schemeClr val="tx1"/>
-                  </a:solidFill>
-                  <a:latin typeface="+mn-lt"/>
-                  <a:ea typeface="+mn-ea"/>
-                  <a:cs typeface="+mn-cs"/>
-                </a:defRPr>
-              </a:lvl9pPr>
-            </a:lstStyle>
-            <a:p>
-              <a:pPr>
-                <a:defRPr/>
-              </a:pPr>
-              <a:r>
-                <a:rPr lang="en-US" altLang="ko-KR" sz="1200" dirty="0">
-                  <a:solidFill>
-                    <a:schemeClr val="bg1"/>
-                  </a:solidFill>
-                  <a:cs typeface="Arial" pitchFamily="34" charset="0"/>
-                </a:rPr>
-                <a:t>3118410222 – </a:t>
-              </a:r>
-              <a:r>
-                <a:rPr lang="en-US" altLang="ko-KR" sz="1200" dirty="0" err="1">
-                  <a:solidFill>
-                    <a:schemeClr val="bg1"/>
-                  </a:solidFill>
-                  <a:cs typeface="Arial" pitchFamily="34" charset="0"/>
-                </a:rPr>
-                <a:t>thiết</a:t>
-              </a:r>
-              <a:r>
-                <a:rPr lang="en-US" altLang="ko-KR" sz="1200" dirty="0">
-                  <a:solidFill>
-                    <a:schemeClr val="bg1"/>
-                  </a:solidFill>
-                  <a:cs typeface="Arial" pitchFamily="34" charset="0"/>
-                </a:rPr>
-                <a:t> </a:t>
-              </a:r>
-              <a:r>
-                <a:rPr lang="en-US" altLang="ko-KR" sz="1200" dirty="0" err="1">
-                  <a:solidFill>
-                    <a:schemeClr val="bg1"/>
-                  </a:solidFill>
-                  <a:cs typeface="Arial" pitchFamily="34" charset="0"/>
-                </a:rPr>
-                <a:t>kế</a:t>
-              </a:r>
-              <a:r>
-                <a:rPr lang="en-US" altLang="ko-KR" sz="1200" dirty="0">
-                  <a:solidFill>
-                    <a:schemeClr val="bg1"/>
-                  </a:solidFill>
-                  <a:cs typeface="Arial" pitchFamily="34" charset="0"/>
-                </a:rPr>
-                <a:t> </a:t>
-              </a:r>
-              <a:r>
-                <a:rPr lang="en-US" altLang="ko-KR" sz="1200" dirty="0" err="1">
-                  <a:solidFill>
-                    <a:schemeClr val="bg1"/>
-                  </a:solidFill>
-                  <a:cs typeface="Arial" pitchFamily="34" charset="0"/>
-                </a:rPr>
-                <a:t>giao</a:t>
-              </a:r>
-              <a:r>
-                <a:rPr lang="en-US" altLang="ko-KR" sz="1200" dirty="0">
-                  <a:solidFill>
-                    <a:schemeClr val="bg1"/>
-                  </a:solidFill>
-                  <a:cs typeface="Arial" pitchFamily="34" charset="0"/>
-                </a:rPr>
-                <a:t> </a:t>
-              </a:r>
-              <a:r>
-                <a:rPr lang="en-US" altLang="ko-KR" sz="1200" dirty="0" err="1">
-                  <a:solidFill>
-                    <a:schemeClr val="bg1"/>
-                  </a:solidFill>
-                  <a:cs typeface="Arial" pitchFamily="34" charset="0"/>
-                </a:rPr>
-                <a:t>diện</a:t>
-              </a:r>
-              <a:r>
-                <a:rPr lang="en-US" altLang="ko-KR" sz="1200" dirty="0">
-                  <a:solidFill>
-                    <a:schemeClr val="bg1"/>
-                  </a:solidFill>
-                  <a:cs typeface="Arial" pitchFamily="34" charset="0"/>
-                </a:rPr>
-                <a:t> </a:t>
-              </a:r>
-              <a:r>
-                <a:rPr lang="en-US" altLang="ko-KR" sz="1200" dirty="0" err="1">
-                  <a:solidFill>
-                    <a:schemeClr val="bg1"/>
-                  </a:solidFill>
-                  <a:cs typeface="Arial" pitchFamily="34" charset="0"/>
-                </a:rPr>
-                <a:t>phần</a:t>
-              </a:r>
-              <a:r>
-                <a:rPr lang="en-US" altLang="ko-KR" sz="1200" dirty="0">
-                  <a:solidFill>
-                    <a:schemeClr val="bg1"/>
-                  </a:solidFill>
-                  <a:cs typeface="Arial" pitchFamily="34" charset="0"/>
-                </a:rPr>
-                <a:t> </a:t>
-              </a:r>
-              <a:r>
-                <a:rPr lang="en-US" altLang="ko-KR" sz="1200" dirty="0" err="1">
-                  <a:solidFill>
-                    <a:schemeClr val="bg1"/>
-                  </a:solidFill>
-                  <a:cs typeface="Arial" pitchFamily="34" charset="0"/>
-                </a:rPr>
-                <a:t>mềm</a:t>
-              </a:r>
-              <a:endParaRPr lang="ko-KR" altLang="en-US" sz="1200" dirty="0">
-                <a:solidFill>
-                  <a:schemeClr val="bg1"/>
-                </a:solidFill>
-                <a:cs typeface="Arial" pitchFamily="34" charset="0"/>
-              </a:endParaRPr>
-            </a:p>
-          </p:txBody>
-        </p:sp>
-      </p:grpSp>
-    </p:spTree>
-    <p:extLst>
-      <p:ext uri="{BB962C8B-B14F-4D97-AF65-F5344CB8AC3E}">
-        <p14:creationId xmlns:p14="http://schemas.microsoft.com/office/powerpoint/2010/main" val="1095055991"/>
       </p:ext>
     </p:extLst>
   </p:cSld>
@@ -21759,62 +22425,50 @@
           <a:chExt cx="0" cy="0"/>
         </a:xfrm>
       </p:grpSpPr>
-      <p:sp>
-        <p:nvSpPr>
-          <p:cNvPr id="4" name="Title 1"/>
-          <p:cNvSpPr txBox="1">
-            <a:spLocks/>
-          </p:cNvSpPr>
+      <p:pic>
+        <p:nvPicPr>
+          <p:cNvPr id="4" name="Hình ảnh 3">
+            <a:extLst>
+              <a:ext uri="{FF2B5EF4-FFF2-40B4-BE49-F238E27FC236}">
+                <a16:creationId xmlns:a16="http://schemas.microsoft.com/office/drawing/2014/main" id="{33576B8A-8C0F-4FAF-B3F7-FB4707652C8E}"/>
+              </a:ext>
+            </a:extLst>
+          </p:cNvPr>
+          <p:cNvPicPr>
+            <a:picLocks noChangeAspect="1"/>
+          </p:cNvPicPr>
           <p:nvPr/>
-        </p:nvSpPr>
-        <p:spPr bwMode="auto">
+        </p:nvPicPr>
+        <p:blipFill>
+          <a:blip r:embed="rId2"/>
+          <a:stretch>
+            <a:fillRect/>
+          </a:stretch>
+        </p:blipFill>
+        <p:spPr>
           <a:xfrm>
-            <a:off x="611560" y="1707654"/>
-            <a:ext cx="7772400" cy="1125457"/>
+            <a:off x="0" y="457924"/>
+            <a:ext cx="9144000" cy="4227651"/>
           </a:xfrm>
           <a:prstGeom prst="rect">
             <a:avLst/>
           </a:prstGeom>
+          <a:ln>
+            <a:noFill/>
+          </a:ln>
+          <a:effectLst>
+            <a:outerShdw blurRad="292100" dist="139700" dir="2700000" algn="tl" rotWithShape="0">
+              <a:srgbClr val="333333">
+                <a:alpha val="65000"/>
+              </a:srgbClr>
+            </a:outerShdw>
+          </a:effectLst>
         </p:spPr>
-        <p:txBody>
-          <a:bodyPr vert="horz" lIns="91440" tIns="45720" rIns="91440" bIns="45720" rtlCol="0" anchor="ctr">
-            <a:normAutofit/>
-          </a:bodyPr>
-          <a:lstStyle>
-            <a:lvl1pPr marL="0" indent="0" algn="just" defTabSz="914400">
-              <a:lnSpc>
-                <a:spcPct val="150000"/>
-              </a:lnSpc>
-              <a:spcBef>
-                <a:spcPts val="0"/>
-              </a:spcBef>
-              <a:buFont typeface="Arial"/>
-              <a:buNone/>
-              <a:defRPr sz="1200">
-                <a:solidFill>
-                  <a:schemeClr val="accent4">
-                    <a:lumMod val="75000"/>
-                  </a:schemeClr>
-                </a:solidFill>
-                <a:latin typeface="Myriad Pro"/>
-                <a:ea typeface="+mj-ea"/>
-                <a:cs typeface="+mj-cs"/>
-              </a:defRPr>
-            </a:lvl1pPr>
-          </a:lstStyle>
-          <a:p>
-            <a:pPr algn="ctr"/>
-            <a:r>
-              <a:rPr lang="en-US" sz="3200" spc="300" dirty="0"/>
-              <a:t>THIẾT KẾ DATABASE</a:t>
-            </a:r>
-          </a:p>
-        </p:txBody>
-      </p:sp>
+      </p:pic>
     </p:spTree>
     <p:extLst>
       <p:ext uri="{BB962C8B-B14F-4D97-AF65-F5344CB8AC3E}">
-        <p14:creationId xmlns:p14="http://schemas.microsoft.com/office/powerpoint/2010/main" val="2650034168"/>
+        <p14:creationId xmlns:p14="http://schemas.microsoft.com/office/powerpoint/2010/main" val="946387698"/>
       </p:ext>
     </p:extLst>
   </p:cSld>
@@ -21844,38 +22498,50 @@
           <a:chExt cx="0" cy="0"/>
         </a:xfrm>
       </p:grpSpPr>
-      <p:sp>
-        <p:nvSpPr>
-          <p:cNvPr id="2" name="Title 1"/>
-          <p:cNvSpPr>
-            <a:spLocks noGrp="1"/>
-          </p:cNvSpPr>
-          <p:nvPr>
-            <p:ph type="ctrTitle"/>
-          </p:nvPr>
-        </p:nvSpPr>
+      <p:pic>
+        <p:nvPicPr>
+          <p:cNvPr id="4" name="Hình ảnh 3">
+            <a:extLst>
+              <a:ext uri="{FF2B5EF4-FFF2-40B4-BE49-F238E27FC236}">
+                <a16:creationId xmlns:a16="http://schemas.microsoft.com/office/drawing/2014/main" id="{82CCB5A7-B8CE-4D2A-BF39-7F5F1107A92B}"/>
+              </a:ext>
+            </a:extLst>
+          </p:cNvPr>
+          <p:cNvPicPr>
+            <a:picLocks noChangeAspect="1"/>
+          </p:cNvPicPr>
+          <p:nvPr/>
+        </p:nvPicPr>
+        <p:blipFill>
+          <a:blip r:embed="rId2"/>
+          <a:stretch>
+            <a:fillRect/>
+          </a:stretch>
+        </p:blipFill>
         <p:spPr>
           <a:xfrm>
-            <a:off x="685800" y="1597819"/>
-            <a:ext cx="7772400" cy="1102519"/>
+            <a:off x="0" y="448551"/>
+            <a:ext cx="9144000" cy="4246398"/>
           </a:xfrm>
+          <a:prstGeom prst="rect">
+            <a:avLst/>
+          </a:prstGeom>
+          <a:ln>
+            <a:noFill/>
+          </a:ln>
+          <a:effectLst>
+            <a:outerShdw blurRad="292100" dist="139700" dir="2700000" algn="tl" rotWithShape="0">
+              <a:srgbClr val="333333">
+                <a:alpha val="65000"/>
+              </a:srgbClr>
+            </a:outerShdw>
+          </a:effectLst>
         </p:spPr>
-        <p:txBody>
-          <a:bodyPr/>
-          <a:lstStyle/>
-          <a:p>
-            <a:pPr algn="ctr"/>
-            <a:r>
-              <a:rPr lang="en-US" spc="300" dirty="0"/>
-              <a:t>CHỨC NĂNG</a:t>
-            </a:r>
-          </a:p>
-        </p:txBody>
-      </p:sp>
+      </p:pic>
     </p:spTree>
     <p:extLst>
       <p:ext uri="{BB962C8B-B14F-4D97-AF65-F5344CB8AC3E}">
-        <p14:creationId xmlns:p14="http://schemas.microsoft.com/office/powerpoint/2010/main" val="234392180"/>
+        <p14:creationId xmlns:p14="http://schemas.microsoft.com/office/powerpoint/2010/main" val="2187944705"/>
       </p:ext>
     </p:extLst>
   </p:cSld>

--- a/Báo cáo.pptx
+++ b/Báo cáo.pptx
@@ -5,30 +5,35 @@
     <p:sldMasterId id="2147483648" r:id="rId1"/>
   </p:sldMasterIdLst>
   <p:notesMasterIdLst>
-    <p:notesMasterId r:id="rId23"/>
+    <p:notesMasterId r:id="rId28"/>
   </p:notesMasterIdLst>
   <p:sldIdLst>
     <p:sldId id="256" r:id="rId2"/>
     <p:sldId id="261" r:id="rId3"/>
     <p:sldId id="274" r:id="rId4"/>
     <p:sldId id="264" r:id="rId5"/>
-    <p:sldId id="295" r:id="rId6"/>
-    <p:sldId id="270" r:id="rId7"/>
-    <p:sldId id="296" r:id="rId8"/>
-    <p:sldId id="297" r:id="rId9"/>
-    <p:sldId id="298" r:id="rId10"/>
-    <p:sldId id="299" r:id="rId11"/>
-    <p:sldId id="300" r:id="rId12"/>
-    <p:sldId id="301" r:id="rId13"/>
-    <p:sldId id="302" r:id="rId14"/>
-    <p:sldId id="304" r:id="rId15"/>
-    <p:sldId id="303" r:id="rId16"/>
-    <p:sldId id="305" r:id="rId17"/>
-    <p:sldId id="284" r:id="rId18"/>
-    <p:sldId id="279" r:id="rId19"/>
-    <p:sldId id="286" r:id="rId20"/>
-    <p:sldId id="282" r:id="rId21"/>
-    <p:sldId id="294" r:id="rId22"/>
+    <p:sldId id="308" r:id="rId6"/>
+    <p:sldId id="295" r:id="rId7"/>
+    <p:sldId id="270" r:id="rId8"/>
+    <p:sldId id="309" r:id="rId9"/>
+    <p:sldId id="296" r:id="rId10"/>
+    <p:sldId id="311" r:id="rId11"/>
+    <p:sldId id="298" r:id="rId12"/>
+    <p:sldId id="299" r:id="rId13"/>
+    <p:sldId id="300" r:id="rId14"/>
+    <p:sldId id="301" r:id="rId15"/>
+    <p:sldId id="302" r:id="rId16"/>
+    <p:sldId id="304" r:id="rId17"/>
+    <p:sldId id="303" r:id="rId18"/>
+    <p:sldId id="305" r:id="rId19"/>
+    <p:sldId id="284" r:id="rId20"/>
+    <p:sldId id="306" r:id="rId21"/>
+    <p:sldId id="307" r:id="rId22"/>
+    <p:sldId id="279" r:id="rId23"/>
+    <p:sldId id="286" r:id="rId24"/>
+    <p:sldId id="310" r:id="rId25"/>
+    <p:sldId id="282" r:id="rId26"/>
+    <p:sldId id="294" r:id="rId27"/>
   </p:sldIdLst>
   <p:sldSz cx="9144000" cy="5143500" type="screen16x9"/>
   <p:notesSz cx="5143500" cy="9144000"/>
@@ -228,7 +233,7 @@
           <a:p>
             <a:fld id="{D720503E-7F5E-4ABE-B869-34FDF8855786}" type="datetimeFigureOut">
               <a:rPr lang="en-US" smtClean="0"/>
-              <a:t>6/19/2020</a:t>
+              <a:t>6/21/2020</a:t>
             </a:fld>
             <a:endParaRPr lang="en-US"/>
           </a:p>
@@ -689,7 +694,7 @@
             </a:pPr>
             <a:fld id="{C6A69C64-0A0C-4D60-B614-E96069CBCE63}" type="datetimeFigureOut">
               <a:rPr lang="en-US"/>
-              <a:t>6/19/2020</a:t>
+              <a:t>6/21/2020</a:t>
             </a:fld>
             <a:endParaRPr lang="en-US"/>
           </a:p>
@@ -881,7 +886,7 @@
             </a:pPr>
             <a:fld id="{C6A69C64-0A0C-4D60-B614-E96069CBCE63}" type="datetimeFigureOut">
               <a:rPr lang="en-US"/>
-              <a:t>6/19/2020</a:t>
+              <a:t>6/21/2020</a:t>
             </a:fld>
             <a:endParaRPr lang="en-US"/>
           </a:p>
@@ -1083,7 +1088,7 @@
             </a:pPr>
             <a:fld id="{C6A69C64-0A0C-4D60-B614-E96069CBCE63}" type="datetimeFigureOut">
               <a:rPr lang="en-US"/>
-              <a:t>6/19/2020</a:t>
+              <a:t>6/21/2020</a:t>
             </a:fld>
             <a:endParaRPr lang="en-US"/>
           </a:p>
@@ -2661,7 +2666,7 @@
             </a:pPr>
             <a:fld id="{C6A69C64-0A0C-4D60-B614-E96069CBCE63}" type="datetimeFigureOut">
               <a:rPr lang="en-US"/>
-              <a:t>6/19/2020</a:t>
+              <a:t>6/21/2020</a:t>
             </a:fld>
             <a:endParaRPr lang="en-US"/>
           </a:p>
@@ -2919,7 +2924,7 @@
             </a:pPr>
             <a:fld id="{C6A69C64-0A0C-4D60-B614-E96069CBCE63}" type="datetimeFigureOut">
               <a:rPr lang="en-US"/>
-              <a:t>6/19/2020</a:t>
+              <a:t>6/21/2020</a:t>
             </a:fld>
             <a:endParaRPr lang="en-US"/>
           </a:p>
@@ -3242,7 +3247,7 @@
             </a:pPr>
             <a:fld id="{C6A69C64-0A0C-4D60-B614-E96069CBCE63}" type="datetimeFigureOut">
               <a:rPr lang="en-US"/>
-              <a:t>6/19/2020</a:t>
+              <a:t>6/21/2020</a:t>
             </a:fld>
             <a:endParaRPr lang="en-US"/>
           </a:p>
@@ -3710,7 +3715,7 @@
             </a:pPr>
             <a:fld id="{C6A69C64-0A0C-4D60-B614-E96069CBCE63}" type="datetimeFigureOut">
               <a:rPr lang="en-US"/>
-              <a:t>6/19/2020</a:t>
+              <a:t>6/21/2020</a:t>
             </a:fld>
             <a:endParaRPr lang="en-US"/>
           </a:p>
@@ -3837,7 +3842,7 @@
             </a:pPr>
             <a:fld id="{C6A69C64-0A0C-4D60-B614-E96069CBCE63}" type="datetimeFigureOut">
               <a:rPr lang="en-US"/>
-              <a:t>6/19/2020</a:t>
+              <a:t>6/21/2020</a:t>
             </a:fld>
             <a:endParaRPr lang="en-US"/>
           </a:p>
@@ -3939,7 +3944,7 @@
             </a:pPr>
             <a:fld id="{C6A69C64-0A0C-4D60-B614-E96069CBCE63}" type="datetimeFigureOut">
               <a:rPr lang="en-US"/>
-              <a:t>6/19/2020</a:t>
+              <a:t>6/21/2020</a:t>
             </a:fld>
             <a:endParaRPr lang="en-US"/>
           </a:p>
@@ -4241,7 +4246,7 @@
             </a:pPr>
             <a:fld id="{C6A69C64-0A0C-4D60-B614-E96069CBCE63}" type="datetimeFigureOut">
               <a:rPr lang="en-US"/>
-              <a:t>6/19/2020</a:t>
+              <a:t>6/21/2020</a:t>
             </a:fld>
             <a:endParaRPr lang="en-US"/>
           </a:p>
@@ -4509,7 +4514,7 @@
             </a:pPr>
             <a:fld id="{C6A69C64-0A0C-4D60-B614-E96069CBCE63}" type="datetimeFigureOut">
               <a:rPr lang="en-US"/>
-              <a:t>6/19/2020</a:t>
+              <a:t>6/21/2020</a:t>
             </a:fld>
             <a:endParaRPr lang="en-US"/>
           </a:p>
@@ -4750,7 +4755,7 @@
             </a:pPr>
             <a:fld id="{C6A69C64-0A0C-4D60-B614-E96069CBCE63}" type="datetimeFigureOut">
               <a:rPr lang="en-US"/>
-              <a:t>6/19/2020</a:t>
+              <a:t>6/21/2020</a:t>
             </a:fld>
             <a:endParaRPr lang="en-US"/>
           </a:p>
@@ -5499,6 +5504,1935 @@
       </p:grpSpPr>
       <p:pic>
         <p:nvPicPr>
+          <p:cNvPr id="6" name="Hình ảnh 5">
+            <a:extLst>
+              <a:ext uri="{FF2B5EF4-FFF2-40B4-BE49-F238E27FC236}">
+                <a16:creationId xmlns:a16="http://schemas.microsoft.com/office/drawing/2014/main" id="{3F482819-FB2D-4DA7-9B54-4D6D22939A32}"/>
+              </a:ext>
+            </a:extLst>
+          </p:cNvPr>
+          <p:cNvPicPr>
+            <a:picLocks noChangeAspect="1"/>
+          </p:cNvPicPr>
+          <p:nvPr/>
+        </p:nvPicPr>
+        <p:blipFill>
+          <a:blip r:embed="rId2"/>
+          <a:stretch>
+            <a:fillRect/>
+          </a:stretch>
+        </p:blipFill>
+        <p:spPr>
+          <a:xfrm>
+            <a:off x="0" y="372174"/>
+            <a:ext cx="9144000" cy="4399152"/>
+          </a:xfrm>
+          <a:prstGeom prst="rect">
+            <a:avLst/>
+          </a:prstGeom>
+        </p:spPr>
+      </p:pic>
+      <p:pic>
+        <p:nvPicPr>
+          <p:cNvPr id="7" name="Hình ảnh 6">
+            <a:extLst>
+              <a:ext uri="{FF2B5EF4-FFF2-40B4-BE49-F238E27FC236}">
+                <a16:creationId xmlns:a16="http://schemas.microsoft.com/office/drawing/2014/main" id="{78BED2A7-30EC-4845-BC37-B3826660FCB4}"/>
+              </a:ext>
+            </a:extLst>
+          </p:cNvPr>
+          <p:cNvPicPr>
+            <a:picLocks noChangeAspect="1"/>
+          </p:cNvPicPr>
+          <p:nvPr/>
+        </p:nvPicPr>
+        <p:blipFill>
+          <a:blip r:embed="rId3"/>
+          <a:stretch>
+            <a:fillRect/>
+          </a:stretch>
+        </p:blipFill>
+        <p:spPr>
+          <a:xfrm>
+            <a:off x="2624698" y="1635646"/>
+            <a:ext cx="1276350" cy="228600"/>
+          </a:xfrm>
+          <a:prstGeom prst="rect">
+            <a:avLst/>
+          </a:prstGeom>
+        </p:spPr>
+      </p:pic>
+      <p:pic>
+        <p:nvPicPr>
+          <p:cNvPr id="8" name="Hình ảnh 7">
+            <a:extLst>
+              <a:ext uri="{FF2B5EF4-FFF2-40B4-BE49-F238E27FC236}">
+                <a16:creationId xmlns:a16="http://schemas.microsoft.com/office/drawing/2014/main" id="{559AC1A3-E4E7-4A9B-95A4-4FC2A90F26FB}"/>
+              </a:ext>
+            </a:extLst>
+          </p:cNvPr>
+          <p:cNvPicPr>
+            <a:picLocks noChangeAspect="1"/>
+          </p:cNvPicPr>
+          <p:nvPr/>
+        </p:nvPicPr>
+        <p:blipFill>
+          <a:blip r:embed="rId4"/>
+          <a:stretch>
+            <a:fillRect/>
+          </a:stretch>
+        </p:blipFill>
+        <p:spPr>
+          <a:xfrm>
+            <a:off x="4922324" y="1635646"/>
+            <a:ext cx="1600200" cy="228600"/>
+          </a:xfrm>
+          <a:prstGeom prst="rect">
+            <a:avLst/>
+          </a:prstGeom>
+        </p:spPr>
+      </p:pic>
+      <p:pic>
+        <p:nvPicPr>
+          <p:cNvPr id="9" name="Hình ảnh 8">
+            <a:extLst>
+              <a:ext uri="{FF2B5EF4-FFF2-40B4-BE49-F238E27FC236}">
+                <a16:creationId xmlns:a16="http://schemas.microsoft.com/office/drawing/2014/main" id="{49B88F6B-3D0D-4025-9642-47866F2F68C7}"/>
+              </a:ext>
+            </a:extLst>
+          </p:cNvPr>
+          <p:cNvPicPr>
+            <a:picLocks noChangeAspect="1"/>
+          </p:cNvPicPr>
+          <p:nvPr/>
+        </p:nvPicPr>
+        <p:blipFill>
+          <a:blip r:embed="rId5"/>
+          <a:stretch>
+            <a:fillRect/>
+          </a:stretch>
+        </p:blipFill>
+        <p:spPr>
+          <a:xfrm>
+            <a:off x="2615173" y="2542936"/>
+            <a:ext cx="1285875" cy="209550"/>
+          </a:xfrm>
+          <a:prstGeom prst="rect">
+            <a:avLst/>
+          </a:prstGeom>
+        </p:spPr>
+      </p:pic>
+      <p:pic>
+        <p:nvPicPr>
+          <p:cNvPr id="10" name="Hình ảnh 9">
+            <a:extLst>
+              <a:ext uri="{FF2B5EF4-FFF2-40B4-BE49-F238E27FC236}">
+                <a16:creationId xmlns:a16="http://schemas.microsoft.com/office/drawing/2014/main" id="{60AE6AE6-1ADE-453F-900A-D60BA5E28165}"/>
+              </a:ext>
+            </a:extLst>
+          </p:cNvPr>
+          <p:cNvPicPr>
+            <a:picLocks noChangeAspect="1"/>
+          </p:cNvPicPr>
+          <p:nvPr/>
+        </p:nvPicPr>
+        <p:blipFill>
+          <a:blip r:embed="rId6"/>
+          <a:stretch>
+            <a:fillRect/>
+          </a:stretch>
+        </p:blipFill>
+        <p:spPr>
+          <a:xfrm>
+            <a:off x="4922324" y="2514361"/>
+            <a:ext cx="1323975" cy="238125"/>
+          </a:xfrm>
+          <a:prstGeom prst="rect">
+            <a:avLst/>
+          </a:prstGeom>
+        </p:spPr>
+      </p:pic>
+      <p:sp>
+        <p:nvSpPr>
+          <p:cNvPr id="11" name="Hình chữ nhật 10">
+            <a:extLst>
+              <a:ext uri="{FF2B5EF4-FFF2-40B4-BE49-F238E27FC236}">
+                <a16:creationId xmlns:a16="http://schemas.microsoft.com/office/drawing/2014/main" id="{84E44D8F-1A2E-4748-BB71-26A75EC17349}"/>
+              </a:ext>
+            </a:extLst>
+          </p:cNvPr>
+          <p:cNvSpPr/>
+          <p:nvPr/>
+        </p:nvSpPr>
+        <p:spPr>
+          <a:xfrm>
+            <a:off x="2356022" y="1266011"/>
+            <a:ext cx="1804175" cy="323165"/>
+          </a:xfrm>
+          <a:prstGeom prst="rect">
+            <a:avLst/>
+          </a:prstGeom>
+          <a:noFill/>
+        </p:spPr>
+        <p:txBody>
+          <a:bodyPr wrap="square" lIns="91440" tIns="45720" rIns="91440" bIns="45720">
+            <a:spAutoFit/>
+          </a:bodyPr>
+          <a:lstStyle/>
+          <a:p>
+            <a:pPr algn="ctr"/>
+            <a:r>
+              <a:rPr lang="vi-VN" sz="1500" b="1" dirty="0" err="1">
+                <a:ln w="10160">
+                  <a:solidFill>
+                    <a:schemeClr val="accent5"/>
+                  </a:solidFill>
+                  <a:prstDash val="solid"/>
+                </a:ln>
+                <a:solidFill>
+                  <a:srgbClr val="FFFFFF"/>
+                </a:solidFill>
+                <a:effectLst>
+                  <a:outerShdw blurRad="38100" dist="22860" dir="5400000" algn="tl" rotWithShape="0">
+                    <a:srgbClr val="000000">
+                      <a:alpha val="30000"/>
+                    </a:srgbClr>
+                  </a:outerShdw>
+                </a:effectLst>
+              </a:rPr>
+              <a:t>Form</a:t>
+            </a:r>
+            <a:endParaRPr lang="vi-VN" sz="1500" b="1" cap="none" spc="0" dirty="0">
+              <a:ln w="10160">
+                <a:solidFill>
+                  <a:schemeClr val="accent5"/>
+                </a:solidFill>
+                <a:prstDash val="solid"/>
+              </a:ln>
+              <a:solidFill>
+                <a:srgbClr val="FFFFFF"/>
+              </a:solidFill>
+              <a:effectLst>
+                <a:outerShdw blurRad="38100" dist="22860" dir="5400000" algn="tl" rotWithShape="0">
+                  <a:srgbClr val="000000">
+                    <a:alpha val="30000"/>
+                  </a:srgbClr>
+                </a:outerShdw>
+              </a:effectLst>
+            </a:endParaRPr>
+          </a:p>
+        </p:txBody>
+      </p:sp>
+      <p:sp>
+        <p:nvSpPr>
+          <p:cNvPr id="12" name="Hình chữ nhật 11">
+            <a:extLst>
+              <a:ext uri="{FF2B5EF4-FFF2-40B4-BE49-F238E27FC236}">
+                <a16:creationId xmlns:a16="http://schemas.microsoft.com/office/drawing/2014/main" id="{D9FF799E-457D-4E83-80C5-966EB49323A6}"/>
+              </a:ext>
+            </a:extLst>
+          </p:cNvPr>
+          <p:cNvSpPr/>
+          <p:nvPr/>
+        </p:nvSpPr>
+        <p:spPr>
+          <a:xfrm>
+            <a:off x="2348716" y="2191196"/>
+            <a:ext cx="1804175" cy="323165"/>
+          </a:xfrm>
+          <a:prstGeom prst="rect">
+            <a:avLst/>
+          </a:prstGeom>
+          <a:noFill/>
+        </p:spPr>
+        <p:txBody>
+          <a:bodyPr wrap="square" lIns="91440" tIns="45720" rIns="91440" bIns="45720">
+            <a:spAutoFit/>
+          </a:bodyPr>
+          <a:lstStyle/>
+          <a:p>
+            <a:pPr algn="ctr"/>
+            <a:r>
+              <a:rPr lang="vi-VN" sz="1500" b="1" cap="none" spc="0" dirty="0">
+                <a:ln w="10160">
+                  <a:solidFill>
+                    <a:schemeClr val="accent5"/>
+                  </a:solidFill>
+                  <a:prstDash val="solid"/>
+                </a:ln>
+                <a:solidFill>
+                  <a:srgbClr val="FFFFFF"/>
+                </a:solidFill>
+                <a:effectLst>
+                  <a:outerShdw blurRad="38100" dist="22860" dir="5400000" algn="tl" rotWithShape="0">
+                    <a:srgbClr val="000000">
+                      <a:alpha val="30000"/>
+                    </a:srgbClr>
+                  </a:outerShdw>
+                </a:effectLst>
+              </a:rPr>
+              <a:t>DAO</a:t>
+            </a:r>
+          </a:p>
+        </p:txBody>
+      </p:sp>
+      <p:sp>
+        <p:nvSpPr>
+          <p:cNvPr id="13" name="Hình chữ nhật 12">
+            <a:extLst>
+              <a:ext uri="{FF2B5EF4-FFF2-40B4-BE49-F238E27FC236}">
+                <a16:creationId xmlns:a16="http://schemas.microsoft.com/office/drawing/2014/main" id="{6CA03E21-6074-4734-A6BC-B93533787F2E}"/>
+              </a:ext>
+            </a:extLst>
+          </p:cNvPr>
+          <p:cNvSpPr/>
+          <p:nvPr/>
+        </p:nvSpPr>
+        <p:spPr>
+          <a:xfrm>
+            <a:off x="4682223" y="2191195"/>
+            <a:ext cx="1804175" cy="323165"/>
+          </a:xfrm>
+          <a:prstGeom prst="rect">
+            <a:avLst/>
+          </a:prstGeom>
+          <a:noFill/>
+        </p:spPr>
+        <p:txBody>
+          <a:bodyPr wrap="square" lIns="91440" tIns="45720" rIns="91440" bIns="45720">
+            <a:spAutoFit/>
+          </a:bodyPr>
+          <a:lstStyle/>
+          <a:p>
+            <a:pPr algn="ctr"/>
+            <a:r>
+              <a:rPr lang="vi-VN" sz="1500" b="1" cap="none" spc="0" dirty="0" err="1">
+                <a:ln w="10160">
+                  <a:solidFill>
+                    <a:schemeClr val="accent5"/>
+                  </a:solidFill>
+                  <a:prstDash val="solid"/>
+                </a:ln>
+                <a:solidFill>
+                  <a:srgbClr val="FFFFFF"/>
+                </a:solidFill>
+                <a:effectLst>
+                  <a:outerShdw blurRad="38100" dist="22860" dir="5400000" algn="tl" rotWithShape="0">
+                    <a:srgbClr val="000000">
+                      <a:alpha val="30000"/>
+                    </a:srgbClr>
+                  </a:outerShdw>
+                </a:effectLst>
+              </a:rPr>
+              <a:t>Entity</a:t>
+            </a:r>
+            <a:endParaRPr lang="vi-VN" sz="1500" b="1" cap="none" spc="0" dirty="0">
+              <a:ln w="10160">
+                <a:solidFill>
+                  <a:schemeClr val="accent5"/>
+                </a:solidFill>
+                <a:prstDash val="solid"/>
+              </a:ln>
+              <a:solidFill>
+                <a:srgbClr val="FFFFFF"/>
+              </a:solidFill>
+              <a:effectLst>
+                <a:outerShdw blurRad="38100" dist="22860" dir="5400000" algn="tl" rotWithShape="0">
+                  <a:srgbClr val="000000">
+                    <a:alpha val="30000"/>
+                  </a:srgbClr>
+                </a:outerShdw>
+              </a:effectLst>
+            </a:endParaRPr>
+          </a:p>
+        </p:txBody>
+      </p:sp>
+      <p:sp>
+        <p:nvSpPr>
+          <p:cNvPr id="14" name="Hình chữ nhật 13">
+            <a:extLst>
+              <a:ext uri="{FF2B5EF4-FFF2-40B4-BE49-F238E27FC236}">
+                <a16:creationId xmlns:a16="http://schemas.microsoft.com/office/drawing/2014/main" id="{4DD58D86-CB91-466A-A97F-4984F1B7BF37}"/>
+              </a:ext>
+            </a:extLst>
+          </p:cNvPr>
+          <p:cNvSpPr/>
+          <p:nvPr/>
+        </p:nvSpPr>
+        <p:spPr>
+          <a:xfrm>
+            <a:off x="4661573" y="1266011"/>
+            <a:ext cx="1804175" cy="323165"/>
+          </a:xfrm>
+          <a:prstGeom prst="rect">
+            <a:avLst/>
+          </a:prstGeom>
+          <a:noFill/>
+        </p:spPr>
+        <p:txBody>
+          <a:bodyPr wrap="square" lIns="91440" tIns="45720" rIns="91440" bIns="45720">
+            <a:spAutoFit/>
+          </a:bodyPr>
+          <a:lstStyle/>
+          <a:p>
+            <a:pPr algn="ctr"/>
+            <a:r>
+              <a:rPr lang="vi-VN" sz="1500" b="1" cap="none" spc="0" dirty="0" err="1">
+                <a:ln w="10160">
+                  <a:solidFill>
+                    <a:schemeClr val="accent5"/>
+                  </a:solidFill>
+                  <a:prstDash val="solid"/>
+                </a:ln>
+                <a:solidFill>
+                  <a:srgbClr val="FFFFFF"/>
+                </a:solidFill>
+                <a:effectLst>
+                  <a:outerShdw blurRad="38100" dist="22860" dir="5400000" algn="tl" rotWithShape="0">
+                    <a:srgbClr val="000000">
+                      <a:alpha val="30000"/>
+                    </a:srgbClr>
+                  </a:outerShdw>
+                </a:effectLst>
+              </a:rPr>
+              <a:t>Controller</a:t>
+            </a:r>
+            <a:endParaRPr lang="vi-VN" sz="1500" b="1" cap="none" spc="0" dirty="0">
+              <a:ln w="10160">
+                <a:solidFill>
+                  <a:schemeClr val="accent5"/>
+                </a:solidFill>
+                <a:prstDash val="solid"/>
+              </a:ln>
+              <a:solidFill>
+                <a:srgbClr val="FFFFFF"/>
+              </a:solidFill>
+              <a:effectLst>
+                <a:outerShdw blurRad="38100" dist="22860" dir="5400000" algn="tl" rotWithShape="0">
+                  <a:srgbClr val="000000">
+                    <a:alpha val="30000"/>
+                  </a:srgbClr>
+                </a:outerShdw>
+              </a:effectLst>
+            </a:endParaRPr>
+          </a:p>
+        </p:txBody>
+      </p:sp>
+      <p:pic>
+        <p:nvPicPr>
+          <p:cNvPr id="15" name="Hình ảnh 14">
+            <a:extLst>
+              <a:ext uri="{FF2B5EF4-FFF2-40B4-BE49-F238E27FC236}">
+                <a16:creationId xmlns:a16="http://schemas.microsoft.com/office/drawing/2014/main" id="{B0977C5D-36A7-41C3-888B-F9B56DDABA76}"/>
+              </a:ext>
+            </a:extLst>
+          </p:cNvPr>
+          <p:cNvPicPr>
+            <a:picLocks noChangeAspect="1"/>
+          </p:cNvPicPr>
+          <p:nvPr/>
+        </p:nvPicPr>
+        <p:blipFill>
+          <a:blip r:embed="rId7"/>
+          <a:stretch>
+            <a:fillRect/>
+          </a:stretch>
+        </p:blipFill>
+        <p:spPr>
+          <a:xfrm>
+            <a:off x="2131861" y="0"/>
+            <a:ext cx="4880278" cy="5143500"/>
+          </a:xfrm>
+          <a:prstGeom prst="rect">
+            <a:avLst/>
+          </a:prstGeom>
+          <a:ln>
+            <a:noFill/>
+          </a:ln>
+          <a:effectLst>
+            <a:outerShdw blurRad="292100" dist="139700" dir="2700000" algn="tl" rotWithShape="0">
+              <a:srgbClr val="333333">
+                <a:alpha val="65000"/>
+              </a:srgbClr>
+            </a:outerShdw>
+          </a:effectLst>
+        </p:spPr>
+      </p:pic>
+      <p:pic>
+        <p:nvPicPr>
+          <p:cNvPr id="16" name="Hình ảnh 15">
+            <a:extLst>
+              <a:ext uri="{FF2B5EF4-FFF2-40B4-BE49-F238E27FC236}">
+                <a16:creationId xmlns:a16="http://schemas.microsoft.com/office/drawing/2014/main" id="{39E6643C-AD52-4284-AF8B-3C33F2DDDDF9}"/>
+              </a:ext>
+            </a:extLst>
+          </p:cNvPr>
+          <p:cNvPicPr>
+            <a:picLocks noChangeAspect="1"/>
+          </p:cNvPicPr>
+          <p:nvPr/>
+        </p:nvPicPr>
+        <p:blipFill>
+          <a:blip r:embed="rId8"/>
+          <a:stretch>
+            <a:fillRect/>
+          </a:stretch>
+        </p:blipFill>
+        <p:spPr>
+          <a:xfrm>
+            <a:off x="1581150" y="528637"/>
+            <a:ext cx="5981700" cy="4086225"/>
+          </a:xfrm>
+          <a:prstGeom prst="rect">
+            <a:avLst/>
+          </a:prstGeom>
+          <a:ln>
+            <a:noFill/>
+          </a:ln>
+          <a:effectLst>
+            <a:outerShdw blurRad="292100" dist="139700" dir="2700000" algn="tl" rotWithShape="0">
+              <a:srgbClr val="333333">
+                <a:alpha val="65000"/>
+              </a:srgbClr>
+            </a:outerShdw>
+          </a:effectLst>
+        </p:spPr>
+      </p:pic>
+      <p:pic>
+        <p:nvPicPr>
+          <p:cNvPr id="17" name="Hình ảnh 16">
+            <a:extLst>
+              <a:ext uri="{FF2B5EF4-FFF2-40B4-BE49-F238E27FC236}">
+                <a16:creationId xmlns:a16="http://schemas.microsoft.com/office/drawing/2014/main" id="{E27E6147-38F3-4F90-A53B-069610943F0A}"/>
+              </a:ext>
+            </a:extLst>
+          </p:cNvPr>
+          <p:cNvPicPr>
+            <a:picLocks noChangeAspect="1"/>
+          </p:cNvPicPr>
+          <p:nvPr/>
+        </p:nvPicPr>
+        <p:blipFill>
+          <a:blip r:embed="rId9"/>
+          <a:stretch>
+            <a:fillRect/>
+          </a:stretch>
+        </p:blipFill>
+        <p:spPr>
+          <a:xfrm>
+            <a:off x="330036" y="0"/>
+            <a:ext cx="8483928" cy="5143500"/>
+          </a:xfrm>
+          <a:prstGeom prst="rect">
+            <a:avLst/>
+          </a:prstGeom>
+          <a:ln>
+            <a:noFill/>
+          </a:ln>
+          <a:effectLst>
+            <a:outerShdw blurRad="292100" dist="139700" dir="2700000" algn="tl" rotWithShape="0">
+              <a:srgbClr val="333333">
+                <a:alpha val="65000"/>
+              </a:srgbClr>
+            </a:outerShdw>
+          </a:effectLst>
+        </p:spPr>
+      </p:pic>
+      <p:pic>
+        <p:nvPicPr>
+          <p:cNvPr id="18" name="Hình ảnh 17">
+            <a:extLst>
+              <a:ext uri="{FF2B5EF4-FFF2-40B4-BE49-F238E27FC236}">
+                <a16:creationId xmlns:a16="http://schemas.microsoft.com/office/drawing/2014/main" id="{64CE7254-35B0-477C-A65B-EE5973331FA8}"/>
+              </a:ext>
+            </a:extLst>
+          </p:cNvPr>
+          <p:cNvPicPr>
+            <a:picLocks noChangeAspect="1"/>
+          </p:cNvPicPr>
+          <p:nvPr/>
+        </p:nvPicPr>
+        <p:blipFill>
+          <a:blip r:embed="rId10"/>
+          <a:stretch>
+            <a:fillRect/>
+          </a:stretch>
+        </p:blipFill>
+        <p:spPr>
+          <a:xfrm>
+            <a:off x="455444" y="0"/>
+            <a:ext cx="8233111" cy="5143500"/>
+          </a:xfrm>
+          <a:prstGeom prst="rect">
+            <a:avLst/>
+          </a:prstGeom>
+          <a:ln>
+            <a:noFill/>
+          </a:ln>
+          <a:effectLst>
+            <a:outerShdw blurRad="292100" dist="139700" dir="2700000" algn="tl" rotWithShape="0">
+              <a:srgbClr val="333333">
+                <a:alpha val="65000"/>
+              </a:srgbClr>
+            </a:outerShdw>
+          </a:effectLst>
+        </p:spPr>
+      </p:pic>
+      <p:pic>
+        <p:nvPicPr>
+          <p:cNvPr id="19" name="Hình ảnh 18">
+            <a:extLst>
+              <a:ext uri="{FF2B5EF4-FFF2-40B4-BE49-F238E27FC236}">
+                <a16:creationId xmlns:a16="http://schemas.microsoft.com/office/drawing/2014/main" id="{3BE2F348-D38B-498D-8720-60CC6E257B83}"/>
+              </a:ext>
+            </a:extLst>
+          </p:cNvPr>
+          <p:cNvPicPr>
+            <a:picLocks noChangeAspect="1"/>
+          </p:cNvPicPr>
+          <p:nvPr/>
+        </p:nvPicPr>
+        <p:blipFill>
+          <a:blip r:embed="rId11"/>
+          <a:stretch>
+            <a:fillRect/>
+          </a:stretch>
+        </p:blipFill>
+        <p:spPr>
+          <a:xfrm>
+            <a:off x="1590391" y="0"/>
+            <a:ext cx="5963217" cy="5143500"/>
+          </a:xfrm>
+          <a:prstGeom prst="rect">
+            <a:avLst/>
+          </a:prstGeom>
+          <a:ln>
+            <a:noFill/>
+          </a:ln>
+          <a:effectLst>
+            <a:outerShdw blurRad="292100" dist="139700" dir="2700000" algn="tl" rotWithShape="0">
+              <a:srgbClr val="333333">
+                <a:alpha val="65000"/>
+              </a:srgbClr>
+            </a:outerShdw>
+          </a:effectLst>
+        </p:spPr>
+      </p:pic>
+      <p:pic>
+        <p:nvPicPr>
+          <p:cNvPr id="20" name="Hình ảnh 19">
+            <a:extLst>
+              <a:ext uri="{FF2B5EF4-FFF2-40B4-BE49-F238E27FC236}">
+                <a16:creationId xmlns:a16="http://schemas.microsoft.com/office/drawing/2014/main" id="{3DAB476B-42D0-4126-8F29-A12E3B9E3BCA}"/>
+              </a:ext>
+            </a:extLst>
+          </p:cNvPr>
+          <p:cNvPicPr>
+            <a:picLocks noChangeAspect="1"/>
+          </p:cNvPicPr>
+          <p:nvPr/>
+        </p:nvPicPr>
+        <p:blipFill>
+          <a:blip r:embed="rId12"/>
+          <a:stretch>
+            <a:fillRect/>
+          </a:stretch>
+        </p:blipFill>
+        <p:spPr>
+          <a:xfrm>
+            <a:off x="496194" y="0"/>
+            <a:ext cx="8151612" cy="5143500"/>
+          </a:xfrm>
+          <a:prstGeom prst="rect">
+            <a:avLst/>
+          </a:prstGeom>
+          <a:ln>
+            <a:noFill/>
+          </a:ln>
+          <a:effectLst>
+            <a:outerShdw blurRad="292100" dist="139700" dir="2700000" algn="tl" rotWithShape="0">
+              <a:srgbClr val="333333">
+                <a:alpha val="65000"/>
+              </a:srgbClr>
+            </a:outerShdw>
+          </a:effectLst>
+        </p:spPr>
+      </p:pic>
+    </p:spTree>
+    <p:extLst>
+      <p:ext uri="{BB962C8B-B14F-4D97-AF65-F5344CB8AC3E}">
+        <p14:creationId xmlns:p14="http://schemas.microsoft.com/office/powerpoint/2010/main" val="3884549491"/>
+      </p:ext>
+    </p:extLst>
+  </p:cSld>
+  <p:clrMapOvr>
+    <a:masterClrMapping/>
+  </p:clrMapOvr>
+  <p:transition spd="slow">
+    <p:push dir="u"/>
+  </p:transition>
+  <p:timing>
+    <p:tnLst>
+      <p:par>
+        <p:cTn id="1" dur="indefinite" restart="never" nodeType="tmRoot">
+          <p:childTnLst>
+            <p:seq concurrent="1" nextAc="seek">
+              <p:cTn id="2" dur="indefinite" nodeType="mainSeq">
+                <p:childTnLst>
+                  <p:par>
+                    <p:cTn id="3" fill="hold">
+                      <p:stCondLst>
+                        <p:cond delay="indefinite"/>
+                        <p:cond evt="onBegin" delay="0">
+                          <p:tn val="2"/>
+                        </p:cond>
+                      </p:stCondLst>
+                      <p:childTnLst>
+                        <p:par>
+                          <p:cTn id="4" fill="hold">
+                            <p:stCondLst>
+                              <p:cond delay="0"/>
+                            </p:stCondLst>
+                            <p:childTnLst>
+                              <p:par>
+                                <p:cTn id="5" presetID="10" presetClass="entr" presetSubtype="0" fill="hold" grpId="0" nodeType="withEffect">
+                                  <p:stCondLst>
+                                    <p:cond delay="0"/>
+                                  </p:stCondLst>
+                                  <p:childTnLst>
+                                    <p:set>
+                                      <p:cBhvr>
+                                        <p:cTn id="6" dur="1" fill="hold">
+                                          <p:stCondLst>
+                                            <p:cond delay="0"/>
+                                          </p:stCondLst>
+                                        </p:cTn>
+                                        <p:tgtEl>
+                                          <p:spTgt spid="11"/>
+                                        </p:tgtEl>
+                                        <p:attrNameLst>
+                                          <p:attrName>style.visibility</p:attrName>
+                                        </p:attrNameLst>
+                                      </p:cBhvr>
+                                      <p:to>
+                                        <p:strVal val="visible"/>
+                                      </p:to>
+                                    </p:set>
+                                    <p:animEffect transition="in" filter="fade">
+                                      <p:cBhvr>
+                                        <p:cTn id="7" dur="500"/>
+                                        <p:tgtEl>
+                                          <p:spTgt spid="11"/>
+                                        </p:tgtEl>
+                                      </p:cBhvr>
+                                    </p:animEffect>
+                                  </p:childTnLst>
+                                </p:cTn>
+                              </p:par>
+                              <p:par>
+                                <p:cTn id="8" presetID="10" presetClass="entr" presetSubtype="0" fill="hold" nodeType="withEffect">
+                                  <p:stCondLst>
+                                    <p:cond delay="0"/>
+                                  </p:stCondLst>
+                                  <p:childTnLst>
+                                    <p:set>
+                                      <p:cBhvr>
+                                        <p:cTn id="9" dur="1" fill="hold">
+                                          <p:stCondLst>
+                                            <p:cond delay="0"/>
+                                          </p:stCondLst>
+                                        </p:cTn>
+                                        <p:tgtEl>
+                                          <p:spTgt spid="7"/>
+                                        </p:tgtEl>
+                                        <p:attrNameLst>
+                                          <p:attrName>style.visibility</p:attrName>
+                                        </p:attrNameLst>
+                                      </p:cBhvr>
+                                      <p:to>
+                                        <p:strVal val="visible"/>
+                                      </p:to>
+                                    </p:set>
+                                    <p:animEffect transition="in" filter="fade">
+                                      <p:cBhvr>
+                                        <p:cTn id="10" dur="500"/>
+                                        <p:tgtEl>
+                                          <p:spTgt spid="7"/>
+                                        </p:tgtEl>
+                                      </p:cBhvr>
+                                    </p:animEffect>
+                                  </p:childTnLst>
+                                </p:cTn>
+                              </p:par>
+                              <p:par>
+                                <p:cTn id="11" presetID="10" presetClass="entr" presetSubtype="0" fill="hold" nodeType="withEffect">
+                                  <p:stCondLst>
+                                    <p:cond delay="0"/>
+                                  </p:stCondLst>
+                                  <p:childTnLst>
+                                    <p:set>
+                                      <p:cBhvr>
+                                        <p:cTn id="12" dur="1" fill="hold">
+                                          <p:stCondLst>
+                                            <p:cond delay="0"/>
+                                          </p:stCondLst>
+                                        </p:cTn>
+                                        <p:tgtEl>
+                                          <p:spTgt spid="9"/>
+                                        </p:tgtEl>
+                                        <p:attrNameLst>
+                                          <p:attrName>style.visibility</p:attrName>
+                                        </p:attrNameLst>
+                                      </p:cBhvr>
+                                      <p:to>
+                                        <p:strVal val="visible"/>
+                                      </p:to>
+                                    </p:set>
+                                    <p:animEffect transition="in" filter="fade">
+                                      <p:cBhvr>
+                                        <p:cTn id="13" dur="500"/>
+                                        <p:tgtEl>
+                                          <p:spTgt spid="9"/>
+                                        </p:tgtEl>
+                                      </p:cBhvr>
+                                    </p:animEffect>
+                                  </p:childTnLst>
+                                </p:cTn>
+                              </p:par>
+                              <p:par>
+                                <p:cTn id="14" presetID="10" presetClass="entr" presetSubtype="0" fill="hold" grpId="0" nodeType="withEffect">
+                                  <p:stCondLst>
+                                    <p:cond delay="0"/>
+                                  </p:stCondLst>
+                                  <p:childTnLst>
+                                    <p:set>
+                                      <p:cBhvr>
+                                        <p:cTn id="15" dur="1" fill="hold">
+                                          <p:stCondLst>
+                                            <p:cond delay="0"/>
+                                          </p:stCondLst>
+                                        </p:cTn>
+                                        <p:tgtEl>
+                                          <p:spTgt spid="12"/>
+                                        </p:tgtEl>
+                                        <p:attrNameLst>
+                                          <p:attrName>style.visibility</p:attrName>
+                                        </p:attrNameLst>
+                                      </p:cBhvr>
+                                      <p:to>
+                                        <p:strVal val="visible"/>
+                                      </p:to>
+                                    </p:set>
+                                    <p:animEffect transition="in" filter="fade">
+                                      <p:cBhvr>
+                                        <p:cTn id="16" dur="500"/>
+                                        <p:tgtEl>
+                                          <p:spTgt spid="12"/>
+                                        </p:tgtEl>
+                                      </p:cBhvr>
+                                    </p:animEffect>
+                                  </p:childTnLst>
+                                </p:cTn>
+                              </p:par>
+                              <p:par>
+                                <p:cTn id="17" presetID="10" presetClass="entr" presetSubtype="0" fill="hold" nodeType="withEffect">
+                                  <p:stCondLst>
+                                    <p:cond delay="0"/>
+                                  </p:stCondLst>
+                                  <p:childTnLst>
+                                    <p:set>
+                                      <p:cBhvr>
+                                        <p:cTn id="18" dur="1" fill="hold">
+                                          <p:stCondLst>
+                                            <p:cond delay="0"/>
+                                          </p:stCondLst>
+                                        </p:cTn>
+                                        <p:tgtEl>
+                                          <p:spTgt spid="10"/>
+                                        </p:tgtEl>
+                                        <p:attrNameLst>
+                                          <p:attrName>style.visibility</p:attrName>
+                                        </p:attrNameLst>
+                                      </p:cBhvr>
+                                      <p:to>
+                                        <p:strVal val="visible"/>
+                                      </p:to>
+                                    </p:set>
+                                    <p:animEffect transition="in" filter="fade">
+                                      <p:cBhvr>
+                                        <p:cTn id="19" dur="500"/>
+                                        <p:tgtEl>
+                                          <p:spTgt spid="10"/>
+                                        </p:tgtEl>
+                                      </p:cBhvr>
+                                    </p:animEffect>
+                                  </p:childTnLst>
+                                </p:cTn>
+                              </p:par>
+                              <p:par>
+                                <p:cTn id="20" presetID="10" presetClass="entr" presetSubtype="0" fill="hold" grpId="0" nodeType="withEffect">
+                                  <p:stCondLst>
+                                    <p:cond delay="0"/>
+                                  </p:stCondLst>
+                                  <p:childTnLst>
+                                    <p:set>
+                                      <p:cBhvr>
+                                        <p:cTn id="21" dur="1" fill="hold">
+                                          <p:stCondLst>
+                                            <p:cond delay="0"/>
+                                          </p:stCondLst>
+                                        </p:cTn>
+                                        <p:tgtEl>
+                                          <p:spTgt spid="13"/>
+                                        </p:tgtEl>
+                                        <p:attrNameLst>
+                                          <p:attrName>style.visibility</p:attrName>
+                                        </p:attrNameLst>
+                                      </p:cBhvr>
+                                      <p:to>
+                                        <p:strVal val="visible"/>
+                                      </p:to>
+                                    </p:set>
+                                    <p:animEffect transition="in" filter="fade">
+                                      <p:cBhvr>
+                                        <p:cTn id="22" dur="500"/>
+                                        <p:tgtEl>
+                                          <p:spTgt spid="13"/>
+                                        </p:tgtEl>
+                                      </p:cBhvr>
+                                    </p:animEffect>
+                                  </p:childTnLst>
+                                </p:cTn>
+                              </p:par>
+                              <p:par>
+                                <p:cTn id="23" presetID="10" presetClass="entr" presetSubtype="0" fill="hold" grpId="0" nodeType="withEffect">
+                                  <p:stCondLst>
+                                    <p:cond delay="0"/>
+                                  </p:stCondLst>
+                                  <p:childTnLst>
+                                    <p:set>
+                                      <p:cBhvr>
+                                        <p:cTn id="24" dur="1" fill="hold">
+                                          <p:stCondLst>
+                                            <p:cond delay="0"/>
+                                          </p:stCondLst>
+                                        </p:cTn>
+                                        <p:tgtEl>
+                                          <p:spTgt spid="14"/>
+                                        </p:tgtEl>
+                                        <p:attrNameLst>
+                                          <p:attrName>style.visibility</p:attrName>
+                                        </p:attrNameLst>
+                                      </p:cBhvr>
+                                      <p:to>
+                                        <p:strVal val="visible"/>
+                                      </p:to>
+                                    </p:set>
+                                    <p:animEffect transition="in" filter="fade">
+                                      <p:cBhvr>
+                                        <p:cTn id="25" dur="500"/>
+                                        <p:tgtEl>
+                                          <p:spTgt spid="14"/>
+                                        </p:tgtEl>
+                                      </p:cBhvr>
+                                    </p:animEffect>
+                                  </p:childTnLst>
+                                </p:cTn>
+                              </p:par>
+                              <p:par>
+                                <p:cTn id="26" presetID="10" presetClass="entr" presetSubtype="0" fill="hold" nodeType="withEffect">
+                                  <p:stCondLst>
+                                    <p:cond delay="0"/>
+                                  </p:stCondLst>
+                                  <p:childTnLst>
+                                    <p:set>
+                                      <p:cBhvr>
+                                        <p:cTn id="27" dur="1" fill="hold">
+                                          <p:stCondLst>
+                                            <p:cond delay="0"/>
+                                          </p:stCondLst>
+                                        </p:cTn>
+                                        <p:tgtEl>
+                                          <p:spTgt spid="8"/>
+                                        </p:tgtEl>
+                                        <p:attrNameLst>
+                                          <p:attrName>style.visibility</p:attrName>
+                                        </p:attrNameLst>
+                                      </p:cBhvr>
+                                      <p:to>
+                                        <p:strVal val="visible"/>
+                                      </p:to>
+                                    </p:set>
+                                    <p:animEffect transition="in" filter="fade">
+                                      <p:cBhvr>
+                                        <p:cTn id="28" dur="500"/>
+                                        <p:tgtEl>
+                                          <p:spTgt spid="8"/>
+                                        </p:tgtEl>
+                                      </p:cBhvr>
+                                    </p:animEffect>
+                                  </p:childTnLst>
+                                </p:cTn>
+                              </p:par>
+                            </p:childTnLst>
+                          </p:cTn>
+                        </p:par>
+                      </p:childTnLst>
+                    </p:cTn>
+                  </p:par>
+                  <p:par>
+                    <p:cTn id="29" fill="hold">
+                      <p:stCondLst>
+                        <p:cond delay="indefinite"/>
+                      </p:stCondLst>
+                      <p:childTnLst>
+                        <p:par>
+                          <p:cTn id="30" fill="hold">
+                            <p:stCondLst>
+                              <p:cond delay="0"/>
+                            </p:stCondLst>
+                            <p:childTnLst>
+                              <p:par>
+                                <p:cTn id="31" presetID="10" presetClass="exit" presetSubtype="0" fill="hold" grpId="1" nodeType="clickEffect">
+                                  <p:stCondLst>
+                                    <p:cond delay="0"/>
+                                  </p:stCondLst>
+                                  <p:childTnLst>
+                                    <p:animEffect transition="out" filter="fade">
+                                      <p:cBhvr>
+                                        <p:cTn id="32" dur="500"/>
+                                        <p:tgtEl>
+                                          <p:spTgt spid="11"/>
+                                        </p:tgtEl>
+                                      </p:cBhvr>
+                                    </p:animEffect>
+                                    <p:set>
+                                      <p:cBhvr>
+                                        <p:cTn id="33" dur="1" fill="hold">
+                                          <p:stCondLst>
+                                            <p:cond delay="499"/>
+                                          </p:stCondLst>
+                                        </p:cTn>
+                                        <p:tgtEl>
+                                          <p:spTgt spid="11"/>
+                                        </p:tgtEl>
+                                        <p:attrNameLst>
+                                          <p:attrName>style.visibility</p:attrName>
+                                        </p:attrNameLst>
+                                      </p:cBhvr>
+                                      <p:to>
+                                        <p:strVal val="hidden"/>
+                                      </p:to>
+                                    </p:set>
+                                  </p:childTnLst>
+                                </p:cTn>
+                              </p:par>
+                              <p:par>
+                                <p:cTn id="34" presetID="10" presetClass="exit" presetSubtype="0" fill="hold" nodeType="withEffect">
+                                  <p:stCondLst>
+                                    <p:cond delay="0"/>
+                                  </p:stCondLst>
+                                  <p:childTnLst>
+                                    <p:animEffect transition="out" filter="fade">
+                                      <p:cBhvr>
+                                        <p:cTn id="35" dur="500"/>
+                                        <p:tgtEl>
+                                          <p:spTgt spid="7"/>
+                                        </p:tgtEl>
+                                      </p:cBhvr>
+                                    </p:animEffect>
+                                    <p:set>
+                                      <p:cBhvr>
+                                        <p:cTn id="36" dur="1" fill="hold">
+                                          <p:stCondLst>
+                                            <p:cond delay="499"/>
+                                          </p:stCondLst>
+                                        </p:cTn>
+                                        <p:tgtEl>
+                                          <p:spTgt spid="7"/>
+                                        </p:tgtEl>
+                                        <p:attrNameLst>
+                                          <p:attrName>style.visibility</p:attrName>
+                                        </p:attrNameLst>
+                                      </p:cBhvr>
+                                      <p:to>
+                                        <p:strVal val="hidden"/>
+                                      </p:to>
+                                    </p:set>
+                                  </p:childTnLst>
+                                </p:cTn>
+                              </p:par>
+                              <p:par>
+                                <p:cTn id="37" presetID="10" presetClass="exit" presetSubtype="0" fill="hold" nodeType="withEffect">
+                                  <p:stCondLst>
+                                    <p:cond delay="0"/>
+                                  </p:stCondLst>
+                                  <p:childTnLst>
+                                    <p:animEffect transition="out" filter="fade">
+                                      <p:cBhvr>
+                                        <p:cTn id="38" dur="500"/>
+                                        <p:tgtEl>
+                                          <p:spTgt spid="9"/>
+                                        </p:tgtEl>
+                                      </p:cBhvr>
+                                    </p:animEffect>
+                                    <p:set>
+                                      <p:cBhvr>
+                                        <p:cTn id="39" dur="1" fill="hold">
+                                          <p:stCondLst>
+                                            <p:cond delay="499"/>
+                                          </p:stCondLst>
+                                        </p:cTn>
+                                        <p:tgtEl>
+                                          <p:spTgt spid="9"/>
+                                        </p:tgtEl>
+                                        <p:attrNameLst>
+                                          <p:attrName>style.visibility</p:attrName>
+                                        </p:attrNameLst>
+                                      </p:cBhvr>
+                                      <p:to>
+                                        <p:strVal val="hidden"/>
+                                      </p:to>
+                                    </p:set>
+                                  </p:childTnLst>
+                                </p:cTn>
+                              </p:par>
+                              <p:par>
+                                <p:cTn id="40" presetID="10" presetClass="exit" presetSubtype="0" fill="hold" grpId="1" nodeType="withEffect">
+                                  <p:stCondLst>
+                                    <p:cond delay="0"/>
+                                  </p:stCondLst>
+                                  <p:childTnLst>
+                                    <p:animEffect transition="out" filter="fade">
+                                      <p:cBhvr>
+                                        <p:cTn id="41" dur="500"/>
+                                        <p:tgtEl>
+                                          <p:spTgt spid="12"/>
+                                        </p:tgtEl>
+                                      </p:cBhvr>
+                                    </p:animEffect>
+                                    <p:set>
+                                      <p:cBhvr>
+                                        <p:cTn id="42" dur="1" fill="hold">
+                                          <p:stCondLst>
+                                            <p:cond delay="499"/>
+                                          </p:stCondLst>
+                                        </p:cTn>
+                                        <p:tgtEl>
+                                          <p:spTgt spid="12"/>
+                                        </p:tgtEl>
+                                        <p:attrNameLst>
+                                          <p:attrName>style.visibility</p:attrName>
+                                        </p:attrNameLst>
+                                      </p:cBhvr>
+                                      <p:to>
+                                        <p:strVal val="hidden"/>
+                                      </p:to>
+                                    </p:set>
+                                  </p:childTnLst>
+                                </p:cTn>
+                              </p:par>
+                              <p:par>
+                                <p:cTn id="43" presetID="10" presetClass="exit" presetSubtype="0" fill="hold" nodeType="withEffect">
+                                  <p:stCondLst>
+                                    <p:cond delay="0"/>
+                                  </p:stCondLst>
+                                  <p:childTnLst>
+                                    <p:animEffect transition="out" filter="fade">
+                                      <p:cBhvr>
+                                        <p:cTn id="44" dur="500"/>
+                                        <p:tgtEl>
+                                          <p:spTgt spid="10"/>
+                                        </p:tgtEl>
+                                      </p:cBhvr>
+                                    </p:animEffect>
+                                    <p:set>
+                                      <p:cBhvr>
+                                        <p:cTn id="45" dur="1" fill="hold">
+                                          <p:stCondLst>
+                                            <p:cond delay="499"/>
+                                          </p:stCondLst>
+                                        </p:cTn>
+                                        <p:tgtEl>
+                                          <p:spTgt spid="10"/>
+                                        </p:tgtEl>
+                                        <p:attrNameLst>
+                                          <p:attrName>style.visibility</p:attrName>
+                                        </p:attrNameLst>
+                                      </p:cBhvr>
+                                      <p:to>
+                                        <p:strVal val="hidden"/>
+                                      </p:to>
+                                    </p:set>
+                                  </p:childTnLst>
+                                </p:cTn>
+                              </p:par>
+                              <p:par>
+                                <p:cTn id="46" presetID="10" presetClass="exit" presetSubtype="0" fill="hold" grpId="1" nodeType="withEffect">
+                                  <p:stCondLst>
+                                    <p:cond delay="0"/>
+                                  </p:stCondLst>
+                                  <p:childTnLst>
+                                    <p:animEffect transition="out" filter="fade">
+                                      <p:cBhvr>
+                                        <p:cTn id="47" dur="500"/>
+                                        <p:tgtEl>
+                                          <p:spTgt spid="13"/>
+                                        </p:tgtEl>
+                                      </p:cBhvr>
+                                    </p:animEffect>
+                                    <p:set>
+                                      <p:cBhvr>
+                                        <p:cTn id="48" dur="1" fill="hold">
+                                          <p:stCondLst>
+                                            <p:cond delay="499"/>
+                                          </p:stCondLst>
+                                        </p:cTn>
+                                        <p:tgtEl>
+                                          <p:spTgt spid="13"/>
+                                        </p:tgtEl>
+                                        <p:attrNameLst>
+                                          <p:attrName>style.visibility</p:attrName>
+                                        </p:attrNameLst>
+                                      </p:cBhvr>
+                                      <p:to>
+                                        <p:strVal val="hidden"/>
+                                      </p:to>
+                                    </p:set>
+                                  </p:childTnLst>
+                                </p:cTn>
+                              </p:par>
+                              <p:par>
+                                <p:cTn id="49" presetID="10" presetClass="exit" presetSubtype="0" fill="hold" grpId="1" nodeType="withEffect">
+                                  <p:stCondLst>
+                                    <p:cond delay="0"/>
+                                  </p:stCondLst>
+                                  <p:childTnLst>
+                                    <p:animEffect transition="out" filter="fade">
+                                      <p:cBhvr>
+                                        <p:cTn id="50" dur="500"/>
+                                        <p:tgtEl>
+                                          <p:spTgt spid="14"/>
+                                        </p:tgtEl>
+                                      </p:cBhvr>
+                                    </p:animEffect>
+                                    <p:set>
+                                      <p:cBhvr>
+                                        <p:cTn id="51" dur="1" fill="hold">
+                                          <p:stCondLst>
+                                            <p:cond delay="499"/>
+                                          </p:stCondLst>
+                                        </p:cTn>
+                                        <p:tgtEl>
+                                          <p:spTgt spid="14"/>
+                                        </p:tgtEl>
+                                        <p:attrNameLst>
+                                          <p:attrName>style.visibility</p:attrName>
+                                        </p:attrNameLst>
+                                      </p:cBhvr>
+                                      <p:to>
+                                        <p:strVal val="hidden"/>
+                                      </p:to>
+                                    </p:set>
+                                  </p:childTnLst>
+                                </p:cTn>
+                              </p:par>
+                              <p:par>
+                                <p:cTn id="52" presetID="10" presetClass="exit" presetSubtype="0" fill="hold" nodeType="withEffect">
+                                  <p:stCondLst>
+                                    <p:cond delay="0"/>
+                                  </p:stCondLst>
+                                  <p:childTnLst>
+                                    <p:animEffect transition="out" filter="fade">
+                                      <p:cBhvr>
+                                        <p:cTn id="53" dur="500"/>
+                                        <p:tgtEl>
+                                          <p:spTgt spid="8"/>
+                                        </p:tgtEl>
+                                      </p:cBhvr>
+                                    </p:animEffect>
+                                    <p:set>
+                                      <p:cBhvr>
+                                        <p:cTn id="54" dur="1" fill="hold">
+                                          <p:stCondLst>
+                                            <p:cond delay="499"/>
+                                          </p:stCondLst>
+                                        </p:cTn>
+                                        <p:tgtEl>
+                                          <p:spTgt spid="8"/>
+                                        </p:tgtEl>
+                                        <p:attrNameLst>
+                                          <p:attrName>style.visibility</p:attrName>
+                                        </p:attrNameLst>
+                                      </p:cBhvr>
+                                      <p:to>
+                                        <p:strVal val="hidden"/>
+                                      </p:to>
+                                    </p:set>
+                                  </p:childTnLst>
+                                </p:cTn>
+                              </p:par>
+                              <p:par>
+                                <p:cTn id="55" presetID="22" presetClass="entr" presetSubtype="4" fill="hold" nodeType="withEffect">
+                                  <p:stCondLst>
+                                    <p:cond delay="0"/>
+                                  </p:stCondLst>
+                                  <p:childTnLst>
+                                    <p:set>
+                                      <p:cBhvr>
+                                        <p:cTn id="56" dur="1" fill="hold">
+                                          <p:stCondLst>
+                                            <p:cond delay="0"/>
+                                          </p:stCondLst>
+                                        </p:cTn>
+                                        <p:tgtEl>
+                                          <p:spTgt spid="15"/>
+                                        </p:tgtEl>
+                                        <p:attrNameLst>
+                                          <p:attrName>style.visibility</p:attrName>
+                                        </p:attrNameLst>
+                                      </p:cBhvr>
+                                      <p:to>
+                                        <p:strVal val="visible"/>
+                                      </p:to>
+                                    </p:set>
+                                    <p:animEffect transition="in" filter="wipe(down)">
+                                      <p:cBhvr>
+                                        <p:cTn id="57" dur="500"/>
+                                        <p:tgtEl>
+                                          <p:spTgt spid="15"/>
+                                        </p:tgtEl>
+                                      </p:cBhvr>
+                                    </p:animEffect>
+                                  </p:childTnLst>
+                                </p:cTn>
+                              </p:par>
+                            </p:childTnLst>
+                          </p:cTn>
+                        </p:par>
+                      </p:childTnLst>
+                    </p:cTn>
+                  </p:par>
+                  <p:par>
+                    <p:cTn id="58" fill="hold">
+                      <p:stCondLst>
+                        <p:cond delay="indefinite"/>
+                      </p:stCondLst>
+                      <p:childTnLst>
+                        <p:par>
+                          <p:cTn id="59" fill="hold">
+                            <p:stCondLst>
+                              <p:cond delay="0"/>
+                            </p:stCondLst>
+                            <p:childTnLst>
+                              <p:par>
+                                <p:cTn id="60" presetID="16" presetClass="exit" presetSubtype="21" fill="hold" nodeType="clickEffect">
+                                  <p:stCondLst>
+                                    <p:cond delay="0"/>
+                                  </p:stCondLst>
+                                  <p:childTnLst>
+                                    <p:animEffect transition="out" filter="barn(inVertical)">
+                                      <p:cBhvr>
+                                        <p:cTn id="61" dur="500"/>
+                                        <p:tgtEl>
+                                          <p:spTgt spid="15"/>
+                                        </p:tgtEl>
+                                      </p:cBhvr>
+                                    </p:animEffect>
+                                    <p:set>
+                                      <p:cBhvr>
+                                        <p:cTn id="62" dur="1" fill="hold">
+                                          <p:stCondLst>
+                                            <p:cond delay="499"/>
+                                          </p:stCondLst>
+                                        </p:cTn>
+                                        <p:tgtEl>
+                                          <p:spTgt spid="15"/>
+                                        </p:tgtEl>
+                                        <p:attrNameLst>
+                                          <p:attrName>style.visibility</p:attrName>
+                                        </p:attrNameLst>
+                                      </p:cBhvr>
+                                      <p:to>
+                                        <p:strVal val="hidden"/>
+                                      </p:to>
+                                    </p:set>
+                                  </p:childTnLst>
+                                </p:cTn>
+                              </p:par>
+                              <p:par>
+                                <p:cTn id="63" presetID="22" presetClass="entr" presetSubtype="4" fill="hold" nodeType="withEffect">
+                                  <p:stCondLst>
+                                    <p:cond delay="0"/>
+                                  </p:stCondLst>
+                                  <p:childTnLst>
+                                    <p:set>
+                                      <p:cBhvr>
+                                        <p:cTn id="64" dur="1" fill="hold">
+                                          <p:stCondLst>
+                                            <p:cond delay="0"/>
+                                          </p:stCondLst>
+                                        </p:cTn>
+                                        <p:tgtEl>
+                                          <p:spTgt spid="16"/>
+                                        </p:tgtEl>
+                                        <p:attrNameLst>
+                                          <p:attrName>style.visibility</p:attrName>
+                                        </p:attrNameLst>
+                                      </p:cBhvr>
+                                      <p:to>
+                                        <p:strVal val="visible"/>
+                                      </p:to>
+                                    </p:set>
+                                    <p:animEffect transition="in" filter="wipe(down)">
+                                      <p:cBhvr>
+                                        <p:cTn id="65" dur="500"/>
+                                        <p:tgtEl>
+                                          <p:spTgt spid="16"/>
+                                        </p:tgtEl>
+                                      </p:cBhvr>
+                                    </p:animEffect>
+                                  </p:childTnLst>
+                                </p:cTn>
+                              </p:par>
+                            </p:childTnLst>
+                          </p:cTn>
+                        </p:par>
+                      </p:childTnLst>
+                    </p:cTn>
+                  </p:par>
+                  <p:par>
+                    <p:cTn id="66" fill="hold">
+                      <p:stCondLst>
+                        <p:cond delay="indefinite"/>
+                      </p:stCondLst>
+                      <p:childTnLst>
+                        <p:par>
+                          <p:cTn id="67" fill="hold">
+                            <p:stCondLst>
+                              <p:cond delay="0"/>
+                            </p:stCondLst>
+                            <p:childTnLst>
+                              <p:par>
+                                <p:cTn id="68" presetID="16" presetClass="exit" presetSubtype="21" fill="hold" nodeType="clickEffect">
+                                  <p:stCondLst>
+                                    <p:cond delay="0"/>
+                                  </p:stCondLst>
+                                  <p:childTnLst>
+                                    <p:animEffect transition="out" filter="barn(inVertical)">
+                                      <p:cBhvr>
+                                        <p:cTn id="69" dur="500"/>
+                                        <p:tgtEl>
+                                          <p:spTgt spid="16"/>
+                                        </p:tgtEl>
+                                      </p:cBhvr>
+                                    </p:animEffect>
+                                    <p:set>
+                                      <p:cBhvr>
+                                        <p:cTn id="70" dur="1" fill="hold">
+                                          <p:stCondLst>
+                                            <p:cond delay="499"/>
+                                          </p:stCondLst>
+                                        </p:cTn>
+                                        <p:tgtEl>
+                                          <p:spTgt spid="16"/>
+                                        </p:tgtEl>
+                                        <p:attrNameLst>
+                                          <p:attrName>style.visibility</p:attrName>
+                                        </p:attrNameLst>
+                                      </p:cBhvr>
+                                      <p:to>
+                                        <p:strVal val="hidden"/>
+                                      </p:to>
+                                    </p:set>
+                                  </p:childTnLst>
+                                </p:cTn>
+                              </p:par>
+                              <p:par>
+                                <p:cTn id="71" presetID="22" presetClass="entr" presetSubtype="4" fill="hold" nodeType="withEffect">
+                                  <p:stCondLst>
+                                    <p:cond delay="0"/>
+                                  </p:stCondLst>
+                                  <p:childTnLst>
+                                    <p:set>
+                                      <p:cBhvr>
+                                        <p:cTn id="72" dur="1" fill="hold">
+                                          <p:stCondLst>
+                                            <p:cond delay="0"/>
+                                          </p:stCondLst>
+                                        </p:cTn>
+                                        <p:tgtEl>
+                                          <p:spTgt spid="17"/>
+                                        </p:tgtEl>
+                                        <p:attrNameLst>
+                                          <p:attrName>style.visibility</p:attrName>
+                                        </p:attrNameLst>
+                                      </p:cBhvr>
+                                      <p:to>
+                                        <p:strVal val="visible"/>
+                                      </p:to>
+                                    </p:set>
+                                    <p:animEffect transition="in" filter="wipe(down)">
+                                      <p:cBhvr>
+                                        <p:cTn id="73" dur="500"/>
+                                        <p:tgtEl>
+                                          <p:spTgt spid="17"/>
+                                        </p:tgtEl>
+                                      </p:cBhvr>
+                                    </p:animEffect>
+                                  </p:childTnLst>
+                                </p:cTn>
+                              </p:par>
+                            </p:childTnLst>
+                          </p:cTn>
+                        </p:par>
+                      </p:childTnLst>
+                    </p:cTn>
+                  </p:par>
+                  <p:par>
+                    <p:cTn id="74" fill="hold">
+                      <p:stCondLst>
+                        <p:cond delay="indefinite"/>
+                      </p:stCondLst>
+                      <p:childTnLst>
+                        <p:par>
+                          <p:cTn id="75" fill="hold">
+                            <p:stCondLst>
+                              <p:cond delay="0"/>
+                            </p:stCondLst>
+                            <p:childTnLst>
+                              <p:par>
+                                <p:cTn id="76" presetID="16" presetClass="exit" presetSubtype="21" fill="hold" nodeType="clickEffect">
+                                  <p:stCondLst>
+                                    <p:cond delay="0"/>
+                                  </p:stCondLst>
+                                  <p:childTnLst>
+                                    <p:animEffect transition="out" filter="barn(inVertical)">
+                                      <p:cBhvr>
+                                        <p:cTn id="77" dur="500"/>
+                                        <p:tgtEl>
+                                          <p:spTgt spid="17"/>
+                                        </p:tgtEl>
+                                      </p:cBhvr>
+                                    </p:animEffect>
+                                    <p:set>
+                                      <p:cBhvr>
+                                        <p:cTn id="78" dur="1" fill="hold">
+                                          <p:stCondLst>
+                                            <p:cond delay="499"/>
+                                          </p:stCondLst>
+                                        </p:cTn>
+                                        <p:tgtEl>
+                                          <p:spTgt spid="17"/>
+                                        </p:tgtEl>
+                                        <p:attrNameLst>
+                                          <p:attrName>style.visibility</p:attrName>
+                                        </p:attrNameLst>
+                                      </p:cBhvr>
+                                      <p:to>
+                                        <p:strVal val="hidden"/>
+                                      </p:to>
+                                    </p:set>
+                                  </p:childTnLst>
+                                </p:cTn>
+                              </p:par>
+                              <p:par>
+                                <p:cTn id="79" presetID="22" presetClass="entr" presetSubtype="4" fill="hold" nodeType="withEffect">
+                                  <p:stCondLst>
+                                    <p:cond delay="0"/>
+                                  </p:stCondLst>
+                                  <p:childTnLst>
+                                    <p:set>
+                                      <p:cBhvr>
+                                        <p:cTn id="80" dur="1" fill="hold">
+                                          <p:stCondLst>
+                                            <p:cond delay="0"/>
+                                          </p:stCondLst>
+                                        </p:cTn>
+                                        <p:tgtEl>
+                                          <p:spTgt spid="18"/>
+                                        </p:tgtEl>
+                                        <p:attrNameLst>
+                                          <p:attrName>style.visibility</p:attrName>
+                                        </p:attrNameLst>
+                                      </p:cBhvr>
+                                      <p:to>
+                                        <p:strVal val="visible"/>
+                                      </p:to>
+                                    </p:set>
+                                    <p:animEffect transition="in" filter="wipe(down)">
+                                      <p:cBhvr>
+                                        <p:cTn id="81" dur="500"/>
+                                        <p:tgtEl>
+                                          <p:spTgt spid="18"/>
+                                        </p:tgtEl>
+                                      </p:cBhvr>
+                                    </p:animEffect>
+                                  </p:childTnLst>
+                                </p:cTn>
+                              </p:par>
+                            </p:childTnLst>
+                          </p:cTn>
+                        </p:par>
+                      </p:childTnLst>
+                    </p:cTn>
+                  </p:par>
+                  <p:par>
+                    <p:cTn id="82" fill="hold">
+                      <p:stCondLst>
+                        <p:cond delay="indefinite"/>
+                      </p:stCondLst>
+                      <p:childTnLst>
+                        <p:par>
+                          <p:cTn id="83" fill="hold">
+                            <p:stCondLst>
+                              <p:cond delay="0"/>
+                            </p:stCondLst>
+                            <p:childTnLst>
+                              <p:par>
+                                <p:cTn id="84" presetID="16" presetClass="exit" presetSubtype="21" fill="hold" nodeType="clickEffect">
+                                  <p:stCondLst>
+                                    <p:cond delay="0"/>
+                                  </p:stCondLst>
+                                  <p:childTnLst>
+                                    <p:animEffect transition="out" filter="barn(inVertical)">
+                                      <p:cBhvr>
+                                        <p:cTn id="85" dur="500"/>
+                                        <p:tgtEl>
+                                          <p:spTgt spid="18"/>
+                                        </p:tgtEl>
+                                      </p:cBhvr>
+                                    </p:animEffect>
+                                    <p:set>
+                                      <p:cBhvr>
+                                        <p:cTn id="86" dur="1" fill="hold">
+                                          <p:stCondLst>
+                                            <p:cond delay="499"/>
+                                          </p:stCondLst>
+                                        </p:cTn>
+                                        <p:tgtEl>
+                                          <p:spTgt spid="18"/>
+                                        </p:tgtEl>
+                                        <p:attrNameLst>
+                                          <p:attrName>style.visibility</p:attrName>
+                                        </p:attrNameLst>
+                                      </p:cBhvr>
+                                      <p:to>
+                                        <p:strVal val="hidden"/>
+                                      </p:to>
+                                    </p:set>
+                                  </p:childTnLst>
+                                </p:cTn>
+                              </p:par>
+                              <p:par>
+                                <p:cTn id="87" presetID="22" presetClass="entr" presetSubtype="4" fill="hold" nodeType="withEffect">
+                                  <p:stCondLst>
+                                    <p:cond delay="0"/>
+                                  </p:stCondLst>
+                                  <p:childTnLst>
+                                    <p:set>
+                                      <p:cBhvr>
+                                        <p:cTn id="88" dur="1" fill="hold">
+                                          <p:stCondLst>
+                                            <p:cond delay="0"/>
+                                          </p:stCondLst>
+                                        </p:cTn>
+                                        <p:tgtEl>
+                                          <p:spTgt spid="19"/>
+                                        </p:tgtEl>
+                                        <p:attrNameLst>
+                                          <p:attrName>style.visibility</p:attrName>
+                                        </p:attrNameLst>
+                                      </p:cBhvr>
+                                      <p:to>
+                                        <p:strVal val="visible"/>
+                                      </p:to>
+                                    </p:set>
+                                    <p:animEffect transition="in" filter="wipe(down)">
+                                      <p:cBhvr>
+                                        <p:cTn id="89" dur="500"/>
+                                        <p:tgtEl>
+                                          <p:spTgt spid="19"/>
+                                        </p:tgtEl>
+                                      </p:cBhvr>
+                                    </p:animEffect>
+                                  </p:childTnLst>
+                                </p:cTn>
+                              </p:par>
+                            </p:childTnLst>
+                          </p:cTn>
+                        </p:par>
+                      </p:childTnLst>
+                    </p:cTn>
+                  </p:par>
+                  <p:par>
+                    <p:cTn id="90" fill="hold">
+                      <p:stCondLst>
+                        <p:cond delay="indefinite"/>
+                      </p:stCondLst>
+                      <p:childTnLst>
+                        <p:par>
+                          <p:cTn id="91" fill="hold">
+                            <p:stCondLst>
+                              <p:cond delay="0"/>
+                            </p:stCondLst>
+                            <p:childTnLst>
+                              <p:par>
+                                <p:cTn id="92" presetID="16" presetClass="exit" presetSubtype="21" fill="hold" nodeType="clickEffect">
+                                  <p:stCondLst>
+                                    <p:cond delay="0"/>
+                                  </p:stCondLst>
+                                  <p:childTnLst>
+                                    <p:animEffect transition="out" filter="barn(inVertical)">
+                                      <p:cBhvr>
+                                        <p:cTn id="93" dur="500"/>
+                                        <p:tgtEl>
+                                          <p:spTgt spid="19"/>
+                                        </p:tgtEl>
+                                      </p:cBhvr>
+                                    </p:animEffect>
+                                    <p:set>
+                                      <p:cBhvr>
+                                        <p:cTn id="94" dur="1" fill="hold">
+                                          <p:stCondLst>
+                                            <p:cond delay="499"/>
+                                          </p:stCondLst>
+                                        </p:cTn>
+                                        <p:tgtEl>
+                                          <p:spTgt spid="19"/>
+                                        </p:tgtEl>
+                                        <p:attrNameLst>
+                                          <p:attrName>style.visibility</p:attrName>
+                                        </p:attrNameLst>
+                                      </p:cBhvr>
+                                      <p:to>
+                                        <p:strVal val="hidden"/>
+                                      </p:to>
+                                    </p:set>
+                                  </p:childTnLst>
+                                </p:cTn>
+                              </p:par>
+                              <p:par>
+                                <p:cTn id="95" presetID="22" presetClass="entr" presetSubtype="4" fill="hold" nodeType="withEffect">
+                                  <p:stCondLst>
+                                    <p:cond delay="0"/>
+                                  </p:stCondLst>
+                                  <p:childTnLst>
+                                    <p:set>
+                                      <p:cBhvr>
+                                        <p:cTn id="96" dur="1" fill="hold">
+                                          <p:stCondLst>
+                                            <p:cond delay="0"/>
+                                          </p:stCondLst>
+                                        </p:cTn>
+                                        <p:tgtEl>
+                                          <p:spTgt spid="20"/>
+                                        </p:tgtEl>
+                                        <p:attrNameLst>
+                                          <p:attrName>style.visibility</p:attrName>
+                                        </p:attrNameLst>
+                                      </p:cBhvr>
+                                      <p:to>
+                                        <p:strVal val="visible"/>
+                                      </p:to>
+                                    </p:set>
+                                    <p:animEffect transition="in" filter="wipe(down)">
+                                      <p:cBhvr>
+                                        <p:cTn id="97" dur="500"/>
+                                        <p:tgtEl>
+                                          <p:spTgt spid="20"/>
+                                        </p:tgtEl>
+                                      </p:cBhvr>
+                                    </p:animEffect>
+                                  </p:childTnLst>
+                                </p:cTn>
+                              </p:par>
+                            </p:childTnLst>
+                          </p:cTn>
+                        </p:par>
+                      </p:childTnLst>
+                    </p:cTn>
+                  </p:par>
+                  <p:par>
+                    <p:cTn id="98" fill="hold">
+                      <p:stCondLst>
+                        <p:cond delay="indefinite"/>
+                      </p:stCondLst>
+                      <p:childTnLst>
+                        <p:par>
+                          <p:cTn id="99" fill="hold">
+                            <p:stCondLst>
+                              <p:cond delay="0"/>
+                            </p:stCondLst>
+                            <p:childTnLst>
+                              <p:par>
+                                <p:cTn id="100" presetID="16" presetClass="exit" presetSubtype="21" fill="hold" nodeType="clickEffect">
+                                  <p:stCondLst>
+                                    <p:cond delay="0"/>
+                                  </p:stCondLst>
+                                  <p:childTnLst>
+                                    <p:animEffect transition="out" filter="barn(inVertical)">
+                                      <p:cBhvr>
+                                        <p:cTn id="101" dur="500"/>
+                                        <p:tgtEl>
+                                          <p:spTgt spid="20"/>
+                                        </p:tgtEl>
+                                      </p:cBhvr>
+                                    </p:animEffect>
+                                    <p:set>
+                                      <p:cBhvr>
+                                        <p:cTn id="102" dur="1" fill="hold">
+                                          <p:stCondLst>
+                                            <p:cond delay="499"/>
+                                          </p:stCondLst>
+                                        </p:cTn>
+                                        <p:tgtEl>
+                                          <p:spTgt spid="20"/>
+                                        </p:tgtEl>
+                                        <p:attrNameLst>
+                                          <p:attrName>style.visibility</p:attrName>
+                                        </p:attrNameLst>
+                                      </p:cBhvr>
+                                      <p:to>
+                                        <p:strVal val="hidden"/>
+                                      </p:to>
+                                    </p:set>
+                                  </p:childTnLst>
+                                </p:cTn>
+                              </p:par>
+                            </p:childTnLst>
+                          </p:cTn>
+                        </p:par>
+                      </p:childTnLst>
+                    </p:cTn>
+                  </p:par>
+                </p:childTnLst>
+              </p:cTn>
+              <p:prevCondLst>
+                <p:cond evt="onPrev" delay="0">
+                  <p:tgtEl>
+                    <p:sldTgt/>
+                  </p:tgtEl>
+                </p:cond>
+              </p:prevCondLst>
+              <p:nextCondLst>
+                <p:cond evt="onNext" delay="0">
+                  <p:tgtEl>
+                    <p:sldTgt/>
+                  </p:tgtEl>
+                </p:cond>
+              </p:nextCondLst>
+            </p:seq>
+          </p:childTnLst>
+        </p:cTn>
+      </p:par>
+    </p:tnLst>
+    <p:bldLst>
+      <p:bldP spid="11" grpId="0"/>
+      <p:bldP spid="11" grpId="1"/>
+      <p:bldP spid="12" grpId="0"/>
+      <p:bldP spid="12" grpId="1"/>
+      <p:bldP spid="13" grpId="0"/>
+      <p:bldP spid="13" grpId="1"/>
+      <p:bldP spid="14" grpId="0"/>
+      <p:bldP spid="14" grpId="1"/>
+    </p:bldLst>
+  </p:timing>
+</p:sld>
+</file>
+
+<file path=ppt/slides/slide11.xml><?xml version="1.0" encoding="utf-8"?>
+<p:sld xmlns:a="http://schemas.openxmlformats.org/drawingml/2006/main" xmlns:r="http://schemas.openxmlformats.org/officeDocument/2006/relationships" xmlns:p="http://schemas.openxmlformats.org/presentationml/2006/main">
+  <p:cSld>
+    <p:spTree>
+      <p:nvGrpSpPr>
+        <p:cNvPr id="1" name=""/>
+        <p:cNvGrpSpPr/>
+        <p:nvPr/>
+      </p:nvGrpSpPr>
+      <p:grpSpPr>
+        <a:xfrm>
+          <a:off x="0" y="0"/>
+          <a:ext cx="0" cy="0"/>
+          <a:chOff x="0" y="0"/>
+          <a:chExt cx="0" cy="0"/>
+        </a:xfrm>
+      </p:grpSpPr>
+      <p:pic>
+        <p:nvPicPr>
+          <p:cNvPr id="4" name="Hình ảnh 3">
+            <a:extLst>
+              <a:ext uri="{FF2B5EF4-FFF2-40B4-BE49-F238E27FC236}">
+                <a16:creationId xmlns:a16="http://schemas.microsoft.com/office/drawing/2014/main" id="{82CCB5A7-B8CE-4D2A-BF39-7F5F1107A92B}"/>
+              </a:ext>
+            </a:extLst>
+          </p:cNvPr>
+          <p:cNvPicPr>
+            <a:picLocks noChangeAspect="1"/>
+          </p:cNvPicPr>
+          <p:nvPr/>
+        </p:nvPicPr>
+        <p:blipFill>
+          <a:blip r:embed="rId2"/>
+          <a:stretch>
+            <a:fillRect/>
+          </a:stretch>
+        </p:blipFill>
+        <p:spPr>
+          <a:xfrm>
+            <a:off x="0" y="448551"/>
+            <a:ext cx="9144000" cy="4246398"/>
+          </a:xfrm>
+          <a:prstGeom prst="rect">
+            <a:avLst/>
+          </a:prstGeom>
+          <a:ln>
+            <a:noFill/>
+          </a:ln>
+          <a:effectLst>
+            <a:outerShdw blurRad="292100" dist="139700" dir="2700000" algn="tl" rotWithShape="0">
+              <a:srgbClr val="333333">
+                <a:alpha val="65000"/>
+              </a:srgbClr>
+            </a:outerShdw>
+          </a:effectLst>
+        </p:spPr>
+      </p:pic>
+    </p:spTree>
+    <p:extLst>
+      <p:ext uri="{BB962C8B-B14F-4D97-AF65-F5344CB8AC3E}">
+        <p14:creationId xmlns:p14="http://schemas.microsoft.com/office/powerpoint/2010/main" val="2187944705"/>
+      </p:ext>
+    </p:extLst>
+  </p:cSld>
+  <p:clrMapOvr>
+    <a:masterClrMapping/>
+  </p:clrMapOvr>
+  <p:transition spd="slow">
+    <p:push dir="u"/>
+  </p:transition>
+</p:sld>
+</file>
+
+<file path=ppt/slides/slide12.xml><?xml version="1.0" encoding="utf-8"?>
+<p:sld xmlns:a="http://schemas.openxmlformats.org/drawingml/2006/main" xmlns:r="http://schemas.openxmlformats.org/officeDocument/2006/relationships" xmlns:p="http://schemas.openxmlformats.org/presentationml/2006/main">
+  <p:cSld>
+    <p:spTree>
+      <p:nvGrpSpPr>
+        <p:cNvPr id="1" name=""/>
+        <p:cNvGrpSpPr/>
+        <p:nvPr/>
+      </p:nvGrpSpPr>
+      <p:grpSpPr>
+        <a:xfrm>
+          <a:off x="0" y="0"/>
+          <a:ext cx="0" cy="0"/>
+          <a:chOff x="0" y="0"/>
+          <a:chExt cx="0" cy="0"/>
+        </a:xfrm>
+      </p:grpSpPr>
+      <p:pic>
+        <p:nvPicPr>
           <p:cNvPr id="2" name="Hình ảnh 1">
             <a:extLst>
               <a:ext uri="{FF2B5EF4-FFF2-40B4-BE49-F238E27FC236}">
@@ -5553,7 +7487,7 @@
 </p:sld>
 </file>
 
-<file path=ppt/slides/slide11.xml><?xml version="1.0" encoding="utf-8"?>
+<file path=ppt/slides/slide13.xml><?xml version="1.0" encoding="utf-8"?>
 <p:sld xmlns:a="http://schemas.openxmlformats.org/drawingml/2006/main" xmlns:r="http://schemas.openxmlformats.org/officeDocument/2006/relationships" xmlns:p="http://schemas.openxmlformats.org/presentationml/2006/main">
   <p:cSld>
     <p:spTree>
@@ -5626,7 +7560,7 @@
 </p:sld>
 </file>
 
-<file path=ppt/slides/slide12.xml><?xml version="1.0" encoding="utf-8"?>
+<file path=ppt/slides/slide14.xml><?xml version="1.0" encoding="utf-8"?>
 <p:sld xmlns:a="http://schemas.openxmlformats.org/drawingml/2006/main" xmlns:r="http://schemas.openxmlformats.org/officeDocument/2006/relationships" xmlns:p="http://schemas.openxmlformats.org/presentationml/2006/main">
   <p:cSld>
     <p:spTree>
@@ -5699,7 +7633,7 @@
 </p:sld>
 </file>
 
-<file path=ppt/slides/slide13.xml><?xml version="1.0" encoding="utf-8"?>
+<file path=ppt/slides/slide15.xml><?xml version="1.0" encoding="utf-8"?>
 <p:sld xmlns:a="http://schemas.openxmlformats.org/drawingml/2006/main" xmlns:r="http://schemas.openxmlformats.org/officeDocument/2006/relationships" xmlns:p="http://schemas.openxmlformats.org/presentationml/2006/main">
   <p:cSld>
     <p:spTree>
@@ -5718,10 +7652,10 @@
       </p:grpSpPr>
       <p:pic>
         <p:nvPicPr>
-          <p:cNvPr id="2" name="Hình ảnh 1">
+          <p:cNvPr id="3" name="Hình ảnh 2">
             <a:extLst>
               <a:ext uri="{FF2B5EF4-FFF2-40B4-BE49-F238E27FC236}">
-                <a16:creationId xmlns:a16="http://schemas.microsoft.com/office/drawing/2014/main" id="{8CACB49B-A9AC-43A6-B3A1-98DD7DB0C497}"/>
+                <a16:creationId xmlns:a16="http://schemas.microsoft.com/office/drawing/2014/main" id="{80F31A19-76D9-46B6-994F-57AC6F760AEE}"/>
               </a:ext>
             </a:extLst>
           </p:cNvPr>
@@ -5738,8 +7672,48 @@
         </p:blipFill>
         <p:spPr>
           <a:xfrm>
-            <a:off x="0" y="505656"/>
-            <a:ext cx="9144000" cy="4132188"/>
+            <a:off x="0" y="1255"/>
+            <a:ext cx="9144000" cy="5140990"/>
+          </a:xfrm>
+          <a:prstGeom prst="rect">
+            <a:avLst/>
+          </a:prstGeom>
+          <a:ln>
+            <a:noFill/>
+          </a:ln>
+          <a:effectLst>
+            <a:outerShdw blurRad="292100" dist="139700" dir="2700000" algn="tl" rotWithShape="0">
+              <a:srgbClr val="333333">
+                <a:alpha val="65000"/>
+              </a:srgbClr>
+            </a:outerShdw>
+          </a:effectLst>
+        </p:spPr>
+      </p:pic>
+      <p:pic>
+        <p:nvPicPr>
+          <p:cNvPr id="5" name="Hình ảnh 4">
+            <a:extLst>
+              <a:ext uri="{FF2B5EF4-FFF2-40B4-BE49-F238E27FC236}">
+                <a16:creationId xmlns:a16="http://schemas.microsoft.com/office/drawing/2014/main" id="{CBCB566B-7626-4188-BB6B-5E0FC440694F}"/>
+              </a:ext>
+            </a:extLst>
+          </p:cNvPr>
+          <p:cNvPicPr>
+            <a:picLocks noChangeAspect="1"/>
+          </p:cNvPicPr>
+          <p:nvPr/>
+        </p:nvPicPr>
+        <p:blipFill>
+          <a:blip r:embed="rId3"/>
+          <a:stretch>
+            <a:fillRect/>
+          </a:stretch>
+        </p:blipFill>
+        <p:spPr>
+          <a:xfrm>
+            <a:off x="0" y="0"/>
+            <a:ext cx="9144000" cy="5140990"/>
           </a:xfrm>
           <a:prstGeom prst="rect">
             <a:avLst/>
@@ -5769,10 +7743,128 @@
   <p:transition spd="slow">
     <p:push dir="u"/>
   </p:transition>
+  <p:timing>
+    <p:tnLst>
+      <p:par>
+        <p:cTn id="1" dur="indefinite" restart="never" nodeType="tmRoot">
+          <p:childTnLst>
+            <p:seq concurrent="1" nextAc="seek">
+              <p:cTn id="2" dur="indefinite" nodeType="mainSeq">
+                <p:childTnLst>
+                  <p:par>
+                    <p:cTn id="3" fill="hold">
+                      <p:stCondLst>
+                        <p:cond delay="indefinite"/>
+                      </p:stCondLst>
+                      <p:childTnLst>
+                        <p:par>
+                          <p:cTn id="4" fill="hold">
+                            <p:stCondLst>
+                              <p:cond delay="0"/>
+                            </p:stCondLst>
+                            <p:childTnLst>
+                              <p:par>
+                                <p:cTn id="5" presetID="22" presetClass="exit" presetSubtype="4" fill="hold" nodeType="clickEffect">
+                                  <p:stCondLst>
+                                    <p:cond delay="0"/>
+                                  </p:stCondLst>
+                                  <p:childTnLst>
+                                    <p:animEffect transition="out" filter="wipe(down)">
+                                      <p:cBhvr>
+                                        <p:cTn id="6" dur="500"/>
+                                        <p:tgtEl>
+                                          <p:spTgt spid="3"/>
+                                        </p:tgtEl>
+                                      </p:cBhvr>
+                                    </p:animEffect>
+                                    <p:set>
+                                      <p:cBhvr>
+                                        <p:cTn id="7" dur="1" fill="hold">
+                                          <p:stCondLst>
+                                            <p:cond delay="499"/>
+                                          </p:stCondLst>
+                                        </p:cTn>
+                                        <p:tgtEl>
+                                          <p:spTgt spid="3"/>
+                                        </p:tgtEl>
+                                        <p:attrNameLst>
+                                          <p:attrName>style.visibility</p:attrName>
+                                        </p:attrNameLst>
+                                      </p:cBhvr>
+                                      <p:to>
+                                        <p:strVal val="hidden"/>
+                                      </p:to>
+                                    </p:set>
+                                  </p:childTnLst>
+                                </p:cTn>
+                              </p:par>
+                              <p:par>
+                                <p:cTn id="8" presetID="22" presetClass="entr" presetSubtype="4" fill="hold" nodeType="withEffect">
+                                  <p:stCondLst>
+                                    <p:cond delay="0"/>
+                                  </p:stCondLst>
+                                  <p:childTnLst>
+                                    <p:set>
+                                      <p:cBhvr>
+                                        <p:cTn id="9" dur="1" fill="hold">
+                                          <p:stCondLst>
+                                            <p:cond delay="0"/>
+                                          </p:stCondLst>
+                                        </p:cTn>
+                                        <p:tgtEl>
+                                          <p:spTgt spid="5"/>
+                                        </p:tgtEl>
+                                        <p:attrNameLst>
+                                          <p:attrName>style.visibility</p:attrName>
+                                        </p:attrNameLst>
+                                      </p:cBhvr>
+                                      <p:to>
+                                        <p:strVal val="visible"/>
+                                      </p:to>
+                                    </p:set>
+                                    <p:animEffect transition="in" filter="wipe(down)">
+                                      <p:cBhvr>
+                                        <p:cTn id="10" dur="500"/>
+                                        <p:tgtEl>
+                                          <p:spTgt spid="5"/>
+                                        </p:tgtEl>
+                                      </p:cBhvr>
+                                    </p:animEffect>
+                                  </p:childTnLst>
+                                </p:cTn>
+                              </p:par>
+                            </p:childTnLst>
+                          </p:cTn>
+                        </p:par>
+                      </p:childTnLst>
+                    </p:cTn>
+                  </p:par>
+                </p:childTnLst>
+              </p:cTn>
+              <p:prevCondLst>
+                <p:cond evt="onPrev" delay="0">
+                  <p:tgtEl>
+                    <p:sldTgt/>
+                  </p:tgtEl>
+                </p:cond>
+              </p:prevCondLst>
+              <p:nextCondLst>
+                <p:cond evt="onNext" delay="0">
+                  <p:tgtEl>
+                    <p:sldTgt/>
+                  </p:tgtEl>
+                </p:cond>
+              </p:nextCondLst>
+            </p:seq>
+          </p:childTnLst>
+        </p:cTn>
+      </p:par>
+    </p:tnLst>
+  </p:timing>
 </p:sld>
 </file>
 
-<file path=ppt/slides/slide14.xml><?xml version="1.0" encoding="utf-8"?>
+<file path=ppt/slides/slide16.xml><?xml version="1.0" encoding="utf-8"?>
 <p:sld xmlns:a="http://schemas.openxmlformats.org/drawingml/2006/main" xmlns:r="http://schemas.openxmlformats.org/officeDocument/2006/relationships" xmlns:p="http://schemas.openxmlformats.org/presentationml/2006/main">
   <p:cSld>
     <p:spTree>
@@ -5791,10 +7883,10 @@
       </p:grpSpPr>
       <p:pic>
         <p:nvPicPr>
-          <p:cNvPr id="4" name="Hình ảnh 3">
+          <p:cNvPr id="2" name="Hình ảnh 1">
             <a:extLst>
               <a:ext uri="{FF2B5EF4-FFF2-40B4-BE49-F238E27FC236}">
-                <a16:creationId xmlns:a16="http://schemas.microsoft.com/office/drawing/2014/main" id="{6C72130C-CEF0-425E-ABF6-23744BC7B685}"/>
+                <a16:creationId xmlns:a16="http://schemas.microsoft.com/office/drawing/2014/main" id="{FF2422A4-E47A-431B-9303-4AEFC6EDEE50}"/>
               </a:ext>
             </a:extLst>
           </p:cNvPr>
@@ -5811,8 +7903,48 @@
         </p:blipFill>
         <p:spPr>
           <a:xfrm>
-            <a:off x="0" y="106456"/>
-            <a:ext cx="9144000" cy="4930588"/>
+            <a:off x="0" y="1255"/>
+            <a:ext cx="9144000" cy="5140990"/>
+          </a:xfrm>
+          <a:prstGeom prst="rect">
+            <a:avLst/>
+          </a:prstGeom>
+          <a:ln>
+            <a:noFill/>
+          </a:ln>
+          <a:effectLst>
+            <a:outerShdw blurRad="292100" dist="139700" dir="2700000" algn="tl" rotWithShape="0">
+              <a:srgbClr val="333333">
+                <a:alpha val="65000"/>
+              </a:srgbClr>
+            </a:outerShdw>
+          </a:effectLst>
+        </p:spPr>
+      </p:pic>
+      <p:pic>
+        <p:nvPicPr>
+          <p:cNvPr id="3" name="Hình ảnh 2">
+            <a:extLst>
+              <a:ext uri="{FF2B5EF4-FFF2-40B4-BE49-F238E27FC236}">
+                <a16:creationId xmlns:a16="http://schemas.microsoft.com/office/drawing/2014/main" id="{5902CEFD-0A5A-4AEE-ACFD-3C4305206CDF}"/>
+              </a:ext>
+            </a:extLst>
+          </p:cNvPr>
+          <p:cNvPicPr>
+            <a:picLocks noChangeAspect="1"/>
+          </p:cNvPicPr>
+          <p:nvPr/>
+        </p:nvPicPr>
+        <p:blipFill>
+          <a:blip r:embed="rId3"/>
+          <a:stretch>
+            <a:fillRect/>
+          </a:stretch>
+        </p:blipFill>
+        <p:spPr>
+          <a:xfrm>
+            <a:off x="11398" y="2510"/>
+            <a:ext cx="9144000" cy="5140990"/>
           </a:xfrm>
           <a:prstGeom prst="rect">
             <a:avLst/>
@@ -5842,10 +7974,128 @@
   <p:transition spd="slow">
     <p:push dir="u"/>
   </p:transition>
+  <p:timing>
+    <p:tnLst>
+      <p:par>
+        <p:cTn id="1" dur="indefinite" restart="never" nodeType="tmRoot">
+          <p:childTnLst>
+            <p:seq concurrent="1" nextAc="seek">
+              <p:cTn id="2" dur="indefinite" nodeType="mainSeq">
+                <p:childTnLst>
+                  <p:par>
+                    <p:cTn id="3" fill="hold">
+                      <p:stCondLst>
+                        <p:cond delay="indefinite"/>
+                      </p:stCondLst>
+                      <p:childTnLst>
+                        <p:par>
+                          <p:cTn id="4" fill="hold">
+                            <p:stCondLst>
+                              <p:cond delay="0"/>
+                            </p:stCondLst>
+                            <p:childTnLst>
+                              <p:par>
+                                <p:cTn id="5" presetID="22" presetClass="exit" presetSubtype="4" fill="hold" nodeType="clickEffect">
+                                  <p:stCondLst>
+                                    <p:cond delay="0"/>
+                                  </p:stCondLst>
+                                  <p:childTnLst>
+                                    <p:animEffect transition="out" filter="wipe(down)">
+                                      <p:cBhvr>
+                                        <p:cTn id="6" dur="500"/>
+                                        <p:tgtEl>
+                                          <p:spTgt spid="2"/>
+                                        </p:tgtEl>
+                                      </p:cBhvr>
+                                    </p:animEffect>
+                                    <p:set>
+                                      <p:cBhvr>
+                                        <p:cTn id="7" dur="1" fill="hold">
+                                          <p:stCondLst>
+                                            <p:cond delay="499"/>
+                                          </p:stCondLst>
+                                        </p:cTn>
+                                        <p:tgtEl>
+                                          <p:spTgt spid="2"/>
+                                        </p:tgtEl>
+                                        <p:attrNameLst>
+                                          <p:attrName>style.visibility</p:attrName>
+                                        </p:attrNameLst>
+                                      </p:cBhvr>
+                                      <p:to>
+                                        <p:strVal val="hidden"/>
+                                      </p:to>
+                                    </p:set>
+                                  </p:childTnLst>
+                                </p:cTn>
+                              </p:par>
+                              <p:par>
+                                <p:cTn id="8" presetID="22" presetClass="entr" presetSubtype="4" fill="hold" nodeType="withEffect">
+                                  <p:stCondLst>
+                                    <p:cond delay="0"/>
+                                  </p:stCondLst>
+                                  <p:childTnLst>
+                                    <p:set>
+                                      <p:cBhvr>
+                                        <p:cTn id="9" dur="1" fill="hold">
+                                          <p:stCondLst>
+                                            <p:cond delay="0"/>
+                                          </p:stCondLst>
+                                        </p:cTn>
+                                        <p:tgtEl>
+                                          <p:spTgt spid="3"/>
+                                        </p:tgtEl>
+                                        <p:attrNameLst>
+                                          <p:attrName>style.visibility</p:attrName>
+                                        </p:attrNameLst>
+                                      </p:cBhvr>
+                                      <p:to>
+                                        <p:strVal val="visible"/>
+                                      </p:to>
+                                    </p:set>
+                                    <p:animEffect transition="in" filter="wipe(down)">
+                                      <p:cBhvr>
+                                        <p:cTn id="10" dur="500"/>
+                                        <p:tgtEl>
+                                          <p:spTgt spid="3"/>
+                                        </p:tgtEl>
+                                      </p:cBhvr>
+                                    </p:animEffect>
+                                  </p:childTnLst>
+                                </p:cTn>
+                              </p:par>
+                            </p:childTnLst>
+                          </p:cTn>
+                        </p:par>
+                      </p:childTnLst>
+                    </p:cTn>
+                  </p:par>
+                </p:childTnLst>
+              </p:cTn>
+              <p:prevCondLst>
+                <p:cond evt="onPrev" delay="0">
+                  <p:tgtEl>
+                    <p:sldTgt/>
+                  </p:tgtEl>
+                </p:cond>
+              </p:prevCondLst>
+              <p:nextCondLst>
+                <p:cond evt="onNext" delay="0">
+                  <p:tgtEl>
+                    <p:sldTgt/>
+                  </p:tgtEl>
+                </p:cond>
+              </p:nextCondLst>
+            </p:seq>
+          </p:childTnLst>
+        </p:cTn>
+      </p:par>
+    </p:tnLst>
+  </p:timing>
 </p:sld>
 </file>
 
-<file path=ppt/slides/slide15.xml><?xml version="1.0" encoding="utf-8"?>
+<file path=ppt/slides/slide17.xml><?xml version="1.0" encoding="utf-8"?>
 <p:sld xmlns:a="http://schemas.openxmlformats.org/drawingml/2006/main" xmlns:r="http://schemas.openxmlformats.org/officeDocument/2006/relationships" xmlns:p="http://schemas.openxmlformats.org/presentationml/2006/main">
   <p:cSld>
     <p:spTree>
@@ -5918,7 +8168,7 @@
 </p:sld>
 </file>
 
-<file path=ppt/slides/slide16.xml><?xml version="1.0" encoding="utf-8"?>
+<file path=ppt/slides/slide18.xml><?xml version="1.0" encoding="utf-8"?>
 <p:sld xmlns:a="http://schemas.openxmlformats.org/drawingml/2006/main" xmlns:r="http://schemas.openxmlformats.org/officeDocument/2006/relationships" xmlns:p="http://schemas.openxmlformats.org/presentationml/2006/main">
   <p:cSld>
     <p:spTree>
@@ -5991,7 +8241,7 @@
 </p:sld>
 </file>
 
-<file path=ppt/slides/slide17.xml><?xml version="1.0" encoding="utf-8"?>
+<file path=ppt/slides/slide19.xml><?xml version="1.0" encoding="utf-8"?>
 <p:sld xmlns:a="http://schemas.openxmlformats.org/drawingml/2006/main" xmlns:r="http://schemas.openxmlformats.org/officeDocument/2006/relationships" xmlns:p="http://schemas.openxmlformats.org/presentationml/2006/main">
   <p:cSld>
     <p:spTree>
@@ -6064,290 +8314,6 @@
     <p:extLst>
       <p:ext uri="{BB962C8B-B14F-4D97-AF65-F5344CB8AC3E}">
         <p14:creationId xmlns:p14="http://schemas.microsoft.com/office/powerpoint/2010/main" val="2650034168"/>
-      </p:ext>
-    </p:extLst>
-  </p:cSld>
-  <p:clrMapOvr>
-    <a:masterClrMapping/>
-  </p:clrMapOvr>
-  <p:transition spd="slow">
-    <p:push dir="u"/>
-  </p:transition>
-</p:sld>
-</file>
-
-<file path=ppt/slides/slide18.xml><?xml version="1.0" encoding="utf-8"?>
-<p:sld xmlns:a="http://schemas.openxmlformats.org/drawingml/2006/main" xmlns:r="http://schemas.openxmlformats.org/officeDocument/2006/relationships" xmlns:p="http://schemas.openxmlformats.org/presentationml/2006/main">
-  <p:cSld>
-    <p:spTree>
-      <p:nvGrpSpPr>
-        <p:cNvPr id="1" name=""/>
-        <p:cNvGrpSpPr/>
-        <p:nvPr/>
-      </p:nvGrpSpPr>
-      <p:grpSpPr>
-        <a:xfrm>
-          <a:off x="0" y="0"/>
-          <a:ext cx="0" cy="0"/>
-          <a:chOff x="0" y="0"/>
-          <a:chExt cx="0" cy="0"/>
-        </a:xfrm>
-      </p:grpSpPr>
-      <p:sp>
-        <p:nvSpPr>
-          <p:cNvPr id="2" name="Title 1"/>
-          <p:cNvSpPr>
-            <a:spLocks noGrp="1"/>
-          </p:cNvSpPr>
-          <p:nvPr>
-            <p:ph type="ctrTitle"/>
-          </p:nvPr>
-        </p:nvSpPr>
-        <p:spPr>
-          <a:xfrm>
-            <a:off x="685800" y="1597819"/>
-            <a:ext cx="7772400" cy="1102519"/>
-          </a:xfrm>
-        </p:spPr>
-        <p:txBody>
-          <a:bodyPr/>
-          <a:lstStyle/>
-          <a:p>
-            <a:pPr algn="ctr"/>
-            <a:r>
-              <a:rPr lang="en-US" spc="300" dirty="0"/>
-              <a:t>CHỨC NĂNG</a:t>
-            </a:r>
-          </a:p>
-        </p:txBody>
-      </p:sp>
-    </p:spTree>
-    <p:extLst>
-      <p:ext uri="{BB962C8B-B14F-4D97-AF65-F5344CB8AC3E}">
-        <p14:creationId xmlns:p14="http://schemas.microsoft.com/office/powerpoint/2010/main" val="234392180"/>
-      </p:ext>
-    </p:extLst>
-  </p:cSld>
-  <p:clrMapOvr>
-    <a:masterClrMapping/>
-  </p:clrMapOvr>
-  <p:transition spd="slow">
-    <p:push dir="u"/>
-  </p:transition>
-</p:sld>
-</file>
-
-<file path=ppt/slides/slide19.xml><?xml version="1.0" encoding="utf-8"?>
-<p:sld xmlns:a="http://schemas.openxmlformats.org/drawingml/2006/main" xmlns:r="http://schemas.openxmlformats.org/officeDocument/2006/relationships" xmlns:p="http://schemas.openxmlformats.org/presentationml/2006/main">
-  <p:cSld>
-    <p:bg>
-      <p:bgPr>
-        <a:solidFill>
-          <a:schemeClr val="bg1"/>
-        </a:solidFill>
-        <a:effectLst/>
-      </p:bgPr>
-    </p:bg>
-    <p:spTree>
-      <p:nvGrpSpPr>
-        <p:cNvPr id="1" name=""/>
-        <p:cNvGrpSpPr/>
-        <p:nvPr/>
-      </p:nvGrpSpPr>
-      <p:grpSpPr>
-        <a:xfrm>
-          <a:off x="0" y="0"/>
-          <a:ext cx="0" cy="0"/>
-          <a:chOff x="0" y="0"/>
-          <a:chExt cx="0" cy="0"/>
-        </a:xfrm>
-      </p:grpSpPr>
-      <p:sp>
-        <p:nvSpPr>
-          <p:cNvPr id="12" name="Rectangle 11">
-            <a:extLst>
-              <a:ext uri="{FF2B5EF4-FFF2-40B4-BE49-F238E27FC236}">
-                <a16:creationId xmlns:a16="http://schemas.microsoft.com/office/drawing/2014/main" id="{01D0AF59-99C3-4251-AB9A-C966C6AD4400}"/>
-              </a:ext>
-              <a:ext uri="{C183D7F6-B498-43B3-948B-1728B52AA6E4}">
-                <adec:decorative xmlns:adec="http://schemas.microsoft.com/office/drawing/2017/decorative" val="1"/>
-              </a:ext>
-            </a:extLst>
-          </p:cNvPr>
-          <p:cNvSpPr>
-            <a:spLocks noGrp="1" noRot="1" noChangeAspect="1" noMove="1" noResize="1" noEditPoints="1" noAdjustHandles="1" noChangeArrowheads="1" noChangeShapeType="1" noTextEdit="1"/>
-          </p:cNvSpPr>
-          <p:nvPr>
-            <p:extLst>
-              <p:ext uri="{386F3935-93C4-4BCD-93E2-E3B085C9AB24}">
-                <p16:designElem xmlns:p16="http://schemas.microsoft.com/office/powerpoint/2015/main" val="1"/>
-              </p:ext>
-            </p:extLst>
-          </p:nvPr>
-        </p:nvSpPr>
-        <p:spPr>
-          <a:xfrm>
-            <a:off x="0" y="0"/>
-            <a:ext cx="9144000" cy="5143500"/>
-          </a:xfrm>
-          <a:prstGeom prst="rect">
-            <a:avLst/>
-          </a:prstGeom>
-          <a:solidFill>
-            <a:schemeClr val="bg2"/>
-          </a:solidFill>
-          <a:ln>
-            <a:noFill/>
-          </a:ln>
-        </p:spPr>
-        <p:style>
-          <a:lnRef idx="2">
-            <a:schemeClr val="accent1">
-              <a:shade val="50000"/>
-            </a:schemeClr>
-          </a:lnRef>
-          <a:fillRef idx="1">
-            <a:schemeClr val="accent1"/>
-          </a:fillRef>
-          <a:effectRef idx="0">
-            <a:schemeClr val="accent1"/>
-          </a:effectRef>
-          <a:fontRef idx="minor">
-            <a:schemeClr val="lt1"/>
-          </a:fontRef>
-        </p:style>
-        <p:txBody>
-          <a:bodyPr rtlCol="0" anchor="ctr"/>
-          <a:lstStyle/>
-          <a:p>
-            <a:pPr algn="ctr"/>
-            <a:endParaRPr lang="en-US"/>
-          </a:p>
-        </p:txBody>
-      </p:sp>
-      <p:sp>
-        <p:nvSpPr>
-          <p:cNvPr id="14" name="Rectangle 13">
-            <a:extLst>
-              <a:ext uri="{FF2B5EF4-FFF2-40B4-BE49-F238E27FC236}">
-                <a16:creationId xmlns:a16="http://schemas.microsoft.com/office/drawing/2014/main" id="{1855405F-37A2-4869-9154-F8BE3BECE6C3}"/>
-              </a:ext>
-              <a:ext uri="{C183D7F6-B498-43B3-948B-1728B52AA6E4}">
-                <adec:decorative xmlns:adec="http://schemas.microsoft.com/office/drawing/2017/decorative" val="1"/>
-              </a:ext>
-            </a:extLst>
-          </p:cNvPr>
-          <p:cNvSpPr>
-            <a:spLocks noGrp="1" noRot="1" noChangeAspect="1" noMove="1" noResize="1" noEditPoints="1" noAdjustHandles="1" noChangeArrowheads="1" noChangeShapeType="1" noTextEdit="1"/>
-          </p:cNvSpPr>
-          <p:nvPr>
-            <p:extLst>
-              <p:ext uri="{386F3935-93C4-4BCD-93E2-E3B085C9AB24}">
-                <p16:designElem xmlns:p16="http://schemas.microsoft.com/office/powerpoint/2015/main" val="1"/>
-              </p:ext>
-            </p:extLst>
-          </p:nvPr>
-        </p:nvSpPr>
-        <p:spPr>
-          <a:xfrm>
-            <a:off x="357759" y="360045"/>
-            <a:ext cx="8428482" cy="4423410"/>
-          </a:xfrm>
-          <a:prstGeom prst="rect">
-            <a:avLst/>
-          </a:prstGeom>
-          <a:solidFill>
-            <a:srgbClr val="FFFFFF"/>
-          </a:solidFill>
-          <a:ln w="9525">
-            <a:noFill/>
-          </a:ln>
-          <a:effectLst>
-            <a:outerShdw blurRad="63500" dist="17780" dir="5400000" algn="t" rotWithShape="0">
-              <a:prstClr val="black">
-                <a:alpha val="43000"/>
-              </a:prstClr>
-            </a:outerShdw>
-          </a:effectLst>
-        </p:spPr>
-        <p:style>
-          <a:lnRef idx="2">
-            <a:schemeClr val="accent1">
-              <a:shade val="50000"/>
-            </a:schemeClr>
-          </a:lnRef>
-          <a:fillRef idx="1">
-            <a:schemeClr val="accent1"/>
-          </a:fillRef>
-          <a:effectRef idx="0">
-            <a:schemeClr val="accent1"/>
-          </a:effectRef>
-          <a:fontRef idx="minor">
-            <a:schemeClr val="lt1"/>
-          </a:fontRef>
-        </p:style>
-        <p:txBody>
-          <a:bodyPr rtlCol="0" anchor="ctr"/>
-          <a:lstStyle/>
-          <a:p>
-            <a:pPr algn="ctr"/>
-            <a:endParaRPr lang="en-US"/>
-          </a:p>
-        </p:txBody>
-      </p:sp>
-      <p:pic>
-        <p:nvPicPr>
-          <p:cNvPr id="7" name="Hình ảnh 6">
-            <a:extLst>
-              <a:ext uri="{FF2B5EF4-FFF2-40B4-BE49-F238E27FC236}">
-                <a16:creationId xmlns:a16="http://schemas.microsoft.com/office/drawing/2014/main" id="{B9D1A840-B9CE-44DA-B52B-0B5726CD8281}"/>
-              </a:ext>
-            </a:extLst>
-          </p:cNvPr>
-          <p:cNvPicPr>
-            <a:picLocks noChangeAspect="1"/>
-          </p:cNvPicPr>
-          <p:nvPr/>
-        </p:nvPicPr>
-        <p:blipFill>
-          <a:blip r:embed="rId2">
-            <a:extLst>
-              <a:ext uri="{28A0092B-C50C-407E-A947-70E740481C1C}">
-                <a14:useLocalDpi xmlns:a14="http://schemas.microsoft.com/office/drawing/2010/main" val="0"/>
-              </a:ext>
-            </a:extLst>
-          </a:blip>
-          <a:stretch>
-            <a:fillRect/>
-          </a:stretch>
-        </p:blipFill>
-        <p:spPr>
-          <a:xfrm>
-            <a:off x="2231216" y="482600"/>
-            <a:ext cx="4681567" cy="4178299"/>
-          </a:xfrm>
-          <a:prstGeom prst="roundRect">
-            <a:avLst>
-              <a:gd name="adj" fmla="val 8594"/>
-            </a:avLst>
-          </a:prstGeom>
-          <a:solidFill>
-            <a:srgbClr val="FFFFFF">
-              <a:shade val="85000"/>
-            </a:srgbClr>
-          </a:solidFill>
-          <a:ln>
-            <a:noFill/>
-          </a:ln>
-          <a:effectLst>
-            <a:reflection blurRad="12700" stA="38000" endPos="28000" dist="5000" dir="5400000" sy="-100000" algn="bl" rotWithShape="0"/>
-          </a:effectLst>
-        </p:spPr>
-      </p:pic>
-    </p:spTree>
-    <p:extLst>
-      <p:ext uri="{BB962C8B-B14F-4D97-AF65-F5344CB8AC3E}">
-        <p14:creationId xmlns:p14="http://schemas.microsoft.com/office/powerpoint/2010/main" val="2692264476"/>
       </p:ext>
     </p:extLst>
   </p:cSld>
@@ -9706,6 +11672,2316 @@
 </file>
 
 <file path=ppt/slides/slide20.xml><?xml version="1.0" encoding="utf-8"?>
+<p:sld xmlns:a="http://schemas.openxmlformats.org/drawingml/2006/main" xmlns:r="http://schemas.openxmlformats.org/officeDocument/2006/relationships" xmlns:p="http://schemas.openxmlformats.org/presentationml/2006/main">
+  <p:cSld>
+    <p:spTree>
+      <p:nvGrpSpPr>
+        <p:cNvPr id="1" name=""/>
+        <p:cNvGrpSpPr/>
+        <p:nvPr/>
+      </p:nvGrpSpPr>
+      <p:grpSpPr>
+        <a:xfrm>
+          <a:off x="0" y="0"/>
+          <a:ext cx="0" cy="0"/>
+          <a:chOff x="0" y="0"/>
+          <a:chExt cx="0" cy="0"/>
+        </a:xfrm>
+      </p:grpSpPr>
+      <p:pic>
+        <p:nvPicPr>
+          <p:cNvPr id="5" name="Hình ảnh 4">
+            <a:extLst>
+              <a:ext uri="{FF2B5EF4-FFF2-40B4-BE49-F238E27FC236}">
+                <a16:creationId xmlns:a16="http://schemas.microsoft.com/office/drawing/2014/main" id="{D398AAE1-4DCE-4A30-B771-075374EEA1C2}"/>
+              </a:ext>
+            </a:extLst>
+          </p:cNvPr>
+          <p:cNvPicPr>
+            <a:picLocks noChangeAspect="1"/>
+          </p:cNvPicPr>
+          <p:nvPr/>
+        </p:nvPicPr>
+        <p:blipFill>
+          <a:blip r:embed="rId2"/>
+          <a:stretch>
+            <a:fillRect/>
+          </a:stretch>
+        </p:blipFill>
+        <p:spPr>
+          <a:xfrm>
+            <a:off x="720668" y="0"/>
+            <a:ext cx="7702664" cy="5143500"/>
+          </a:xfrm>
+          <a:prstGeom prst="rect">
+            <a:avLst/>
+          </a:prstGeom>
+          <a:ln>
+            <a:noFill/>
+          </a:ln>
+          <a:effectLst>
+            <a:outerShdw blurRad="292100" dist="139700" dir="2700000" algn="tl" rotWithShape="0">
+              <a:srgbClr val="333333">
+                <a:alpha val="65000"/>
+              </a:srgbClr>
+            </a:outerShdw>
+          </a:effectLst>
+        </p:spPr>
+      </p:pic>
+    </p:spTree>
+    <p:extLst>
+      <p:ext uri="{BB962C8B-B14F-4D97-AF65-F5344CB8AC3E}">
+        <p14:creationId xmlns:p14="http://schemas.microsoft.com/office/powerpoint/2010/main" val="2761742093"/>
+      </p:ext>
+    </p:extLst>
+  </p:cSld>
+  <p:clrMapOvr>
+    <a:masterClrMapping/>
+  </p:clrMapOvr>
+  <p:transition spd="slow">
+    <p:push dir="u"/>
+  </p:transition>
+</p:sld>
+</file>
+
+<file path=ppt/slides/slide21.xml><?xml version="1.0" encoding="utf-8"?>
+<p:sld xmlns:a="http://schemas.openxmlformats.org/drawingml/2006/main" xmlns:r="http://schemas.openxmlformats.org/officeDocument/2006/relationships" xmlns:p="http://schemas.openxmlformats.org/presentationml/2006/main">
+  <p:cSld>
+    <p:spTree>
+      <p:nvGrpSpPr>
+        <p:cNvPr id="1" name=""/>
+        <p:cNvGrpSpPr/>
+        <p:nvPr/>
+      </p:nvGrpSpPr>
+      <p:grpSpPr>
+        <a:xfrm>
+          <a:off x="0" y="0"/>
+          <a:ext cx="0" cy="0"/>
+          <a:chOff x="0" y="0"/>
+          <a:chExt cx="0" cy="0"/>
+        </a:xfrm>
+      </p:grpSpPr>
+      <p:pic>
+        <p:nvPicPr>
+          <p:cNvPr id="4" name="Hình ảnh 3">
+            <a:extLst>
+              <a:ext uri="{FF2B5EF4-FFF2-40B4-BE49-F238E27FC236}">
+                <a16:creationId xmlns:a16="http://schemas.microsoft.com/office/drawing/2014/main" id="{D2892472-F2E8-41F5-AE12-B60347702DAB}"/>
+              </a:ext>
+            </a:extLst>
+          </p:cNvPr>
+          <p:cNvPicPr>
+            <a:picLocks noChangeAspect="1"/>
+          </p:cNvPicPr>
+          <p:nvPr/>
+        </p:nvPicPr>
+        <p:blipFill>
+          <a:blip r:embed="rId2"/>
+          <a:stretch>
+            <a:fillRect/>
+          </a:stretch>
+        </p:blipFill>
+        <p:spPr>
+          <a:xfrm>
+            <a:off x="771525" y="1724025"/>
+            <a:ext cx="7600950" cy="1695450"/>
+          </a:xfrm>
+          <a:prstGeom prst="rect">
+            <a:avLst/>
+          </a:prstGeom>
+          <a:ln>
+            <a:noFill/>
+          </a:ln>
+          <a:effectLst>
+            <a:outerShdw blurRad="292100" dist="139700" dir="2700000" algn="tl" rotWithShape="0">
+              <a:srgbClr val="333333">
+                <a:alpha val="65000"/>
+              </a:srgbClr>
+            </a:outerShdw>
+          </a:effectLst>
+        </p:spPr>
+      </p:pic>
+      <p:pic>
+        <p:nvPicPr>
+          <p:cNvPr id="5" name="Hình ảnh 4">
+            <a:extLst>
+              <a:ext uri="{FF2B5EF4-FFF2-40B4-BE49-F238E27FC236}">
+                <a16:creationId xmlns:a16="http://schemas.microsoft.com/office/drawing/2014/main" id="{D891BC43-5405-43D8-B123-821C93AF17CE}"/>
+              </a:ext>
+            </a:extLst>
+          </p:cNvPr>
+          <p:cNvPicPr>
+            <a:picLocks noChangeAspect="1"/>
+          </p:cNvPicPr>
+          <p:nvPr/>
+        </p:nvPicPr>
+        <p:blipFill>
+          <a:blip r:embed="rId3"/>
+          <a:stretch>
+            <a:fillRect/>
+          </a:stretch>
+        </p:blipFill>
+        <p:spPr>
+          <a:xfrm>
+            <a:off x="1409700" y="1557337"/>
+            <a:ext cx="6324600" cy="2028825"/>
+          </a:xfrm>
+          <a:prstGeom prst="rect">
+            <a:avLst/>
+          </a:prstGeom>
+          <a:ln>
+            <a:noFill/>
+          </a:ln>
+          <a:effectLst>
+            <a:outerShdw blurRad="292100" dist="139700" dir="2700000" algn="tl" rotWithShape="0">
+              <a:srgbClr val="333333">
+                <a:alpha val="65000"/>
+              </a:srgbClr>
+            </a:outerShdw>
+          </a:effectLst>
+        </p:spPr>
+      </p:pic>
+      <p:pic>
+        <p:nvPicPr>
+          <p:cNvPr id="6" name="Hình ảnh 5">
+            <a:extLst>
+              <a:ext uri="{FF2B5EF4-FFF2-40B4-BE49-F238E27FC236}">
+                <a16:creationId xmlns:a16="http://schemas.microsoft.com/office/drawing/2014/main" id="{96E24A41-657C-4073-A31B-12B21D33D57A}"/>
+              </a:ext>
+            </a:extLst>
+          </p:cNvPr>
+          <p:cNvPicPr>
+            <a:picLocks noChangeAspect="1"/>
+          </p:cNvPicPr>
+          <p:nvPr/>
+        </p:nvPicPr>
+        <p:blipFill>
+          <a:blip r:embed="rId4"/>
+          <a:stretch>
+            <a:fillRect/>
+          </a:stretch>
+        </p:blipFill>
+        <p:spPr>
+          <a:xfrm>
+            <a:off x="1438275" y="1671637"/>
+            <a:ext cx="6267450" cy="1800225"/>
+          </a:xfrm>
+          <a:prstGeom prst="rect">
+            <a:avLst/>
+          </a:prstGeom>
+          <a:ln>
+            <a:noFill/>
+          </a:ln>
+          <a:effectLst>
+            <a:outerShdw blurRad="292100" dist="139700" dir="2700000" algn="tl" rotWithShape="0">
+              <a:srgbClr val="333333">
+                <a:alpha val="65000"/>
+              </a:srgbClr>
+            </a:outerShdw>
+          </a:effectLst>
+        </p:spPr>
+      </p:pic>
+      <p:pic>
+        <p:nvPicPr>
+          <p:cNvPr id="7" name="Hình ảnh 6">
+            <a:extLst>
+              <a:ext uri="{FF2B5EF4-FFF2-40B4-BE49-F238E27FC236}">
+                <a16:creationId xmlns:a16="http://schemas.microsoft.com/office/drawing/2014/main" id="{EE94CB0F-05D9-4E58-8398-0830E1E76A46}"/>
+              </a:ext>
+            </a:extLst>
+          </p:cNvPr>
+          <p:cNvPicPr>
+            <a:picLocks noChangeAspect="1"/>
+          </p:cNvPicPr>
+          <p:nvPr/>
+        </p:nvPicPr>
+        <p:blipFill>
+          <a:blip r:embed="rId5"/>
+          <a:stretch>
+            <a:fillRect/>
+          </a:stretch>
+        </p:blipFill>
+        <p:spPr>
+          <a:xfrm>
+            <a:off x="1433512" y="1452562"/>
+            <a:ext cx="6276975" cy="2238375"/>
+          </a:xfrm>
+          <a:prstGeom prst="rect">
+            <a:avLst/>
+          </a:prstGeom>
+          <a:ln>
+            <a:noFill/>
+          </a:ln>
+          <a:effectLst>
+            <a:outerShdw blurRad="292100" dist="139700" dir="2700000" algn="tl" rotWithShape="0">
+              <a:srgbClr val="333333">
+                <a:alpha val="65000"/>
+              </a:srgbClr>
+            </a:outerShdw>
+          </a:effectLst>
+        </p:spPr>
+      </p:pic>
+      <p:pic>
+        <p:nvPicPr>
+          <p:cNvPr id="8" name="Hình ảnh 7">
+            <a:extLst>
+              <a:ext uri="{FF2B5EF4-FFF2-40B4-BE49-F238E27FC236}">
+                <a16:creationId xmlns:a16="http://schemas.microsoft.com/office/drawing/2014/main" id="{22FFBB57-0C9A-48C8-ABD0-5E2955777D04}"/>
+              </a:ext>
+            </a:extLst>
+          </p:cNvPr>
+          <p:cNvPicPr>
+            <a:picLocks noChangeAspect="1"/>
+          </p:cNvPicPr>
+          <p:nvPr/>
+        </p:nvPicPr>
+        <p:blipFill>
+          <a:blip r:embed="rId6"/>
+          <a:stretch>
+            <a:fillRect/>
+          </a:stretch>
+        </p:blipFill>
+        <p:spPr>
+          <a:xfrm>
+            <a:off x="1457325" y="1690687"/>
+            <a:ext cx="6229350" cy="1762125"/>
+          </a:xfrm>
+          <a:prstGeom prst="rect">
+            <a:avLst/>
+          </a:prstGeom>
+          <a:ln>
+            <a:noFill/>
+          </a:ln>
+          <a:effectLst>
+            <a:outerShdw blurRad="292100" dist="139700" dir="2700000" algn="tl" rotWithShape="0">
+              <a:srgbClr val="333333">
+                <a:alpha val="65000"/>
+              </a:srgbClr>
+            </a:outerShdw>
+          </a:effectLst>
+        </p:spPr>
+      </p:pic>
+      <p:pic>
+        <p:nvPicPr>
+          <p:cNvPr id="9" name="Hình ảnh 8">
+            <a:extLst>
+              <a:ext uri="{FF2B5EF4-FFF2-40B4-BE49-F238E27FC236}">
+                <a16:creationId xmlns:a16="http://schemas.microsoft.com/office/drawing/2014/main" id="{9AD7B5AC-7C34-47AF-95DE-FC1FF1AE7997}"/>
+              </a:ext>
+            </a:extLst>
+          </p:cNvPr>
+          <p:cNvPicPr>
+            <a:picLocks noChangeAspect="1"/>
+          </p:cNvPicPr>
+          <p:nvPr/>
+        </p:nvPicPr>
+        <p:blipFill>
+          <a:blip r:embed="rId7"/>
+          <a:stretch>
+            <a:fillRect/>
+          </a:stretch>
+        </p:blipFill>
+        <p:spPr>
+          <a:xfrm>
+            <a:off x="1423987" y="1795462"/>
+            <a:ext cx="6296025" cy="1552575"/>
+          </a:xfrm>
+          <a:prstGeom prst="rect">
+            <a:avLst/>
+          </a:prstGeom>
+          <a:ln>
+            <a:noFill/>
+          </a:ln>
+          <a:effectLst>
+            <a:outerShdw blurRad="292100" dist="139700" dir="2700000" algn="tl" rotWithShape="0">
+              <a:srgbClr val="333333">
+                <a:alpha val="65000"/>
+              </a:srgbClr>
+            </a:outerShdw>
+          </a:effectLst>
+        </p:spPr>
+      </p:pic>
+      <p:pic>
+        <p:nvPicPr>
+          <p:cNvPr id="10" name="Hình ảnh 9">
+            <a:extLst>
+              <a:ext uri="{FF2B5EF4-FFF2-40B4-BE49-F238E27FC236}">
+                <a16:creationId xmlns:a16="http://schemas.microsoft.com/office/drawing/2014/main" id="{CA1EBC7A-D795-459A-A5E5-184265F16940}"/>
+              </a:ext>
+            </a:extLst>
+          </p:cNvPr>
+          <p:cNvPicPr>
+            <a:picLocks noChangeAspect="1"/>
+          </p:cNvPicPr>
+          <p:nvPr/>
+        </p:nvPicPr>
+        <p:blipFill>
+          <a:blip r:embed="rId8"/>
+          <a:stretch>
+            <a:fillRect/>
+          </a:stretch>
+        </p:blipFill>
+        <p:spPr>
+          <a:xfrm>
+            <a:off x="1400175" y="1662112"/>
+            <a:ext cx="6343650" cy="1819275"/>
+          </a:xfrm>
+          <a:prstGeom prst="rect">
+            <a:avLst/>
+          </a:prstGeom>
+          <a:ln>
+            <a:noFill/>
+          </a:ln>
+          <a:effectLst>
+            <a:outerShdw blurRad="292100" dist="139700" dir="2700000" algn="tl" rotWithShape="0">
+              <a:srgbClr val="333333">
+                <a:alpha val="65000"/>
+              </a:srgbClr>
+            </a:outerShdw>
+          </a:effectLst>
+        </p:spPr>
+      </p:pic>
+      <p:pic>
+        <p:nvPicPr>
+          <p:cNvPr id="11" name="Hình ảnh 10">
+            <a:extLst>
+              <a:ext uri="{FF2B5EF4-FFF2-40B4-BE49-F238E27FC236}">
+                <a16:creationId xmlns:a16="http://schemas.microsoft.com/office/drawing/2014/main" id="{4F441AB4-CC23-4AD3-84AA-39099FDD48C2}"/>
+              </a:ext>
+            </a:extLst>
+          </p:cNvPr>
+          <p:cNvPicPr>
+            <a:picLocks noChangeAspect="1"/>
+          </p:cNvPicPr>
+          <p:nvPr/>
+        </p:nvPicPr>
+        <p:blipFill>
+          <a:blip r:embed="rId9"/>
+          <a:stretch>
+            <a:fillRect/>
+          </a:stretch>
+        </p:blipFill>
+        <p:spPr>
+          <a:xfrm>
+            <a:off x="1419225" y="1804987"/>
+            <a:ext cx="6305550" cy="1533525"/>
+          </a:xfrm>
+          <a:prstGeom prst="rect">
+            <a:avLst/>
+          </a:prstGeom>
+          <a:ln>
+            <a:noFill/>
+          </a:ln>
+          <a:effectLst>
+            <a:outerShdw blurRad="292100" dist="139700" dir="2700000" algn="tl" rotWithShape="0">
+              <a:srgbClr val="333333">
+                <a:alpha val="65000"/>
+              </a:srgbClr>
+            </a:outerShdw>
+          </a:effectLst>
+        </p:spPr>
+      </p:pic>
+      <p:pic>
+        <p:nvPicPr>
+          <p:cNvPr id="12" name="Hình ảnh 11">
+            <a:extLst>
+              <a:ext uri="{FF2B5EF4-FFF2-40B4-BE49-F238E27FC236}">
+                <a16:creationId xmlns:a16="http://schemas.microsoft.com/office/drawing/2014/main" id="{2BAAFB1C-EC0B-4AE1-B4FF-87F9264616AD}"/>
+              </a:ext>
+            </a:extLst>
+          </p:cNvPr>
+          <p:cNvPicPr>
+            <a:picLocks noChangeAspect="1"/>
+          </p:cNvPicPr>
+          <p:nvPr/>
+        </p:nvPicPr>
+        <p:blipFill>
+          <a:blip r:embed="rId10"/>
+          <a:stretch>
+            <a:fillRect/>
+          </a:stretch>
+        </p:blipFill>
+        <p:spPr>
+          <a:xfrm>
+            <a:off x="1438275" y="1447800"/>
+            <a:ext cx="6267450" cy="2247900"/>
+          </a:xfrm>
+          <a:prstGeom prst="rect">
+            <a:avLst/>
+          </a:prstGeom>
+          <a:ln>
+            <a:noFill/>
+          </a:ln>
+          <a:effectLst>
+            <a:outerShdw blurRad="292100" dist="139700" dir="2700000" algn="tl" rotWithShape="0">
+              <a:srgbClr val="333333">
+                <a:alpha val="65000"/>
+              </a:srgbClr>
+            </a:outerShdw>
+          </a:effectLst>
+        </p:spPr>
+      </p:pic>
+      <p:pic>
+        <p:nvPicPr>
+          <p:cNvPr id="14" name="Hình ảnh 13">
+            <a:extLst>
+              <a:ext uri="{FF2B5EF4-FFF2-40B4-BE49-F238E27FC236}">
+                <a16:creationId xmlns:a16="http://schemas.microsoft.com/office/drawing/2014/main" id="{C44CBE9E-3B7D-41B8-94B8-A3ADE59012FC}"/>
+              </a:ext>
+            </a:extLst>
+          </p:cNvPr>
+          <p:cNvPicPr>
+            <a:picLocks noChangeAspect="1"/>
+          </p:cNvPicPr>
+          <p:nvPr/>
+        </p:nvPicPr>
+        <p:blipFill>
+          <a:blip r:embed="rId11"/>
+          <a:stretch>
+            <a:fillRect/>
+          </a:stretch>
+        </p:blipFill>
+        <p:spPr>
+          <a:xfrm>
+            <a:off x="1409700" y="1633537"/>
+            <a:ext cx="6324600" cy="1876425"/>
+          </a:xfrm>
+          <a:prstGeom prst="rect">
+            <a:avLst/>
+          </a:prstGeom>
+          <a:ln>
+            <a:noFill/>
+          </a:ln>
+          <a:effectLst>
+            <a:outerShdw blurRad="292100" dist="139700" dir="2700000" algn="tl" rotWithShape="0">
+              <a:srgbClr val="333333">
+                <a:alpha val="65000"/>
+              </a:srgbClr>
+            </a:outerShdw>
+          </a:effectLst>
+        </p:spPr>
+      </p:pic>
+    </p:spTree>
+    <p:extLst>
+      <p:ext uri="{BB962C8B-B14F-4D97-AF65-F5344CB8AC3E}">
+        <p14:creationId xmlns:p14="http://schemas.microsoft.com/office/powerpoint/2010/main" val="703252467"/>
+      </p:ext>
+    </p:extLst>
+  </p:cSld>
+  <p:clrMapOvr>
+    <a:masterClrMapping/>
+  </p:clrMapOvr>
+  <p:transition spd="slow">
+    <p:push dir="u"/>
+  </p:transition>
+  <p:timing>
+    <p:tnLst>
+      <p:par>
+        <p:cTn id="1" dur="indefinite" restart="never" nodeType="tmRoot">
+          <p:childTnLst>
+            <p:seq concurrent="1" nextAc="seek">
+              <p:cTn id="2" dur="indefinite" nodeType="mainSeq">
+                <p:childTnLst>
+                  <p:par>
+                    <p:cTn id="3" fill="hold">
+                      <p:stCondLst>
+                        <p:cond delay="indefinite"/>
+                      </p:stCondLst>
+                      <p:childTnLst>
+                        <p:par>
+                          <p:cTn id="4" fill="hold">
+                            <p:stCondLst>
+                              <p:cond delay="0"/>
+                            </p:stCondLst>
+                            <p:childTnLst>
+                              <p:par>
+                                <p:cTn id="5" presetID="42" presetClass="path" presetSubtype="0" accel="50000" decel="50000" fill="hold" nodeType="clickEffect">
+                                  <p:stCondLst>
+                                    <p:cond delay="0"/>
+                                  </p:stCondLst>
+                                  <p:childTnLst>
+                                    <p:animMotion origin="layout" path="M 0 0 L 0 0.33611 " pathEditMode="relative" rAng="0" ptsTypes="AA">
+                                      <p:cBhvr>
+                                        <p:cTn id="6" dur="2000" fill="hold"/>
+                                        <p:tgtEl>
+                                          <p:spTgt spid="4"/>
+                                        </p:tgtEl>
+                                        <p:attrNameLst>
+                                          <p:attrName>ppt_x</p:attrName>
+                                          <p:attrName>ppt_y</p:attrName>
+                                        </p:attrNameLst>
+                                      </p:cBhvr>
+                                      <p:rCtr x="0" y="16790"/>
+                                    </p:animMotion>
+                                  </p:childTnLst>
+                                </p:cTn>
+                              </p:par>
+                              <p:par>
+                                <p:cTn id="7" presetID="16" presetClass="entr" presetSubtype="21" fill="hold" nodeType="withEffect">
+                                  <p:stCondLst>
+                                    <p:cond delay="0"/>
+                                  </p:stCondLst>
+                                  <p:childTnLst>
+                                    <p:set>
+                                      <p:cBhvr>
+                                        <p:cTn id="8" dur="1" fill="hold">
+                                          <p:stCondLst>
+                                            <p:cond delay="0"/>
+                                          </p:stCondLst>
+                                        </p:cTn>
+                                        <p:tgtEl>
+                                          <p:spTgt spid="5"/>
+                                        </p:tgtEl>
+                                        <p:attrNameLst>
+                                          <p:attrName>style.visibility</p:attrName>
+                                        </p:attrNameLst>
+                                      </p:cBhvr>
+                                      <p:to>
+                                        <p:strVal val="visible"/>
+                                      </p:to>
+                                    </p:set>
+                                    <p:animEffect transition="in" filter="barn(inVertical)">
+                                      <p:cBhvr>
+                                        <p:cTn id="9" dur="500"/>
+                                        <p:tgtEl>
+                                          <p:spTgt spid="5"/>
+                                        </p:tgtEl>
+                                      </p:cBhvr>
+                                    </p:animEffect>
+                                  </p:childTnLst>
+                                </p:cTn>
+                              </p:par>
+                            </p:childTnLst>
+                          </p:cTn>
+                        </p:par>
+                      </p:childTnLst>
+                    </p:cTn>
+                  </p:par>
+                  <p:par>
+                    <p:cTn id="10" fill="hold">
+                      <p:stCondLst>
+                        <p:cond delay="indefinite"/>
+                      </p:stCondLst>
+                      <p:childTnLst>
+                        <p:par>
+                          <p:cTn id="11" fill="hold">
+                            <p:stCondLst>
+                              <p:cond delay="0"/>
+                            </p:stCondLst>
+                            <p:childTnLst>
+                              <p:par>
+                                <p:cTn id="12" presetID="22" presetClass="exit" presetSubtype="4" fill="hold" nodeType="clickEffect">
+                                  <p:stCondLst>
+                                    <p:cond delay="0"/>
+                                  </p:stCondLst>
+                                  <p:childTnLst>
+                                    <p:animEffect transition="out" filter="wipe(down)">
+                                      <p:cBhvr>
+                                        <p:cTn id="13" dur="500"/>
+                                        <p:tgtEl>
+                                          <p:spTgt spid="5"/>
+                                        </p:tgtEl>
+                                      </p:cBhvr>
+                                    </p:animEffect>
+                                    <p:set>
+                                      <p:cBhvr>
+                                        <p:cTn id="14" dur="1" fill="hold">
+                                          <p:stCondLst>
+                                            <p:cond delay="499"/>
+                                          </p:stCondLst>
+                                        </p:cTn>
+                                        <p:tgtEl>
+                                          <p:spTgt spid="5"/>
+                                        </p:tgtEl>
+                                        <p:attrNameLst>
+                                          <p:attrName>style.visibility</p:attrName>
+                                        </p:attrNameLst>
+                                      </p:cBhvr>
+                                      <p:to>
+                                        <p:strVal val="hidden"/>
+                                      </p:to>
+                                    </p:set>
+                                  </p:childTnLst>
+                                </p:cTn>
+                              </p:par>
+                              <p:par>
+                                <p:cTn id="15" presetID="10" presetClass="entr" presetSubtype="0" fill="hold" nodeType="withEffect">
+                                  <p:stCondLst>
+                                    <p:cond delay="0"/>
+                                  </p:stCondLst>
+                                  <p:childTnLst>
+                                    <p:set>
+                                      <p:cBhvr>
+                                        <p:cTn id="16" dur="1" fill="hold">
+                                          <p:stCondLst>
+                                            <p:cond delay="0"/>
+                                          </p:stCondLst>
+                                        </p:cTn>
+                                        <p:tgtEl>
+                                          <p:spTgt spid="6"/>
+                                        </p:tgtEl>
+                                        <p:attrNameLst>
+                                          <p:attrName>style.visibility</p:attrName>
+                                        </p:attrNameLst>
+                                      </p:cBhvr>
+                                      <p:to>
+                                        <p:strVal val="visible"/>
+                                      </p:to>
+                                    </p:set>
+                                    <p:animEffect transition="in" filter="fade">
+                                      <p:cBhvr>
+                                        <p:cTn id="17" dur="500"/>
+                                        <p:tgtEl>
+                                          <p:spTgt spid="6"/>
+                                        </p:tgtEl>
+                                      </p:cBhvr>
+                                    </p:animEffect>
+                                  </p:childTnLst>
+                                </p:cTn>
+                              </p:par>
+                            </p:childTnLst>
+                          </p:cTn>
+                        </p:par>
+                      </p:childTnLst>
+                    </p:cTn>
+                  </p:par>
+                  <p:par>
+                    <p:cTn id="18" fill="hold">
+                      <p:stCondLst>
+                        <p:cond delay="indefinite"/>
+                      </p:stCondLst>
+                      <p:childTnLst>
+                        <p:par>
+                          <p:cTn id="19" fill="hold">
+                            <p:stCondLst>
+                              <p:cond delay="0"/>
+                            </p:stCondLst>
+                            <p:childTnLst>
+                              <p:par>
+                                <p:cTn id="20" presetID="22" presetClass="exit" presetSubtype="4" fill="hold" nodeType="clickEffect">
+                                  <p:stCondLst>
+                                    <p:cond delay="0"/>
+                                  </p:stCondLst>
+                                  <p:childTnLst>
+                                    <p:animEffect transition="out" filter="wipe(down)">
+                                      <p:cBhvr>
+                                        <p:cTn id="21" dur="500"/>
+                                        <p:tgtEl>
+                                          <p:spTgt spid="6"/>
+                                        </p:tgtEl>
+                                      </p:cBhvr>
+                                    </p:animEffect>
+                                    <p:set>
+                                      <p:cBhvr>
+                                        <p:cTn id="22" dur="1" fill="hold">
+                                          <p:stCondLst>
+                                            <p:cond delay="499"/>
+                                          </p:stCondLst>
+                                        </p:cTn>
+                                        <p:tgtEl>
+                                          <p:spTgt spid="6"/>
+                                        </p:tgtEl>
+                                        <p:attrNameLst>
+                                          <p:attrName>style.visibility</p:attrName>
+                                        </p:attrNameLst>
+                                      </p:cBhvr>
+                                      <p:to>
+                                        <p:strVal val="hidden"/>
+                                      </p:to>
+                                    </p:set>
+                                  </p:childTnLst>
+                                </p:cTn>
+                              </p:par>
+                              <p:par>
+                                <p:cTn id="23" presetID="10" presetClass="entr" presetSubtype="0" fill="hold" nodeType="withEffect">
+                                  <p:stCondLst>
+                                    <p:cond delay="0"/>
+                                  </p:stCondLst>
+                                  <p:childTnLst>
+                                    <p:set>
+                                      <p:cBhvr>
+                                        <p:cTn id="24" dur="1" fill="hold">
+                                          <p:stCondLst>
+                                            <p:cond delay="0"/>
+                                          </p:stCondLst>
+                                        </p:cTn>
+                                        <p:tgtEl>
+                                          <p:spTgt spid="7"/>
+                                        </p:tgtEl>
+                                        <p:attrNameLst>
+                                          <p:attrName>style.visibility</p:attrName>
+                                        </p:attrNameLst>
+                                      </p:cBhvr>
+                                      <p:to>
+                                        <p:strVal val="visible"/>
+                                      </p:to>
+                                    </p:set>
+                                    <p:animEffect transition="in" filter="fade">
+                                      <p:cBhvr>
+                                        <p:cTn id="25" dur="500"/>
+                                        <p:tgtEl>
+                                          <p:spTgt spid="7"/>
+                                        </p:tgtEl>
+                                      </p:cBhvr>
+                                    </p:animEffect>
+                                  </p:childTnLst>
+                                </p:cTn>
+                              </p:par>
+                            </p:childTnLst>
+                          </p:cTn>
+                        </p:par>
+                      </p:childTnLst>
+                    </p:cTn>
+                  </p:par>
+                  <p:par>
+                    <p:cTn id="26" fill="hold">
+                      <p:stCondLst>
+                        <p:cond delay="indefinite"/>
+                      </p:stCondLst>
+                      <p:childTnLst>
+                        <p:par>
+                          <p:cTn id="27" fill="hold">
+                            <p:stCondLst>
+                              <p:cond delay="0"/>
+                            </p:stCondLst>
+                            <p:childTnLst>
+                              <p:par>
+                                <p:cTn id="28" presetID="22" presetClass="exit" presetSubtype="4" fill="hold" nodeType="clickEffect">
+                                  <p:stCondLst>
+                                    <p:cond delay="0"/>
+                                  </p:stCondLst>
+                                  <p:childTnLst>
+                                    <p:animEffect transition="out" filter="wipe(down)">
+                                      <p:cBhvr>
+                                        <p:cTn id="29" dur="500"/>
+                                        <p:tgtEl>
+                                          <p:spTgt spid="7"/>
+                                        </p:tgtEl>
+                                      </p:cBhvr>
+                                    </p:animEffect>
+                                    <p:set>
+                                      <p:cBhvr>
+                                        <p:cTn id="30" dur="1" fill="hold">
+                                          <p:stCondLst>
+                                            <p:cond delay="499"/>
+                                          </p:stCondLst>
+                                        </p:cTn>
+                                        <p:tgtEl>
+                                          <p:spTgt spid="7"/>
+                                        </p:tgtEl>
+                                        <p:attrNameLst>
+                                          <p:attrName>style.visibility</p:attrName>
+                                        </p:attrNameLst>
+                                      </p:cBhvr>
+                                      <p:to>
+                                        <p:strVal val="hidden"/>
+                                      </p:to>
+                                    </p:set>
+                                  </p:childTnLst>
+                                </p:cTn>
+                              </p:par>
+                              <p:par>
+                                <p:cTn id="31" presetID="10" presetClass="entr" presetSubtype="0" fill="hold" nodeType="withEffect">
+                                  <p:stCondLst>
+                                    <p:cond delay="0"/>
+                                  </p:stCondLst>
+                                  <p:childTnLst>
+                                    <p:set>
+                                      <p:cBhvr>
+                                        <p:cTn id="32" dur="1" fill="hold">
+                                          <p:stCondLst>
+                                            <p:cond delay="0"/>
+                                          </p:stCondLst>
+                                        </p:cTn>
+                                        <p:tgtEl>
+                                          <p:spTgt spid="8"/>
+                                        </p:tgtEl>
+                                        <p:attrNameLst>
+                                          <p:attrName>style.visibility</p:attrName>
+                                        </p:attrNameLst>
+                                      </p:cBhvr>
+                                      <p:to>
+                                        <p:strVal val="visible"/>
+                                      </p:to>
+                                    </p:set>
+                                    <p:animEffect transition="in" filter="fade">
+                                      <p:cBhvr>
+                                        <p:cTn id="33" dur="500"/>
+                                        <p:tgtEl>
+                                          <p:spTgt spid="8"/>
+                                        </p:tgtEl>
+                                      </p:cBhvr>
+                                    </p:animEffect>
+                                  </p:childTnLst>
+                                </p:cTn>
+                              </p:par>
+                            </p:childTnLst>
+                          </p:cTn>
+                        </p:par>
+                      </p:childTnLst>
+                    </p:cTn>
+                  </p:par>
+                  <p:par>
+                    <p:cTn id="34" fill="hold">
+                      <p:stCondLst>
+                        <p:cond delay="indefinite"/>
+                      </p:stCondLst>
+                      <p:childTnLst>
+                        <p:par>
+                          <p:cTn id="35" fill="hold">
+                            <p:stCondLst>
+                              <p:cond delay="0"/>
+                            </p:stCondLst>
+                            <p:childTnLst>
+                              <p:par>
+                                <p:cTn id="36" presetID="22" presetClass="exit" presetSubtype="4" fill="hold" nodeType="clickEffect">
+                                  <p:stCondLst>
+                                    <p:cond delay="0"/>
+                                  </p:stCondLst>
+                                  <p:childTnLst>
+                                    <p:animEffect transition="out" filter="wipe(down)">
+                                      <p:cBhvr>
+                                        <p:cTn id="37" dur="500"/>
+                                        <p:tgtEl>
+                                          <p:spTgt spid="8"/>
+                                        </p:tgtEl>
+                                      </p:cBhvr>
+                                    </p:animEffect>
+                                    <p:set>
+                                      <p:cBhvr>
+                                        <p:cTn id="38" dur="1" fill="hold">
+                                          <p:stCondLst>
+                                            <p:cond delay="499"/>
+                                          </p:stCondLst>
+                                        </p:cTn>
+                                        <p:tgtEl>
+                                          <p:spTgt spid="8"/>
+                                        </p:tgtEl>
+                                        <p:attrNameLst>
+                                          <p:attrName>style.visibility</p:attrName>
+                                        </p:attrNameLst>
+                                      </p:cBhvr>
+                                      <p:to>
+                                        <p:strVal val="hidden"/>
+                                      </p:to>
+                                    </p:set>
+                                  </p:childTnLst>
+                                </p:cTn>
+                              </p:par>
+                              <p:par>
+                                <p:cTn id="39" presetID="10" presetClass="entr" presetSubtype="0" fill="hold" nodeType="withEffect">
+                                  <p:stCondLst>
+                                    <p:cond delay="0"/>
+                                  </p:stCondLst>
+                                  <p:childTnLst>
+                                    <p:set>
+                                      <p:cBhvr>
+                                        <p:cTn id="40" dur="1" fill="hold">
+                                          <p:stCondLst>
+                                            <p:cond delay="0"/>
+                                          </p:stCondLst>
+                                        </p:cTn>
+                                        <p:tgtEl>
+                                          <p:spTgt spid="9"/>
+                                        </p:tgtEl>
+                                        <p:attrNameLst>
+                                          <p:attrName>style.visibility</p:attrName>
+                                        </p:attrNameLst>
+                                      </p:cBhvr>
+                                      <p:to>
+                                        <p:strVal val="visible"/>
+                                      </p:to>
+                                    </p:set>
+                                    <p:animEffect transition="in" filter="fade">
+                                      <p:cBhvr>
+                                        <p:cTn id="41" dur="500"/>
+                                        <p:tgtEl>
+                                          <p:spTgt spid="9"/>
+                                        </p:tgtEl>
+                                      </p:cBhvr>
+                                    </p:animEffect>
+                                  </p:childTnLst>
+                                </p:cTn>
+                              </p:par>
+                            </p:childTnLst>
+                          </p:cTn>
+                        </p:par>
+                      </p:childTnLst>
+                    </p:cTn>
+                  </p:par>
+                  <p:par>
+                    <p:cTn id="42" fill="hold">
+                      <p:stCondLst>
+                        <p:cond delay="indefinite"/>
+                      </p:stCondLst>
+                      <p:childTnLst>
+                        <p:par>
+                          <p:cTn id="43" fill="hold">
+                            <p:stCondLst>
+                              <p:cond delay="0"/>
+                            </p:stCondLst>
+                            <p:childTnLst>
+                              <p:par>
+                                <p:cTn id="44" presetID="22" presetClass="exit" presetSubtype="4" fill="hold" nodeType="clickEffect">
+                                  <p:stCondLst>
+                                    <p:cond delay="0"/>
+                                  </p:stCondLst>
+                                  <p:childTnLst>
+                                    <p:animEffect transition="out" filter="wipe(down)">
+                                      <p:cBhvr>
+                                        <p:cTn id="45" dur="500"/>
+                                        <p:tgtEl>
+                                          <p:spTgt spid="9"/>
+                                        </p:tgtEl>
+                                      </p:cBhvr>
+                                    </p:animEffect>
+                                    <p:set>
+                                      <p:cBhvr>
+                                        <p:cTn id="46" dur="1" fill="hold">
+                                          <p:stCondLst>
+                                            <p:cond delay="499"/>
+                                          </p:stCondLst>
+                                        </p:cTn>
+                                        <p:tgtEl>
+                                          <p:spTgt spid="9"/>
+                                        </p:tgtEl>
+                                        <p:attrNameLst>
+                                          <p:attrName>style.visibility</p:attrName>
+                                        </p:attrNameLst>
+                                      </p:cBhvr>
+                                      <p:to>
+                                        <p:strVal val="hidden"/>
+                                      </p:to>
+                                    </p:set>
+                                  </p:childTnLst>
+                                </p:cTn>
+                              </p:par>
+                              <p:par>
+                                <p:cTn id="47" presetID="10" presetClass="entr" presetSubtype="0" fill="hold" nodeType="withEffect">
+                                  <p:stCondLst>
+                                    <p:cond delay="0"/>
+                                  </p:stCondLst>
+                                  <p:childTnLst>
+                                    <p:set>
+                                      <p:cBhvr>
+                                        <p:cTn id="48" dur="1" fill="hold">
+                                          <p:stCondLst>
+                                            <p:cond delay="0"/>
+                                          </p:stCondLst>
+                                        </p:cTn>
+                                        <p:tgtEl>
+                                          <p:spTgt spid="10"/>
+                                        </p:tgtEl>
+                                        <p:attrNameLst>
+                                          <p:attrName>style.visibility</p:attrName>
+                                        </p:attrNameLst>
+                                      </p:cBhvr>
+                                      <p:to>
+                                        <p:strVal val="visible"/>
+                                      </p:to>
+                                    </p:set>
+                                    <p:animEffect transition="in" filter="fade">
+                                      <p:cBhvr>
+                                        <p:cTn id="49" dur="500"/>
+                                        <p:tgtEl>
+                                          <p:spTgt spid="10"/>
+                                        </p:tgtEl>
+                                      </p:cBhvr>
+                                    </p:animEffect>
+                                  </p:childTnLst>
+                                </p:cTn>
+                              </p:par>
+                            </p:childTnLst>
+                          </p:cTn>
+                        </p:par>
+                      </p:childTnLst>
+                    </p:cTn>
+                  </p:par>
+                  <p:par>
+                    <p:cTn id="50" fill="hold">
+                      <p:stCondLst>
+                        <p:cond delay="indefinite"/>
+                      </p:stCondLst>
+                      <p:childTnLst>
+                        <p:par>
+                          <p:cTn id="51" fill="hold">
+                            <p:stCondLst>
+                              <p:cond delay="0"/>
+                            </p:stCondLst>
+                            <p:childTnLst>
+                              <p:par>
+                                <p:cTn id="52" presetID="22" presetClass="exit" presetSubtype="4" fill="hold" nodeType="clickEffect">
+                                  <p:stCondLst>
+                                    <p:cond delay="0"/>
+                                  </p:stCondLst>
+                                  <p:childTnLst>
+                                    <p:animEffect transition="out" filter="wipe(down)">
+                                      <p:cBhvr>
+                                        <p:cTn id="53" dur="500"/>
+                                        <p:tgtEl>
+                                          <p:spTgt spid="10"/>
+                                        </p:tgtEl>
+                                      </p:cBhvr>
+                                    </p:animEffect>
+                                    <p:set>
+                                      <p:cBhvr>
+                                        <p:cTn id="54" dur="1" fill="hold">
+                                          <p:stCondLst>
+                                            <p:cond delay="499"/>
+                                          </p:stCondLst>
+                                        </p:cTn>
+                                        <p:tgtEl>
+                                          <p:spTgt spid="10"/>
+                                        </p:tgtEl>
+                                        <p:attrNameLst>
+                                          <p:attrName>style.visibility</p:attrName>
+                                        </p:attrNameLst>
+                                      </p:cBhvr>
+                                      <p:to>
+                                        <p:strVal val="hidden"/>
+                                      </p:to>
+                                    </p:set>
+                                  </p:childTnLst>
+                                </p:cTn>
+                              </p:par>
+                              <p:par>
+                                <p:cTn id="55" presetID="10" presetClass="entr" presetSubtype="0" fill="hold" nodeType="withEffect">
+                                  <p:stCondLst>
+                                    <p:cond delay="0"/>
+                                  </p:stCondLst>
+                                  <p:childTnLst>
+                                    <p:set>
+                                      <p:cBhvr>
+                                        <p:cTn id="56" dur="1" fill="hold">
+                                          <p:stCondLst>
+                                            <p:cond delay="0"/>
+                                          </p:stCondLst>
+                                        </p:cTn>
+                                        <p:tgtEl>
+                                          <p:spTgt spid="11"/>
+                                        </p:tgtEl>
+                                        <p:attrNameLst>
+                                          <p:attrName>style.visibility</p:attrName>
+                                        </p:attrNameLst>
+                                      </p:cBhvr>
+                                      <p:to>
+                                        <p:strVal val="visible"/>
+                                      </p:to>
+                                    </p:set>
+                                    <p:animEffect transition="in" filter="fade">
+                                      <p:cBhvr>
+                                        <p:cTn id="57" dur="500"/>
+                                        <p:tgtEl>
+                                          <p:spTgt spid="11"/>
+                                        </p:tgtEl>
+                                      </p:cBhvr>
+                                    </p:animEffect>
+                                  </p:childTnLst>
+                                </p:cTn>
+                              </p:par>
+                            </p:childTnLst>
+                          </p:cTn>
+                        </p:par>
+                      </p:childTnLst>
+                    </p:cTn>
+                  </p:par>
+                  <p:par>
+                    <p:cTn id="58" fill="hold">
+                      <p:stCondLst>
+                        <p:cond delay="indefinite"/>
+                      </p:stCondLst>
+                      <p:childTnLst>
+                        <p:par>
+                          <p:cTn id="59" fill="hold">
+                            <p:stCondLst>
+                              <p:cond delay="0"/>
+                            </p:stCondLst>
+                            <p:childTnLst>
+                              <p:par>
+                                <p:cTn id="60" presetID="22" presetClass="exit" presetSubtype="4" fill="hold" nodeType="clickEffect">
+                                  <p:stCondLst>
+                                    <p:cond delay="0"/>
+                                  </p:stCondLst>
+                                  <p:childTnLst>
+                                    <p:animEffect transition="out" filter="wipe(down)">
+                                      <p:cBhvr>
+                                        <p:cTn id="61" dur="500"/>
+                                        <p:tgtEl>
+                                          <p:spTgt spid="11"/>
+                                        </p:tgtEl>
+                                      </p:cBhvr>
+                                    </p:animEffect>
+                                    <p:set>
+                                      <p:cBhvr>
+                                        <p:cTn id="62" dur="1" fill="hold">
+                                          <p:stCondLst>
+                                            <p:cond delay="499"/>
+                                          </p:stCondLst>
+                                        </p:cTn>
+                                        <p:tgtEl>
+                                          <p:spTgt spid="11"/>
+                                        </p:tgtEl>
+                                        <p:attrNameLst>
+                                          <p:attrName>style.visibility</p:attrName>
+                                        </p:attrNameLst>
+                                      </p:cBhvr>
+                                      <p:to>
+                                        <p:strVal val="hidden"/>
+                                      </p:to>
+                                    </p:set>
+                                  </p:childTnLst>
+                                </p:cTn>
+                              </p:par>
+                              <p:par>
+                                <p:cTn id="63" presetID="10" presetClass="entr" presetSubtype="0" fill="hold" nodeType="withEffect">
+                                  <p:stCondLst>
+                                    <p:cond delay="0"/>
+                                  </p:stCondLst>
+                                  <p:childTnLst>
+                                    <p:set>
+                                      <p:cBhvr>
+                                        <p:cTn id="64" dur="1" fill="hold">
+                                          <p:stCondLst>
+                                            <p:cond delay="0"/>
+                                          </p:stCondLst>
+                                        </p:cTn>
+                                        <p:tgtEl>
+                                          <p:spTgt spid="12"/>
+                                        </p:tgtEl>
+                                        <p:attrNameLst>
+                                          <p:attrName>style.visibility</p:attrName>
+                                        </p:attrNameLst>
+                                      </p:cBhvr>
+                                      <p:to>
+                                        <p:strVal val="visible"/>
+                                      </p:to>
+                                    </p:set>
+                                    <p:animEffect transition="in" filter="fade">
+                                      <p:cBhvr>
+                                        <p:cTn id="65" dur="500"/>
+                                        <p:tgtEl>
+                                          <p:spTgt spid="12"/>
+                                        </p:tgtEl>
+                                      </p:cBhvr>
+                                    </p:animEffect>
+                                  </p:childTnLst>
+                                </p:cTn>
+                              </p:par>
+                            </p:childTnLst>
+                          </p:cTn>
+                        </p:par>
+                      </p:childTnLst>
+                    </p:cTn>
+                  </p:par>
+                  <p:par>
+                    <p:cTn id="66" fill="hold">
+                      <p:stCondLst>
+                        <p:cond delay="indefinite"/>
+                      </p:stCondLst>
+                      <p:childTnLst>
+                        <p:par>
+                          <p:cTn id="67" fill="hold">
+                            <p:stCondLst>
+                              <p:cond delay="0"/>
+                            </p:stCondLst>
+                            <p:childTnLst>
+                              <p:par>
+                                <p:cTn id="68" presetID="22" presetClass="exit" presetSubtype="4" fill="hold" nodeType="clickEffect">
+                                  <p:stCondLst>
+                                    <p:cond delay="0"/>
+                                  </p:stCondLst>
+                                  <p:childTnLst>
+                                    <p:animEffect transition="out" filter="wipe(down)">
+                                      <p:cBhvr>
+                                        <p:cTn id="69" dur="500"/>
+                                        <p:tgtEl>
+                                          <p:spTgt spid="12"/>
+                                        </p:tgtEl>
+                                      </p:cBhvr>
+                                    </p:animEffect>
+                                    <p:set>
+                                      <p:cBhvr>
+                                        <p:cTn id="70" dur="1" fill="hold">
+                                          <p:stCondLst>
+                                            <p:cond delay="499"/>
+                                          </p:stCondLst>
+                                        </p:cTn>
+                                        <p:tgtEl>
+                                          <p:spTgt spid="12"/>
+                                        </p:tgtEl>
+                                        <p:attrNameLst>
+                                          <p:attrName>style.visibility</p:attrName>
+                                        </p:attrNameLst>
+                                      </p:cBhvr>
+                                      <p:to>
+                                        <p:strVal val="hidden"/>
+                                      </p:to>
+                                    </p:set>
+                                  </p:childTnLst>
+                                </p:cTn>
+                              </p:par>
+                              <p:par>
+                                <p:cTn id="71" presetID="10" presetClass="entr" presetSubtype="0" fill="hold" nodeType="withEffect">
+                                  <p:stCondLst>
+                                    <p:cond delay="0"/>
+                                  </p:stCondLst>
+                                  <p:childTnLst>
+                                    <p:set>
+                                      <p:cBhvr>
+                                        <p:cTn id="72" dur="1" fill="hold">
+                                          <p:stCondLst>
+                                            <p:cond delay="0"/>
+                                          </p:stCondLst>
+                                        </p:cTn>
+                                        <p:tgtEl>
+                                          <p:spTgt spid="14"/>
+                                        </p:tgtEl>
+                                        <p:attrNameLst>
+                                          <p:attrName>style.visibility</p:attrName>
+                                        </p:attrNameLst>
+                                      </p:cBhvr>
+                                      <p:to>
+                                        <p:strVal val="visible"/>
+                                      </p:to>
+                                    </p:set>
+                                    <p:animEffect transition="in" filter="fade">
+                                      <p:cBhvr>
+                                        <p:cTn id="73" dur="500"/>
+                                        <p:tgtEl>
+                                          <p:spTgt spid="14"/>
+                                        </p:tgtEl>
+                                      </p:cBhvr>
+                                    </p:animEffect>
+                                  </p:childTnLst>
+                                </p:cTn>
+                              </p:par>
+                            </p:childTnLst>
+                          </p:cTn>
+                        </p:par>
+                      </p:childTnLst>
+                    </p:cTn>
+                  </p:par>
+                  <p:par>
+                    <p:cTn id="74" fill="hold">
+                      <p:stCondLst>
+                        <p:cond delay="indefinite"/>
+                      </p:stCondLst>
+                      <p:childTnLst>
+                        <p:par>
+                          <p:cTn id="75" fill="hold">
+                            <p:stCondLst>
+                              <p:cond delay="0"/>
+                            </p:stCondLst>
+                            <p:childTnLst>
+                              <p:par>
+                                <p:cTn id="76" presetID="22" presetClass="exit" presetSubtype="4" fill="hold" nodeType="clickEffect">
+                                  <p:stCondLst>
+                                    <p:cond delay="0"/>
+                                  </p:stCondLst>
+                                  <p:childTnLst>
+                                    <p:animEffect transition="out" filter="wipe(down)">
+                                      <p:cBhvr>
+                                        <p:cTn id="77" dur="500"/>
+                                        <p:tgtEl>
+                                          <p:spTgt spid="14"/>
+                                        </p:tgtEl>
+                                      </p:cBhvr>
+                                    </p:animEffect>
+                                    <p:set>
+                                      <p:cBhvr>
+                                        <p:cTn id="78" dur="1" fill="hold">
+                                          <p:stCondLst>
+                                            <p:cond delay="499"/>
+                                          </p:stCondLst>
+                                        </p:cTn>
+                                        <p:tgtEl>
+                                          <p:spTgt spid="14"/>
+                                        </p:tgtEl>
+                                        <p:attrNameLst>
+                                          <p:attrName>style.visibility</p:attrName>
+                                        </p:attrNameLst>
+                                      </p:cBhvr>
+                                      <p:to>
+                                        <p:strVal val="hidden"/>
+                                      </p:to>
+                                    </p:set>
+                                  </p:childTnLst>
+                                </p:cTn>
+                              </p:par>
+                            </p:childTnLst>
+                          </p:cTn>
+                        </p:par>
+                      </p:childTnLst>
+                    </p:cTn>
+                  </p:par>
+                </p:childTnLst>
+              </p:cTn>
+              <p:prevCondLst>
+                <p:cond evt="onPrev" delay="0">
+                  <p:tgtEl>
+                    <p:sldTgt/>
+                  </p:tgtEl>
+                </p:cond>
+              </p:prevCondLst>
+              <p:nextCondLst>
+                <p:cond evt="onNext" delay="0">
+                  <p:tgtEl>
+                    <p:sldTgt/>
+                  </p:tgtEl>
+                </p:cond>
+              </p:nextCondLst>
+            </p:seq>
+          </p:childTnLst>
+        </p:cTn>
+      </p:par>
+    </p:tnLst>
+  </p:timing>
+</p:sld>
+</file>
+
+<file path=ppt/slides/slide22.xml><?xml version="1.0" encoding="utf-8"?>
+<p:sld xmlns:a="http://schemas.openxmlformats.org/drawingml/2006/main" xmlns:r="http://schemas.openxmlformats.org/officeDocument/2006/relationships" xmlns:p="http://schemas.openxmlformats.org/presentationml/2006/main">
+  <p:cSld>
+    <p:spTree>
+      <p:nvGrpSpPr>
+        <p:cNvPr id="1" name=""/>
+        <p:cNvGrpSpPr/>
+        <p:nvPr/>
+      </p:nvGrpSpPr>
+      <p:grpSpPr>
+        <a:xfrm>
+          <a:off x="0" y="0"/>
+          <a:ext cx="0" cy="0"/>
+          <a:chOff x="0" y="0"/>
+          <a:chExt cx="0" cy="0"/>
+        </a:xfrm>
+      </p:grpSpPr>
+      <p:sp>
+        <p:nvSpPr>
+          <p:cNvPr id="2" name="Title 1"/>
+          <p:cNvSpPr>
+            <a:spLocks noGrp="1"/>
+          </p:cNvSpPr>
+          <p:nvPr>
+            <p:ph type="ctrTitle"/>
+          </p:nvPr>
+        </p:nvSpPr>
+        <p:spPr>
+          <a:xfrm>
+            <a:off x="685800" y="1597819"/>
+            <a:ext cx="7772400" cy="1102519"/>
+          </a:xfrm>
+        </p:spPr>
+        <p:txBody>
+          <a:bodyPr/>
+          <a:lstStyle/>
+          <a:p>
+            <a:pPr algn="ctr"/>
+            <a:r>
+              <a:rPr lang="en-US" spc="300" dirty="0"/>
+              <a:t>CHỨC NĂNG</a:t>
+            </a:r>
+          </a:p>
+        </p:txBody>
+      </p:sp>
+    </p:spTree>
+    <p:extLst>
+      <p:ext uri="{BB962C8B-B14F-4D97-AF65-F5344CB8AC3E}">
+        <p14:creationId xmlns:p14="http://schemas.microsoft.com/office/powerpoint/2010/main" val="234392180"/>
+      </p:ext>
+    </p:extLst>
+  </p:cSld>
+  <p:clrMapOvr>
+    <a:masterClrMapping/>
+  </p:clrMapOvr>
+  <p:transition spd="slow">
+    <p:push dir="u"/>
+  </p:transition>
+</p:sld>
+</file>
+
+<file path=ppt/slides/slide23.xml><?xml version="1.0" encoding="utf-8"?>
+<p:sld xmlns:a="http://schemas.openxmlformats.org/drawingml/2006/main" xmlns:r="http://schemas.openxmlformats.org/officeDocument/2006/relationships" xmlns:p="http://schemas.openxmlformats.org/presentationml/2006/main">
+  <p:cSld>
+    <p:bg>
+      <p:bgPr>
+        <a:solidFill>
+          <a:schemeClr val="bg1"/>
+        </a:solidFill>
+        <a:effectLst/>
+      </p:bgPr>
+    </p:bg>
+    <p:spTree>
+      <p:nvGrpSpPr>
+        <p:cNvPr id="1" name=""/>
+        <p:cNvGrpSpPr/>
+        <p:nvPr/>
+      </p:nvGrpSpPr>
+      <p:grpSpPr>
+        <a:xfrm>
+          <a:off x="0" y="0"/>
+          <a:ext cx="0" cy="0"/>
+          <a:chOff x="0" y="0"/>
+          <a:chExt cx="0" cy="0"/>
+        </a:xfrm>
+      </p:grpSpPr>
+      <p:sp>
+        <p:nvSpPr>
+          <p:cNvPr id="12" name="Rectangle 11">
+            <a:extLst>
+              <a:ext uri="{FF2B5EF4-FFF2-40B4-BE49-F238E27FC236}">
+                <a16:creationId xmlns:a16="http://schemas.microsoft.com/office/drawing/2014/main" id="{01D0AF59-99C3-4251-AB9A-C966C6AD4400}"/>
+              </a:ext>
+              <a:ext uri="{C183D7F6-B498-43B3-948B-1728B52AA6E4}">
+                <adec:decorative xmlns:adec="http://schemas.microsoft.com/office/drawing/2017/decorative" val="1"/>
+              </a:ext>
+            </a:extLst>
+          </p:cNvPr>
+          <p:cNvSpPr>
+            <a:spLocks noGrp="1" noRot="1" noChangeAspect="1" noMove="1" noResize="1" noEditPoints="1" noAdjustHandles="1" noChangeArrowheads="1" noChangeShapeType="1" noTextEdit="1"/>
+          </p:cNvSpPr>
+          <p:nvPr>
+            <p:extLst>
+              <p:ext uri="{386F3935-93C4-4BCD-93E2-E3B085C9AB24}">
+                <p16:designElem xmlns:p16="http://schemas.microsoft.com/office/powerpoint/2015/main" val="1"/>
+              </p:ext>
+            </p:extLst>
+          </p:nvPr>
+        </p:nvSpPr>
+        <p:spPr>
+          <a:xfrm>
+            <a:off x="0" y="0"/>
+            <a:ext cx="9144000" cy="5143500"/>
+          </a:xfrm>
+          <a:prstGeom prst="rect">
+            <a:avLst/>
+          </a:prstGeom>
+          <a:solidFill>
+            <a:schemeClr val="bg2"/>
+          </a:solidFill>
+          <a:ln>
+            <a:noFill/>
+          </a:ln>
+        </p:spPr>
+        <p:style>
+          <a:lnRef idx="2">
+            <a:schemeClr val="accent1">
+              <a:shade val="50000"/>
+            </a:schemeClr>
+          </a:lnRef>
+          <a:fillRef idx="1">
+            <a:schemeClr val="accent1"/>
+          </a:fillRef>
+          <a:effectRef idx="0">
+            <a:schemeClr val="accent1"/>
+          </a:effectRef>
+          <a:fontRef idx="minor">
+            <a:schemeClr val="lt1"/>
+          </a:fontRef>
+        </p:style>
+        <p:txBody>
+          <a:bodyPr rtlCol="0" anchor="ctr"/>
+          <a:lstStyle/>
+          <a:p>
+            <a:pPr algn="ctr"/>
+            <a:endParaRPr lang="en-US"/>
+          </a:p>
+        </p:txBody>
+      </p:sp>
+      <p:sp>
+        <p:nvSpPr>
+          <p:cNvPr id="14" name="Rectangle 13">
+            <a:extLst>
+              <a:ext uri="{FF2B5EF4-FFF2-40B4-BE49-F238E27FC236}">
+                <a16:creationId xmlns:a16="http://schemas.microsoft.com/office/drawing/2014/main" id="{1855405F-37A2-4869-9154-F8BE3BECE6C3}"/>
+              </a:ext>
+              <a:ext uri="{C183D7F6-B498-43B3-948B-1728B52AA6E4}">
+                <adec:decorative xmlns:adec="http://schemas.microsoft.com/office/drawing/2017/decorative" val="1"/>
+              </a:ext>
+            </a:extLst>
+          </p:cNvPr>
+          <p:cNvSpPr>
+            <a:spLocks noGrp="1" noRot="1" noChangeAspect="1" noMove="1" noResize="1" noEditPoints="1" noAdjustHandles="1" noChangeArrowheads="1" noChangeShapeType="1" noTextEdit="1"/>
+          </p:cNvSpPr>
+          <p:nvPr>
+            <p:extLst>
+              <p:ext uri="{386F3935-93C4-4BCD-93E2-E3B085C9AB24}">
+                <p16:designElem xmlns:p16="http://schemas.microsoft.com/office/powerpoint/2015/main" val="1"/>
+              </p:ext>
+            </p:extLst>
+          </p:nvPr>
+        </p:nvSpPr>
+        <p:spPr>
+          <a:xfrm>
+            <a:off x="357759" y="360045"/>
+            <a:ext cx="8428482" cy="4423410"/>
+          </a:xfrm>
+          <a:prstGeom prst="rect">
+            <a:avLst/>
+          </a:prstGeom>
+          <a:solidFill>
+            <a:srgbClr val="FFFFFF"/>
+          </a:solidFill>
+          <a:ln w="9525">
+            <a:noFill/>
+          </a:ln>
+          <a:effectLst>
+            <a:outerShdw blurRad="63500" dist="17780" dir="5400000" algn="t" rotWithShape="0">
+              <a:prstClr val="black">
+                <a:alpha val="43000"/>
+              </a:prstClr>
+            </a:outerShdw>
+          </a:effectLst>
+        </p:spPr>
+        <p:style>
+          <a:lnRef idx="2">
+            <a:schemeClr val="accent1">
+              <a:shade val="50000"/>
+            </a:schemeClr>
+          </a:lnRef>
+          <a:fillRef idx="1">
+            <a:schemeClr val="accent1"/>
+          </a:fillRef>
+          <a:effectRef idx="0">
+            <a:schemeClr val="accent1"/>
+          </a:effectRef>
+          <a:fontRef idx="minor">
+            <a:schemeClr val="lt1"/>
+          </a:fontRef>
+        </p:style>
+        <p:txBody>
+          <a:bodyPr rtlCol="0" anchor="ctr"/>
+          <a:lstStyle/>
+          <a:p>
+            <a:pPr algn="ctr"/>
+            <a:endParaRPr lang="en-US"/>
+          </a:p>
+        </p:txBody>
+      </p:sp>
+      <p:pic>
+        <p:nvPicPr>
+          <p:cNvPr id="7" name="Hình ảnh 6">
+            <a:extLst>
+              <a:ext uri="{FF2B5EF4-FFF2-40B4-BE49-F238E27FC236}">
+                <a16:creationId xmlns:a16="http://schemas.microsoft.com/office/drawing/2014/main" id="{B9D1A840-B9CE-44DA-B52B-0B5726CD8281}"/>
+              </a:ext>
+            </a:extLst>
+          </p:cNvPr>
+          <p:cNvPicPr>
+            <a:picLocks noChangeAspect="1"/>
+          </p:cNvPicPr>
+          <p:nvPr/>
+        </p:nvPicPr>
+        <p:blipFill>
+          <a:blip r:embed="rId2">
+            <a:extLst>
+              <a:ext uri="{28A0092B-C50C-407E-A947-70E740481C1C}">
+                <a14:useLocalDpi xmlns:a14="http://schemas.microsoft.com/office/drawing/2010/main" val="0"/>
+              </a:ext>
+            </a:extLst>
+          </a:blip>
+          <a:stretch>
+            <a:fillRect/>
+          </a:stretch>
+        </p:blipFill>
+        <p:spPr>
+          <a:xfrm>
+            <a:off x="2231216" y="482600"/>
+            <a:ext cx="4681567" cy="4178299"/>
+          </a:xfrm>
+          <a:prstGeom prst="roundRect">
+            <a:avLst>
+              <a:gd name="adj" fmla="val 8594"/>
+            </a:avLst>
+          </a:prstGeom>
+          <a:solidFill>
+            <a:srgbClr val="FFFFFF">
+              <a:shade val="85000"/>
+            </a:srgbClr>
+          </a:solidFill>
+          <a:ln>
+            <a:noFill/>
+          </a:ln>
+          <a:effectLst>
+            <a:reflection blurRad="12700" stA="38000" endPos="28000" dist="5000" dir="5400000" sy="-100000" algn="bl" rotWithShape="0"/>
+          </a:effectLst>
+        </p:spPr>
+      </p:pic>
+    </p:spTree>
+    <p:extLst>
+      <p:ext uri="{BB962C8B-B14F-4D97-AF65-F5344CB8AC3E}">
+        <p14:creationId xmlns:p14="http://schemas.microsoft.com/office/powerpoint/2010/main" val="2692264476"/>
+      </p:ext>
+    </p:extLst>
+  </p:cSld>
+  <p:clrMapOvr>
+    <a:masterClrMapping/>
+  </p:clrMapOvr>
+  <p:transition spd="slow">
+    <p:push dir="u"/>
+  </p:transition>
+</p:sld>
+</file>
+
+<file path=ppt/slides/slide24.xml><?xml version="1.0" encoding="utf-8"?>
+<p:sld xmlns:a="http://schemas.openxmlformats.org/drawingml/2006/main" xmlns:r="http://schemas.openxmlformats.org/officeDocument/2006/relationships" xmlns:p="http://schemas.openxmlformats.org/presentationml/2006/main">
+  <p:cSld>
+    <p:spTree>
+      <p:nvGrpSpPr>
+        <p:cNvPr id="1" name=""/>
+        <p:cNvGrpSpPr/>
+        <p:nvPr/>
+      </p:nvGrpSpPr>
+      <p:grpSpPr>
+        <a:xfrm>
+          <a:off x="0" y="0"/>
+          <a:ext cx="0" cy="0"/>
+          <a:chOff x="0" y="0"/>
+          <a:chExt cx="0" cy="0"/>
+        </a:xfrm>
+      </p:grpSpPr>
+      <p:sp>
+        <p:nvSpPr>
+          <p:cNvPr id="4" name="Hình chữ nhật 3">
+            <a:extLst>
+              <a:ext uri="{FF2B5EF4-FFF2-40B4-BE49-F238E27FC236}">
+                <a16:creationId xmlns:a16="http://schemas.microsoft.com/office/drawing/2014/main" id="{6FEB07D8-9856-42D1-BD49-75029305EA61}"/>
+              </a:ext>
+            </a:extLst>
+          </p:cNvPr>
+          <p:cNvSpPr/>
+          <p:nvPr/>
+        </p:nvSpPr>
+        <p:spPr>
+          <a:xfrm>
+            <a:off x="2356022" y="1266011"/>
+            <a:ext cx="1804175" cy="323165"/>
+          </a:xfrm>
+          <a:prstGeom prst="rect">
+            <a:avLst/>
+          </a:prstGeom>
+          <a:noFill/>
+        </p:spPr>
+        <p:txBody>
+          <a:bodyPr wrap="square" lIns="91440" tIns="45720" rIns="91440" bIns="45720">
+            <a:spAutoFit/>
+          </a:bodyPr>
+          <a:lstStyle/>
+          <a:p>
+            <a:pPr algn="ctr"/>
+            <a:r>
+              <a:rPr lang="vi-VN" sz="1500" b="1" dirty="0" err="1">
+                <a:ln w="10160">
+                  <a:solidFill>
+                    <a:schemeClr val="accent5"/>
+                  </a:solidFill>
+                  <a:prstDash val="solid"/>
+                </a:ln>
+                <a:solidFill>
+                  <a:srgbClr val="FFFFFF"/>
+                </a:solidFill>
+                <a:effectLst>
+                  <a:outerShdw blurRad="38100" dist="22860" dir="5400000" algn="tl" rotWithShape="0">
+                    <a:srgbClr val="000000">
+                      <a:alpha val="30000"/>
+                    </a:srgbClr>
+                  </a:outerShdw>
+                </a:effectLst>
+              </a:rPr>
+              <a:t>Form</a:t>
+            </a:r>
+            <a:endParaRPr lang="vi-VN" sz="1500" b="1" cap="none" spc="0" dirty="0">
+              <a:ln w="10160">
+                <a:solidFill>
+                  <a:schemeClr val="accent5"/>
+                </a:solidFill>
+                <a:prstDash val="solid"/>
+              </a:ln>
+              <a:solidFill>
+                <a:srgbClr val="FFFFFF"/>
+              </a:solidFill>
+              <a:effectLst>
+                <a:outerShdw blurRad="38100" dist="22860" dir="5400000" algn="tl" rotWithShape="0">
+                  <a:srgbClr val="000000">
+                    <a:alpha val="30000"/>
+                  </a:srgbClr>
+                </a:outerShdw>
+              </a:effectLst>
+            </a:endParaRPr>
+          </a:p>
+        </p:txBody>
+      </p:sp>
+      <p:sp>
+        <p:nvSpPr>
+          <p:cNvPr id="5" name="Hình chữ nhật 4">
+            <a:extLst>
+              <a:ext uri="{FF2B5EF4-FFF2-40B4-BE49-F238E27FC236}">
+                <a16:creationId xmlns:a16="http://schemas.microsoft.com/office/drawing/2014/main" id="{C091CDE3-87C8-442B-8A5F-4375706A9DCB}"/>
+              </a:ext>
+            </a:extLst>
+          </p:cNvPr>
+          <p:cNvSpPr/>
+          <p:nvPr/>
+        </p:nvSpPr>
+        <p:spPr>
+          <a:xfrm>
+            <a:off x="2348716" y="2191196"/>
+            <a:ext cx="1804175" cy="323165"/>
+          </a:xfrm>
+          <a:prstGeom prst="rect">
+            <a:avLst/>
+          </a:prstGeom>
+          <a:noFill/>
+        </p:spPr>
+        <p:txBody>
+          <a:bodyPr wrap="square" lIns="91440" tIns="45720" rIns="91440" bIns="45720">
+            <a:spAutoFit/>
+          </a:bodyPr>
+          <a:lstStyle/>
+          <a:p>
+            <a:pPr algn="ctr"/>
+            <a:r>
+              <a:rPr lang="vi-VN" sz="1500" b="1" cap="none" spc="0" dirty="0">
+                <a:ln w="10160">
+                  <a:solidFill>
+                    <a:schemeClr val="accent5"/>
+                  </a:solidFill>
+                  <a:prstDash val="solid"/>
+                </a:ln>
+                <a:solidFill>
+                  <a:srgbClr val="FFFFFF"/>
+                </a:solidFill>
+                <a:effectLst>
+                  <a:outerShdw blurRad="38100" dist="22860" dir="5400000" algn="tl" rotWithShape="0">
+                    <a:srgbClr val="000000">
+                      <a:alpha val="30000"/>
+                    </a:srgbClr>
+                  </a:outerShdw>
+                </a:effectLst>
+              </a:rPr>
+              <a:t>DAO</a:t>
+            </a:r>
+          </a:p>
+        </p:txBody>
+      </p:sp>
+      <p:sp>
+        <p:nvSpPr>
+          <p:cNvPr id="6" name="Hình chữ nhật 5">
+            <a:extLst>
+              <a:ext uri="{FF2B5EF4-FFF2-40B4-BE49-F238E27FC236}">
+                <a16:creationId xmlns:a16="http://schemas.microsoft.com/office/drawing/2014/main" id="{AF869FED-D83A-4A28-9D51-CEBC357EEF22}"/>
+              </a:ext>
+            </a:extLst>
+          </p:cNvPr>
+          <p:cNvSpPr/>
+          <p:nvPr/>
+        </p:nvSpPr>
+        <p:spPr>
+          <a:xfrm>
+            <a:off x="4682223" y="2191195"/>
+            <a:ext cx="1804175" cy="323165"/>
+          </a:xfrm>
+          <a:prstGeom prst="rect">
+            <a:avLst/>
+          </a:prstGeom>
+          <a:noFill/>
+        </p:spPr>
+        <p:txBody>
+          <a:bodyPr wrap="square" lIns="91440" tIns="45720" rIns="91440" bIns="45720">
+            <a:spAutoFit/>
+          </a:bodyPr>
+          <a:lstStyle/>
+          <a:p>
+            <a:pPr algn="ctr"/>
+            <a:r>
+              <a:rPr lang="vi-VN" sz="1500" b="1" cap="none" spc="0" dirty="0" err="1">
+                <a:ln w="10160">
+                  <a:solidFill>
+                    <a:schemeClr val="accent5"/>
+                  </a:solidFill>
+                  <a:prstDash val="solid"/>
+                </a:ln>
+                <a:solidFill>
+                  <a:srgbClr val="FFFFFF"/>
+                </a:solidFill>
+                <a:effectLst>
+                  <a:outerShdw blurRad="38100" dist="22860" dir="5400000" algn="tl" rotWithShape="0">
+                    <a:srgbClr val="000000">
+                      <a:alpha val="30000"/>
+                    </a:srgbClr>
+                  </a:outerShdw>
+                </a:effectLst>
+              </a:rPr>
+              <a:t>Entity</a:t>
+            </a:r>
+            <a:endParaRPr lang="vi-VN" sz="1500" b="1" cap="none" spc="0" dirty="0">
+              <a:ln w="10160">
+                <a:solidFill>
+                  <a:schemeClr val="accent5"/>
+                </a:solidFill>
+                <a:prstDash val="solid"/>
+              </a:ln>
+              <a:solidFill>
+                <a:srgbClr val="FFFFFF"/>
+              </a:solidFill>
+              <a:effectLst>
+                <a:outerShdw blurRad="38100" dist="22860" dir="5400000" algn="tl" rotWithShape="0">
+                  <a:srgbClr val="000000">
+                    <a:alpha val="30000"/>
+                  </a:srgbClr>
+                </a:outerShdw>
+              </a:effectLst>
+            </a:endParaRPr>
+          </a:p>
+        </p:txBody>
+      </p:sp>
+      <p:sp>
+        <p:nvSpPr>
+          <p:cNvPr id="7" name="Hình chữ nhật 6">
+            <a:extLst>
+              <a:ext uri="{FF2B5EF4-FFF2-40B4-BE49-F238E27FC236}">
+                <a16:creationId xmlns:a16="http://schemas.microsoft.com/office/drawing/2014/main" id="{07350221-3EC8-4055-A677-BE9A58DDA168}"/>
+              </a:ext>
+            </a:extLst>
+          </p:cNvPr>
+          <p:cNvSpPr/>
+          <p:nvPr/>
+        </p:nvSpPr>
+        <p:spPr>
+          <a:xfrm>
+            <a:off x="4661573" y="1266011"/>
+            <a:ext cx="1804175" cy="323165"/>
+          </a:xfrm>
+          <a:prstGeom prst="rect">
+            <a:avLst/>
+          </a:prstGeom>
+          <a:noFill/>
+        </p:spPr>
+        <p:txBody>
+          <a:bodyPr wrap="square" lIns="91440" tIns="45720" rIns="91440" bIns="45720">
+            <a:spAutoFit/>
+          </a:bodyPr>
+          <a:lstStyle/>
+          <a:p>
+            <a:pPr algn="ctr"/>
+            <a:r>
+              <a:rPr lang="vi-VN" sz="1500" b="1" cap="none" spc="0" dirty="0" err="1">
+                <a:ln w="10160">
+                  <a:solidFill>
+                    <a:schemeClr val="accent5"/>
+                  </a:solidFill>
+                  <a:prstDash val="solid"/>
+                </a:ln>
+                <a:solidFill>
+                  <a:srgbClr val="FFFFFF"/>
+                </a:solidFill>
+                <a:effectLst>
+                  <a:outerShdw blurRad="38100" dist="22860" dir="5400000" algn="tl" rotWithShape="0">
+                    <a:srgbClr val="000000">
+                      <a:alpha val="30000"/>
+                    </a:srgbClr>
+                  </a:outerShdw>
+                </a:effectLst>
+              </a:rPr>
+              <a:t>Controller</a:t>
+            </a:r>
+            <a:endParaRPr lang="vi-VN" sz="1500" b="1" cap="none" spc="0" dirty="0">
+              <a:ln w="10160">
+                <a:solidFill>
+                  <a:schemeClr val="accent5"/>
+                </a:solidFill>
+                <a:prstDash val="solid"/>
+              </a:ln>
+              <a:solidFill>
+                <a:srgbClr val="FFFFFF"/>
+              </a:solidFill>
+              <a:effectLst>
+                <a:outerShdw blurRad="38100" dist="22860" dir="5400000" algn="tl" rotWithShape="0">
+                  <a:srgbClr val="000000">
+                    <a:alpha val="30000"/>
+                  </a:srgbClr>
+                </a:outerShdw>
+              </a:effectLst>
+            </a:endParaRPr>
+          </a:p>
+        </p:txBody>
+      </p:sp>
+    </p:spTree>
+    <p:extLst>
+      <p:ext uri="{BB962C8B-B14F-4D97-AF65-F5344CB8AC3E}">
+        <p14:creationId xmlns:p14="http://schemas.microsoft.com/office/powerpoint/2010/main" val="2653333655"/>
+      </p:ext>
+    </p:extLst>
+  </p:cSld>
+  <p:clrMapOvr>
+    <a:masterClrMapping/>
+  </p:clrMapOvr>
+  <p:transition spd="slow">
+    <p:push dir="u"/>
+  </p:transition>
+  <p:timing>
+    <p:tnLst>
+      <p:par>
+        <p:cTn id="1" dur="indefinite" restart="never" nodeType="tmRoot">
+          <p:childTnLst>
+            <p:seq concurrent="1" nextAc="seek">
+              <p:cTn id="2" dur="indefinite" nodeType="mainSeq">
+                <p:childTnLst>
+                  <p:par>
+                    <p:cTn id="3" fill="hold">
+                      <p:stCondLst>
+                        <p:cond delay="indefinite"/>
+                        <p:cond evt="onBegin" delay="0">
+                          <p:tn val="2"/>
+                        </p:cond>
+                      </p:stCondLst>
+                      <p:childTnLst>
+                        <p:par>
+                          <p:cTn id="4" fill="hold">
+                            <p:stCondLst>
+                              <p:cond delay="0"/>
+                            </p:stCondLst>
+                            <p:childTnLst>
+                              <p:par>
+                                <p:cTn id="5" presetID="10" presetClass="entr" presetSubtype="0" fill="hold" grpId="0" nodeType="withEffect">
+                                  <p:stCondLst>
+                                    <p:cond delay="0"/>
+                                  </p:stCondLst>
+                                  <p:childTnLst>
+                                    <p:set>
+                                      <p:cBhvr>
+                                        <p:cTn id="6" dur="1" fill="hold">
+                                          <p:stCondLst>
+                                            <p:cond delay="0"/>
+                                          </p:stCondLst>
+                                        </p:cTn>
+                                        <p:tgtEl>
+                                          <p:spTgt spid="4"/>
+                                        </p:tgtEl>
+                                        <p:attrNameLst>
+                                          <p:attrName>style.visibility</p:attrName>
+                                        </p:attrNameLst>
+                                      </p:cBhvr>
+                                      <p:to>
+                                        <p:strVal val="visible"/>
+                                      </p:to>
+                                    </p:set>
+                                    <p:animEffect transition="in" filter="fade">
+                                      <p:cBhvr>
+                                        <p:cTn id="7" dur="500"/>
+                                        <p:tgtEl>
+                                          <p:spTgt spid="4"/>
+                                        </p:tgtEl>
+                                      </p:cBhvr>
+                                    </p:animEffect>
+                                  </p:childTnLst>
+                                </p:cTn>
+                              </p:par>
+                              <p:par>
+                                <p:cTn id="8" presetID="10" presetClass="entr" presetSubtype="0" fill="hold" grpId="0" nodeType="withEffect">
+                                  <p:stCondLst>
+                                    <p:cond delay="0"/>
+                                  </p:stCondLst>
+                                  <p:childTnLst>
+                                    <p:set>
+                                      <p:cBhvr>
+                                        <p:cTn id="9" dur="1" fill="hold">
+                                          <p:stCondLst>
+                                            <p:cond delay="0"/>
+                                          </p:stCondLst>
+                                        </p:cTn>
+                                        <p:tgtEl>
+                                          <p:spTgt spid="5"/>
+                                        </p:tgtEl>
+                                        <p:attrNameLst>
+                                          <p:attrName>style.visibility</p:attrName>
+                                        </p:attrNameLst>
+                                      </p:cBhvr>
+                                      <p:to>
+                                        <p:strVal val="visible"/>
+                                      </p:to>
+                                    </p:set>
+                                    <p:animEffect transition="in" filter="fade">
+                                      <p:cBhvr>
+                                        <p:cTn id="10" dur="500"/>
+                                        <p:tgtEl>
+                                          <p:spTgt spid="5"/>
+                                        </p:tgtEl>
+                                      </p:cBhvr>
+                                    </p:animEffect>
+                                  </p:childTnLst>
+                                </p:cTn>
+                              </p:par>
+                              <p:par>
+                                <p:cTn id="11" presetID="10" presetClass="entr" presetSubtype="0" fill="hold" grpId="0" nodeType="withEffect">
+                                  <p:stCondLst>
+                                    <p:cond delay="0"/>
+                                  </p:stCondLst>
+                                  <p:childTnLst>
+                                    <p:set>
+                                      <p:cBhvr>
+                                        <p:cTn id="12" dur="1" fill="hold">
+                                          <p:stCondLst>
+                                            <p:cond delay="0"/>
+                                          </p:stCondLst>
+                                        </p:cTn>
+                                        <p:tgtEl>
+                                          <p:spTgt spid="6"/>
+                                        </p:tgtEl>
+                                        <p:attrNameLst>
+                                          <p:attrName>style.visibility</p:attrName>
+                                        </p:attrNameLst>
+                                      </p:cBhvr>
+                                      <p:to>
+                                        <p:strVal val="visible"/>
+                                      </p:to>
+                                    </p:set>
+                                    <p:animEffect transition="in" filter="fade">
+                                      <p:cBhvr>
+                                        <p:cTn id="13" dur="500"/>
+                                        <p:tgtEl>
+                                          <p:spTgt spid="6"/>
+                                        </p:tgtEl>
+                                      </p:cBhvr>
+                                    </p:animEffect>
+                                  </p:childTnLst>
+                                </p:cTn>
+                              </p:par>
+                              <p:par>
+                                <p:cTn id="14" presetID="10" presetClass="entr" presetSubtype="0" fill="hold" grpId="0" nodeType="withEffect">
+                                  <p:stCondLst>
+                                    <p:cond delay="0"/>
+                                  </p:stCondLst>
+                                  <p:childTnLst>
+                                    <p:set>
+                                      <p:cBhvr>
+                                        <p:cTn id="15" dur="1" fill="hold">
+                                          <p:stCondLst>
+                                            <p:cond delay="0"/>
+                                          </p:stCondLst>
+                                        </p:cTn>
+                                        <p:tgtEl>
+                                          <p:spTgt spid="7"/>
+                                        </p:tgtEl>
+                                        <p:attrNameLst>
+                                          <p:attrName>style.visibility</p:attrName>
+                                        </p:attrNameLst>
+                                      </p:cBhvr>
+                                      <p:to>
+                                        <p:strVal val="visible"/>
+                                      </p:to>
+                                    </p:set>
+                                    <p:animEffect transition="in" filter="fade">
+                                      <p:cBhvr>
+                                        <p:cTn id="16" dur="500"/>
+                                        <p:tgtEl>
+                                          <p:spTgt spid="7"/>
+                                        </p:tgtEl>
+                                      </p:cBhvr>
+                                    </p:animEffect>
+                                  </p:childTnLst>
+                                </p:cTn>
+                              </p:par>
+                            </p:childTnLst>
+                          </p:cTn>
+                        </p:par>
+                      </p:childTnLst>
+                    </p:cTn>
+                  </p:par>
+                  <p:par>
+                    <p:cTn id="17" fill="hold">
+                      <p:stCondLst>
+                        <p:cond delay="indefinite"/>
+                      </p:stCondLst>
+                      <p:childTnLst>
+                        <p:par>
+                          <p:cTn id="18" fill="hold">
+                            <p:stCondLst>
+                              <p:cond delay="0"/>
+                            </p:stCondLst>
+                            <p:childTnLst>
+                              <p:par>
+                                <p:cTn id="19" presetID="10" presetClass="exit" presetSubtype="0" fill="hold" grpId="1" nodeType="clickEffect">
+                                  <p:stCondLst>
+                                    <p:cond delay="0"/>
+                                  </p:stCondLst>
+                                  <p:childTnLst>
+                                    <p:animEffect transition="out" filter="fade">
+                                      <p:cBhvr>
+                                        <p:cTn id="20" dur="500"/>
+                                        <p:tgtEl>
+                                          <p:spTgt spid="4"/>
+                                        </p:tgtEl>
+                                      </p:cBhvr>
+                                    </p:animEffect>
+                                    <p:set>
+                                      <p:cBhvr>
+                                        <p:cTn id="21" dur="1" fill="hold">
+                                          <p:stCondLst>
+                                            <p:cond delay="499"/>
+                                          </p:stCondLst>
+                                        </p:cTn>
+                                        <p:tgtEl>
+                                          <p:spTgt spid="4"/>
+                                        </p:tgtEl>
+                                        <p:attrNameLst>
+                                          <p:attrName>style.visibility</p:attrName>
+                                        </p:attrNameLst>
+                                      </p:cBhvr>
+                                      <p:to>
+                                        <p:strVal val="hidden"/>
+                                      </p:to>
+                                    </p:set>
+                                  </p:childTnLst>
+                                </p:cTn>
+                              </p:par>
+                              <p:par>
+                                <p:cTn id="22" presetID="10" presetClass="exit" presetSubtype="0" fill="hold" grpId="1" nodeType="withEffect">
+                                  <p:stCondLst>
+                                    <p:cond delay="0"/>
+                                  </p:stCondLst>
+                                  <p:childTnLst>
+                                    <p:animEffect transition="out" filter="fade">
+                                      <p:cBhvr>
+                                        <p:cTn id="23" dur="500"/>
+                                        <p:tgtEl>
+                                          <p:spTgt spid="5"/>
+                                        </p:tgtEl>
+                                      </p:cBhvr>
+                                    </p:animEffect>
+                                    <p:set>
+                                      <p:cBhvr>
+                                        <p:cTn id="24" dur="1" fill="hold">
+                                          <p:stCondLst>
+                                            <p:cond delay="499"/>
+                                          </p:stCondLst>
+                                        </p:cTn>
+                                        <p:tgtEl>
+                                          <p:spTgt spid="5"/>
+                                        </p:tgtEl>
+                                        <p:attrNameLst>
+                                          <p:attrName>style.visibility</p:attrName>
+                                        </p:attrNameLst>
+                                      </p:cBhvr>
+                                      <p:to>
+                                        <p:strVal val="hidden"/>
+                                      </p:to>
+                                    </p:set>
+                                  </p:childTnLst>
+                                </p:cTn>
+                              </p:par>
+                              <p:par>
+                                <p:cTn id="25" presetID="10" presetClass="exit" presetSubtype="0" fill="hold" grpId="1" nodeType="withEffect">
+                                  <p:stCondLst>
+                                    <p:cond delay="0"/>
+                                  </p:stCondLst>
+                                  <p:childTnLst>
+                                    <p:animEffect transition="out" filter="fade">
+                                      <p:cBhvr>
+                                        <p:cTn id="26" dur="500"/>
+                                        <p:tgtEl>
+                                          <p:spTgt spid="6"/>
+                                        </p:tgtEl>
+                                      </p:cBhvr>
+                                    </p:animEffect>
+                                    <p:set>
+                                      <p:cBhvr>
+                                        <p:cTn id="27" dur="1" fill="hold">
+                                          <p:stCondLst>
+                                            <p:cond delay="499"/>
+                                          </p:stCondLst>
+                                        </p:cTn>
+                                        <p:tgtEl>
+                                          <p:spTgt spid="6"/>
+                                        </p:tgtEl>
+                                        <p:attrNameLst>
+                                          <p:attrName>style.visibility</p:attrName>
+                                        </p:attrNameLst>
+                                      </p:cBhvr>
+                                      <p:to>
+                                        <p:strVal val="hidden"/>
+                                      </p:to>
+                                    </p:set>
+                                  </p:childTnLst>
+                                </p:cTn>
+                              </p:par>
+                              <p:par>
+                                <p:cTn id="28" presetID="10" presetClass="exit" presetSubtype="0" fill="hold" grpId="1" nodeType="withEffect">
+                                  <p:stCondLst>
+                                    <p:cond delay="0"/>
+                                  </p:stCondLst>
+                                  <p:childTnLst>
+                                    <p:animEffect transition="out" filter="fade">
+                                      <p:cBhvr>
+                                        <p:cTn id="29" dur="500"/>
+                                        <p:tgtEl>
+                                          <p:spTgt spid="7"/>
+                                        </p:tgtEl>
+                                      </p:cBhvr>
+                                    </p:animEffect>
+                                    <p:set>
+                                      <p:cBhvr>
+                                        <p:cTn id="30" dur="1" fill="hold">
+                                          <p:stCondLst>
+                                            <p:cond delay="499"/>
+                                          </p:stCondLst>
+                                        </p:cTn>
+                                        <p:tgtEl>
+                                          <p:spTgt spid="7"/>
+                                        </p:tgtEl>
+                                        <p:attrNameLst>
+                                          <p:attrName>style.visibility</p:attrName>
+                                        </p:attrNameLst>
+                                      </p:cBhvr>
+                                      <p:to>
+                                        <p:strVal val="hidden"/>
+                                      </p:to>
+                                    </p:set>
+                                  </p:childTnLst>
+                                </p:cTn>
+                              </p:par>
+                            </p:childTnLst>
+                          </p:cTn>
+                        </p:par>
+                      </p:childTnLst>
+                    </p:cTn>
+                  </p:par>
+                </p:childTnLst>
+              </p:cTn>
+              <p:prevCondLst>
+                <p:cond evt="onPrev" delay="0">
+                  <p:tgtEl>
+                    <p:sldTgt/>
+                  </p:tgtEl>
+                </p:cond>
+              </p:prevCondLst>
+              <p:nextCondLst>
+                <p:cond evt="onNext" delay="0">
+                  <p:tgtEl>
+                    <p:sldTgt/>
+                  </p:tgtEl>
+                </p:cond>
+              </p:nextCondLst>
+            </p:seq>
+          </p:childTnLst>
+        </p:cTn>
+      </p:par>
+    </p:tnLst>
+    <p:bldLst>
+      <p:bldP spid="4" grpId="0"/>
+      <p:bldP spid="4" grpId="1"/>
+      <p:bldP spid="5" grpId="0"/>
+      <p:bldP spid="5" grpId="1"/>
+      <p:bldP spid="6" grpId="0"/>
+      <p:bldP spid="6" grpId="1"/>
+      <p:bldP spid="7" grpId="0"/>
+      <p:bldP spid="7" grpId="1"/>
+    </p:bldLst>
+  </p:timing>
+</p:sld>
+</file>
+
+<file path=ppt/slides/slide25.xml><?xml version="1.0" encoding="utf-8"?>
 <p:sld xmlns:a="http://schemas.openxmlformats.org/drawingml/2006/main" xmlns:r="http://schemas.openxmlformats.org/officeDocument/2006/relationships" xmlns:p="http://schemas.openxmlformats.org/presentationml/2006/main">
   <p:cSld>
     <p:spTree>
@@ -10299,7 +14575,7 @@
 </p:sld>
 </file>
 
-<file path=ppt/slides/slide21.xml><?xml version="1.0" encoding="utf-8"?>
+<file path=ppt/slides/slide26.xml><?xml version="1.0" encoding="utf-8"?>
 <p:sld xmlns:a="http://schemas.openxmlformats.org/drawingml/2006/main" xmlns:r="http://schemas.openxmlformats.org/officeDocument/2006/relationships" xmlns:p="http://schemas.openxmlformats.org/presentationml/2006/main">
   <p:cSld>
     <p:bg>
@@ -17016,6 +21292,91 @@
           <a:chExt cx="0" cy="0"/>
         </a:xfrm>
       </p:grpSpPr>
+      <p:sp>
+        <p:nvSpPr>
+          <p:cNvPr id="4" name="Title 1"/>
+          <p:cNvSpPr txBox="1">
+            <a:spLocks/>
+          </p:cNvSpPr>
+          <p:nvPr/>
+        </p:nvSpPr>
+        <p:spPr bwMode="auto">
+          <a:xfrm>
+            <a:off x="611560" y="1707654"/>
+            <a:ext cx="7772400" cy="1125457"/>
+          </a:xfrm>
+          <a:prstGeom prst="rect">
+            <a:avLst/>
+          </a:prstGeom>
+        </p:spPr>
+        <p:txBody>
+          <a:bodyPr vert="horz" lIns="91440" tIns="45720" rIns="91440" bIns="45720" rtlCol="0" anchor="ctr">
+            <a:normAutofit/>
+          </a:bodyPr>
+          <a:lstStyle>
+            <a:lvl1pPr marL="0" indent="0" algn="just" defTabSz="914400">
+              <a:lnSpc>
+                <a:spcPct val="150000"/>
+              </a:lnSpc>
+              <a:spcBef>
+                <a:spcPts val="0"/>
+              </a:spcBef>
+              <a:buFont typeface="Arial"/>
+              <a:buNone/>
+              <a:defRPr sz="1200">
+                <a:solidFill>
+                  <a:schemeClr val="accent4">
+                    <a:lumMod val="75000"/>
+                  </a:schemeClr>
+                </a:solidFill>
+                <a:latin typeface="Myriad Pro"/>
+                <a:ea typeface="+mj-ea"/>
+                <a:cs typeface="+mj-cs"/>
+              </a:defRPr>
+            </a:lvl1pPr>
+          </a:lstStyle>
+          <a:p>
+            <a:pPr algn="ctr"/>
+            <a:r>
+              <a:rPr lang="en-US" sz="3200" spc="300" dirty="0"/>
+              <a:t>GIAO DIỆN</a:t>
+            </a:r>
+          </a:p>
+        </p:txBody>
+      </p:sp>
+    </p:spTree>
+    <p:extLst>
+      <p:ext uri="{BB962C8B-B14F-4D97-AF65-F5344CB8AC3E}">
+        <p14:creationId xmlns:p14="http://schemas.microsoft.com/office/powerpoint/2010/main" val="3158783088"/>
+      </p:ext>
+    </p:extLst>
+  </p:cSld>
+  <p:clrMapOvr>
+    <a:masterClrMapping/>
+  </p:clrMapOvr>
+  <p:transition spd="slow">
+    <p:push dir="u"/>
+  </p:transition>
+</p:sld>
+</file>
+
+<file path=ppt/slides/slide6.xml><?xml version="1.0" encoding="utf-8"?>
+<p:sld xmlns:a="http://schemas.openxmlformats.org/drawingml/2006/main" xmlns:r="http://schemas.openxmlformats.org/officeDocument/2006/relationships" xmlns:p="http://schemas.openxmlformats.org/presentationml/2006/main">
+  <p:cSld>
+    <p:spTree>
+      <p:nvGrpSpPr>
+        <p:cNvPr id="1" name=""/>
+        <p:cNvGrpSpPr/>
+        <p:nvPr/>
+      </p:nvGrpSpPr>
+      <p:grpSpPr>
+        <a:xfrm>
+          <a:off x="0" y="0"/>
+          <a:ext cx="0" cy="0"/>
+          <a:chOff x="0" y="0"/>
+          <a:chExt cx="0" cy="0"/>
+        </a:xfrm>
+      </p:grpSpPr>
       <p:pic>
         <p:nvPicPr>
           <p:cNvPr id="4" name="Hình ảnh 3" descr="Ảnh có chứa trong nhà, đang ngồi, cuốn sách, bàn&#10;&#10;Mô tả được tạo tự động">
@@ -17127,7 +21488,7 @@
 </p:sld>
 </file>
 
-<file path=ppt/slides/slide6.xml><?xml version="1.0" encoding="utf-8"?>
+<file path=ppt/slides/slide7.xml><?xml version="1.0" encoding="utf-8"?>
 <p:sld xmlns:a="http://schemas.openxmlformats.org/drawingml/2006/main" xmlns:r="http://schemas.openxmlformats.org/officeDocument/2006/relationships" xmlns:p="http://schemas.openxmlformats.org/presentationml/2006/main">
   <p:cSld>
     <p:spTree>
@@ -22335,7 +26696,514 @@
 </p:sld>
 </file>
 
-<file path=ppt/slides/slide7.xml><?xml version="1.0" encoding="utf-8"?>
+<file path=ppt/slides/slide8.xml><?xml version="1.0" encoding="utf-8"?>
+<p:sld xmlns:a="http://schemas.openxmlformats.org/drawingml/2006/main" xmlns:r="http://schemas.openxmlformats.org/officeDocument/2006/relationships" xmlns:p="http://schemas.openxmlformats.org/presentationml/2006/main">
+  <p:cSld>
+    <p:spTree>
+      <p:nvGrpSpPr>
+        <p:cNvPr id="1" name=""/>
+        <p:cNvGrpSpPr/>
+        <p:nvPr/>
+      </p:nvGrpSpPr>
+      <p:grpSpPr>
+        <a:xfrm>
+          <a:off x="0" y="0"/>
+          <a:ext cx="0" cy="0"/>
+          <a:chOff x="0" y="0"/>
+          <a:chExt cx="0" cy="0"/>
+        </a:xfrm>
+      </p:grpSpPr>
+      <p:sp>
+        <p:nvSpPr>
+          <p:cNvPr id="14" name="Title 1">
+            <a:extLst>
+              <a:ext uri="{FF2B5EF4-FFF2-40B4-BE49-F238E27FC236}">
+                <a16:creationId xmlns:a16="http://schemas.microsoft.com/office/drawing/2014/main" id="{49401D56-DA43-449F-8A22-77606EEC3247}"/>
+              </a:ext>
+            </a:extLst>
+          </p:cNvPr>
+          <p:cNvSpPr>
+            <a:spLocks noGrp="1"/>
+          </p:cNvSpPr>
+          <p:nvPr>
+            <p:ph type="title"/>
+          </p:nvPr>
+        </p:nvSpPr>
+        <p:spPr>
+          <a:xfrm>
+            <a:off x="457201" y="204787"/>
+            <a:ext cx="3008313" cy="871538"/>
+          </a:xfrm>
+        </p:spPr>
+        <p:txBody>
+          <a:bodyPr>
+            <a:normAutofit/>
+          </a:bodyPr>
+          <a:lstStyle/>
+          <a:p>
+            <a:r>
+              <a:rPr lang="en-US" dirty="0" err="1"/>
+              <a:t>Thiết</a:t>
+            </a:r>
+            <a:r>
+              <a:rPr lang="en-US" dirty="0"/>
+              <a:t> </a:t>
+            </a:r>
+            <a:r>
+              <a:rPr lang="en-US" dirty="0" err="1"/>
+              <a:t>kế</a:t>
+            </a:r>
+            <a:r>
+              <a:rPr lang="en-US" dirty="0"/>
+              <a:t> </a:t>
+            </a:r>
+            <a:r>
+              <a:rPr lang="en-US" dirty="0" err="1"/>
+              <a:t>theo</a:t>
+            </a:r>
+            <a:r>
+              <a:rPr lang="en-US" dirty="0"/>
+              <a:t> MVC</a:t>
+            </a:r>
+          </a:p>
+        </p:txBody>
+      </p:sp>
+      <p:pic>
+        <p:nvPicPr>
+          <p:cNvPr id="5" name="Hình ảnh 4">
+            <a:extLst>
+              <a:ext uri="{FF2B5EF4-FFF2-40B4-BE49-F238E27FC236}">
+                <a16:creationId xmlns:a16="http://schemas.microsoft.com/office/drawing/2014/main" id="{E317F0BF-7735-4C10-8343-7AF75FC0B1EB}"/>
+              </a:ext>
+            </a:extLst>
+          </p:cNvPr>
+          <p:cNvPicPr>
+            <a:picLocks noChangeAspect="1"/>
+          </p:cNvPicPr>
+          <p:nvPr/>
+        </p:nvPicPr>
+        <p:blipFill>
+          <a:blip r:embed="rId2">
+            <a:extLst>
+              <a:ext uri="{28A0092B-C50C-407E-A947-70E740481C1C}">
+                <a14:useLocalDpi xmlns:a14="http://schemas.microsoft.com/office/drawing/2010/main" val="0"/>
+              </a:ext>
+            </a:extLst>
+          </a:blip>
+          <a:stretch>
+            <a:fillRect/>
+          </a:stretch>
+        </p:blipFill>
+        <p:spPr>
+          <a:xfrm>
+            <a:off x="3805801" y="204788"/>
+            <a:ext cx="4650248" cy="4389835"/>
+          </a:xfrm>
+          <a:prstGeom prst="rect">
+            <a:avLst/>
+          </a:prstGeom>
+          <a:noFill/>
+          <a:ln>
+            <a:noFill/>
+          </a:ln>
+          <a:effectLst>
+            <a:outerShdw blurRad="292100" dist="139700" dir="2700000" algn="tl" rotWithShape="0">
+              <a:srgbClr val="333333">
+                <a:alpha val="65000"/>
+              </a:srgbClr>
+            </a:outerShdw>
+          </a:effectLst>
+        </p:spPr>
+      </p:pic>
+      <p:sp>
+        <p:nvSpPr>
+          <p:cNvPr id="15" name="Text Placeholder 3">
+            <a:extLst>
+              <a:ext uri="{FF2B5EF4-FFF2-40B4-BE49-F238E27FC236}">
+                <a16:creationId xmlns:a16="http://schemas.microsoft.com/office/drawing/2014/main" id="{EF306A34-C58F-47D1-A900-2644EE04C2A5}"/>
+              </a:ext>
+            </a:extLst>
+          </p:cNvPr>
+          <p:cNvSpPr>
+            <a:spLocks noGrp="1"/>
+          </p:cNvSpPr>
+          <p:nvPr>
+            <p:ph type="body" sz="half" idx="2"/>
+          </p:nvPr>
+        </p:nvSpPr>
+        <p:spPr>
+          <a:xfrm>
+            <a:off x="457201" y="1076326"/>
+            <a:ext cx="3008313" cy="3518297"/>
+          </a:xfrm>
+        </p:spPr>
+        <p:txBody>
+          <a:bodyPr>
+            <a:normAutofit/>
+          </a:bodyPr>
+          <a:lstStyle/>
+          <a:p>
+            <a:r>
+              <a:rPr lang="en-US" sz="1200" dirty="0" err="1">
+                <a:solidFill>
+                  <a:schemeClr val="tx1"/>
+                </a:solidFill>
+              </a:rPr>
+              <a:t>Bên</a:t>
+            </a:r>
+            <a:r>
+              <a:rPr lang="en-US" sz="1200" dirty="0">
+                <a:solidFill>
+                  <a:schemeClr val="tx1"/>
+                </a:solidFill>
+              </a:rPr>
+              <a:t> </a:t>
+            </a:r>
+            <a:r>
+              <a:rPr lang="en-US" sz="1200" dirty="0" err="1">
+                <a:solidFill>
+                  <a:schemeClr val="tx1"/>
+                </a:solidFill>
+              </a:rPr>
+              <a:t>trong</a:t>
+            </a:r>
+            <a:r>
+              <a:rPr lang="en-US" sz="1200" dirty="0">
+                <a:solidFill>
+                  <a:schemeClr val="tx1"/>
+                </a:solidFill>
+              </a:rPr>
+              <a:t> chia </a:t>
+            </a:r>
+            <a:r>
+              <a:rPr lang="en-US" sz="1200" dirty="0" err="1">
+                <a:solidFill>
+                  <a:schemeClr val="tx1"/>
+                </a:solidFill>
+              </a:rPr>
+              <a:t>nhỏ</a:t>
+            </a:r>
+            <a:r>
+              <a:rPr lang="en-US" sz="1200" dirty="0">
+                <a:solidFill>
+                  <a:schemeClr val="tx1"/>
+                </a:solidFill>
+              </a:rPr>
+              <a:t> Model ra </a:t>
+            </a:r>
+            <a:r>
+              <a:rPr lang="en-US" sz="1200" dirty="0" err="1">
+                <a:solidFill>
+                  <a:schemeClr val="tx1"/>
+                </a:solidFill>
+              </a:rPr>
+              <a:t>thành</a:t>
+            </a:r>
+            <a:r>
+              <a:rPr lang="en-US" sz="1200" dirty="0">
+                <a:solidFill>
+                  <a:schemeClr val="tx1"/>
+                </a:solidFill>
+              </a:rPr>
+              <a:t> </a:t>
+            </a:r>
+          </a:p>
+          <a:p>
+            <a:r>
+              <a:rPr lang="en-US" sz="1200" dirty="0">
+                <a:solidFill>
+                  <a:schemeClr val="tx1"/>
+                </a:solidFill>
+              </a:rPr>
+              <a:t>2 </a:t>
+            </a:r>
+            <a:r>
+              <a:rPr lang="en-US" sz="1200" dirty="0" err="1">
+                <a:solidFill>
+                  <a:schemeClr val="tx1"/>
+                </a:solidFill>
+              </a:rPr>
+              <a:t>phần</a:t>
+            </a:r>
+            <a:r>
+              <a:rPr lang="en-US" sz="1200" dirty="0">
+                <a:solidFill>
+                  <a:schemeClr val="tx1"/>
+                </a:solidFill>
+              </a:rPr>
+              <a:t>, DAO </a:t>
+            </a:r>
+            <a:r>
+              <a:rPr lang="en-US" sz="1200" dirty="0" err="1">
+                <a:solidFill>
+                  <a:schemeClr val="tx1"/>
+                </a:solidFill>
+              </a:rPr>
+              <a:t>và</a:t>
+            </a:r>
+            <a:r>
+              <a:rPr lang="en-US" sz="1200" dirty="0">
+                <a:solidFill>
+                  <a:schemeClr val="tx1"/>
+                </a:solidFill>
+              </a:rPr>
+              <a:t> Entity </a:t>
+            </a:r>
+          </a:p>
+          <a:p>
+            <a:r>
+              <a:rPr lang="en-US" sz="1200" dirty="0"/>
+              <a:t>DAO đ</a:t>
+            </a:r>
+            <a:r>
+              <a:rPr lang="vi-VN" sz="1200" dirty="0" err="1"/>
+              <a:t>ược</a:t>
+            </a:r>
+            <a:r>
+              <a:rPr lang="vi-VN" sz="1200" dirty="0"/>
+              <a:t> </a:t>
+            </a:r>
+            <a:r>
+              <a:rPr lang="vi-VN" sz="1200" dirty="0" err="1"/>
+              <a:t>sử</a:t>
+            </a:r>
+            <a:r>
+              <a:rPr lang="vi-VN" sz="1200" dirty="0"/>
+              <a:t> </a:t>
+            </a:r>
+            <a:r>
+              <a:rPr lang="vi-VN" sz="1200" dirty="0" err="1"/>
+              <a:t>dụng</a:t>
+            </a:r>
+            <a:r>
+              <a:rPr lang="vi-VN" sz="1200" dirty="0"/>
+              <a:t> </a:t>
+            </a:r>
+            <a:r>
+              <a:rPr lang="vi-VN" sz="1200" dirty="0" err="1"/>
+              <a:t>để</a:t>
+            </a:r>
+            <a:r>
+              <a:rPr lang="vi-VN" sz="1200" dirty="0"/>
+              <a:t> phân </a:t>
+            </a:r>
+            <a:r>
+              <a:rPr lang="vi-VN" sz="1200" dirty="0" err="1"/>
+              <a:t>tách</a:t>
+            </a:r>
+            <a:r>
+              <a:rPr lang="vi-VN" sz="1200" dirty="0"/>
+              <a:t> </a:t>
+            </a:r>
+            <a:r>
+              <a:rPr lang="vi-VN" sz="1200" dirty="0" err="1"/>
+              <a:t>logic</a:t>
+            </a:r>
+            <a:r>
+              <a:rPr lang="vi-VN" sz="1200" dirty="0"/>
+              <a:t> lưu </a:t>
+            </a:r>
+            <a:r>
+              <a:rPr lang="vi-VN" sz="1200" dirty="0" err="1"/>
+              <a:t>trữ</a:t>
+            </a:r>
+            <a:r>
+              <a:rPr lang="vi-VN" sz="1200" dirty="0"/>
+              <a:t> cơ </a:t>
+            </a:r>
+            <a:r>
+              <a:rPr lang="vi-VN" sz="1200" dirty="0" err="1"/>
+              <a:t>sở</a:t>
+            </a:r>
+            <a:r>
+              <a:rPr lang="vi-VN" sz="1200" dirty="0"/>
+              <a:t> </a:t>
+            </a:r>
+            <a:r>
+              <a:rPr lang="vi-VN" sz="1200" dirty="0" err="1"/>
+              <a:t>dữ</a:t>
+            </a:r>
+            <a:r>
+              <a:rPr lang="vi-VN" sz="1200" dirty="0"/>
+              <a:t> </a:t>
+            </a:r>
+            <a:r>
+              <a:rPr lang="vi-VN" sz="1200" dirty="0" err="1"/>
+              <a:t>liệu</a:t>
+            </a:r>
+            <a:r>
+              <a:rPr lang="vi-VN" sz="1200" dirty="0"/>
+              <a:t> trong </a:t>
+            </a:r>
+            <a:r>
+              <a:rPr lang="vi-VN" sz="1200" dirty="0" err="1"/>
+              <a:t>một</a:t>
+            </a:r>
+            <a:r>
+              <a:rPr lang="vi-VN" sz="1200" dirty="0"/>
+              <a:t> </a:t>
+            </a:r>
+            <a:r>
+              <a:rPr lang="vi-VN" sz="1200" dirty="0" err="1"/>
+              <a:t>lớp</a:t>
+            </a:r>
+            <a:r>
+              <a:rPr lang="vi-VN" sz="1200" dirty="0"/>
+              <a:t> riêng </a:t>
+            </a:r>
+            <a:r>
+              <a:rPr lang="vi-VN" sz="1200" dirty="0" err="1"/>
+              <a:t>biệt</a:t>
+            </a:r>
+            <a:r>
+              <a:rPr lang="vi-VN" sz="1200" dirty="0"/>
+              <a:t>. </a:t>
+            </a:r>
+            <a:r>
+              <a:rPr lang="vi-VN" sz="1200" i="1" dirty="0" err="1"/>
+              <a:t>Enitiy</a:t>
+            </a:r>
+            <a:r>
+              <a:rPr lang="vi-VN" sz="1200" i="1" dirty="0"/>
+              <a:t> </a:t>
+            </a:r>
+            <a:r>
+              <a:rPr lang="vi-VN" sz="1200" i="1" dirty="0" err="1"/>
+              <a:t>là</a:t>
+            </a:r>
+            <a:r>
+              <a:rPr lang="vi-VN" sz="1200" i="1" dirty="0"/>
+              <a:t> </a:t>
+            </a:r>
+            <a:r>
+              <a:rPr lang="vi-VN" sz="1200" i="1" dirty="0" err="1"/>
+              <a:t>class</a:t>
+            </a:r>
+            <a:r>
+              <a:rPr lang="vi-VN" sz="1200" i="1" dirty="0"/>
+              <a:t> </a:t>
+            </a:r>
+            <a:r>
+              <a:rPr lang="vi-VN" sz="1200" i="1" dirty="0" err="1"/>
+              <a:t>dùng</a:t>
+            </a:r>
+            <a:r>
+              <a:rPr lang="vi-VN" sz="1200" i="1" dirty="0"/>
+              <a:t> </a:t>
+            </a:r>
+            <a:r>
+              <a:rPr lang="vi-VN" sz="1200" i="1" dirty="0" err="1"/>
+              <a:t>để</a:t>
+            </a:r>
+            <a:r>
+              <a:rPr lang="vi-VN" sz="1200" i="1" dirty="0"/>
+              <a:t> </a:t>
+            </a:r>
+            <a:r>
+              <a:rPr lang="vi-VN" sz="1200" i="1" dirty="0" err="1"/>
+              <a:t>ánh</a:t>
+            </a:r>
+            <a:r>
+              <a:rPr lang="vi-VN" sz="1200" i="1" dirty="0"/>
+              <a:t> </a:t>
+            </a:r>
+            <a:r>
+              <a:rPr lang="vi-VN" sz="1200" i="1" dirty="0" err="1"/>
+              <a:t>xạ</a:t>
+            </a:r>
+            <a:r>
+              <a:rPr lang="vi-VN" sz="1200" i="1" dirty="0"/>
+              <a:t> </a:t>
+            </a:r>
+            <a:r>
+              <a:rPr lang="vi-VN" sz="1200" i="1" dirty="0" err="1"/>
+              <a:t>bảng</a:t>
+            </a:r>
+            <a:r>
+              <a:rPr lang="vi-VN" sz="1200" i="1" dirty="0"/>
+              <a:t> trong cơ </a:t>
+            </a:r>
+            <a:r>
+              <a:rPr lang="vi-VN" sz="1200" i="1" dirty="0" err="1"/>
+              <a:t>sở</a:t>
+            </a:r>
+            <a:r>
+              <a:rPr lang="vi-VN" sz="1200" i="1" dirty="0"/>
+              <a:t> </a:t>
+            </a:r>
+            <a:r>
+              <a:rPr lang="vi-VN" sz="1200" i="1" dirty="0" err="1"/>
+              <a:t>dữ</a:t>
+            </a:r>
+            <a:r>
+              <a:rPr lang="vi-VN" sz="1200" i="1" dirty="0"/>
+              <a:t> </a:t>
+            </a:r>
+            <a:r>
+              <a:rPr lang="vi-VN" sz="1200" i="1" dirty="0" err="1"/>
+              <a:t>liệu</a:t>
+            </a:r>
+            <a:endParaRPr lang="en-US" sz="1200" i="1" dirty="0"/>
+          </a:p>
+        </p:txBody>
+      </p:sp>
+      <p:pic>
+        <p:nvPicPr>
+          <p:cNvPr id="6" name="Hình ảnh 5">
+            <a:extLst>
+              <a:ext uri="{FF2B5EF4-FFF2-40B4-BE49-F238E27FC236}">
+                <a16:creationId xmlns:a16="http://schemas.microsoft.com/office/drawing/2014/main" id="{47133EDA-04FC-4E59-AA6E-7F0CDF894681}"/>
+              </a:ext>
+            </a:extLst>
+          </p:cNvPr>
+          <p:cNvPicPr>
+            <a:picLocks noChangeAspect="1"/>
+          </p:cNvPicPr>
+          <p:nvPr/>
+        </p:nvPicPr>
+        <p:blipFill>
+          <a:blip r:embed="rId3"/>
+          <a:stretch>
+            <a:fillRect/>
+          </a:stretch>
+        </p:blipFill>
+        <p:spPr>
+          <a:xfrm>
+            <a:off x="457201" y="2835474"/>
+            <a:ext cx="2267562" cy="1376734"/>
+          </a:xfrm>
+          <a:prstGeom prst="rect">
+            <a:avLst/>
+          </a:prstGeom>
+          <a:ln>
+            <a:noFill/>
+          </a:ln>
+          <a:effectLst>
+            <a:outerShdw blurRad="292100" dist="139700" dir="2700000" algn="tl" rotWithShape="0">
+              <a:srgbClr val="333333">
+                <a:alpha val="65000"/>
+              </a:srgbClr>
+            </a:outerShdw>
+          </a:effectLst>
+        </p:spPr>
+      </p:pic>
+    </p:spTree>
+    <p:extLst>
+      <p:ext uri="{BB962C8B-B14F-4D97-AF65-F5344CB8AC3E}">
+        <p14:creationId xmlns:p14="http://schemas.microsoft.com/office/powerpoint/2010/main" val="3996377537"/>
+      </p:ext>
+    </p:extLst>
+  </p:cSld>
+  <p:clrMapOvr>
+    <a:masterClrMapping/>
+  </p:clrMapOvr>
+  <p:transition spd="slow">
+    <p:push dir="u"/>
+  </p:transition>
+</p:sld>
+</file>
+
+<file path=ppt/slides/slide9.xml><?xml version="1.0" encoding="utf-8"?>
 <p:sld xmlns:a="http://schemas.openxmlformats.org/drawingml/2006/main" xmlns:r="http://schemas.openxmlformats.org/officeDocument/2006/relationships" xmlns:p="http://schemas.openxmlformats.org/presentationml/2006/main">
   <p:cSld>
     <p:spTree>
@@ -22392,45 +27260,12 @@
           </a:effectLst>
         </p:spPr>
       </p:pic>
-    </p:spTree>
-    <p:extLst>
-      <p:ext uri="{BB962C8B-B14F-4D97-AF65-F5344CB8AC3E}">
-        <p14:creationId xmlns:p14="http://schemas.microsoft.com/office/powerpoint/2010/main" val="3006832650"/>
-      </p:ext>
-    </p:extLst>
-  </p:cSld>
-  <p:clrMapOvr>
-    <a:masterClrMapping/>
-  </p:clrMapOvr>
-  <p:transition spd="slow">
-    <p:push dir="u"/>
-  </p:transition>
-</p:sld>
-</file>
-
-<file path=ppt/slides/slide8.xml><?xml version="1.0" encoding="utf-8"?>
-<p:sld xmlns:a="http://schemas.openxmlformats.org/drawingml/2006/main" xmlns:r="http://schemas.openxmlformats.org/officeDocument/2006/relationships" xmlns:p="http://schemas.openxmlformats.org/presentationml/2006/main">
-  <p:cSld>
-    <p:spTree>
-      <p:nvGrpSpPr>
-        <p:cNvPr id="1" name=""/>
-        <p:cNvGrpSpPr/>
-        <p:nvPr/>
-      </p:nvGrpSpPr>
-      <p:grpSpPr>
-        <a:xfrm>
-          <a:off x="0" y="0"/>
-          <a:ext cx="0" cy="0"/>
-          <a:chOff x="0" y="0"/>
-          <a:chExt cx="0" cy="0"/>
-        </a:xfrm>
-      </p:grpSpPr>
       <p:pic>
         <p:nvPicPr>
-          <p:cNvPr id="4" name="Hình ảnh 3">
+          <p:cNvPr id="2" name="Hình ảnh 1">
             <a:extLst>
               <a:ext uri="{FF2B5EF4-FFF2-40B4-BE49-F238E27FC236}">
-                <a16:creationId xmlns:a16="http://schemas.microsoft.com/office/drawing/2014/main" id="{33576B8A-8C0F-4FAF-B3F7-FB4707652C8E}"/>
+                <a16:creationId xmlns:a16="http://schemas.microsoft.com/office/drawing/2014/main" id="{22F5B9A0-C41A-4E19-9890-2FD6AD5D04B0}"/>
               </a:ext>
             </a:extLst>
           </p:cNvPr>
@@ -22440,15 +27275,155 @@
           <p:nvPr/>
         </p:nvPicPr>
         <p:blipFill>
-          <a:blip r:embed="rId2"/>
+          <a:blip r:embed="rId3"/>
           <a:stretch>
             <a:fillRect/>
           </a:stretch>
         </p:blipFill>
         <p:spPr>
           <a:xfrm>
-            <a:off x="0" y="457924"/>
-            <a:ext cx="9144000" cy="4227651"/>
+            <a:off x="3567111" y="2139702"/>
+            <a:ext cx="2009775" cy="247650"/>
+          </a:xfrm>
+          <a:prstGeom prst="rect">
+            <a:avLst/>
+          </a:prstGeom>
+        </p:spPr>
+      </p:pic>
+      <p:pic>
+        <p:nvPicPr>
+          <p:cNvPr id="3" name="Hình ảnh 2">
+            <a:extLst>
+              <a:ext uri="{FF2B5EF4-FFF2-40B4-BE49-F238E27FC236}">
+                <a16:creationId xmlns:a16="http://schemas.microsoft.com/office/drawing/2014/main" id="{A287FCF8-5C17-4C08-9068-DA3A1763C4F3}"/>
+              </a:ext>
+            </a:extLst>
+          </p:cNvPr>
+          <p:cNvPicPr>
+            <a:picLocks noChangeAspect="1"/>
+          </p:cNvPicPr>
+          <p:nvPr/>
+        </p:nvPicPr>
+        <p:blipFill>
+          <a:blip r:embed="rId4"/>
+          <a:stretch>
+            <a:fillRect/>
+          </a:stretch>
+        </p:blipFill>
+        <p:spPr>
+          <a:xfrm>
+            <a:off x="3700460" y="2641849"/>
+            <a:ext cx="1743075" cy="228600"/>
+          </a:xfrm>
+          <a:prstGeom prst="rect">
+            <a:avLst/>
+          </a:prstGeom>
+        </p:spPr>
+      </p:pic>
+      <p:pic>
+        <p:nvPicPr>
+          <p:cNvPr id="4" name="Hình ảnh 3">
+            <a:extLst>
+              <a:ext uri="{FF2B5EF4-FFF2-40B4-BE49-F238E27FC236}">
+                <a16:creationId xmlns:a16="http://schemas.microsoft.com/office/drawing/2014/main" id="{C3233B3A-5E5E-4914-9131-32627077F8C1}"/>
+              </a:ext>
+            </a:extLst>
+          </p:cNvPr>
+          <p:cNvPicPr>
+            <a:picLocks noChangeAspect="1"/>
+          </p:cNvPicPr>
+          <p:nvPr/>
+        </p:nvPicPr>
+        <p:blipFill>
+          <a:blip r:embed="rId5"/>
+          <a:stretch>
+            <a:fillRect/>
+          </a:stretch>
+        </p:blipFill>
+        <p:spPr>
+          <a:xfrm>
+            <a:off x="1651538" y="0"/>
+            <a:ext cx="5840924" cy="5143500"/>
+          </a:xfrm>
+          <a:prstGeom prst="rect">
+            <a:avLst/>
+          </a:prstGeom>
+          <a:ln>
+            <a:noFill/>
+          </a:ln>
+          <a:effectLst>
+            <a:outerShdw blurRad="292100" dist="139700" dir="2700000" algn="tl" rotWithShape="0">
+              <a:srgbClr val="333333">
+                <a:alpha val="65000"/>
+              </a:srgbClr>
+            </a:outerShdw>
+          </a:effectLst>
+        </p:spPr>
+      </p:pic>
+      <p:pic>
+        <p:nvPicPr>
+          <p:cNvPr id="6" name="Hình ảnh 5">
+            <a:extLst>
+              <a:ext uri="{FF2B5EF4-FFF2-40B4-BE49-F238E27FC236}">
+                <a16:creationId xmlns:a16="http://schemas.microsoft.com/office/drawing/2014/main" id="{566946F1-B4AD-49F0-B85F-2E928C77183E}"/>
+              </a:ext>
+            </a:extLst>
+          </p:cNvPr>
+          <p:cNvPicPr>
+            <a:picLocks noChangeAspect="1"/>
+          </p:cNvPicPr>
+          <p:nvPr/>
+        </p:nvPicPr>
+        <p:blipFill>
+          <a:blip r:embed="rId6"/>
+          <a:stretch>
+            <a:fillRect/>
+          </a:stretch>
+        </p:blipFill>
+        <p:spPr>
+          <a:xfrm>
+            <a:off x="1834200" y="0"/>
+            <a:ext cx="5475600" cy="5143500"/>
+          </a:xfrm>
+          <a:prstGeom prst="rect">
+            <a:avLst/>
+          </a:prstGeom>
+          <a:ln>
+            <a:noFill/>
+          </a:ln>
+          <a:effectLst>
+            <a:outerShdw blurRad="292100" dist="139700" dir="2700000" algn="tl" rotWithShape="0">
+              <a:srgbClr val="333333">
+                <a:alpha val="65000"/>
+              </a:srgbClr>
+            </a:outerShdw>
+          </a:effectLst>
+        </p:spPr>
+      </p:pic>
+      <p:pic>
+        <p:nvPicPr>
+          <p:cNvPr id="7" name="Hình ảnh 6">
+            <a:extLst>
+              <a:ext uri="{FF2B5EF4-FFF2-40B4-BE49-F238E27FC236}">
+                <a16:creationId xmlns:a16="http://schemas.microsoft.com/office/drawing/2014/main" id="{ACB58FBC-2027-4479-8130-541530FA8012}"/>
+              </a:ext>
+            </a:extLst>
+          </p:cNvPr>
+          <p:cNvPicPr>
+            <a:picLocks noChangeAspect="1"/>
+          </p:cNvPicPr>
+          <p:nvPr/>
+        </p:nvPicPr>
+        <p:blipFill>
+          <a:blip r:embed="rId7"/>
+          <a:stretch>
+            <a:fillRect/>
+          </a:stretch>
+        </p:blipFill>
+        <p:spPr>
+          <a:xfrm>
+            <a:off x="1524000" y="919162"/>
+            <a:ext cx="6096000" cy="3305175"/>
           </a:xfrm>
           <a:prstGeom prst="rect">
             <a:avLst/>
@@ -22468,7 +27443,7 @@
     </p:spTree>
     <p:extLst>
       <p:ext uri="{BB962C8B-B14F-4D97-AF65-F5344CB8AC3E}">
-        <p14:creationId xmlns:p14="http://schemas.microsoft.com/office/powerpoint/2010/main" val="946387698"/>
+        <p14:creationId xmlns:p14="http://schemas.microsoft.com/office/powerpoint/2010/main" val="3006832650"/>
       </p:ext>
     </p:extLst>
   </p:cSld>
@@ -22478,79 +27453,458 @@
   <p:transition spd="slow">
     <p:push dir="u"/>
   </p:transition>
-</p:sld>
-</file>
-
-<file path=ppt/slides/slide9.xml><?xml version="1.0" encoding="utf-8"?>
-<p:sld xmlns:a="http://schemas.openxmlformats.org/drawingml/2006/main" xmlns:r="http://schemas.openxmlformats.org/officeDocument/2006/relationships" xmlns:p="http://schemas.openxmlformats.org/presentationml/2006/main">
-  <p:cSld>
-    <p:spTree>
-      <p:nvGrpSpPr>
-        <p:cNvPr id="1" name=""/>
-        <p:cNvGrpSpPr/>
-        <p:nvPr/>
-      </p:nvGrpSpPr>
-      <p:grpSpPr>
-        <a:xfrm>
-          <a:off x="0" y="0"/>
-          <a:ext cx="0" cy="0"/>
-          <a:chOff x="0" y="0"/>
-          <a:chExt cx="0" cy="0"/>
-        </a:xfrm>
-      </p:grpSpPr>
-      <p:pic>
-        <p:nvPicPr>
-          <p:cNvPr id="4" name="Hình ảnh 3">
-            <a:extLst>
-              <a:ext uri="{FF2B5EF4-FFF2-40B4-BE49-F238E27FC236}">
-                <a16:creationId xmlns:a16="http://schemas.microsoft.com/office/drawing/2014/main" id="{82CCB5A7-B8CE-4D2A-BF39-7F5F1107A92B}"/>
-              </a:ext>
-            </a:extLst>
-          </p:cNvPr>
-          <p:cNvPicPr>
-            <a:picLocks noChangeAspect="1"/>
-          </p:cNvPicPr>
-          <p:nvPr/>
-        </p:nvPicPr>
-        <p:blipFill>
-          <a:blip r:embed="rId2"/>
-          <a:stretch>
-            <a:fillRect/>
-          </a:stretch>
-        </p:blipFill>
-        <p:spPr>
-          <a:xfrm>
-            <a:off x="0" y="448551"/>
-            <a:ext cx="9144000" cy="4246398"/>
-          </a:xfrm>
-          <a:prstGeom prst="rect">
-            <a:avLst/>
-          </a:prstGeom>
-          <a:ln>
-            <a:noFill/>
-          </a:ln>
-          <a:effectLst>
-            <a:outerShdw blurRad="292100" dist="139700" dir="2700000" algn="tl" rotWithShape="0">
-              <a:srgbClr val="333333">
-                <a:alpha val="65000"/>
-              </a:srgbClr>
-            </a:outerShdw>
-          </a:effectLst>
-        </p:spPr>
-      </p:pic>
-    </p:spTree>
-    <p:extLst>
-      <p:ext uri="{BB962C8B-B14F-4D97-AF65-F5344CB8AC3E}">
-        <p14:creationId xmlns:p14="http://schemas.microsoft.com/office/powerpoint/2010/main" val="2187944705"/>
-      </p:ext>
-    </p:extLst>
-  </p:cSld>
-  <p:clrMapOvr>
-    <a:masterClrMapping/>
-  </p:clrMapOvr>
-  <p:transition spd="slow">
-    <p:push dir="u"/>
-  </p:transition>
+  <p:timing>
+    <p:tnLst>
+      <p:par>
+        <p:cTn id="1" dur="indefinite" restart="never" nodeType="tmRoot">
+          <p:childTnLst>
+            <p:seq concurrent="1" nextAc="seek">
+              <p:cTn id="2" dur="indefinite" nodeType="mainSeq">
+                <p:childTnLst>
+                  <p:par>
+                    <p:cTn id="3" fill="hold">
+                      <p:stCondLst>
+                        <p:cond delay="indefinite"/>
+                      </p:stCondLst>
+                      <p:childTnLst>
+                        <p:par>
+                          <p:cTn id="4" fill="hold">
+                            <p:stCondLst>
+                              <p:cond delay="0"/>
+                            </p:stCondLst>
+                            <p:childTnLst>
+                              <p:par>
+                                <p:cTn id="5" presetID="16" presetClass="exit" presetSubtype="21" fill="hold" nodeType="clickEffect">
+                                  <p:stCondLst>
+                                    <p:cond delay="0"/>
+                                  </p:stCondLst>
+                                  <p:childTnLst>
+                                    <p:animEffect transition="out" filter="barn(inVertical)">
+                                      <p:cBhvr>
+                                        <p:cTn id="6" dur="500"/>
+                                        <p:tgtEl>
+                                          <p:spTgt spid="5"/>
+                                        </p:tgtEl>
+                                      </p:cBhvr>
+                                    </p:animEffect>
+                                    <p:set>
+                                      <p:cBhvr>
+                                        <p:cTn id="7" dur="1" fill="hold">
+                                          <p:stCondLst>
+                                            <p:cond delay="499"/>
+                                          </p:stCondLst>
+                                        </p:cTn>
+                                        <p:tgtEl>
+                                          <p:spTgt spid="5"/>
+                                        </p:tgtEl>
+                                        <p:attrNameLst>
+                                          <p:attrName>style.visibility</p:attrName>
+                                        </p:attrNameLst>
+                                      </p:cBhvr>
+                                      <p:to>
+                                        <p:strVal val="hidden"/>
+                                      </p:to>
+                                    </p:set>
+                                  </p:childTnLst>
+                                </p:cTn>
+                              </p:par>
+                              <p:par>
+                                <p:cTn id="8" presetID="10" presetClass="entr" presetSubtype="0" fill="hold" nodeType="withEffect">
+                                  <p:stCondLst>
+                                    <p:cond delay="0"/>
+                                  </p:stCondLst>
+                                  <p:childTnLst>
+                                    <p:set>
+                                      <p:cBhvr>
+                                        <p:cTn id="9" dur="1" fill="hold">
+                                          <p:stCondLst>
+                                            <p:cond delay="0"/>
+                                          </p:stCondLst>
+                                        </p:cTn>
+                                        <p:tgtEl>
+                                          <p:spTgt spid="2"/>
+                                        </p:tgtEl>
+                                        <p:attrNameLst>
+                                          <p:attrName>style.visibility</p:attrName>
+                                        </p:attrNameLst>
+                                      </p:cBhvr>
+                                      <p:to>
+                                        <p:strVal val="visible"/>
+                                      </p:to>
+                                    </p:set>
+                                    <p:animEffect transition="in" filter="fade">
+                                      <p:cBhvr>
+                                        <p:cTn id="10" dur="500"/>
+                                        <p:tgtEl>
+                                          <p:spTgt spid="2"/>
+                                        </p:tgtEl>
+                                      </p:cBhvr>
+                                    </p:animEffect>
+                                  </p:childTnLst>
+                                </p:cTn>
+                              </p:par>
+                              <p:par>
+                                <p:cTn id="11" presetID="10" presetClass="entr" presetSubtype="0" fill="hold" nodeType="withEffect">
+                                  <p:stCondLst>
+                                    <p:cond delay="0"/>
+                                  </p:stCondLst>
+                                  <p:childTnLst>
+                                    <p:set>
+                                      <p:cBhvr>
+                                        <p:cTn id="12" dur="1" fill="hold">
+                                          <p:stCondLst>
+                                            <p:cond delay="0"/>
+                                          </p:stCondLst>
+                                        </p:cTn>
+                                        <p:tgtEl>
+                                          <p:spTgt spid="3"/>
+                                        </p:tgtEl>
+                                        <p:attrNameLst>
+                                          <p:attrName>style.visibility</p:attrName>
+                                        </p:attrNameLst>
+                                      </p:cBhvr>
+                                      <p:to>
+                                        <p:strVal val="visible"/>
+                                      </p:to>
+                                    </p:set>
+                                    <p:animEffect transition="in" filter="fade">
+                                      <p:cBhvr>
+                                        <p:cTn id="13" dur="500"/>
+                                        <p:tgtEl>
+                                          <p:spTgt spid="3"/>
+                                        </p:tgtEl>
+                                      </p:cBhvr>
+                                    </p:animEffect>
+                                  </p:childTnLst>
+                                </p:cTn>
+                              </p:par>
+                            </p:childTnLst>
+                          </p:cTn>
+                        </p:par>
+                      </p:childTnLst>
+                    </p:cTn>
+                  </p:par>
+                  <p:par>
+                    <p:cTn id="14" fill="hold">
+                      <p:stCondLst>
+                        <p:cond delay="indefinite"/>
+                      </p:stCondLst>
+                      <p:childTnLst>
+                        <p:par>
+                          <p:cTn id="15" fill="hold">
+                            <p:stCondLst>
+                              <p:cond delay="0"/>
+                            </p:stCondLst>
+                            <p:childTnLst>
+                              <p:par>
+                                <p:cTn id="16" presetID="10" presetClass="exit" presetSubtype="0" fill="hold" nodeType="clickEffect">
+                                  <p:stCondLst>
+                                    <p:cond delay="0"/>
+                                  </p:stCondLst>
+                                  <p:childTnLst>
+                                    <p:animEffect transition="out" filter="fade">
+                                      <p:cBhvr>
+                                        <p:cTn id="17" dur="500"/>
+                                        <p:tgtEl>
+                                          <p:spTgt spid="2"/>
+                                        </p:tgtEl>
+                                      </p:cBhvr>
+                                    </p:animEffect>
+                                    <p:set>
+                                      <p:cBhvr>
+                                        <p:cTn id="18" dur="1" fill="hold">
+                                          <p:stCondLst>
+                                            <p:cond delay="499"/>
+                                          </p:stCondLst>
+                                        </p:cTn>
+                                        <p:tgtEl>
+                                          <p:spTgt spid="2"/>
+                                        </p:tgtEl>
+                                        <p:attrNameLst>
+                                          <p:attrName>style.visibility</p:attrName>
+                                        </p:attrNameLst>
+                                      </p:cBhvr>
+                                      <p:to>
+                                        <p:strVal val="hidden"/>
+                                      </p:to>
+                                    </p:set>
+                                  </p:childTnLst>
+                                </p:cTn>
+                              </p:par>
+                              <p:par>
+                                <p:cTn id="19" presetID="10" presetClass="exit" presetSubtype="0" fill="hold" nodeType="withEffect">
+                                  <p:stCondLst>
+                                    <p:cond delay="0"/>
+                                  </p:stCondLst>
+                                  <p:childTnLst>
+                                    <p:animEffect transition="out" filter="fade">
+                                      <p:cBhvr>
+                                        <p:cTn id="20" dur="500"/>
+                                        <p:tgtEl>
+                                          <p:spTgt spid="3"/>
+                                        </p:tgtEl>
+                                      </p:cBhvr>
+                                    </p:animEffect>
+                                    <p:set>
+                                      <p:cBhvr>
+                                        <p:cTn id="21" dur="1" fill="hold">
+                                          <p:stCondLst>
+                                            <p:cond delay="499"/>
+                                          </p:stCondLst>
+                                        </p:cTn>
+                                        <p:tgtEl>
+                                          <p:spTgt spid="3"/>
+                                        </p:tgtEl>
+                                        <p:attrNameLst>
+                                          <p:attrName>style.visibility</p:attrName>
+                                        </p:attrNameLst>
+                                      </p:cBhvr>
+                                      <p:to>
+                                        <p:strVal val="hidden"/>
+                                      </p:to>
+                                    </p:set>
+                                  </p:childTnLst>
+                                </p:cTn>
+                              </p:par>
+                              <p:par>
+                                <p:cTn id="22" presetID="22" presetClass="entr" presetSubtype="4" fill="hold" nodeType="withEffect">
+                                  <p:stCondLst>
+                                    <p:cond delay="0"/>
+                                  </p:stCondLst>
+                                  <p:childTnLst>
+                                    <p:set>
+                                      <p:cBhvr>
+                                        <p:cTn id="23" dur="1" fill="hold">
+                                          <p:stCondLst>
+                                            <p:cond delay="0"/>
+                                          </p:stCondLst>
+                                        </p:cTn>
+                                        <p:tgtEl>
+                                          <p:spTgt spid="4"/>
+                                        </p:tgtEl>
+                                        <p:attrNameLst>
+                                          <p:attrName>style.visibility</p:attrName>
+                                        </p:attrNameLst>
+                                      </p:cBhvr>
+                                      <p:to>
+                                        <p:strVal val="visible"/>
+                                      </p:to>
+                                    </p:set>
+                                    <p:animEffect transition="in" filter="wipe(down)">
+                                      <p:cBhvr>
+                                        <p:cTn id="24" dur="500"/>
+                                        <p:tgtEl>
+                                          <p:spTgt spid="4"/>
+                                        </p:tgtEl>
+                                      </p:cBhvr>
+                                    </p:animEffect>
+                                  </p:childTnLst>
+                                </p:cTn>
+                              </p:par>
+                            </p:childTnLst>
+                          </p:cTn>
+                        </p:par>
+                      </p:childTnLst>
+                    </p:cTn>
+                  </p:par>
+                  <p:par>
+                    <p:cTn id="25" fill="hold">
+                      <p:stCondLst>
+                        <p:cond delay="indefinite"/>
+                      </p:stCondLst>
+                      <p:childTnLst>
+                        <p:par>
+                          <p:cTn id="26" fill="hold">
+                            <p:stCondLst>
+                              <p:cond delay="0"/>
+                            </p:stCondLst>
+                            <p:childTnLst>
+                              <p:par>
+                                <p:cTn id="27" presetID="16" presetClass="exit" presetSubtype="21" fill="hold" nodeType="clickEffect">
+                                  <p:stCondLst>
+                                    <p:cond delay="0"/>
+                                  </p:stCondLst>
+                                  <p:childTnLst>
+                                    <p:animEffect transition="out" filter="barn(inVertical)">
+                                      <p:cBhvr>
+                                        <p:cTn id="28" dur="500"/>
+                                        <p:tgtEl>
+                                          <p:spTgt spid="4"/>
+                                        </p:tgtEl>
+                                      </p:cBhvr>
+                                    </p:animEffect>
+                                    <p:set>
+                                      <p:cBhvr>
+                                        <p:cTn id="29" dur="1" fill="hold">
+                                          <p:stCondLst>
+                                            <p:cond delay="499"/>
+                                          </p:stCondLst>
+                                        </p:cTn>
+                                        <p:tgtEl>
+                                          <p:spTgt spid="4"/>
+                                        </p:tgtEl>
+                                        <p:attrNameLst>
+                                          <p:attrName>style.visibility</p:attrName>
+                                        </p:attrNameLst>
+                                      </p:cBhvr>
+                                      <p:to>
+                                        <p:strVal val="hidden"/>
+                                      </p:to>
+                                    </p:set>
+                                  </p:childTnLst>
+                                </p:cTn>
+                              </p:par>
+                              <p:par>
+                                <p:cTn id="30" presetID="22" presetClass="entr" presetSubtype="4" fill="hold" nodeType="withEffect">
+                                  <p:stCondLst>
+                                    <p:cond delay="0"/>
+                                  </p:stCondLst>
+                                  <p:childTnLst>
+                                    <p:set>
+                                      <p:cBhvr>
+                                        <p:cTn id="31" dur="1" fill="hold">
+                                          <p:stCondLst>
+                                            <p:cond delay="0"/>
+                                          </p:stCondLst>
+                                        </p:cTn>
+                                        <p:tgtEl>
+                                          <p:spTgt spid="6"/>
+                                        </p:tgtEl>
+                                        <p:attrNameLst>
+                                          <p:attrName>style.visibility</p:attrName>
+                                        </p:attrNameLst>
+                                      </p:cBhvr>
+                                      <p:to>
+                                        <p:strVal val="visible"/>
+                                      </p:to>
+                                    </p:set>
+                                    <p:animEffect transition="in" filter="wipe(down)">
+                                      <p:cBhvr>
+                                        <p:cTn id="32" dur="500"/>
+                                        <p:tgtEl>
+                                          <p:spTgt spid="6"/>
+                                        </p:tgtEl>
+                                      </p:cBhvr>
+                                    </p:animEffect>
+                                  </p:childTnLst>
+                                </p:cTn>
+                              </p:par>
+                            </p:childTnLst>
+                          </p:cTn>
+                        </p:par>
+                      </p:childTnLst>
+                    </p:cTn>
+                  </p:par>
+                  <p:par>
+                    <p:cTn id="33" fill="hold">
+                      <p:stCondLst>
+                        <p:cond delay="indefinite"/>
+                      </p:stCondLst>
+                      <p:childTnLst>
+                        <p:par>
+                          <p:cTn id="34" fill="hold">
+                            <p:stCondLst>
+                              <p:cond delay="0"/>
+                            </p:stCondLst>
+                            <p:childTnLst>
+                              <p:par>
+                                <p:cTn id="35" presetID="16" presetClass="exit" presetSubtype="21" fill="hold" nodeType="clickEffect">
+                                  <p:stCondLst>
+                                    <p:cond delay="0"/>
+                                  </p:stCondLst>
+                                  <p:childTnLst>
+                                    <p:animEffect transition="out" filter="barn(inVertical)">
+                                      <p:cBhvr>
+                                        <p:cTn id="36" dur="500"/>
+                                        <p:tgtEl>
+                                          <p:spTgt spid="6"/>
+                                        </p:tgtEl>
+                                      </p:cBhvr>
+                                    </p:animEffect>
+                                    <p:set>
+                                      <p:cBhvr>
+                                        <p:cTn id="37" dur="1" fill="hold">
+                                          <p:stCondLst>
+                                            <p:cond delay="499"/>
+                                          </p:stCondLst>
+                                        </p:cTn>
+                                        <p:tgtEl>
+                                          <p:spTgt spid="6"/>
+                                        </p:tgtEl>
+                                        <p:attrNameLst>
+                                          <p:attrName>style.visibility</p:attrName>
+                                        </p:attrNameLst>
+                                      </p:cBhvr>
+                                      <p:to>
+                                        <p:strVal val="hidden"/>
+                                      </p:to>
+                                    </p:set>
+                                  </p:childTnLst>
+                                </p:cTn>
+                              </p:par>
+                              <p:par>
+                                <p:cTn id="38" presetID="22" presetClass="entr" presetSubtype="4" fill="hold" nodeType="withEffect">
+                                  <p:stCondLst>
+                                    <p:cond delay="0"/>
+                                  </p:stCondLst>
+                                  <p:childTnLst>
+                                    <p:set>
+                                      <p:cBhvr>
+                                        <p:cTn id="39" dur="1" fill="hold">
+                                          <p:stCondLst>
+                                            <p:cond delay="0"/>
+                                          </p:stCondLst>
+                                        </p:cTn>
+                                        <p:tgtEl>
+                                          <p:spTgt spid="7"/>
+                                        </p:tgtEl>
+                                        <p:attrNameLst>
+                                          <p:attrName>style.visibility</p:attrName>
+                                        </p:attrNameLst>
+                                      </p:cBhvr>
+                                      <p:to>
+                                        <p:strVal val="visible"/>
+                                      </p:to>
+                                    </p:set>
+                                    <p:animEffect transition="in" filter="wipe(down)">
+                                      <p:cBhvr>
+                                        <p:cTn id="40" dur="500"/>
+                                        <p:tgtEl>
+                                          <p:spTgt spid="7"/>
+                                        </p:tgtEl>
+                                      </p:cBhvr>
+                                    </p:animEffect>
+                                  </p:childTnLst>
+                                </p:cTn>
+                              </p:par>
+                            </p:childTnLst>
+                          </p:cTn>
+                        </p:par>
+                      </p:childTnLst>
+                    </p:cTn>
+                  </p:par>
+                </p:childTnLst>
+              </p:cTn>
+              <p:prevCondLst>
+                <p:cond evt="onPrev" delay="0">
+                  <p:tgtEl>
+                    <p:sldTgt/>
+                  </p:tgtEl>
+                </p:cond>
+              </p:prevCondLst>
+              <p:nextCondLst>
+                <p:cond evt="onNext" delay="0">
+                  <p:tgtEl>
+                    <p:sldTgt/>
+                  </p:tgtEl>
+                </p:cond>
+              </p:nextCondLst>
+            </p:seq>
+          </p:childTnLst>
+        </p:cTn>
+      </p:par>
+    </p:tnLst>
+  </p:timing>
 </p:sld>
 </file>
 

--- a/Báo cáo.pptx
+++ b/Báo cáo.pptx
@@ -5,7 +5,7 @@
     <p:sldMasterId id="2147483648" r:id="rId1"/>
   </p:sldMasterIdLst>
   <p:notesMasterIdLst>
-    <p:notesMasterId r:id="rId28"/>
+    <p:notesMasterId r:id="rId29"/>
   </p:notesMasterIdLst>
   <p:sldIdLst>
     <p:sldId id="256" r:id="rId2"/>
@@ -32,8 +32,9 @@
     <p:sldId id="279" r:id="rId23"/>
     <p:sldId id="286" r:id="rId24"/>
     <p:sldId id="310" r:id="rId25"/>
-    <p:sldId id="282" r:id="rId26"/>
-    <p:sldId id="294" r:id="rId27"/>
+    <p:sldId id="312" r:id="rId26"/>
+    <p:sldId id="282" r:id="rId27"/>
+    <p:sldId id="294" r:id="rId28"/>
   </p:sldIdLst>
   <p:sldSz cx="9144000" cy="5143500" type="screen16x9"/>
   <p:notesSz cx="5143500" cy="9144000"/>
@@ -14000,6 +14001,89 @@
       </p:grpSpPr>
       <p:sp>
         <p:nvSpPr>
+          <p:cNvPr id="2" name="Tiêu đề 1">
+            <a:extLst>
+              <a:ext uri="{FF2B5EF4-FFF2-40B4-BE49-F238E27FC236}">
+                <a16:creationId xmlns:a16="http://schemas.microsoft.com/office/drawing/2014/main" id="{0BD91DDE-78E5-4F7B-B3D9-7B19D9CE841F}"/>
+              </a:ext>
+            </a:extLst>
+          </p:cNvPr>
+          <p:cNvSpPr>
+            <a:spLocks noGrp="1"/>
+          </p:cNvSpPr>
+          <p:nvPr>
+            <p:ph type="title"/>
+          </p:nvPr>
+        </p:nvSpPr>
+        <p:spPr/>
+        <p:txBody>
+          <a:bodyPr/>
+          <a:lstStyle/>
+          <a:p>
+            <a:endParaRPr lang="vi-VN"/>
+          </a:p>
+        </p:txBody>
+      </p:sp>
+      <p:sp>
+        <p:nvSpPr>
+          <p:cNvPr id="3" name="Chỗ dành sẵn cho Nội dung 2">
+            <a:extLst>
+              <a:ext uri="{FF2B5EF4-FFF2-40B4-BE49-F238E27FC236}">
+                <a16:creationId xmlns:a16="http://schemas.microsoft.com/office/drawing/2014/main" id="{67E30190-FD71-4072-A884-9F35B7AFA21D}"/>
+              </a:ext>
+            </a:extLst>
+          </p:cNvPr>
+          <p:cNvSpPr>
+            <a:spLocks noGrp="1"/>
+          </p:cNvSpPr>
+          <p:nvPr>
+            <p:ph idx="1"/>
+          </p:nvPr>
+        </p:nvSpPr>
+        <p:spPr/>
+        <p:txBody>
+          <a:bodyPr/>
+          <a:lstStyle/>
+          <a:p>
+            <a:endParaRPr lang="vi-VN"/>
+          </a:p>
+        </p:txBody>
+      </p:sp>
+    </p:spTree>
+    <p:extLst>
+      <p:ext uri="{BB962C8B-B14F-4D97-AF65-F5344CB8AC3E}">
+        <p14:creationId xmlns:p14="http://schemas.microsoft.com/office/powerpoint/2010/main" val="3226642895"/>
+      </p:ext>
+    </p:extLst>
+  </p:cSld>
+  <p:clrMapOvr>
+    <a:masterClrMapping/>
+  </p:clrMapOvr>
+  <p:transition spd="slow">
+    <p:push dir="u"/>
+  </p:transition>
+</p:sld>
+</file>
+
+<file path=ppt/slides/slide26.xml><?xml version="1.0" encoding="utf-8"?>
+<p:sld xmlns:a="http://schemas.openxmlformats.org/drawingml/2006/main" xmlns:r="http://schemas.openxmlformats.org/officeDocument/2006/relationships" xmlns:p="http://schemas.openxmlformats.org/presentationml/2006/main">
+  <p:cSld>
+    <p:spTree>
+      <p:nvGrpSpPr>
+        <p:cNvPr id="1" name=""/>
+        <p:cNvGrpSpPr/>
+        <p:nvPr/>
+      </p:nvGrpSpPr>
+      <p:grpSpPr>
+        <a:xfrm>
+          <a:off x="0" y="0"/>
+          <a:ext cx="0" cy="0"/>
+          <a:chOff x="0" y="0"/>
+          <a:chExt cx="0" cy="0"/>
+        </a:xfrm>
+      </p:grpSpPr>
+      <p:sp>
+        <p:nvSpPr>
           <p:cNvPr id="2" name="Title 1"/>
           <p:cNvSpPr>
             <a:spLocks noGrp="1"/>
@@ -14575,7 +14659,7 @@
 </p:sld>
 </file>
 
-<file path=ppt/slides/slide26.xml><?xml version="1.0" encoding="utf-8"?>
+<file path=ppt/slides/slide27.xml><?xml version="1.0" encoding="utf-8"?>
 <p:sld xmlns:a="http://schemas.openxmlformats.org/drawingml/2006/main" xmlns:r="http://schemas.openxmlformats.org/officeDocument/2006/relationships" xmlns:p="http://schemas.openxmlformats.org/presentationml/2006/main">
   <p:cSld>
     <p:bg>
